--- a/Overview.pptx
+++ b/Overview.pptx
@@ -6,7 +6,10 @@
   </p:sldMasterIdLst>
   <p:sldIdLst>
     <p:sldId id="256" r:id="rId2"/>
-    <p:sldId id="257" r:id="rId3"/>
+    <p:sldId id="263" r:id="rId3"/>
+    <p:sldId id="257" r:id="rId4"/>
+    <p:sldId id="261" r:id="rId5"/>
+    <p:sldId id="262" r:id="rId6"/>
   </p:sldIdLst>
   <p:sldSz cx="12192000" cy="6858000"/>
   <p:notesSz cx="6858000" cy="9144000"/>
@@ -105,6 +108,11 @@
       </a:defRPr>
     </a:lvl9pPr>
   </p:defaultTextStyle>
+  <p:extLst>
+    <p:ext uri="{EFAFB233-063F-42B5-8137-9DF3F51BA10A}">
+      <p15:sldGuideLst xmlns:p15="http://schemas.microsoft.com/office/powerpoint/2012/main"/>
+    </p:ext>
+  </p:extLst>
 </p:presentation>
 </file>
 
@@ -255,7 +263,7 @@
           <a:p>
             <a:fld id="{1A4BFEFF-3F0A-4297-B0D7-462D4925B3E2}" type="datetimeFigureOut">
               <a:rPr lang="es-ES" smtClean="0"/>
-              <a:t>01/09/2023</a:t>
+              <a:t>02/09/2023</a:t>
             </a:fld>
             <a:endParaRPr lang="es-ES"/>
           </a:p>
@@ -453,7 +461,7 @@
           <a:p>
             <a:fld id="{1A4BFEFF-3F0A-4297-B0D7-462D4925B3E2}" type="datetimeFigureOut">
               <a:rPr lang="es-ES" smtClean="0"/>
-              <a:t>01/09/2023</a:t>
+              <a:t>02/09/2023</a:t>
             </a:fld>
             <a:endParaRPr lang="es-ES"/>
           </a:p>
@@ -661,7 +669,7 @@
           <a:p>
             <a:fld id="{1A4BFEFF-3F0A-4297-B0D7-462D4925B3E2}" type="datetimeFigureOut">
               <a:rPr lang="es-ES" smtClean="0"/>
-              <a:t>01/09/2023</a:t>
+              <a:t>02/09/2023</a:t>
             </a:fld>
             <a:endParaRPr lang="es-ES"/>
           </a:p>
@@ -859,7 +867,7 @@
           <a:p>
             <a:fld id="{1A4BFEFF-3F0A-4297-B0D7-462D4925B3E2}" type="datetimeFigureOut">
               <a:rPr lang="es-ES" smtClean="0"/>
-              <a:t>01/09/2023</a:t>
+              <a:t>02/09/2023</a:t>
             </a:fld>
             <a:endParaRPr lang="es-ES"/>
           </a:p>
@@ -1134,7 +1142,7 @@
           <a:p>
             <a:fld id="{1A4BFEFF-3F0A-4297-B0D7-462D4925B3E2}" type="datetimeFigureOut">
               <a:rPr lang="es-ES" smtClean="0"/>
-              <a:t>01/09/2023</a:t>
+              <a:t>02/09/2023</a:t>
             </a:fld>
             <a:endParaRPr lang="es-ES"/>
           </a:p>
@@ -1399,7 +1407,7 @@
           <a:p>
             <a:fld id="{1A4BFEFF-3F0A-4297-B0D7-462D4925B3E2}" type="datetimeFigureOut">
               <a:rPr lang="es-ES" smtClean="0"/>
-              <a:t>01/09/2023</a:t>
+              <a:t>02/09/2023</a:t>
             </a:fld>
             <a:endParaRPr lang="es-ES"/>
           </a:p>
@@ -1811,7 +1819,7 @@
           <a:p>
             <a:fld id="{1A4BFEFF-3F0A-4297-B0D7-462D4925B3E2}" type="datetimeFigureOut">
               <a:rPr lang="es-ES" smtClean="0"/>
-              <a:t>01/09/2023</a:t>
+              <a:t>02/09/2023</a:t>
             </a:fld>
             <a:endParaRPr lang="es-ES"/>
           </a:p>
@@ -1952,7 +1960,7 @@
           <a:p>
             <a:fld id="{1A4BFEFF-3F0A-4297-B0D7-462D4925B3E2}" type="datetimeFigureOut">
               <a:rPr lang="es-ES" smtClean="0"/>
-              <a:t>01/09/2023</a:t>
+              <a:t>02/09/2023</a:t>
             </a:fld>
             <a:endParaRPr lang="es-ES"/>
           </a:p>
@@ -2065,7 +2073,7 @@
           <a:p>
             <a:fld id="{1A4BFEFF-3F0A-4297-B0D7-462D4925B3E2}" type="datetimeFigureOut">
               <a:rPr lang="es-ES" smtClean="0"/>
-              <a:t>01/09/2023</a:t>
+              <a:t>02/09/2023</a:t>
             </a:fld>
             <a:endParaRPr lang="es-ES"/>
           </a:p>
@@ -2376,7 +2384,7 @@
           <a:p>
             <a:fld id="{1A4BFEFF-3F0A-4297-B0D7-462D4925B3E2}" type="datetimeFigureOut">
               <a:rPr lang="es-ES" smtClean="0"/>
-              <a:t>01/09/2023</a:t>
+              <a:t>02/09/2023</a:t>
             </a:fld>
             <a:endParaRPr lang="es-ES"/>
           </a:p>
@@ -2664,7 +2672,7 @@
           <a:p>
             <a:fld id="{1A4BFEFF-3F0A-4297-B0D7-462D4925B3E2}" type="datetimeFigureOut">
               <a:rPr lang="es-ES" smtClean="0"/>
-              <a:t>01/09/2023</a:t>
+              <a:t>02/09/2023</a:t>
             </a:fld>
             <a:endParaRPr lang="es-ES"/>
           </a:p>
@@ -2911,7 +2919,7 @@
           <a:p>
             <a:fld id="{1A4BFEFF-3F0A-4297-B0D7-462D4925B3E2}" type="datetimeFigureOut">
               <a:rPr lang="es-ES" smtClean="0"/>
-              <a:t>01/09/2023</a:t>
+              <a:t>02/09/2023</a:t>
             </a:fld>
             <a:endParaRPr lang="es-ES"/>
           </a:p>
@@ -3330,10 +3338,10 @@
       </p:grpSpPr>
       <p:sp>
         <p:nvSpPr>
-          <p:cNvPr id="27" name="Rectángulo 26">
-            <a:extLst>
-              <a:ext uri="{FF2B5EF4-FFF2-40B4-BE49-F238E27FC236}">
-                <a16:creationId xmlns:a16="http://schemas.microsoft.com/office/drawing/2014/main" id="{EE6C71B7-FB70-74A1-CD22-96854B06E98A}"/>
+          <p:cNvPr id="1066" name="Rectángulo 1065">
+            <a:extLst>
+              <a:ext uri="{FF2B5EF4-FFF2-40B4-BE49-F238E27FC236}">
+                <a16:creationId xmlns:a16="http://schemas.microsoft.com/office/drawing/2014/main" id="{68DD43BE-8FFD-30F9-E7FE-2A22AC03F3B1}"/>
               </a:ext>
             </a:extLst>
           </p:cNvPr>
@@ -3342,8 +3350,8 @@
         </p:nvSpPr>
         <p:spPr>
           <a:xfrm>
-            <a:off x="167946" y="1275869"/>
-            <a:ext cx="1763487" cy="825789"/>
+            <a:off x="7334864" y="3686647"/>
+            <a:ext cx="1131339" cy="838272"/>
           </a:xfrm>
           <a:prstGeom prst="rect">
             <a:avLst/>
@@ -3383,59 +3391,61 @@
           </a:p>
         </p:txBody>
       </p:sp>
-      <p:pic>
-        <p:nvPicPr>
-          <p:cNvPr id="1036" name="Picture 12" descr="Sendcloud - eDesk | Faster, smarter customer support software for eCommerce">
-            <a:extLst>
-              <a:ext uri="{FF2B5EF4-FFF2-40B4-BE49-F238E27FC236}">
-                <a16:creationId xmlns:a16="http://schemas.microsoft.com/office/drawing/2014/main" id="{FB26D9F2-3055-01E3-E26C-FEDD69AD080B}"/>
-              </a:ext>
-            </a:extLst>
-          </p:cNvPr>
-          <p:cNvPicPr>
-            <a:picLocks noChangeAspect="1" noChangeArrowheads="1"/>
-          </p:cNvPicPr>
-          <p:nvPr/>
-        </p:nvPicPr>
-        <p:blipFill>
-          <a:blip r:embed="rId2">
-            <a:extLst>
-              <a:ext uri="{28A0092B-C50C-407E-A947-70E740481C1C}">
-                <a14:useLocalDpi xmlns:a14="http://schemas.microsoft.com/office/drawing/2010/main" val="0"/>
-              </a:ext>
-            </a:extLst>
-          </a:blip>
-          <a:srcRect/>
-          <a:stretch>
-            <a:fillRect/>
-          </a:stretch>
-        </p:blipFill>
-        <p:spPr bwMode="auto">
-          <a:xfrm>
-            <a:off x="167946" y="1275870"/>
-            <a:ext cx="1222316" cy="518558"/>
+      <p:sp>
+        <p:nvSpPr>
+          <p:cNvPr id="1067" name="CuadroTexto 1066">
+            <a:extLst>
+              <a:ext uri="{FF2B5EF4-FFF2-40B4-BE49-F238E27FC236}">
+                <a16:creationId xmlns:a16="http://schemas.microsoft.com/office/drawing/2014/main" id="{B5D1F090-ED6E-7515-F8DE-BB59CB9941CC}"/>
+              </a:ext>
+            </a:extLst>
+          </p:cNvPr>
+          <p:cNvSpPr txBox="1"/>
+          <p:nvPr/>
+        </p:nvSpPr>
+        <p:spPr>
+          <a:xfrm>
+            <a:off x="7417352" y="4023819"/>
+            <a:ext cx="1084991" cy="369332"/>
           </a:xfrm>
           <a:prstGeom prst="rect">
             <a:avLst/>
           </a:prstGeom>
           <a:noFill/>
-          <a:extLst>
-            <a:ext uri="{909E8E84-426E-40DD-AFC4-6F175D3DCCD1}">
-              <a14:hiddenFill xmlns:a14="http://schemas.microsoft.com/office/drawing/2010/main">
-                <a:solidFill>
-                  <a:srgbClr val="FFFFFF"/>
-                </a:solidFill>
-              </a14:hiddenFill>
-            </a:ext>
-          </a:extLst>
-        </p:spPr>
-      </p:pic>
-      <p:sp>
-        <p:nvSpPr>
-          <p:cNvPr id="5" name="Rectángulo 4">
-            <a:extLst>
-              <a:ext uri="{FF2B5EF4-FFF2-40B4-BE49-F238E27FC236}">
-                <a16:creationId xmlns:a16="http://schemas.microsoft.com/office/drawing/2014/main" id="{46D190BB-7DAA-7468-96E0-6D7EB560655C}"/>
+        </p:spPr>
+        <p:txBody>
+          <a:bodyPr wrap="square" rtlCol="0">
+            <a:spAutoFit/>
+          </a:bodyPr>
+          <a:lstStyle/>
+          <a:p>
+            <a:r>
+              <a:rPr lang="es-ES" sz="1000" b="1" dirty="0">
+                <a:solidFill>
+                  <a:schemeClr val="bg1"/>
+                </a:solidFill>
+              </a:rPr>
+              <a:t>Sciforma</a:t>
+            </a:r>
+          </a:p>
+          <a:p>
+            <a:r>
+              <a:rPr lang="es-ES" sz="800" dirty="0">
+                <a:solidFill>
+                  <a:srgbClr val="CC99FF"/>
+                </a:solidFill>
+              </a:rPr>
+              <a:t>Click see more</a:t>
+            </a:r>
+          </a:p>
+        </p:txBody>
+      </p:sp>
+      <p:sp>
+        <p:nvSpPr>
+          <p:cNvPr id="1057" name="Rectángulo 1056">
+            <a:extLst>
+              <a:ext uri="{FF2B5EF4-FFF2-40B4-BE49-F238E27FC236}">
+                <a16:creationId xmlns:a16="http://schemas.microsoft.com/office/drawing/2014/main" id="{004686A0-A5C3-F95E-A5C0-F7FBB5D7E58E}"/>
               </a:ext>
             </a:extLst>
           </p:cNvPr>
@@ -3444,8 +3454,8 @@
         </p:nvSpPr>
         <p:spPr>
           <a:xfrm>
-            <a:off x="5176934" y="1263385"/>
-            <a:ext cx="1990531" cy="1828800"/>
+            <a:off x="7328147" y="2739373"/>
+            <a:ext cx="1131339" cy="838272"/>
           </a:xfrm>
           <a:prstGeom prst="rect">
             <a:avLst/>
@@ -3485,184 +3495,12 @@
           </a:p>
         </p:txBody>
       </p:sp>
-      <p:pic>
-        <p:nvPicPr>
-          <p:cNvPr id="1026" name="Picture 2" descr="Sage Group - Wikipedia">
-            <a:extLst>
-              <a:ext uri="{FF2B5EF4-FFF2-40B4-BE49-F238E27FC236}">
-                <a16:creationId xmlns:a16="http://schemas.microsoft.com/office/drawing/2014/main" id="{C62A70CC-B076-808A-8E42-664CF461FF38}"/>
-              </a:ext>
-            </a:extLst>
-          </p:cNvPr>
-          <p:cNvPicPr>
-            <a:picLocks noChangeAspect="1" noChangeArrowheads="1"/>
-          </p:cNvPicPr>
-          <p:nvPr/>
-        </p:nvPicPr>
-        <p:blipFill>
-          <a:blip r:embed="rId3">
-            <a:extLst>
-              <a:ext uri="{28A0092B-C50C-407E-A947-70E740481C1C}">
-                <a14:useLocalDpi xmlns:a14="http://schemas.microsoft.com/office/drawing/2010/main" val="0"/>
-              </a:ext>
-            </a:extLst>
-          </a:blip>
-          <a:srcRect/>
-          <a:stretch>
-            <a:fillRect/>
-          </a:stretch>
-        </p:blipFill>
-        <p:spPr bwMode="auto">
-          <a:xfrm>
-            <a:off x="5866859" y="1448324"/>
-            <a:ext cx="662081" cy="373524"/>
-          </a:xfrm>
-          <a:prstGeom prst="rect">
-            <a:avLst/>
-          </a:prstGeom>
-          <a:noFill/>
-          <a:extLst>
-            <a:ext uri="{909E8E84-426E-40DD-AFC4-6F175D3DCCD1}">
-              <a14:hiddenFill xmlns:a14="http://schemas.microsoft.com/office/drawing/2010/main">
-                <a:solidFill>
-                  <a:srgbClr val="FFFFFF"/>
-                </a:solidFill>
-              </a14:hiddenFill>
-            </a:ext>
-          </a:extLst>
-        </p:spPr>
-      </p:pic>
-      <p:sp>
-        <p:nvSpPr>
-          <p:cNvPr id="4" name="CuadroTexto 3">
-            <a:extLst>
-              <a:ext uri="{FF2B5EF4-FFF2-40B4-BE49-F238E27FC236}">
-                <a16:creationId xmlns:a16="http://schemas.microsoft.com/office/drawing/2014/main" id="{09177501-000A-3371-0005-F13FC6FD31F2}"/>
-              </a:ext>
-            </a:extLst>
-          </p:cNvPr>
-          <p:cNvSpPr txBox="1"/>
-          <p:nvPr/>
-        </p:nvSpPr>
-        <p:spPr>
-          <a:xfrm>
-            <a:off x="5176935" y="1949185"/>
-            <a:ext cx="1990530" cy="1015663"/>
-          </a:xfrm>
-          <a:prstGeom prst="rect">
-            <a:avLst/>
-          </a:prstGeom>
-          <a:noFill/>
-        </p:spPr>
-        <p:txBody>
-          <a:bodyPr wrap="square" rtlCol="0">
-            <a:spAutoFit/>
-          </a:bodyPr>
-          <a:lstStyle/>
-          <a:p>
-            <a:pPr marL="285750" indent="-285750">
-              <a:buFont typeface="Arial" panose="020B0604020202020204" pitchFamily="34" charset="0"/>
-              <a:buChar char="•"/>
-            </a:pPr>
-            <a:r>
-              <a:rPr lang="es-ES" sz="1200" b="1" dirty="0">
-                <a:solidFill>
-                  <a:schemeClr val="bg1"/>
-                </a:solidFill>
-              </a:rPr>
-              <a:t>La Botiga </a:t>
-            </a:r>
-            <a:r>
-              <a:rPr lang="es-ES" sz="1200" b="1" dirty="0" err="1">
-                <a:solidFill>
-                  <a:schemeClr val="bg1"/>
-                </a:solidFill>
-              </a:rPr>
-              <a:t>Market</a:t>
-            </a:r>
-            <a:endParaRPr lang="es-ES" sz="1200" b="1" dirty="0">
-              <a:solidFill>
-                <a:schemeClr val="bg1"/>
-              </a:solidFill>
-            </a:endParaRPr>
-          </a:p>
-          <a:p>
-            <a:pPr marL="285750" indent="-285750">
-              <a:buFont typeface="Arial" panose="020B0604020202020204" pitchFamily="34" charset="0"/>
-              <a:buChar char="•"/>
-            </a:pPr>
-            <a:r>
-              <a:rPr lang="es-ES" sz="1200" b="1" dirty="0">
-                <a:solidFill>
-                  <a:schemeClr val="bg1"/>
-                </a:solidFill>
-              </a:rPr>
-              <a:t>MIM </a:t>
-            </a:r>
-            <a:r>
-              <a:rPr lang="es-ES" sz="1200" b="1" dirty="0" err="1">
-                <a:solidFill>
-                  <a:schemeClr val="bg1"/>
-                </a:solidFill>
-              </a:rPr>
-              <a:t>Maintenance</a:t>
-            </a:r>
-            <a:endParaRPr lang="es-ES" sz="1200" b="1" dirty="0">
-              <a:solidFill>
-                <a:schemeClr val="bg1"/>
-              </a:solidFill>
-            </a:endParaRPr>
-          </a:p>
-          <a:p>
-            <a:pPr marL="285750" indent="-285750">
-              <a:buFont typeface="Arial" panose="020B0604020202020204" pitchFamily="34" charset="0"/>
-              <a:buChar char="•"/>
-            </a:pPr>
-            <a:r>
-              <a:rPr lang="es-ES" sz="1200" b="1" dirty="0">
-                <a:solidFill>
-                  <a:schemeClr val="bg1"/>
-                </a:solidFill>
-              </a:rPr>
-              <a:t>MIM Patchworkservice</a:t>
-            </a:r>
-          </a:p>
-          <a:p>
-            <a:pPr marL="285750" indent="-285750">
-              <a:buFont typeface="Arial" panose="020B0604020202020204" pitchFamily="34" charset="0"/>
-              <a:buChar char="•"/>
-            </a:pPr>
-            <a:r>
-              <a:rPr lang="es-ES" sz="1200" b="1" dirty="0">
-                <a:solidFill>
-                  <a:schemeClr val="bg1"/>
-                </a:solidFill>
-              </a:rPr>
-              <a:t>MIM Metal</a:t>
-            </a:r>
-          </a:p>
-          <a:p>
-            <a:pPr marL="285750" indent="-285750">
-              <a:buFont typeface="Arial" panose="020B0604020202020204" pitchFamily="34" charset="0"/>
-              <a:buChar char="•"/>
-            </a:pPr>
-            <a:r>
-              <a:rPr lang="es-ES" sz="1200" b="1" dirty="0">
-                <a:solidFill>
-                  <a:schemeClr val="bg1"/>
-                </a:solidFill>
-              </a:rPr>
-              <a:t>MIM Net</a:t>
-            </a:r>
-          </a:p>
-        </p:txBody>
-      </p:sp>
-      <p:sp>
-        <p:nvSpPr>
-          <p:cNvPr id="6" name="Rectángulo 5">
-            <a:extLst>
-              <a:ext uri="{FF2B5EF4-FFF2-40B4-BE49-F238E27FC236}">
-                <a16:creationId xmlns:a16="http://schemas.microsoft.com/office/drawing/2014/main" id="{F07C902D-20FC-1765-DB0E-5D9EB515C32F}"/>
+      <p:sp>
+        <p:nvSpPr>
+          <p:cNvPr id="1048" name="Rectángulo 1047">
+            <a:extLst>
+              <a:ext uri="{FF2B5EF4-FFF2-40B4-BE49-F238E27FC236}">
+                <a16:creationId xmlns:a16="http://schemas.microsoft.com/office/drawing/2014/main" id="{EA8401A6-BD9D-1DD2-989F-B0A3053B2230}"/>
               </a:ext>
             </a:extLst>
           </p:cNvPr>
@@ -3671,8 +3509,8 @@
         </p:nvSpPr>
         <p:spPr>
           <a:xfrm>
-            <a:off x="2503714" y="297056"/>
-            <a:ext cx="1990531" cy="866215"/>
+            <a:off x="7328148" y="792833"/>
+            <a:ext cx="1131339" cy="866213"/>
           </a:xfrm>
           <a:prstGeom prst="rect">
             <a:avLst/>
@@ -3712,12 +3550,398 @@
           </a:p>
         </p:txBody>
       </p:sp>
+      <p:sp>
+        <p:nvSpPr>
+          <p:cNvPr id="1031" name="Rectángulo 1030">
+            <a:extLst>
+              <a:ext uri="{FF2B5EF4-FFF2-40B4-BE49-F238E27FC236}">
+                <a16:creationId xmlns:a16="http://schemas.microsoft.com/office/drawing/2014/main" id="{238CED9E-08AF-4C22-6B20-C1A822BF435C}"/>
+              </a:ext>
+            </a:extLst>
+          </p:cNvPr>
+          <p:cNvSpPr/>
+          <p:nvPr/>
+        </p:nvSpPr>
+        <p:spPr>
+          <a:xfrm>
+            <a:off x="431227" y="5417762"/>
+            <a:ext cx="1470659" cy="846100"/>
+          </a:xfrm>
+          <a:prstGeom prst="rect">
+            <a:avLst/>
+          </a:prstGeom>
+          <a:solidFill>
+            <a:schemeClr val="tx1">
+              <a:lumMod val="75000"/>
+              <a:lumOff val="25000"/>
+            </a:schemeClr>
+          </a:solidFill>
+          <a:ln>
+            <a:noFill/>
+          </a:ln>
+        </p:spPr>
+        <p:style>
+          <a:lnRef idx="2">
+            <a:schemeClr val="accent1">
+              <a:shade val="15000"/>
+            </a:schemeClr>
+          </a:lnRef>
+          <a:fillRef idx="1">
+            <a:schemeClr val="accent1"/>
+          </a:fillRef>
+          <a:effectRef idx="0">
+            <a:schemeClr val="accent1"/>
+          </a:effectRef>
+          <a:fontRef idx="minor">
+            <a:schemeClr val="lt1"/>
+          </a:fontRef>
+        </p:style>
+        <p:txBody>
+          <a:bodyPr rtlCol="0" anchor="ctr"/>
+          <a:lstStyle/>
+          <a:p>
+            <a:pPr algn="ctr"/>
+            <a:endParaRPr lang="es-ES"/>
+          </a:p>
+        </p:txBody>
+      </p:sp>
+      <p:sp>
+        <p:nvSpPr>
+          <p:cNvPr id="1033" name="CuadroTexto 1032">
+            <a:extLst>
+              <a:ext uri="{FF2B5EF4-FFF2-40B4-BE49-F238E27FC236}">
+                <a16:creationId xmlns:a16="http://schemas.microsoft.com/office/drawing/2014/main" id="{B0937C89-D372-6472-DB35-4E62D45103D3}"/>
+              </a:ext>
+            </a:extLst>
+          </p:cNvPr>
+          <p:cNvSpPr txBox="1"/>
+          <p:nvPr/>
+        </p:nvSpPr>
+        <p:spPr>
+          <a:xfrm>
+            <a:off x="480219" y="5732480"/>
+            <a:ext cx="1084991" cy="523220"/>
+          </a:xfrm>
+          <a:prstGeom prst="rect">
+            <a:avLst/>
+          </a:prstGeom>
+          <a:noFill/>
+        </p:spPr>
+        <p:txBody>
+          <a:bodyPr wrap="square" rtlCol="0">
+            <a:spAutoFit/>
+          </a:bodyPr>
+          <a:lstStyle/>
+          <a:p>
+            <a:r>
+              <a:rPr lang="es-ES" sz="1000" b="1" dirty="0">
+                <a:solidFill>
+                  <a:schemeClr val="bg1"/>
+                </a:solidFill>
+              </a:rPr>
+              <a:t>Google Merchant Center</a:t>
+            </a:r>
+          </a:p>
+          <a:p>
+            <a:r>
+              <a:rPr lang="es-ES" sz="800" dirty="0">
+                <a:solidFill>
+                  <a:srgbClr val="CC99FF"/>
+                </a:solidFill>
+              </a:rPr>
+              <a:t>Click see more</a:t>
+            </a:r>
+          </a:p>
+        </p:txBody>
+      </p:sp>
+      <p:sp>
+        <p:nvSpPr>
+          <p:cNvPr id="61" name="Rectángulo 60">
+            <a:extLst>
+              <a:ext uri="{FF2B5EF4-FFF2-40B4-BE49-F238E27FC236}">
+                <a16:creationId xmlns:a16="http://schemas.microsoft.com/office/drawing/2014/main" id="{76699841-3DE5-4167-CADD-081E434CA084}"/>
+              </a:ext>
+            </a:extLst>
+          </p:cNvPr>
+          <p:cNvSpPr/>
+          <p:nvPr/>
+        </p:nvSpPr>
+        <p:spPr>
+          <a:xfrm>
+            <a:off x="418114" y="3572814"/>
+            <a:ext cx="1470659" cy="846100"/>
+          </a:xfrm>
+          <a:prstGeom prst="rect">
+            <a:avLst/>
+          </a:prstGeom>
+          <a:solidFill>
+            <a:schemeClr val="tx1">
+              <a:lumMod val="75000"/>
+              <a:lumOff val="25000"/>
+            </a:schemeClr>
+          </a:solidFill>
+          <a:ln>
+            <a:noFill/>
+          </a:ln>
+        </p:spPr>
+        <p:style>
+          <a:lnRef idx="2">
+            <a:schemeClr val="accent1">
+              <a:shade val="15000"/>
+            </a:schemeClr>
+          </a:lnRef>
+          <a:fillRef idx="1">
+            <a:schemeClr val="accent1"/>
+          </a:fillRef>
+          <a:effectRef idx="0">
+            <a:schemeClr val="accent1"/>
+          </a:effectRef>
+          <a:fontRef idx="minor">
+            <a:schemeClr val="lt1"/>
+          </a:fontRef>
+        </p:style>
+        <p:txBody>
+          <a:bodyPr rtlCol="0" anchor="ctr"/>
+          <a:lstStyle/>
+          <a:p>
+            <a:pPr algn="ctr"/>
+            <a:endParaRPr lang="es-ES"/>
+          </a:p>
+        </p:txBody>
+      </p:sp>
+      <p:sp>
+        <p:nvSpPr>
+          <p:cNvPr id="59" name="Rectángulo 58">
+            <a:extLst>
+              <a:ext uri="{FF2B5EF4-FFF2-40B4-BE49-F238E27FC236}">
+                <a16:creationId xmlns:a16="http://schemas.microsoft.com/office/drawing/2014/main" id="{99A53E2B-2664-38A5-BAE3-874EAC30DA54}"/>
+              </a:ext>
+            </a:extLst>
+          </p:cNvPr>
+          <p:cNvSpPr/>
+          <p:nvPr/>
+        </p:nvSpPr>
+        <p:spPr>
+          <a:xfrm>
+            <a:off x="403792" y="2656528"/>
+            <a:ext cx="1470659" cy="846100"/>
+          </a:xfrm>
+          <a:prstGeom prst="rect">
+            <a:avLst/>
+          </a:prstGeom>
+          <a:solidFill>
+            <a:schemeClr val="tx1">
+              <a:lumMod val="75000"/>
+              <a:lumOff val="25000"/>
+            </a:schemeClr>
+          </a:solidFill>
+          <a:ln>
+            <a:noFill/>
+          </a:ln>
+        </p:spPr>
+        <p:style>
+          <a:lnRef idx="2">
+            <a:schemeClr val="accent1">
+              <a:shade val="15000"/>
+            </a:schemeClr>
+          </a:lnRef>
+          <a:fillRef idx="1">
+            <a:schemeClr val="accent1"/>
+          </a:fillRef>
+          <a:effectRef idx="0">
+            <a:schemeClr val="accent1"/>
+          </a:effectRef>
+          <a:fontRef idx="minor">
+            <a:schemeClr val="lt1"/>
+          </a:fontRef>
+        </p:style>
+        <p:txBody>
+          <a:bodyPr rtlCol="0" anchor="ctr"/>
+          <a:lstStyle/>
+          <a:p>
+            <a:pPr algn="ctr"/>
+            <a:endParaRPr lang="es-ES"/>
+          </a:p>
+        </p:txBody>
+      </p:sp>
+      <p:sp>
+        <p:nvSpPr>
+          <p:cNvPr id="60" name="CuadroTexto 59">
+            <a:extLst>
+              <a:ext uri="{FF2B5EF4-FFF2-40B4-BE49-F238E27FC236}">
+                <a16:creationId xmlns:a16="http://schemas.microsoft.com/office/drawing/2014/main" id="{DBA16627-0FF1-5389-E2F9-ABD655ACBD98}"/>
+              </a:ext>
+            </a:extLst>
+          </p:cNvPr>
+          <p:cNvSpPr txBox="1"/>
+          <p:nvPr/>
+        </p:nvSpPr>
+        <p:spPr>
+          <a:xfrm>
+            <a:off x="452784" y="2971246"/>
+            <a:ext cx="1084991" cy="369332"/>
+          </a:xfrm>
+          <a:prstGeom prst="rect">
+            <a:avLst/>
+          </a:prstGeom>
+          <a:noFill/>
+        </p:spPr>
+        <p:txBody>
+          <a:bodyPr wrap="square" rtlCol="0">
+            <a:spAutoFit/>
+          </a:bodyPr>
+          <a:lstStyle/>
+          <a:p>
+            <a:r>
+              <a:rPr lang="es-ES" sz="1000" b="1" dirty="0">
+                <a:solidFill>
+                  <a:schemeClr val="bg1"/>
+                </a:solidFill>
+              </a:rPr>
+              <a:t>Google </a:t>
+            </a:r>
+            <a:r>
+              <a:rPr lang="es-ES" sz="1000" b="1" dirty="0" err="1">
+                <a:solidFill>
+                  <a:schemeClr val="bg1"/>
+                </a:solidFill>
+              </a:rPr>
+              <a:t>Analytics</a:t>
+            </a:r>
+            <a:endParaRPr lang="es-ES" sz="1000" b="1" dirty="0">
+              <a:solidFill>
+                <a:schemeClr val="bg1"/>
+              </a:solidFill>
+            </a:endParaRPr>
+          </a:p>
+          <a:p>
+            <a:r>
+              <a:rPr lang="es-ES" sz="800" dirty="0">
+                <a:solidFill>
+                  <a:srgbClr val="CC99FF"/>
+                </a:solidFill>
+              </a:rPr>
+              <a:t>Click see more</a:t>
+            </a:r>
+          </a:p>
+        </p:txBody>
+      </p:sp>
+      <p:sp>
+        <p:nvSpPr>
+          <p:cNvPr id="53" name="Rectángulo 52">
+            <a:extLst>
+              <a:ext uri="{FF2B5EF4-FFF2-40B4-BE49-F238E27FC236}">
+                <a16:creationId xmlns:a16="http://schemas.microsoft.com/office/drawing/2014/main" id="{9A8481A9-3E93-B1B5-982A-B866C27E19C1}"/>
+              </a:ext>
+            </a:extLst>
+          </p:cNvPr>
+          <p:cNvSpPr/>
+          <p:nvPr/>
+        </p:nvSpPr>
+        <p:spPr>
+          <a:xfrm>
+            <a:off x="403792" y="1739032"/>
+            <a:ext cx="1470659" cy="846100"/>
+          </a:xfrm>
+          <a:prstGeom prst="rect">
+            <a:avLst/>
+          </a:prstGeom>
+          <a:solidFill>
+            <a:schemeClr val="tx1">
+              <a:lumMod val="75000"/>
+              <a:lumOff val="25000"/>
+            </a:schemeClr>
+          </a:solidFill>
+          <a:ln>
+            <a:noFill/>
+          </a:ln>
+        </p:spPr>
+        <p:style>
+          <a:lnRef idx="2">
+            <a:schemeClr val="accent1">
+              <a:shade val="15000"/>
+            </a:schemeClr>
+          </a:lnRef>
+          <a:fillRef idx="1">
+            <a:schemeClr val="accent1"/>
+          </a:fillRef>
+          <a:effectRef idx="0">
+            <a:schemeClr val="accent1"/>
+          </a:effectRef>
+          <a:fontRef idx="minor">
+            <a:schemeClr val="lt1"/>
+          </a:fontRef>
+        </p:style>
+        <p:txBody>
+          <a:bodyPr rtlCol="0" anchor="ctr"/>
+          <a:lstStyle/>
+          <a:p>
+            <a:pPr algn="ctr"/>
+            <a:endParaRPr lang="es-ES"/>
+          </a:p>
+        </p:txBody>
+      </p:sp>
+      <p:sp>
+        <p:nvSpPr>
+          <p:cNvPr id="34" name="Rectángulo 33">
+            <a:extLst>
+              <a:ext uri="{FF2B5EF4-FFF2-40B4-BE49-F238E27FC236}">
+                <a16:creationId xmlns:a16="http://schemas.microsoft.com/office/drawing/2014/main" id="{27FA3D9C-C65A-6E2B-4671-DFD9AD2EDF80}"/>
+              </a:ext>
+            </a:extLst>
+          </p:cNvPr>
+          <p:cNvSpPr/>
+          <p:nvPr/>
+        </p:nvSpPr>
+        <p:spPr>
+          <a:xfrm>
+            <a:off x="7328148" y="1792099"/>
+            <a:ext cx="1131339" cy="838272"/>
+          </a:xfrm>
+          <a:prstGeom prst="rect">
+            <a:avLst/>
+          </a:prstGeom>
+          <a:solidFill>
+            <a:schemeClr val="tx1">
+              <a:lumMod val="75000"/>
+              <a:lumOff val="25000"/>
+            </a:schemeClr>
+          </a:solidFill>
+          <a:ln>
+            <a:noFill/>
+          </a:ln>
+        </p:spPr>
+        <p:style>
+          <a:lnRef idx="2">
+            <a:schemeClr val="accent1">
+              <a:shade val="15000"/>
+            </a:schemeClr>
+          </a:lnRef>
+          <a:fillRef idx="1">
+            <a:schemeClr val="accent1"/>
+          </a:fillRef>
+          <a:effectRef idx="0">
+            <a:schemeClr val="accent1"/>
+          </a:effectRef>
+          <a:fontRef idx="minor">
+            <a:schemeClr val="lt1"/>
+          </a:fontRef>
+        </p:style>
+        <p:txBody>
+          <a:bodyPr rtlCol="0" anchor="ctr"/>
+          <a:lstStyle/>
+          <a:p>
+            <a:pPr algn="ctr"/>
+            <a:endParaRPr lang="es-ES"/>
+          </a:p>
+        </p:txBody>
+      </p:sp>
       <p:pic>
         <p:nvPicPr>
-          <p:cNvPr id="1028" name="Picture 4" descr="Opiniones de WooCommerce (plugin para Wordpress) - Webolto">
-            <a:extLst>
-              <a:ext uri="{FF2B5EF4-FFF2-40B4-BE49-F238E27FC236}">
-                <a16:creationId xmlns:a16="http://schemas.microsoft.com/office/drawing/2014/main" id="{36220312-A696-D439-E452-22CC6AB1E655}"/>
+          <p:cNvPr id="1036" name="Picture 12" descr="Sendcloud - eDesk | Faster, smarter customer support software for eCommerce">
+            <a:extLst>
+              <a:ext uri="{FF2B5EF4-FFF2-40B4-BE49-F238E27FC236}">
+                <a16:creationId xmlns:a16="http://schemas.microsoft.com/office/drawing/2014/main" id="{FB26D9F2-3055-01E3-E26C-FEDD69AD080B}"/>
               </a:ext>
             </a:extLst>
           </p:cNvPr>
@@ -3726,8 +3950,108 @@
           </p:cNvPicPr>
           <p:nvPr/>
         </p:nvPicPr>
+        <p:blipFill rotWithShape="1">
+          <a:blip r:embed="rId2">
+            <a:extLst>
+              <a:ext uri="{28A0092B-C50C-407E-A947-70E740481C1C}">
+                <a14:useLocalDpi xmlns:a14="http://schemas.microsoft.com/office/drawing/2010/main" val="0"/>
+              </a:ext>
+            </a:extLst>
+          </a:blip>
+          <a:srcRect l="913" t="16199" r="-913" b="32245"/>
+          <a:stretch/>
+        </p:blipFill>
+        <p:spPr bwMode="auto">
+          <a:xfrm>
+            <a:off x="430773" y="1792099"/>
+            <a:ext cx="936488" cy="204830"/>
+          </a:xfrm>
+          <a:prstGeom prst="rect">
+            <a:avLst/>
+          </a:prstGeom>
+          <a:noFill/>
+          <a:extLst>
+            <a:ext uri="{909E8E84-426E-40DD-AFC4-6F175D3DCCD1}">
+              <a14:hiddenFill xmlns:a14="http://schemas.microsoft.com/office/drawing/2010/main">
+                <a:solidFill>
+                  <a:srgbClr val="FFFFFF"/>
+                </a:solidFill>
+              </a14:hiddenFill>
+            </a:ext>
+          </a:extLst>
+        </p:spPr>
+      </p:pic>
+      <p:sp>
+        <p:nvSpPr>
+          <p:cNvPr id="5" name="Rectángulo 4">
+            <a:extLst>
+              <a:ext uri="{FF2B5EF4-FFF2-40B4-BE49-F238E27FC236}">
+                <a16:creationId xmlns:a16="http://schemas.microsoft.com/office/drawing/2014/main" id="{46D190BB-7DAA-7468-96E0-6D7EB560655C}"/>
+              </a:ext>
+            </a:extLst>
+          </p:cNvPr>
+          <p:cNvSpPr/>
+          <p:nvPr/>
+        </p:nvSpPr>
+        <p:spPr>
+          <a:xfrm>
+            <a:off x="4958962" y="792834"/>
+            <a:ext cx="1177948" cy="3732086"/>
+          </a:xfrm>
+          <a:prstGeom prst="rect">
+            <a:avLst/>
+          </a:prstGeom>
+          <a:solidFill>
+            <a:schemeClr val="tx1">
+              <a:lumMod val="75000"/>
+              <a:lumOff val="25000"/>
+            </a:schemeClr>
+          </a:solidFill>
+          <a:ln>
+            <a:noFill/>
+          </a:ln>
+        </p:spPr>
+        <p:style>
+          <a:lnRef idx="2">
+            <a:schemeClr val="accent1">
+              <a:shade val="15000"/>
+            </a:schemeClr>
+          </a:lnRef>
+          <a:fillRef idx="1">
+            <a:schemeClr val="accent1"/>
+          </a:fillRef>
+          <a:effectRef idx="0">
+            <a:schemeClr val="accent1"/>
+          </a:effectRef>
+          <a:fontRef idx="minor">
+            <a:schemeClr val="lt1"/>
+          </a:fontRef>
+        </p:style>
+        <p:txBody>
+          <a:bodyPr rtlCol="0" anchor="ctr"/>
+          <a:lstStyle/>
+          <a:p>
+            <a:pPr algn="ctr"/>
+            <a:endParaRPr lang="es-ES"/>
+          </a:p>
+        </p:txBody>
+      </p:sp>
+      <p:pic>
+        <p:nvPicPr>
+          <p:cNvPr id="1026" name="Picture 2" descr="Sage Group - Wikipedia">
+            <a:extLst>
+              <a:ext uri="{FF2B5EF4-FFF2-40B4-BE49-F238E27FC236}">
+                <a16:creationId xmlns:a16="http://schemas.microsoft.com/office/drawing/2014/main" id="{C62A70CC-B076-808A-8E42-664CF461FF38}"/>
+              </a:ext>
+            </a:extLst>
+          </p:cNvPr>
+          <p:cNvPicPr>
+            <a:picLocks noChangeAspect="1" noChangeArrowheads="1"/>
+          </p:cNvPicPr>
+          <p:nvPr/>
+        </p:nvPicPr>
         <p:blipFill>
-          <a:blip r:embed="rId4">
+          <a:blip r:embed="rId3">
             <a:extLst>
               <a:ext uri="{28A0092B-C50C-407E-A947-70E740481C1C}">
                 <a14:useLocalDpi xmlns:a14="http://schemas.microsoft.com/office/drawing/2010/main" val="0"/>
@@ -3741,8 +4065,8 @@
         </p:blipFill>
         <p:spPr bwMode="auto">
           <a:xfrm>
-            <a:off x="2561156" y="397170"/>
-            <a:ext cx="452634" cy="323310"/>
+            <a:off x="5101672" y="923528"/>
+            <a:ext cx="462045" cy="260670"/>
           </a:xfrm>
           <a:prstGeom prst="rect">
             <a:avLst/>
@@ -3761,43 +4085,106 @@
       </p:pic>
       <p:sp>
         <p:nvSpPr>
-          <p:cNvPr id="7" name="CuadroTexto 6">
-            <a:extLst>
-              <a:ext uri="{FF2B5EF4-FFF2-40B4-BE49-F238E27FC236}">
-                <a16:creationId xmlns:a16="http://schemas.microsoft.com/office/drawing/2014/main" id="{ACE270AA-D5F4-C51E-F4E3-B015BAC30CE9}"/>
-              </a:ext>
-            </a:extLst>
-          </p:cNvPr>
-          <p:cNvSpPr txBox="1"/>
-          <p:nvPr/>
-        </p:nvSpPr>
-        <p:spPr>
-          <a:xfrm>
-            <a:off x="2561156" y="724141"/>
-            <a:ext cx="1852224" cy="276999"/>
+          <p:cNvPr id="6" name="Rectángulo 5">
+            <a:extLst>
+              <a:ext uri="{FF2B5EF4-FFF2-40B4-BE49-F238E27FC236}">
+                <a16:creationId xmlns:a16="http://schemas.microsoft.com/office/drawing/2014/main" id="{F07C902D-20FC-1765-DB0E-5D9EB515C32F}"/>
+              </a:ext>
+            </a:extLst>
+          </p:cNvPr>
+          <p:cNvSpPr/>
+          <p:nvPr/>
+        </p:nvSpPr>
+        <p:spPr>
+          <a:xfrm>
+            <a:off x="2865510" y="792833"/>
+            <a:ext cx="1131339" cy="5457923"/>
           </a:xfrm>
           <a:prstGeom prst="rect">
             <a:avLst/>
           </a:prstGeom>
+          <a:solidFill>
+            <a:schemeClr val="tx1">
+              <a:lumMod val="75000"/>
+              <a:lumOff val="25000"/>
+            </a:schemeClr>
+          </a:solidFill>
+          <a:ln>
+            <a:noFill/>
+          </a:ln>
+        </p:spPr>
+        <p:style>
+          <a:lnRef idx="2">
+            <a:schemeClr val="accent1">
+              <a:shade val="15000"/>
+            </a:schemeClr>
+          </a:lnRef>
+          <a:fillRef idx="1">
+            <a:schemeClr val="accent1"/>
+          </a:fillRef>
+          <a:effectRef idx="0">
+            <a:schemeClr val="accent1"/>
+          </a:effectRef>
+          <a:fontRef idx="minor">
+            <a:schemeClr val="lt1"/>
+          </a:fontRef>
+        </p:style>
+        <p:txBody>
+          <a:bodyPr rtlCol="0" anchor="ctr"/>
+          <a:lstStyle/>
+          <a:p>
+            <a:pPr algn="ctr"/>
+            <a:endParaRPr lang="es-ES"/>
+          </a:p>
+        </p:txBody>
+      </p:sp>
+      <p:pic>
+        <p:nvPicPr>
+          <p:cNvPr id="1028" name="Picture 4" descr="Opiniones de WooCommerce (plugin para Wordpress) - Webolto">
+            <a:extLst>
+              <a:ext uri="{FF2B5EF4-FFF2-40B4-BE49-F238E27FC236}">
+                <a16:creationId xmlns:a16="http://schemas.microsoft.com/office/drawing/2014/main" id="{36220312-A696-D439-E452-22CC6AB1E655}"/>
+              </a:ext>
+            </a:extLst>
+          </p:cNvPr>
+          <p:cNvPicPr>
+            <a:picLocks noChangeAspect="1" noChangeArrowheads="1"/>
+          </p:cNvPicPr>
+          <p:nvPr/>
+        </p:nvPicPr>
+        <p:blipFill>
+          <a:blip r:embed="rId4">
+            <a:extLst>
+              <a:ext uri="{28A0092B-C50C-407E-A947-70E740481C1C}">
+                <a14:useLocalDpi xmlns:a14="http://schemas.microsoft.com/office/drawing/2010/main" val="0"/>
+              </a:ext>
+            </a:extLst>
+          </a:blip>
+          <a:srcRect/>
+          <a:stretch>
+            <a:fillRect/>
+          </a:stretch>
+        </p:blipFill>
+        <p:spPr bwMode="auto">
+          <a:xfrm>
+            <a:off x="2937329" y="862598"/>
+            <a:ext cx="452634" cy="323310"/>
+          </a:xfrm>
+          <a:prstGeom prst="rect">
+            <a:avLst/>
+          </a:prstGeom>
           <a:noFill/>
-        </p:spPr>
-        <p:txBody>
-          <a:bodyPr wrap="square" rtlCol="0">
-            <a:spAutoFit/>
-          </a:bodyPr>
-          <a:lstStyle/>
-          <a:p>
-            <a:r>
-              <a:rPr lang="es-ES" sz="1200" b="1" dirty="0">
-                <a:solidFill>
-                  <a:schemeClr val="bg1"/>
-                </a:solidFill>
-              </a:rPr>
-              <a:t>La Botiga eCommerce</a:t>
-            </a:r>
-          </a:p>
-        </p:txBody>
-      </p:sp>
+          <a:extLst>
+            <a:ext uri="{909E8E84-426E-40DD-AFC4-6F175D3DCCD1}">
+              <a14:hiddenFill xmlns:a14="http://schemas.microsoft.com/office/drawing/2010/main">
+                <a:solidFill>
+                  <a:srgbClr val="FFFFFF"/>
+                </a:solidFill>
+              </a14:hiddenFill>
+            </a:ext>
+          </a:extLst>
+        </p:spPr>
+      </p:pic>
       <p:cxnSp>
         <p:nvCxnSpPr>
           <p:cNvPr id="9" name="Conector recto de flecha 8">
@@ -3814,13 +4201,13 @@
         </p:nvCxnSpPr>
         <p:spPr>
           <a:xfrm>
-            <a:off x="2017458" y="745453"/>
-            <a:ext cx="393443" cy="0"/>
+            <a:off x="2112383" y="1356356"/>
+            <a:ext cx="669313" cy="0"/>
           </a:xfrm>
           <a:prstGeom prst="straightConnector1">
             <a:avLst/>
           </a:prstGeom>
-          <a:ln w="28575">
+          <a:ln w="19050">
             <a:solidFill>
               <a:schemeClr val="tx1">
                 <a:lumMod val="75000"/>
@@ -3861,13 +4248,13 @@
         </p:nvCxnSpPr>
         <p:spPr>
           <a:xfrm flipH="1">
-            <a:off x="1966141" y="883952"/>
-            <a:ext cx="444760" cy="0"/>
+            <a:off x="2000070" y="1467593"/>
+            <a:ext cx="640633" cy="0"/>
           </a:xfrm>
           <a:prstGeom prst="straightConnector1">
             <a:avLst/>
           </a:prstGeom>
-          <a:ln w="28575">
+          <a:ln w="19050">
             <a:solidFill>
               <a:schemeClr val="tx1">
                 <a:lumMod val="75000"/>
@@ -3894,10 +4281,106 @@
       </p:cxnSp>
       <p:sp>
         <p:nvSpPr>
-          <p:cNvPr id="12" name="Rectángulo 11">
-            <a:extLst>
-              <a:ext uri="{FF2B5EF4-FFF2-40B4-BE49-F238E27FC236}">
-                <a16:creationId xmlns:a16="http://schemas.microsoft.com/office/drawing/2014/main" id="{FCB557EC-7294-FEE9-3C74-3F0EEDD25295}"/>
+          <p:cNvPr id="15" name="CuadroTexto 14">
+            <a:extLst>
+              <a:ext uri="{FF2B5EF4-FFF2-40B4-BE49-F238E27FC236}">
+                <a16:creationId xmlns:a16="http://schemas.microsoft.com/office/drawing/2014/main" id="{2F2A6FAE-0084-E6BC-FC97-E258478BA184}"/>
+              </a:ext>
+            </a:extLst>
+          </p:cNvPr>
+          <p:cNvSpPr txBox="1"/>
+          <p:nvPr/>
+        </p:nvSpPr>
+        <p:spPr>
+          <a:xfrm>
+            <a:off x="1945072" y="924818"/>
+            <a:ext cx="979909" cy="369332"/>
+          </a:xfrm>
+          <a:prstGeom prst="rect">
+            <a:avLst/>
+          </a:prstGeom>
+          <a:noFill/>
+        </p:spPr>
+        <p:txBody>
+          <a:bodyPr wrap="square" rtlCol="0">
+            <a:spAutoFit/>
+          </a:bodyPr>
+          <a:lstStyle/>
+          <a:p>
+            <a:r>
+              <a:rPr lang="es-ES" sz="1000" b="1" dirty="0">
+                <a:solidFill>
+                  <a:schemeClr val="bg1"/>
+                </a:solidFill>
+              </a:rPr>
+              <a:t>API</a:t>
+            </a:r>
+          </a:p>
+          <a:p>
+            <a:r>
+              <a:rPr lang="es-ES" sz="800" dirty="0">
+                <a:solidFill>
+                  <a:srgbClr val="CC99FF"/>
+                </a:solidFill>
+              </a:rPr>
+              <a:t>Click see more</a:t>
+            </a:r>
+          </a:p>
+        </p:txBody>
+      </p:sp>
+      <p:pic>
+        <p:nvPicPr>
+          <p:cNvPr id="1030" name="Picture 6" descr="HIOFFICE - Arpe Lanzarote %">
+            <a:extLst>
+              <a:ext uri="{FF2B5EF4-FFF2-40B4-BE49-F238E27FC236}">
+                <a16:creationId xmlns:a16="http://schemas.microsoft.com/office/drawing/2014/main" id="{2667CF03-6F24-0AD5-301D-4BCFE6655A86}"/>
+              </a:ext>
+            </a:extLst>
+          </p:cNvPr>
+          <p:cNvPicPr>
+            <a:picLocks noChangeAspect="1" noChangeArrowheads="1"/>
+          </p:cNvPicPr>
+          <p:nvPr/>
+        </p:nvPicPr>
+        <p:blipFill>
+          <a:blip r:embed="rId5">
+            <a:extLst>
+              <a:ext uri="{28A0092B-C50C-407E-A947-70E740481C1C}">
+                <a14:useLocalDpi xmlns:a14="http://schemas.microsoft.com/office/drawing/2010/main" val="0"/>
+              </a:ext>
+            </a:extLst>
+          </a:blip>
+          <a:srcRect/>
+          <a:stretch>
+            <a:fillRect/>
+          </a:stretch>
+        </p:blipFill>
+        <p:spPr bwMode="auto">
+          <a:xfrm>
+            <a:off x="7468717" y="998847"/>
+            <a:ext cx="639170" cy="91614"/>
+          </a:xfrm>
+          <a:prstGeom prst="rect">
+            <a:avLst/>
+          </a:prstGeom>
+          <a:noFill/>
+          <a:extLst>
+            <a:ext uri="{909E8E84-426E-40DD-AFC4-6F175D3DCCD1}">
+              <a14:hiddenFill xmlns:a14="http://schemas.microsoft.com/office/drawing/2010/main">
+                <a:solidFill>
+                  <a:srgbClr val="FFFFFF"/>
+                </a:solidFill>
+              </a14:hiddenFill>
+            </a:ext>
+          </a:extLst>
+        </p:spPr>
+      </p:pic>
+      <p:sp>
+        <p:nvSpPr>
+          <p:cNvPr id="25" name="Rectángulo 24">
+            <a:extLst>
+              <a:ext uri="{FF2B5EF4-FFF2-40B4-BE49-F238E27FC236}">
+                <a16:creationId xmlns:a16="http://schemas.microsoft.com/office/drawing/2014/main" id="{F11E8DC9-7C2A-1A9C-8A17-7CA8153E4E2D}"/>
               </a:ext>
             </a:extLst>
           </p:cNvPr>
@@ -3906,8 +4389,8 @@
         </p:nvSpPr>
         <p:spPr>
           <a:xfrm>
-            <a:off x="2492002" y="1263385"/>
-            <a:ext cx="1990531" cy="838272"/>
+            <a:off x="391402" y="794245"/>
+            <a:ext cx="1470659" cy="846100"/>
           </a:xfrm>
           <a:prstGeom prst="rect">
             <a:avLst/>
@@ -3949,10 +4432,10 @@
       </p:sp>
       <p:sp>
         <p:nvSpPr>
-          <p:cNvPr id="14" name="CuadroTexto 13">
-            <a:extLst>
-              <a:ext uri="{FF2B5EF4-FFF2-40B4-BE49-F238E27FC236}">
-                <a16:creationId xmlns:a16="http://schemas.microsoft.com/office/drawing/2014/main" id="{0A37B78E-FB94-CAD8-BA7D-61C61218FC06}"/>
+          <p:cNvPr id="26" name="CuadroTexto 25">
+            <a:extLst>
+              <a:ext uri="{FF2B5EF4-FFF2-40B4-BE49-F238E27FC236}">
+                <a16:creationId xmlns:a16="http://schemas.microsoft.com/office/drawing/2014/main" id="{34BBA5FE-81A5-8891-A0A3-6D86437F7412}"/>
               </a:ext>
             </a:extLst>
           </p:cNvPr>
@@ -3961,8 +4444,8 @@
         </p:nvSpPr>
         <p:spPr>
           <a:xfrm>
-            <a:off x="2527533" y="1618547"/>
-            <a:ext cx="1885847" cy="276999"/>
+            <a:off x="433859" y="1199650"/>
+            <a:ext cx="1084991" cy="369332"/>
           </a:xfrm>
           <a:prstGeom prst="rect">
             <a:avLst/>
@@ -3976,61 +4459,32 @@
           <a:lstStyle/>
           <a:p>
             <a:r>
-              <a:rPr lang="es-ES" sz="1200" b="1" dirty="0">
+              <a:rPr lang="es-ES" sz="1000" b="1" dirty="0">
                 <a:solidFill>
                   <a:schemeClr val="bg1"/>
                 </a:solidFill>
               </a:rPr>
-              <a:t>TPV</a:t>
-            </a:r>
-          </a:p>
-        </p:txBody>
-      </p:sp>
-      <p:sp>
-        <p:nvSpPr>
-          <p:cNvPr id="15" name="CuadroTexto 14">
-            <a:extLst>
-              <a:ext uri="{FF2B5EF4-FFF2-40B4-BE49-F238E27FC236}">
-                <a16:creationId xmlns:a16="http://schemas.microsoft.com/office/drawing/2014/main" id="{2F2A6FAE-0084-E6BC-FC97-E258478BA184}"/>
-              </a:ext>
-            </a:extLst>
-          </p:cNvPr>
-          <p:cNvSpPr txBox="1"/>
-          <p:nvPr/>
-        </p:nvSpPr>
-        <p:spPr>
-          <a:xfrm>
-            <a:off x="2017458" y="407156"/>
-            <a:ext cx="510075" cy="276998"/>
-          </a:xfrm>
-          <a:prstGeom prst="rect">
-            <a:avLst/>
-          </a:prstGeom>
-          <a:noFill/>
-        </p:spPr>
-        <p:txBody>
-          <a:bodyPr wrap="square" rtlCol="0">
-            <a:spAutoFit/>
-          </a:bodyPr>
-          <a:lstStyle/>
-          <a:p>
-            <a:r>
-              <a:rPr lang="es-ES" sz="1200" b="1" dirty="0">
-                <a:solidFill>
-                  <a:schemeClr val="bg1"/>
+              <a:t>Tidio</a:t>
+            </a:r>
+          </a:p>
+          <a:p>
+            <a:r>
+              <a:rPr lang="es-ES" sz="800" dirty="0">
+                <a:solidFill>
+                  <a:srgbClr val="CC99FF"/>
                 </a:solidFill>
               </a:rPr>
-              <a:t>API</a:t>
+              <a:t>Click see more</a:t>
             </a:r>
           </a:p>
         </p:txBody>
       </p:sp>
       <p:pic>
         <p:nvPicPr>
-          <p:cNvPr id="1030" name="Picture 6" descr="HIOFFICE - Arpe Lanzarote %">
-            <a:extLst>
-              <a:ext uri="{FF2B5EF4-FFF2-40B4-BE49-F238E27FC236}">
-                <a16:creationId xmlns:a16="http://schemas.microsoft.com/office/drawing/2014/main" id="{2667CF03-6F24-0AD5-301D-4BCFE6655A86}"/>
+          <p:cNvPr id="1032" name="Picture 8" descr="Customer Service Software To Grow Your Business | Tidio">
+            <a:extLst>
+              <a:ext uri="{FF2B5EF4-FFF2-40B4-BE49-F238E27FC236}">
+                <a16:creationId xmlns:a16="http://schemas.microsoft.com/office/drawing/2014/main" id="{E4AFC14D-985B-5EE5-0814-153D80733CEA}"/>
               </a:ext>
             </a:extLst>
           </p:cNvPr>
@@ -4040,7 +4494,7 @@
           <p:nvPr/>
         </p:nvPicPr>
         <p:blipFill>
-          <a:blip r:embed="rId5">
+          <a:blip r:embed="rId6">
             <a:extLst>
               <a:ext uri="{28A0092B-C50C-407E-A947-70E740481C1C}">
                 <a14:useLocalDpi xmlns:a14="http://schemas.microsoft.com/office/drawing/2010/main" val="0"/>
@@ -4054,8 +4508,8 @@
         </p:blipFill>
         <p:spPr bwMode="auto">
           <a:xfrm>
-            <a:off x="2662336" y="1428225"/>
-            <a:ext cx="1061484" cy="152146"/>
+            <a:off x="474413" y="857928"/>
+            <a:ext cx="664709" cy="302773"/>
           </a:xfrm>
           <a:prstGeom prst="rect">
             <a:avLst/>
@@ -4072,12 +4526,200 @@
           </a:extLst>
         </p:spPr>
       </p:pic>
+      <p:pic>
+        <p:nvPicPr>
+          <p:cNvPr id="2" name="Picture 2">
+            <a:extLst>
+              <a:ext uri="{FF2B5EF4-FFF2-40B4-BE49-F238E27FC236}">
+                <a16:creationId xmlns:a16="http://schemas.microsoft.com/office/drawing/2014/main" id="{D72D14C1-2E7A-DB2D-ACC2-0E6D232F6DE5}"/>
+              </a:ext>
+            </a:extLst>
+          </p:cNvPr>
+          <p:cNvPicPr>
+            <a:picLocks noChangeAspect="1" noChangeArrowheads="1"/>
+          </p:cNvPicPr>
+          <p:nvPr/>
+        </p:nvPicPr>
+        <p:blipFill>
+          <a:blip r:embed="rId7">
+            <a:extLst>
+              <a:ext uri="{28A0092B-C50C-407E-A947-70E740481C1C}">
+                <a14:useLocalDpi xmlns:a14="http://schemas.microsoft.com/office/drawing/2010/main" val="0"/>
+              </a:ext>
+            </a:extLst>
+          </a:blip>
+          <a:srcRect/>
+          <a:stretch>
+            <a:fillRect/>
+          </a:stretch>
+        </p:blipFill>
+        <p:spPr bwMode="auto">
+          <a:xfrm>
+            <a:off x="538951" y="2758651"/>
+            <a:ext cx="437403" cy="150699"/>
+          </a:xfrm>
+          <a:prstGeom prst="rect">
+            <a:avLst/>
+          </a:prstGeom>
+          <a:noFill/>
+          <a:extLst>
+            <a:ext uri="{909E8E84-426E-40DD-AFC4-6F175D3DCCD1}">
+              <a14:hiddenFill xmlns:a14="http://schemas.microsoft.com/office/drawing/2010/main">
+                <a:solidFill>
+                  <a:srgbClr val="FFFFFF"/>
+                </a:solidFill>
+              </a14:hiddenFill>
+            </a:ext>
+          </a:extLst>
+        </p:spPr>
+      </p:pic>
+      <p:pic>
+        <p:nvPicPr>
+          <p:cNvPr id="1034" name="Picture 10" descr="Power BI Datasets &amp; Services Simplified 101 - Learn | Hevo">
+            <a:extLst>
+              <a:ext uri="{FF2B5EF4-FFF2-40B4-BE49-F238E27FC236}">
+                <a16:creationId xmlns:a16="http://schemas.microsoft.com/office/drawing/2014/main" id="{CA7912BE-CACD-C366-6625-F1F40B7B6CFD}"/>
+              </a:ext>
+            </a:extLst>
+          </p:cNvPr>
+          <p:cNvPicPr>
+            <a:picLocks noChangeAspect="1" noChangeArrowheads="1"/>
+          </p:cNvPicPr>
+          <p:nvPr/>
+        </p:nvPicPr>
+        <p:blipFill>
+          <a:blip r:embed="rId8">
+            <a:extLst>
+              <a:ext uri="{28A0092B-C50C-407E-A947-70E740481C1C}">
+                <a14:useLocalDpi xmlns:a14="http://schemas.microsoft.com/office/drawing/2010/main" val="0"/>
+              </a:ext>
+            </a:extLst>
+          </a:blip>
+          <a:srcRect/>
+          <a:stretch>
+            <a:fillRect/>
+          </a:stretch>
+        </p:blipFill>
+        <p:spPr bwMode="auto">
+          <a:xfrm>
+            <a:off x="7354093" y="1845168"/>
+            <a:ext cx="515709" cy="238052"/>
+          </a:xfrm>
+          <a:prstGeom prst="rect">
+            <a:avLst/>
+          </a:prstGeom>
+          <a:noFill/>
+          <a:extLst>
+            <a:ext uri="{909E8E84-426E-40DD-AFC4-6F175D3DCCD1}">
+              <a14:hiddenFill xmlns:a14="http://schemas.microsoft.com/office/drawing/2010/main">
+                <a:solidFill>
+                  <a:srgbClr val="FFFFFF"/>
+                </a:solidFill>
+              </a14:hiddenFill>
+            </a:ext>
+          </a:extLst>
+        </p:spPr>
+      </p:pic>
+      <p:pic>
+        <p:nvPicPr>
+          <p:cNvPr id="13" name="Picture 2" descr="GMAOLinx Sphere | GMAO Linx | Software de Mantenimiento">
+            <a:extLst>
+              <a:ext uri="{FF2B5EF4-FFF2-40B4-BE49-F238E27FC236}">
+                <a16:creationId xmlns:a16="http://schemas.microsoft.com/office/drawing/2014/main" id="{FB839C2E-1F57-65C4-B81B-D6CC68EAE39C}"/>
+              </a:ext>
+            </a:extLst>
+          </p:cNvPr>
+          <p:cNvPicPr>
+            <a:picLocks noChangeAspect="1" noChangeArrowheads="1"/>
+          </p:cNvPicPr>
+          <p:nvPr/>
+        </p:nvPicPr>
+        <p:blipFill rotWithShape="1">
+          <a:blip r:embed="rId9">
+            <a:extLst>
+              <a:ext uri="{28A0092B-C50C-407E-A947-70E740481C1C}">
+                <a14:useLocalDpi xmlns:a14="http://schemas.microsoft.com/office/drawing/2010/main" val="0"/>
+              </a:ext>
+            </a:extLst>
+          </a:blip>
+          <a:srcRect l="-1" r="44433"/>
+          <a:stretch/>
+        </p:blipFill>
+        <p:spPr bwMode="auto">
+          <a:xfrm>
+            <a:off x="7466383" y="2864136"/>
+            <a:ext cx="382337" cy="172016"/>
+          </a:xfrm>
+          <a:prstGeom prst="rect">
+            <a:avLst/>
+          </a:prstGeom>
+          <a:noFill/>
+          <a:extLst>
+            <a:ext uri="{909E8E84-426E-40DD-AFC4-6F175D3DCCD1}">
+              <a14:hiddenFill xmlns:a14="http://schemas.microsoft.com/office/drawing/2010/main">
+                <a:solidFill>
+                  <a:srgbClr val="FFFFFF"/>
+                </a:solidFill>
+              </a14:hiddenFill>
+            </a:ext>
+          </a:extLst>
+        </p:spPr>
+      </p:pic>
+      <p:sp>
+        <p:nvSpPr>
+          <p:cNvPr id="51" name="CuadroTexto 50">
+            <a:extLst>
+              <a:ext uri="{FF2B5EF4-FFF2-40B4-BE49-F238E27FC236}">
+                <a16:creationId xmlns:a16="http://schemas.microsoft.com/office/drawing/2014/main" id="{69CC83AF-60E1-C00B-D63B-4F44BD5E268A}"/>
+              </a:ext>
+            </a:extLst>
+          </p:cNvPr>
+          <p:cNvSpPr txBox="1"/>
+          <p:nvPr/>
+        </p:nvSpPr>
+        <p:spPr>
+          <a:xfrm>
+            <a:off x="2911858" y="1217007"/>
+            <a:ext cx="1084991" cy="369332"/>
+          </a:xfrm>
+          <a:prstGeom prst="rect">
+            <a:avLst/>
+          </a:prstGeom>
+          <a:noFill/>
+        </p:spPr>
+        <p:txBody>
+          <a:bodyPr wrap="square" rtlCol="0">
+            <a:spAutoFit/>
+          </a:bodyPr>
+          <a:lstStyle/>
+          <a:p>
+            <a:r>
+              <a:rPr lang="es-ES" sz="1000" b="1" dirty="0">
+                <a:solidFill>
+                  <a:schemeClr val="bg1"/>
+                </a:solidFill>
+              </a:rPr>
+              <a:t>WooCommerce</a:t>
+            </a:r>
+          </a:p>
+          <a:p>
+            <a:r>
+              <a:rPr lang="es-ES" sz="800" dirty="0">
+                <a:solidFill>
+                  <a:srgbClr val="CC99FF"/>
+                </a:solidFill>
+              </a:rPr>
+              <a:t>Click see more</a:t>
+            </a:r>
+          </a:p>
+        </p:txBody>
+      </p:sp>
       <p:cxnSp>
         <p:nvCxnSpPr>
-          <p:cNvPr id="22" name="Conector recto de flecha 21">
-            <a:extLst>
-              <a:ext uri="{FF2B5EF4-FFF2-40B4-BE49-F238E27FC236}">
-                <a16:creationId xmlns:a16="http://schemas.microsoft.com/office/drawing/2014/main" id="{A6BAB5B2-2CF8-E383-3ACB-1821932A0CDD}"/>
+          <p:cNvPr id="54" name="Conector recto de flecha 53">
+            <a:extLst>
+              <a:ext uri="{FF2B5EF4-FFF2-40B4-BE49-F238E27FC236}">
+                <a16:creationId xmlns:a16="http://schemas.microsoft.com/office/drawing/2014/main" id="{E9FC2E46-FA03-767F-2726-8E55595C483F}"/>
               </a:ext>
             </a:extLst>
           </p:cNvPr>
@@ -4088,13 +4730,13 @@
         </p:nvCxnSpPr>
         <p:spPr>
           <a:xfrm>
-            <a:off x="4546758" y="1592290"/>
-            <a:ext cx="429209" cy="0"/>
+            <a:off x="2122035" y="2253988"/>
+            <a:ext cx="669313" cy="0"/>
           </a:xfrm>
           <a:prstGeom prst="straightConnector1">
             <a:avLst/>
           </a:prstGeom>
-          <a:ln w="28575">
+          <a:ln w="19050">
             <a:solidFill>
               <a:schemeClr val="tx1">
                 <a:lumMod val="75000"/>
@@ -4121,10 +4763,10 @@
       </p:cxnSp>
       <p:cxnSp>
         <p:nvCxnSpPr>
-          <p:cNvPr id="23" name="Conector recto de flecha 22">
-            <a:extLst>
-              <a:ext uri="{FF2B5EF4-FFF2-40B4-BE49-F238E27FC236}">
-                <a16:creationId xmlns:a16="http://schemas.microsoft.com/office/drawing/2014/main" id="{FABCC903-A83B-758E-681E-772CD513FE2D}"/>
+          <p:cNvPr id="55" name="Conector recto de flecha 54">
+            <a:extLst>
+              <a:ext uri="{FF2B5EF4-FFF2-40B4-BE49-F238E27FC236}">
+                <a16:creationId xmlns:a16="http://schemas.microsoft.com/office/drawing/2014/main" id="{7E65160A-9404-627F-8727-24CCA5C12D8A}"/>
               </a:ext>
             </a:extLst>
           </p:cNvPr>
@@ -4135,13 +4777,13 @@
         </p:nvCxnSpPr>
         <p:spPr>
           <a:xfrm flipH="1">
-            <a:off x="4531207" y="1730789"/>
-            <a:ext cx="444760" cy="0"/>
+            <a:off x="2009722" y="2365225"/>
+            <a:ext cx="640633" cy="0"/>
           </a:xfrm>
           <a:prstGeom prst="straightConnector1">
             <a:avLst/>
           </a:prstGeom>
-          <a:ln w="28575">
+          <a:ln w="19050">
             <a:solidFill>
               <a:schemeClr val="tx1">
                 <a:lumMod val="75000"/>
@@ -4168,10 +4810,10 @@
       </p:cxnSp>
       <p:sp>
         <p:nvSpPr>
-          <p:cNvPr id="24" name="CuadroTexto 23">
-            <a:extLst>
-              <a:ext uri="{FF2B5EF4-FFF2-40B4-BE49-F238E27FC236}">
-                <a16:creationId xmlns:a16="http://schemas.microsoft.com/office/drawing/2014/main" id="{384A7596-EC8E-F128-ADFD-1ACAE86E826B}"/>
+          <p:cNvPr id="56" name="CuadroTexto 55">
+            <a:extLst>
+              <a:ext uri="{FF2B5EF4-FFF2-40B4-BE49-F238E27FC236}">
+                <a16:creationId xmlns:a16="http://schemas.microsoft.com/office/drawing/2014/main" id="{9A05D115-8CD8-A76C-5F7F-0BD3F19FCCD7}"/>
               </a:ext>
             </a:extLst>
           </p:cNvPr>
@@ -4180,8 +4822,8 @@
         </p:nvSpPr>
         <p:spPr>
           <a:xfrm>
-            <a:off x="4546758" y="1285841"/>
-            <a:ext cx="510075" cy="276998"/>
+            <a:off x="1954724" y="1822450"/>
+            <a:ext cx="979909" cy="369332"/>
           </a:xfrm>
           <a:prstGeom prst="rect">
             <a:avLst/>
@@ -4195,7 +4837,7 @@
           <a:lstStyle/>
           <a:p>
             <a:r>
-              <a:rPr lang="es-ES" sz="1200" b="1" dirty="0">
+              <a:rPr lang="es-ES" sz="1000" b="1" dirty="0">
                 <a:solidFill>
                   <a:schemeClr val="bg1"/>
                 </a:solidFill>
@@ -4203,14 +4845,176 @@
               <a:t>API</a:t>
             </a:r>
           </a:p>
-        </p:txBody>
-      </p:sp>
-      <p:sp>
-        <p:nvSpPr>
-          <p:cNvPr id="25" name="Rectángulo 24">
-            <a:extLst>
-              <a:ext uri="{FF2B5EF4-FFF2-40B4-BE49-F238E27FC236}">
-                <a16:creationId xmlns:a16="http://schemas.microsoft.com/office/drawing/2014/main" id="{F11E8DC9-7C2A-1A9C-8A17-7CA8153E4E2D}"/>
+          <a:p>
+            <a:r>
+              <a:rPr lang="es-ES" sz="800" dirty="0">
+                <a:solidFill>
+                  <a:srgbClr val="CC99FF"/>
+                </a:solidFill>
+              </a:rPr>
+              <a:t>Click see more</a:t>
+            </a:r>
+          </a:p>
+        </p:txBody>
+      </p:sp>
+      <p:sp>
+        <p:nvSpPr>
+          <p:cNvPr id="57" name="CuadroTexto 56">
+            <a:extLst>
+              <a:ext uri="{FF2B5EF4-FFF2-40B4-BE49-F238E27FC236}">
+                <a16:creationId xmlns:a16="http://schemas.microsoft.com/office/drawing/2014/main" id="{0EA8C362-4A98-2BD9-038B-0C5571AB24DF}"/>
+              </a:ext>
+            </a:extLst>
+          </p:cNvPr>
+          <p:cNvSpPr txBox="1"/>
+          <p:nvPr/>
+        </p:nvSpPr>
+        <p:spPr>
+          <a:xfrm>
+            <a:off x="452784" y="2053750"/>
+            <a:ext cx="1084991" cy="369332"/>
+          </a:xfrm>
+          <a:prstGeom prst="rect">
+            <a:avLst/>
+          </a:prstGeom>
+          <a:noFill/>
+        </p:spPr>
+        <p:txBody>
+          <a:bodyPr wrap="square" rtlCol="0">
+            <a:spAutoFit/>
+          </a:bodyPr>
+          <a:lstStyle/>
+          <a:p>
+            <a:r>
+              <a:rPr lang="es-ES" sz="1000" b="1" dirty="0">
+                <a:solidFill>
+                  <a:schemeClr val="bg1"/>
+                </a:solidFill>
+              </a:rPr>
+              <a:t>Sendcloud</a:t>
+            </a:r>
+          </a:p>
+          <a:p>
+            <a:r>
+              <a:rPr lang="es-ES" sz="800" dirty="0">
+                <a:solidFill>
+                  <a:srgbClr val="CC99FF"/>
+                </a:solidFill>
+              </a:rPr>
+              <a:t>Click see more</a:t>
+            </a:r>
+          </a:p>
+        </p:txBody>
+      </p:sp>
+      <p:sp>
+        <p:nvSpPr>
+          <p:cNvPr id="58" name="CuadroTexto 57">
+            <a:extLst>
+              <a:ext uri="{FF2B5EF4-FFF2-40B4-BE49-F238E27FC236}">
+                <a16:creationId xmlns:a16="http://schemas.microsoft.com/office/drawing/2014/main" id="{30DB07AD-510E-D712-584B-4334558ADC8F}"/>
+              </a:ext>
+            </a:extLst>
+          </p:cNvPr>
+          <p:cNvSpPr txBox="1"/>
+          <p:nvPr/>
+        </p:nvSpPr>
+        <p:spPr>
+          <a:xfrm>
+            <a:off x="5051918" y="1224879"/>
+            <a:ext cx="1084991" cy="369332"/>
+          </a:xfrm>
+          <a:prstGeom prst="rect">
+            <a:avLst/>
+          </a:prstGeom>
+          <a:noFill/>
+        </p:spPr>
+        <p:txBody>
+          <a:bodyPr wrap="square" rtlCol="0">
+            <a:spAutoFit/>
+          </a:bodyPr>
+          <a:lstStyle/>
+          <a:p>
+            <a:r>
+              <a:rPr lang="es-ES" sz="1000" b="1" dirty="0">
+                <a:solidFill>
+                  <a:schemeClr val="bg1"/>
+                </a:solidFill>
+              </a:rPr>
+              <a:t>Sage</a:t>
+            </a:r>
+          </a:p>
+          <a:p>
+            <a:r>
+              <a:rPr lang="es-ES" sz="800" dirty="0">
+                <a:solidFill>
+                  <a:srgbClr val="CC99FF"/>
+                </a:solidFill>
+              </a:rPr>
+              <a:t>Click see more</a:t>
+            </a:r>
+          </a:p>
+        </p:txBody>
+      </p:sp>
+      <p:sp>
+        <p:nvSpPr>
+          <p:cNvPr id="62" name="CuadroTexto 61">
+            <a:extLst>
+              <a:ext uri="{FF2B5EF4-FFF2-40B4-BE49-F238E27FC236}">
+                <a16:creationId xmlns:a16="http://schemas.microsoft.com/office/drawing/2014/main" id="{D88BEE17-809C-5172-AD92-D6973F499E0A}"/>
+              </a:ext>
+            </a:extLst>
+          </p:cNvPr>
+          <p:cNvSpPr txBox="1"/>
+          <p:nvPr/>
+        </p:nvSpPr>
+        <p:spPr>
+          <a:xfrm>
+            <a:off x="467106" y="3887532"/>
+            <a:ext cx="1084991" cy="369332"/>
+          </a:xfrm>
+          <a:prstGeom prst="rect">
+            <a:avLst/>
+          </a:prstGeom>
+          <a:noFill/>
+        </p:spPr>
+        <p:txBody>
+          <a:bodyPr wrap="square" rtlCol="0">
+            <a:spAutoFit/>
+          </a:bodyPr>
+          <a:lstStyle/>
+          <a:p>
+            <a:r>
+              <a:rPr lang="es-ES" sz="1000" b="1" dirty="0" err="1">
+                <a:solidFill>
+                  <a:schemeClr val="bg1"/>
+                </a:solidFill>
+              </a:rPr>
+              <a:t>Clarity</a:t>
+            </a:r>
+            <a:endParaRPr lang="es-ES" sz="1000" b="1" dirty="0">
+              <a:solidFill>
+                <a:schemeClr val="bg1"/>
+              </a:solidFill>
+            </a:endParaRPr>
+          </a:p>
+          <a:p>
+            <a:r>
+              <a:rPr lang="es-ES" sz="800" dirty="0">
+                <a:solidFill>
+                  <a:srgbClr val="CC99FF"/>
+                </a:solidFill>
+              </a:rPr>
+              <a:t>Click see more</a:t>
+            </a:r>
+          </a:p>
+        </p:txBody>
+      </p:sp>
+      <p:sp>
+        <p:nvSpPr>
+          <p:cNvPr id="63" name="Rectángulo 62">
+            <a:extLst>
+              <a:ext uri="{FF2B5EF4-FFF2-40B4-BE49-F238E27FC236}">
+                <a16:creationId xmlns:a16="http://schemas.microsoft.com/office/drawing/2014/main" id="{0D60BED8-9ABD-3471-825A-2044FA4E5EEB}"/>
               </a:ext>
             </a:extLst>
           </p:cNvPr>
@@ -4219,8 +5023,8 @@
         </p:nvSpPr>
         <p:spPr>
           <a:xfrm>
-            <a:off x="158619" y="295469"/>
-            <a:ext cx="1763487" cy="867802"/>
+            <a:off x="431227" y="4489100"/>
+            <a:ext cx="1470659" cy="846100"/>
           </a:xfrm>
           <a:prstGeom prst="rect">
             <a:avLst/>
@@ -4262,10 +5066,10 @@
       </p:sp>
       <p:sp>
         <p:nvSpPr>
-          <p:cNvPr id="26" name="CuadroTexto 25">
-            <a:extLst>
-              <a:ext uri="{FF2B5EF4-FFF2-40B4-BE49-F238E27FC236}">
-                <a16:creationId xmlns:a16="http://schemas.microsoft.com/office/drawing/2014/main" id="{34BBA5FE-81A5-8891-A0A3-6D86437F7412}"/>
+          <p:cNvPr id="1024" name="CuadroTexto 1023">
+            <a:extLst>
+              <a:ext uri="{FF2B5EF4-FFF2-40B4-BE49-F238E27FC236}">
+                <a16:creationId xmlns:a16="http://schemas.microsoft.com/office/drawing/2014/main" id="{2509BF2F-448E-26EF-BECC-89FE12B9F64B}"/>
               </a:ext>
             </a:extLst>
           </p:cNvPr>
@@ -4274,8 +5078,8 @@
         </p:nvSpPr>
         <p:spPr>
           <a:xfrm>
-            <a:off x="223935" y="738673"/>
-            <a:ext cx="1614196" cy="276999"/>
+            <a:off x="480219" y="4803818"/>
+            <a:ext cx="1084991" cy="523220"/>
           </a:xfrm>
           <a:prstGeom prst="rect">
             <a:avLst/>
@@ -4289,27 +5093,32 @@
           <a:lstStyle/>
           <a:p>
             <a:r>
-              <a:rPr lang="es-ES" sz="1200" b="1" dirty="0" err="1">
+              <a:rPr lang="es-ES" sz="1000" b="1" dirty="0">
                 <a:solidFill>
                   <a:schemeClr val="bg1"/>
                 </a:solidFill>
               </a:rPr>
-              <a:t>Ticketing</a:t>
-            </a:r>
-            <a:endParaRPr lang="es-ES" sz="1200" b="1" dirty="0">
-              <a:solidFill>
-                <a:schemeClr val="bg1"/>
-              </a:solidFill>
-            </a:endParaRPr>
+              <a:t>Google Merchant Center</a:t>
+            </a:r>
+          </a:p>
+          <a:p>
+            <a:r>
+              <a:rPr lang="es-ES" sz="800" dirty="0">
+                <a:solidFill>
+                  <a:srgbClr val="CC99FF"/>
+                </a:solidFill>
+              </a:rPr>
+              <a:t>Click see more</a:t>
+            </a:r>
           </a:p>
         </p:txBody>
       </p:sp>
       <p:pic>
         <p:nvPicPr>
-          <p:cNvPr id="1032" name="Picture 8" descr="Customer Service Software To Grow Your Business | Tidio">
-            <a:extLst>
-              <a:ext uri="{FF2B5EF4-FFF2-40B4-BE49-F238E27FC236}">
-                <a16:creationId xmlns:a16="http://schemas.microsoft.com/office/drawing/2014/main" id="{E4AFC14D-985B-5EE5-0814-153D80733CEA}"/>
+          <p:cNvPr id="1025" name="Picture 2">
+            <a:extLst>
+              <a:ext uri="{FF2B5EF4-FFF2-40B4-BE49-F238E27FC236}">
+                <a16:creationId xmlns:a16="http://schemas.microsoft.com/office/drawing/2014/main" id="{6F9E4D59-A02B-76AD-3DB6-0DCFB8B49F45}"/>
               </a:ext>
             </a:extLst>
           </p:cNvPr>
@@ -4319,7 +5128,7 @@
           <p:nvPr/>
         </p:nvPicPr>
         <p:blipFill>
-          <a:blip r:embed="rId6">
+          <a:blip r:embed="rId10">
             <a:extLst>
               <a:ext uri="{28A0092B-C50C-407E-A947-70E740481C1C}">
                 <a14:useLocalDpi xmlns:a14="http://schemas.microsoft.com/office/drawing/2010/main" val="0"/>
@@ -4333,8 +5142,8 @@
         </p:blipFill>
         <p:spPr bwMode="auto">
           <a:xfrm>
-            <a:off x="278558" y="376894"/>
-            <a:ext cx="752475" cy="342750"/>
+            <a:off x="538951" y="3657181"/>
+            <a:ext cx="188439" cy="188439"/>
           </a:xfrm>
           <a:prstGeom prst="rect">
             <a:avLst/>
@@ -4351,111 +5160,104 @@
           </a:extLst>
         </p:spPr>
       </p:pic>
-      <p:sp>
-        <p:nvSpPr>
-          <p:cNvPr id="28" name="CuadroTexto 27">
-            <a:extLst>
-              <a:ext uri="{FF2B5EF4-FFF2-40B4-BE49-F238E27FC236}">
-                <a16:creationId xmlns:a16="http://schemas.microsoft.com/office/drawing/2014/main" id="{BD1B8068-B69A-1124-6A47-8551D9C55B65}"/>
-              </a:ext>
-            </a:extLst>
-          </p:cNvPr>
-          <p:cNvSpPr txBox="1"/>
-          <p:nvPr/>
-        </p:nvSpPr>
-        <p:spPr>
-          <a:xfrm>
-            <a:off x="205371" y="1687430"/>
-            <a:ext cx="1632760" cy="276999"/>
+      <p:pic>
+        <p:nvPicPr>
+          <p:cNvPr id="1027" name="Picture 4" descr="Google Merchant Center Logo PNG Vector (SVG) Free Download">
+            <a:extLst>
+              <a:ext uri="{FF2B5EF4-FFF2-40B4-BE49-F238E27FC236}">
+                <a16:creationId xmlns:a16="http://schemas.microsoft.com/office/drawing/2014/main" id="{6E6E118E-A909-3C96-8ACA-0B98BEBEA4EA}"/>
+              </a:ext>
+            </a:extLst>
+          </p:cNvPr>
+          <p:cNvPicPr>
+            <a:picLocks noChangeAspect="1" noChangeArrowheads="1"/>
+          </p:cNvPicPr>
+          <p:nvPr/>
+        </p:nvPicPr>
+        <p:blipFill>
+          <a:blip r:embed="rId11">
+            <a:extLst>
+              <a:ext uri="{28A0092B-C50C-407E-A947-70E740481C1C}">
+                <a14:useLocalDpi xmlns:a14="http://schemas.microsoft.com/office/drawing/2010/main" val="0"/>
+              </a:ext>
+            </a:extLst>
+          </a:blip>
+          <a:srcRect/>
+          <a:stretch>
+            <a:fillRect/>
+          </a:stretch>
+        </p:blipFill>
+        <p:spPr bwMode="auto">
+          <a:xfrm>
+            <a:off x="546965" y="4571662"/>
+            <a:ext cx="212575" cy="212575"/>
           </a:xfrm>
           <a:prstGeom prst="rect">
             <a:avLst/>
           </a:prstGeom>
           <a:noFill/>
-        </p:spPr>
-        <p:txBody>
-          <a:bodyPr wrap="square" rtlCol="0">
-            <a:spAutoFit/>
-          </a:bodyPr>
-          <a:lstStyle/>
-          <a:p>
-            <a:r>
-              <a:rPr lang="es-ES" sz="1200" b="1" dirty="0" err="1">
-                <a:solidFill>
-                  <a:schemeClr val="bg1"/>
-                </a:solidFill>
-              </a:rPr>
-              <a:t>Ticketing</a:t>
-            </a:r>
-            <a:endParaRPr lang="es-ES" sz="1200" b="1" dirty="0">
-              <a:solidFill>
-                <a:schemeClr val="bg1"/>
-              </a:solidFill>
-            </a:endParaRPr>
-          </a:p>
-        </p:txBody>
-      </p:sp>
-      <p:sp>
-        <p:nvSpPr>
-          <p:cNvPr id="30" name="Rectángulo 29">
-            <a:extLst>
-              <a:ext uri="{FF2B5EF4-FFF2-40B4-BE49-F238E27FC236}">
-                <a16:creationId xmlns:a16="http://schemas.microsoft.com/office/drawing/2014/main" id="{023F81EE-107E-8FA7-B5DD-F2D70611938D}"/>
-              </a:ext>
-            </a:extLst>
-          </p:cNvPr>
-          <p:cNvSpPr/>
-          <p:nvPr/>
-        </p:nvSpPr>
-        <p:spPr>
-          <a:xfrm>
-            <a:off x="158620" y="2205988"/>
-            <a:ext cx="1763487" cy="677171"/>
+          <a:extLst>
+            <a:ext uri="{909E8E84-426E-40DD-AFC4-6F175D3DCCD1}">
+              <a14:hiddenFill xmlns:a14="http://schemas.microsoft.com/office/drawing/2010/main">
+                <a:solidFill>
+                  <a:srgbClr val="FFFFFF"/>
+                </a:solidFill>
+              </a14:hiddenFill>
+            </a:ext>
+          </a:extLst>
+        </p:spPr>
+      </p:pic>
+      <p:pic>
+        <p:nvPicPr>
+          <p:cNvPr id="1029" name="Picture 6" descr="Google Search Console">
+            <a:extLst>
+              <a:ext uri="{FF2B5EF4-FFF2-40B4-BE49-F238E27FC236}">
+                <a16:creationId xmlns:a16="http://schemas.microsoft.com/office/drawing/2014/main" id="{D1A74204-F8F4-FBBF-32D3-50541113F65A}"/>
+              </a:ext>
+            </a:extLst>
+          </p:cNvPr>
+          <p:cNvPicPr>
+            <a:picLocks noChangeAspect="1" noChangeArrowheads="1"/>
+          </p:cNvPicPr>
+          <p:nvPr/>
+        </p:nvPicPr>
+        <p:blipFill rotWithShape="1">
+          <a:blip r:embed="rId12">
+            <a:extLst>
+              <a:ext uri="{28A0092B-C50C-407E-A947-70E740481C1C}">
+                <a14:useLocalDpi xmlns:a14="http://schemas.microsoft.com/office/drawing/2010/main" val="0"/>
+              </a:ext>
+            </a:extLst>
+          </a:blip>
+          <a:srcRect t="17266" b="19951"/>
+          <a:stretch/>
+        </p:blipFill>
+        <p:spPr bwMode="auto">
+          <a:xfrm>
+            <a:off x="537833" y="5477084"/>
+            <a:ext cx="439637" cy="276016"/>
           </a:xfrm>
           <a:prstGeom prst="rect">
             <a:avLst/>
           </a:prstGeom>
-          <a:solidFill>
-            <a:schemeClr val="tx1">
-              <a:lumMod val="75000"/>
-              <a:lumOff val="25000"/>
-            </a:schemeClr>
-          </a:solidFill>
-          <a:ln>
-            <a:noFill/>
-          </a:ln>
-        </p:spPr>
-        <p:style>
-          <a:lnRef idx="2">
-            <a:schemeClr val="accent1">
-              <a:shade val="15000"/>
-            </a:schemeClr>
-          </a:lnRef>
-          <a:fillRef idx="1">
-            <a:schemeClr val="accent1"/>
-          </a:fillRef>
-          <a:effectRef idx="0">
-            <a:schemeClr val="accent1"/>
-          </a:effectRef>
-          <a:fontRef idx="minor">
-            <a:schemeClr val="lt1"/>
-          </a:fontRef>
-        </p:style>
-        <p:txBody>
-          <a:bodyPr rtlCol="0" anchor="ctr"/>
-          <a:lstStyle/>
-          <a:p>
-            <a:pPr algn="ctr"/>
-            <a:endParaRPr lang="es-ES"/>
-          </a:p>
-        </p:txBody>
-      </p:sp>
+          <a:noFill/>
+          <a:extLst>
+            <a:ext uri="{909E8E84-426E-40DD-AFC4-6F175D3DCCD1}">
+              <a14:hiddenFill xmlns:a14="http://schemas.microsoft.com/office/drawing/2010/main">
+                <a:solidFill>
+                  <a:srgbClr val="FFFFFF"/>
+                </a:solidFill>
+              </a14:hiddenFill>
+            </a:ext>
+          </a:extLst>
+        </p:spPr>
+      </p:pic>
       <p:cxnSp>
         <p:nvCxnSpPr>
-          <p:cNvPr id="36" name="Conector recto de flecha 35">
-            <a:extLst>
-              <a:ext uri="{FF2B5EF4-FFF2-40B4-BE49-F238E27FC236}">
-                <a16:creationId xmlns:a16="http://schemas.microsoft.com/office/drawing/2014/main" id="{EB24CBE4-360E-128B-F39A-6FFFA71E5549}"/>
+          <p:cNvPr id="1035" name="Conector recto de flecha 1034">
+            <a:extLst>
+              <a:ext uri="{FF2B5EF4-FFF2-40B4-BE49-F238E27FC236}">
+                <a16:creationId xmlns:a16="http://schemas.microsoft.com/office/drawing/2014/main" id="{3E795549-BB41-ECCF-C9E2-8BF9BD3B4107}"/>
               </a:ext>
             </a:extLst>
           </p:cNvPr>
@@ -4466,13 +5268,13 @@
         </p:nvCxnSpPr>
         <p:spPr>
           <a:xfrm>
-            <a:off x="4569485" y="715757"/>
-            <a:ext cx="429209" cy="0"/>
+            <a:off x="2090754" y="3149974"/>
+            <a:ext cx="669313" cy="0"/>
           </a:xfrm>
           <a:prstGeom prst="straightConnector1">
             <a:avLst/>
           </a:prstGeom>
-          <a:ln w="28575">
+          <a:ln w="19050">
             <a:solidFill>
               <a:schemeClr val="tx1">
                 <a:lumMod val="75000"/>
@@ -4499,10 +5301,10 @@
       </p:cxnSp>
       <p:cxnSp>
         <p:nvCxnSpPr>
-          <p:cNvPr id="37" name="Conector recto de flecha 36">
-            <a:extLst>
-              <a:ext uri="{FF2B5EF4-FFF2-40B4-BE49-F238E27FC236}">
-                <a16:creationId xmlns:a16="http://schemas.microsoft.com/office/drawing/2014/main" id="{4013A175-074C-6A54-EB96-F0AC1DF53B49}"/>
+          <p:cNvPr id="1037" name="Conector recto de flecha 1036">
+            <a:extLst>
+              <a:ext uri="{FF2B5EF4-FFF2-40B4-BE49-F238E27FC236}">
+                <a16:creationId xmlns:a16="http://schemas.microsoft.com/office/drawing/2014/main" id="{0DD61B54-FAF0-FA73-A0C5-236156330828}"/>
               </a:ext>
             </a:extLst>
           </p:cNvPr>
@@ -4513,13 +5315,13 @@
         </p:nvCxnSpPr>
         <p:spPr>
           <a:xfrm flipH="1">
-            <a:off x="4553934" y="854256"/>
-            <a:ext cx="444760" cy="0"/>
+            <a:off x="1978441" y="3261211"/>
+            <a:ext cx="640633" cy="0"/>
           </a:xfrm>
           <a:prstGeom prst="straightConnector1">
             <a:avLst/>
           </a:prstGeom>
-          <a:ln w="28575">
+          <a:ln w="19050">
             <a:solidFill>
               <a:schemeClr val="tx1">
                 <a:lumMod val="75000"/>
@@ -4546,10 +5348,10 @@
       </p:cxnSp>
       <p:sp>
         <p:nvSpPr>
-          <p:cNvPr id="38" name="CuadroTexto 37">
-            <a:extLst>
-              <a:ext uri="{FF2B5EF4-FFF2-40B4-BE49-F238E27FC236}">
-                <a16:creationId xmlns:a16="http://schemas.microsoft.com/office/drawing/2014/main" id="{B5D521F6-23BD-8409-EA1B-3BC0445B0C55}"/>
+          <p:cNvPr id="1038" name="CuadroTexto 1037">
+            <a:extLst>
+              <a:ext uri="{FF2B5EF4-FFF2-40B4-BE49-F238E27FC236}">
+                <a16:creationId xmlns:a16="http://schemas.microsoft.com/office/drawing/2014/main" id="{FF009962-4B96-A836-B658-BD1DDD60362B}"/>
               </a:ext>
             </a:extLst>
           </p:cNvPr>
@@ -4558,8 +5360,8 @@
         </p:nvSpPr>
         <p:spPr>
           <a:xfrm>
-            <a:off x="4569485" y="409308"/>
-            <a:ext cx="510075" cy="276998"/>
+            <a:off x="1923443" y="2718436"/>
+            <a:ext cx="979909" cy="369332"/>
           </a:xfrm>
           <a:prstGeom prst="rect">
             <a:avLst/>
@@ -4573,7 +5375,7 @@
           <a:lstStyle/>
           <a:p>
             <a:r>
-              <a:rPr lang="es-ES" sz="1200" b="1" dirty="0">
+              <a:rPr lang="es-ES" sz="1000" b="1" dirty="0">
                 <a:solidFill>
                   <a:schemeClr val="bg1"/>
                 </a:solidFill>
@@ -4581,8 +5383,1293 @@
               <a:t>API</a:t>
             </a:r>
           </a:p>
-        </p:txBody>
-      </p:sp>
+          <a:p>
+            <a:r>
+              <a:rPr lang="es-ES" sz="800" dirty="0">
+                <a:solidFill>
+                  <a:srgbClr val="CC99FF"/>
+                </a:solidFill>
+              </a:rPr>
+              <a:t>Click see more</a:t>
+            </a:r>
+          </a:p>
+        </p:txBody>
+      </p:sp>
+      <p:cxnSp>
+        <p:nvCxnSpPr>
+          <p:cNvPr id="1039" name="Conector recto de flecha 1038">
+            <a:extLst>
+              <a:ext uri="{FF2B5EF4-FFF2-40B4-BE49-F238E27FC236}">
+                <a16:creationId xmlns:a16="http://schemas.microsoft.com/office/drawing/2014/main" id="{81DC3F93-9B0F-908F-46D7-52D9975F7F47}"/>
+              </a:ext>
+            </a:extLst>
+          </p:cNvPr>
+          <p:cNvCxnSpPr>
+            <a:cxnSpLocks/>
+          </p:cNvCxnSpPr>
+          <p:nvPr/>
+        </p:nvCxnSpPr>
+        <p:spPr>
+          <a:xfrm>
+            <a:off x="2145752" y="4109813"/>
+            <a:ext cx="669313" cy="0"/>
+          </a:xfrm>
+          <a:prstGeom prst="straightConnector1">
+            <a:avLst/>
+          </a:prstGeom>
+          <a:ln w="19050">
+            <a:solidFill>
+              <a:schemeClr val="tx1">
+                <a:lumMod val="75000"/>
+                <a:lumOff val="25000"/>
+              </a:schemeClr>
+            </a:solidFill>
+            <a:tailEnd type="triangle"/>
+          </a:ln>
+        </p:spPr>
+        <p:style>
+          <a:lnRef idx="1">
+            <a:schemeClr val="accent1"/>
+          </a:lnRef>
+          <a:fillRef idx="0">
+            <a:schemeClr val="accent1"/>
+          </a:fillRef>
+          <a:effectRef idx="0">
+            <a:schemeClr val="accent1"/>
+          </a:effectRef>
+          <a:fontRef idx="minor">
+            <a:schemeClr val="tx1"/>
+          </a:fontRef>
+        </p:style>
+      </p:cxnSp>
+      <p:cxnSp>
+        <p:nvCxnSpPr>
+          <p:cNvPr id="1040" name="Conector recto de flecha 1039">
+            <a:extLst>
+              <a:ext uri="{FF2B5EF4-FFF2-40B4-BE49-F238E27FC236}">
+                <a16:creationId xmlns:a16="http://schemas.microsoft.com/office/drawing/2014/main" id="{E365D988-2B33-506E-D3EF-CB9435CF51C6}"/>
+              </a:ext>
+            </a:extLst>
+          </p:cNvPr>
+          <p:cNvCxnSpPr>
+            <a:cxnSpLocks/>
+          </p:cNvCxnSpPr>
+          <p:nvPr/>
+        </p:nvCxnSpPr>
+        <p:spPr>
+          <a:xfrm flipH="1">
+            <a:off x="2033439" y="4221050"/>
+            <a:ext cx="640633" cy="0"/>
+          </a:xfrm>
+          <a:prstGeom prst="straightConnector1">
+            <a:avLst/>
+          </a:prstGeom>
+          <a:ln w="19050">
+            <a:solidFill>
+              <a:schemeClr val="tx1">
+                <a:lumMod val="75000"/>
+                <a:lumOff val="25000"/>
+              </a:schemeClr>
+            </a:solidFill>
+            <a:tailEnd type="triangle"/>
+          </a:ln>
+        </p:spPr>
+        <p:style>
+          <a:lnRef idx="1">
+            <a:schemeClr val="accent1"/>
+          </a:lnRef>
+          <a:fillRef idx="0">
+            <a:schemeClr val="accent1"/>
+          </a:fillRef>
+          <a:effectRef idx="0">
+            <a:schemeClr val="accent1"/>
+          </a:effectRef>
+          <a:fontRef idx="minor">
+            <a:schemeClr val="tx1"/>
+          </a:fontRef>
+        </p:style>
+      </p:cxnSp>
+      <p:sp>
+        <p:nvSpPr>
+          <p:cNvPr id="1041" name="CuadroTexto 1040">
+            <a:extLst>
+              <a:ext uri="{FF2B5EF4-FFF2-40B4-BE49-F238E27FC236}">
+                <a16:creationId xmlns:a16="http://schemas.microsoft.com/office/drawing/2014/main" id="{C2943953-966A-BA02-D4A6-7533A50C99ED}"/>
+              </a:ext>
+            </a:extLst>
+          </p:cNvPr>
+          <p:cNvSpPr txBox="1"/>
+          <p:nvPr/>
+        </p:nvSpPr>
+        <p:spPr>
+          <a:xfrm>
+            <a:off x="1978441" y="3678275"/>
+            <a:ext cx="979909" cy="369332"/>
+          </a:xfrm>
+          <a:prstGeom prst="rect">
+            <a:avLst/>
+          </a:prstGeom>
+          <a:noFill/>
+        </p:spPr>
+        <p:txBody>
+          <a:bodyPr wrap="square" rtlCol="0">
+            <a:spAutoFit/>
+          </a:bodyPr>
+          <a:lstStyle/>
+          <a:p>
+            <a:r>
+              <a:rPr lang="es-ES" sz="1000" b="1" dirty="0">
+                <a:solidFill>
+                  <a:schemeClr val="bg1"/>
+                </a:solidFill>
+              </a:rPr>
+              <a:t>API</a:t>
+            </a:r>
+          </a:p>
+          <a:p>
+            <a:r>
+              <a:rPr lang="es-ES" sz="800" dirty="0">
+                <a:solidFill>
+                  <a:srgbClr val="CC99FF"/>
+                </a:solidFill>
+              </a:rPr>
+              <a:t>Click see more</a:t>
+            </a:r>
+          </a:p>
+        </p:txBody>
+      </p:sp>
+      <p:cxnSp>
+        <p:nvCxnSpPr>
+          <p:cNvPr id="1042" name="Conector recto de flecha 1041">
+            <a:extLst>
+              <a:ext uri="{FF2B5EF4-FFF2-40B4-BE49-F238E27FC236}">
+                <a16:creationId xmlns:a16="http://schemas.microsoft.com/office/drawing/2014/main" id="{B2175B7E-F18E-4A4E-EDA0-DCE2AA615C75}"/>
+              </a:ext>
+            </a:extLst>
+          </p:cNvPr>
+          <p:cNvCxnSpPr>
+            <a:cxnSpLocks/>
+          </p:cNvCxnSpPr>
+          <p:nvPr/>
+        </p:nvCxnSpPr>
+        <p:spPr>
+          <a:xfrm>
+            <a:off x="2115406" y="5031109"/>
+            <a:ext cx="669313" cy="0"/>
+          </a:xfrm>
+          <a:prstGeom prst="straightConnector1">
+            <a:avLst/>
+          </a:prstGeom>
+          <a:ln w="19050">
+            <a:solidFill>
+              <a:schemeClr val="tx1">
+                <a:lumMod val="75000"/>
+                <a:lumOff val="25000"/>
+              </a:schemeClr>
+            </a:solidFill>
+            <a:tailEnd type="triangle"/>
+          </a:ln>
+        </p:spPr>
+        <p:style>
+          <a:lnRef idx="1">
+            <a:schemeClr val="accent1"/>
+          </a:lnRef>
+          <a:fillRef idx="0">
+            <a:schemeClr val="accent1"/>
+          </a:fillRef>
+          <a:effectRef idx="0">
+            <a:schemeClr val="accent1"/>
+          </a:effectRef>
+          <a:fontRef idx="minor">
+            <a:schemeClr val="tx1"/>
+          </a:fontRef>
+        </p:style>
+      </p:cxnSp>
+      <p:cxnSp>
+        <p:nvCxnSpPr>
+          <p:cNvPr id="1043" name="Conector recto de flecha 1042">
+            <a:extLst>
+              <a:ext uri="{FF2B5EF4-FFF2-40B4-BE49-F238E27FC236}">
+                <a16:creationId xmlns:a16="http://schemas.microsoft.com/office/drawing/2014/main" id="{9665CBD8-1CAA-E638-3564-51002A38619E}"/>
+              </a:ext>
+            </a:extLst>
+          </p:cNvPr>
+          <p:cNvCxnSpPr>
+            <a:cxnSpLocks/>
+          </p:cNvCxnSpPr>
+          <p:nvPr/>
+        </p:nvCxnSpPr>
+        <p:spPr>
+          <a:xfrm flipH="1">
+            <a:off x="2003093" y="5142346"/>
+            <a:ext cx="640633" cy="0"/>
+          </a:xfrm>
+          <a:prstGeom prst="straightConnector1">
+            <a:avLst/>
+          </a:prstGeom>
+          <a:ln w="19050">
+            <a:solidFill>
+              <a:schemeClr val="tx1">
+                <a:lumMod val="75000"/>
+                <a:lumOff val="25000"/>
+              </a:schemeClr>
+            </a:solidFill>
+            <a:tailEnd type="triangle"/>
+          </a:ln>
+        </p:spPr>
+        <p:style>
+          <a:lnRef idx="1">
+            <a:schemeClr val="accent1"/>
+          </a:lnRef>
+          <a:fillRef idx="0">
+            <a:schemeClr val="accent1"/>
+          </a:fillRef>
+          <a:effectRef idx="0">
+            <a:schemeClr val="accent1"/>
+          </a:effectRef>
+          <a:fontRef idx="minor">
+            <a:schemeClr val="tx1"/>
+          </a:fontRef>
+        </p:style>
+      </p:cxnSp>
+      <p:sp>
+        <p:nvSpPr>
+          <p:cNvPr id="1044" name="CuadroTexto 1043">
+            <a:extLst>
+              <a:ext uri="{FF2B5EF4-FFF2-40B4-BE49-F238E27FC236}">
+                <a16:creationId xmlns:a16="http://schemas.microsoft.com/office/drawing/2014/main" id="{CEEC9D00-A7CA-51A7-F5CC-441624BE12C3}"/>
+              </a:ext>
+            </a:extLst>
+          </p:cNvPr>
+          <p:cNvSpPr txBox="1"/>
+          <p:nvPr/>
+        </p:nvSpPr>
+        <p:spPr>
+          <a:xfrm>
+            <a:off x="1948095" y="4599571"/>
+            <a:ext cx="979909" cy="369332"/>
+          </a:xfrm>
+          <a:prstGeom prst="rect">
+            <a:avLst/>
+          </a:prstGeom>
+          <a:noFill/>
+        </p:spPr>
+        <p:txBody>
+          <a:bodyPr wrap="square" rtlCol="0">
+            <a:spAutoFit/>
+          </a:bodyPr>
+          <a:lstStyle/>
+          <a:p>
+            <a:r>
+              <a:rPr lang="es-ES" sz="1000" b="1" dirty="0">
+                <a:solidFill>
+                  <a:schemeClr val="bg1"/>
+                </a:solidFill>
+              </a:rPr>
+              <a:t>API</a:t>
+            </a:r>
+          </a:p>
+          <a:p>
+            <a:r>
+              <a:rPr lang="es-ES" sz="800" dirty="0">
+                <a:solidFill>
+                  <a:srgbClr val="CC99FF"/>
+                </a:solidFill>
+              </a:rPr>
+              <a:t>Click see more</a:t>
+            </a:r>
+          </a:p>
+        </p:txBody>
+      </p:sp>
+      <p:cxnSp>
+        <p:nvCxnSpPr>
+          <p:cNvPr id="1045" name="Conector recto de flecha 1044">
+            <a:extLst>
+              <a:ext uri="{FF2B5EF4-FFF2-40B4-BE49-F238E27FC236}">
+                <a16:creationId xmlns:a16="http://schemas.microsoft.com/office/drawing/2014/main" id="{8F83210A-F60C-3D15-1339-A4A070C2A724}"/>
+              </a:ext>
+            </a:extLst>
+          </p:cNvPr>
+          <p:cNvCxnSpPr>
+            <a:cxnSpLocks/>
+          </p:cNvCxnSpPr>
+          <p:nvPr/>
+        </p:nvCxnSpPr>
+        <p:spPr>
+          <a:xfrm>
+            <a:off x="2165987" y="5956122"/>
+            <a:ext cx="669313" cy="0"/>
+          </a:xfrm>
+          <a:prstGeom prst="straightConnector1">
+            <a:avLst/>
+          </a:prstGeom>
+          <a:ln w="19050">
+            <a:solidFill>
+              <a:schemeClr val="tx1">
+                <a:lumMod val="75000"/>
+                <a:lumOff val="25000"/>
+              </a:schemeClr>
+            </a:solidFill>
+            <a:tailEnd type="triangle"/>
+          </a:ln>
+        </p:spPr>
+        <p:style>
+          <a:lnRef idx="1">
+            <a:schemeClr val="accent1"/>
+          </a:lnRef>
+          <a:fillRef idx="0">
+            <a:schemeClr val="accent1"/>
+          </a:fillRef>
+          <a:effectRef idx="0">
+            <a:schemeClr val="accent1"/>
+          </a:effectRef>
+          <a:fontRef idx="minor">
+            <a:schemeClr val="tx1"/>
+          </a:fontRef>
+        </p:style>
+      </p:cxnSp>
+      <p:cxnSp>
+        <p:nvCxnSpPr>
+          <p:cNvPr id="1046" name="Conector recto de flecha 1045">
+            <a:extLst>
+              <a:ext uri="{FF2B5EF4-FFF2-40B4-BE49-F238E27FC236}">
+                <a16:creationId xmlns:a16="http://schemas.microsoft.com/office/drawing/2014/main" id="{C9CFAD2F-FACE-5DE6-5415-8BD78F4CB7B7}"/>
+              </a:ext>
+            </a:extLst>
+          </p:cNvPr>
+          <p:cNvCxnSpPr>
+            <a:cxnSpLocks/>
+          </p:cNvCxnSpPr>
+          <p:nvPr/>
+        </p:nvCxnSpPr>
+        <p:spPr>
+          <a:xfrm flipH="1">
+            <a:off x="2053674" y="6067359"/>
+            <a:ext cx="640633" cy="0"/>
+          </a:xfrm>
+          <a:prstGeom prst="straightConnector1">
+            <a:avLst/>
+          </a:prstGeom>
+          <a:ln w="19050">
+            <a:solidFill>
+              <a:schemeClr val="tx1">
+                <a:lumMod val="75000"/>
+                <a:lumOff val="25000"/>
+              </a:schemeClr>
+            </a:solidFill>
+            <a:tailEnd type="triangle"/>
+          </a:ln>
+        </p:spPr>
+        <p:style>
+          <a:lnRef idx="1">
+            <a:schemeClr val="accent1"/>
+          </a:lnRef>
+          <a:fillRef idx="0">
+            <a:schemeClr val="accent1"/>
+          </a:fillRef>
+          <a:effectRef idx="0">
+            <a:schemeClr val="accent1"/>
+          </a:effectRef>
+          <a:fontRef idx="minor">
+            <a:schemeClr val="tx1"/>
+          </a:fontRef>
+        </p:style>
+      </p:cxnSp>
+      <p:sp>
+        <p:nvSpPr>
+          <p:cNvPr id="1047" name="CuadroTexto 1046">
+            <a:extLst>
+              <a:ext uri="{FF2B5EF4-FFF2-40B4-BE49-F238E27FC236}">
+                <a16:creationId xmlns:a16="http://schemas.microsoft.com/office/drawing/2014/main" id="{1AE8866D-34B6-DEAB-C57E-0D4B07D5F8C3}"/>
+              </a:ext>
+            </a:extLst>
+          </p:cNvPr>
+          <p:cNvSpPr txBox="1"/>
+          <p:nvPr/>
+        </p:nvSpPr>
+        <p:spPr>
+          <a:xfrm>
+            <a:off x="1998676" y="5524584"/>
+            <a:ext cx="979909" cy="369332"/>
+          </a:xfrm>
+          <a:prstGeom prst="rect">
+            <a:avLst/>
+          </a:prstGeom>
+          <a:noFill/>
+        </p:spPr>
+        <p:txBody>
+          <a:bodyPr wrap="square" rtlCol="0">
+            <a:spAutoFit/>
+          </a:bodyPr>
+          <a:lstStyle/>
+          <a:p>
+            <a:r>
+              <a:rPr lang="es-ES" sz="1000" b="1" dirty="0">
+                <a:solidFill>
+                  <a:schemeClr val="bg1"/>
+                </a:solidFill>
+              </a:rPr>
+              <a:t>API</a:t>
+            </a:r>
+          </a:p>
+          <a:p>
+            <a:r>
+              <a:rPr lang="es-ES" sz="800" dirty="0">
+                <a:solidFill>
+                  <a:srgbClr val="CC99FF"/>
+                </a:solidFill>
+              </a:rPr>
+              <a:t>Click see more</a:t>
+            </a:r>
+          </a:p>
+        </p:txBody>
+      </p:sp>
+      <p:sp>
+        <p:nvSpPr>
+          <p:cNvPr id="1049" name="CuadroTexto 1048">
+            <a:extLst>
+              <a:ext uri="{FF2B5EF4-FFF2-40B4-BE49-F238E27FC236}">
+                <a16:creationId xmlns:a16="http://schemas.microsoft.com/office/drawing/2014/main" id="{ED69C0B8-9715-AE47-9990-C014F0060D06}"/>
+              </a:ext>
+            </a:extLst>
+          </p:cNvPr>
+          <p:cNvSpPr txBox="1"/>
+          <p:nvPr/>
+        </p:nvSpPr>
+        <p:spPr>
+          <a:xfrm>
+            <a:off x="7374496" y="1217007"/>
+            <a:ext cx="1084991" cy="369332"/>
+          </a:xfrm>
+          <a:prstGeom prst="rect">
+            <a:avLst/>
+          </a:prstGeom>
+          <a:noFill/>
+        </p:spPr>
+        <p:txBody>
+          <a:bodyPr wrap="square" rtlCol="0">
+            <a:spAutoFit/>
+          </a:bodyPr>
+          <a:lstStyle/>
+          <a:p>
+            <a:r>
+              <a:rPr lang="es-ES" sz="1000" b="1" dirty="0">
+                <a:solidFill>
+                  <a:schemeClr val="bg1"/>
+                </a:solidFill>
+              </a:rPr>
+              <a:t>WooCommerce</a:t>
+            </a:r>
+          </a:p>
+          <a:p>
+            <a:r>
+              <a:rPr lang="es-ES" sz="800" dirty="0">
+                <a:solidFill>
+                  <a:srgbClr val="CC99FF"/>
+                </a:solidFill>
+              </a:rPr>
+              <a:t>Click see more</a:t>
+            </a:r>
+          </a:p>
+        </p:txBody>
+      </p:sp>
+      <p:cxnSp>
+        <p:nvCxnSpPr>
+          <p:cNvPr id="1050" name="Conector recto de flecha 1049">
+            <a:extLst>
+              <a:ext uri="{FF2B5EF4-FFF2-40B4-BE49-F238E27FC236}">
+                <a16:creationId xmlns:a16="http://schemas.microsoft.com/office/drawing/2014/main" id="{4E78854A-2E8F-A22C-94DF-5023DA150D2B}"/>
+              </a:ext>
+            </a:extLst>
+          </p:cNvPr>
+          <p:cNvCxnSpPr>
+            <a:cxnSpLocks/>
+          </p:cNvCxnSpPr>
+          <p:nvPr/>
+        </p:nvCxnSpPr>
+        <p:spPr>
+          <a:xfrm>
+            <a:off x="4205671" y="1355066"/>
+            <a:ext cx="669313" cy="0"/>
+          </a:xfrm>
+          <a:prstGeom prst="straightConnector1">
+            <a:avLst/>
+          </a:prstGeom>
+          <a:ln w="19050">
+            <a:solidFill>
+              <a:schemeClr val="tx1">
+                <a:lumMod val="75000"/>
+                <a:lumOff val="25000"/>
+              </a:schemeClr>
+            </a:solidFill>
+            <a:tailEnd type="triangle"/>
+          </a:ln>
+        </p:spPr>
+        <p:style>
+          <a:lnRef idx="1">
+            <a:schemeClr val="accent1"/>
+          </a:lnRef>
+          <a:fillRef idx="0">
+            <a:schemeClr val="accent1"/>
+          </a:fillRef>
+          <a:effectRef idx="0">
+            <a:schemeClr val="accent1"/>
+          </a:effectRef>
+          <a:fontRef idx="minor">
+            <a:schemeClr val="tx1"/>
+          </a:fontRef>
+        </p:style>
+      </p:cxnSp>
+      <p:cxnSp>
+        <p:nvCxnSpPr>
+          <p:cNvPr id="1051" name="Conector recto de flecha 1050">
+            <a:extLst>
+              <a:ext uri="{FF2B5EF4-FFF2-40B4-BE49-F238E27FC236}">
+                <a16:creationId xmlns:a16="http://schemas.microsoft.com/office/drawing/2014/main" id="{FAABB77C-9E8C-BC5E-AFEE-19DED9A3C467}"/>
+              </a:ext>
+            </a:extLst>
+          </p:cNvPr>
+          <p:cNvCxnSpPr>
+            <a:cxnSpLocks/>
+          </p:cNvCxnSpPr>
+          <p:nvPr/>
+        </p:nvCxnSpPr>
+        <p:spPr>
+          <a:xfrm flipH="1">
+            <a:off x="4093358" y="1466303"/>
+            <a:ext cx="640633" cy="0"/>
+          </a:xfrm>
+          <a:prstGeom prst="straightConnector1">
+            <a:avLst/>
+          </a:prstGeom>
+          <a:ln w="19050">
+            <a:solidFill>
+              <a:schemeClr val="tx1">
+                <a:lumMod val="75000"/>
+                <a:lumOff val="25000"/>
+              </a:schemeClr>
+            </a:solidFill>
+            <a:tailEnd type="triangle"/>
+          </a:ln>
+        </p:spPr>
+        <p:style>
+          <a:lnRef idx="1">
+            <a:schemeClr val="accent1"/>
+          </a:lnRef>
+          <a:fillRef idx="0">
+            <a:schemeClr val="accent1"/>
+          </a:fillRef>
+          <a:effectRef idx="0">
+            <a:schemeClr val="accent1"/>
+          </a:effectRef>
+          <a:fontRef idx="minor">
+            <a:schemeClr val="tx1"/>
+          </a:fontRef>
+        </p:style>
+      </p:cxnSp>
+      <p:sp>
+        <p:nvSpPr>
+          <p:cNvPr id="1052" name="CuadroTexto 1051">
+            <a:extLst>
+              <a:ext uri="{FF2B5EF4-FFF2-40B4-BE49-F238E27FC236}">
+                <a16:creationId xmlns:a16="http://schemas.microsoft.com/office/drawing/2014/main" id="{C0362E7B-252B-B943-2FDB-920CD30DD7D7}"/>
+              </a:ext>
+            </a:extLst>
+          </p:cNvPr>
+          <p:cNvSpPr txBox="1"/>
+          <p:nvPr/>
+        </p:nvSpPr>
+        <p:spPr>
+          <a:xfrm>
+            <a:off x="4038360" y="923528"/>
+            <a:ext cx="979909" cy="369332"/>
+          </a:xfrm>
+          <a:prstGeom prst="rect">
+            <a:avLst/>
+          </a:prstGeom>
+          <a:noFill/>
+        </p:spPr>
+        <p:txBody>
+          <a:bodyPr wrap="square" rtlCol="0">
+            <a:spAutoFit/>
+          </a:bodyPr>
+          <a:lstStyle/>
+          <a:p>
+            <a:r>
+              <a:rPr lang="es-ES" sz="1000" b="1" dirty="0">
+                <a:solidFill>
+                  <a:schemeClr val="bg1"/>
+                </a:solidFill>
+              </a:rPr>
+              <a:t>API</a:t>
+            </a:r>
+          </a:p>
+          <a:p>
+            <a:r>
+              <a:rPr lang="es-ES" sz="800" dirty="0">
+                <a:solidFill>
+                  <a:srgbClr val="CC99FF"/>
+                </a:solidFill>
+              </a:rPr>
+              <a:t>Click see more</a:t>
+            </a:r>
+          </a:p>
+        </p:txBody>
+      </p:sp>
+      <p:cxnSp>
+        <p:nvCxnSpPr>
+          <p:cNvPr id="1053" name="Conector recto de flecha 1052">
+            <a:extLst>
+              <a:ext uri="{FF2B5EF4-FFF2-40B4-BE49-F238E27FC236}">
+                <a16:creationId xmlns:a16="http://schemas.microsoft.com/office/drawing/2014/main" id="{1FE54601-D259-1AAE-D105-C9F051F59942}"/>
+              </a:ext>
+            </a:extLst>
+          </p:cNvPr>
+          <p:cNvCxnSpPr>
+            <a:cxnSpLocks/>
+          </p:cNvCxnSpPr>
+          <p:nvPr/>
+        </p:nvCxnSpPr>
+        <p:spPr>
+          <a:xfrm>
+            <a:off x="6429833" y="1337333"/>
+            <a:ext cx="669313" cy="0"/>
+          </a:xfrm>
+          <a:prstGeom prst="straightConnector1">
+            <a:avLst/>
+          </a:prstGeom>
+          <a:ln w="19050">
+            <a:solidFill>
+              <a:schemeClr val="tx1">
+                <a:lumMod val="75000"/>
+                <a:lumOff val="25000"/>
+              </a:schemeClr>
+            </a:solidFill>
+            <a:tailEnd type="triangle"/>
+          </a:ln>
+        </p:spPr>
+        <p:style>
+          <a:lnRef idx="1">
+            <a:schemeClr val="accent1"/>
+          </a:lnRef>
+          <a:fillRef idx="0">
+            <a:schemeClr val="accent1"/>
+          </a:fillRef>
+          <a:effectRef idx="0">
+            <a:schemeClr val="accent1"/>
+          </a:effectRef>
+          <a:fontRef idx="minor">
+            <a:schemeClr val="tx1"/>
+          </a:fontRef>
+        </p:style>
+      </p:cxnSp>
+      <p:cxnSp>
+        <p:nvCxnSpPr>
+          <p:cNvPr id="1054" name="Conector recto de flecha 1053">
+            <a:extLst>
+              <a:ext uri="{FF2B5EF4-FFF2-40B4-BE49-F238E27FC236}">
+                <a16:creationId xmlns:a16="http://schemas.microsoft.com/office/drawing/2014/main" id="{9AA11837-CB1E-3F3D-D122-B60F659B002B}"/>
+              </a:ext>
+            </a:extLst>
+          </p:cNvPr>
+          <p:cNvCxnSpPr>
+            <a:cxnSpLocks/>
+          </p:cNvCxnSpPr>
+          <p:nvPr/>
+        </p:nvCxnSpPr>
+        <p:spPr>
+          <a:xfrm flipH="1">
+            <a:off x="6317520" y="1448570"/>
+            <a:ext cx="640633" cy="0"/>
+          </a:xfrm>
+          <a:prstGeom prst="straightConnector1">
+            <a:avLst/>
+          </a:prstGeom>
+          <a:ln w="19050">
+            <a:solidFill>
+              <a:schemeClr val="tx1">
+                <a:lumMod val="75000"/>
+                <a:lumOff val="25000"/>
+              </a:schemeClr>
+            </a:solidFill>
+            <a:tailEnd type="triangle"/>
+          </a:ln>
+        </p:spPr>
+        <p:style>
+          <a:lnRef idx="1">
+            <a:schemeClr val="accent1"/>
+          </a:lnRef>
+          <a:fillRef idx="0">
+            <a:schemeClr val="accent1"/>
+          </a:fillRef>
+          <a:effectRef idx="0">
+            <a:schemeClr val="accent1"/>
+          </a:effectRef>
+          <a:fontRef idx="minor">
+            <a:schemeClr val="tx1"/>
+          </a:fontRef>
+        </p:style>
+      </p:cxnSp>
+      <p:sp>
+        <p:nvSpPr>
+          <p:cNvPr id="1055" name="CuadroTexto 1054">
+            <a:extLst>
+              <a:ext uri="{FF2B5EF4-FFF2-40B4-BE49-F238E27FC236}">
+                <a16:creationId xmlns:a16="http://schemas.microsoft.com/office/drawing/2014/main" id="{E7063439-5A57-4BDB-906E-3C302314E41D}"/>
+              </a:ext>
+            </a:extLst>
+          </p:cNvPr>
+          <p:cNvSpPr txBox="1"/>
+          <p:nvPr/>
+        </p:nvSpPr>
+        <p:spPr>
+          <a:xfrm>
+            <a:off x="6262522" y="905795"/>
+            <a:ext cx="979909" cy="369332"/>
+          </a:xfrm>
+          <a:prstGeom prst="rect">
+            <a:avLst/>
+          </a:prstGeom>
+          <a:noFill/>
+        </p:spPr>
+        <p:txBody>
+          <a:bodyPr wrap="square" rtlCol="0">
+            <a:spAutoFit/>
+          </a:bodyPr>
+          <a:lstStyle/>
+          <a:p>
+            <a:r>
+              <a:rPr lang="es-ES" sz="1000" b="1" dirty="0">
+                <a:solidFill>
+                  <a:schemeClr val="bg1"/>
+                </a:solidFill>
+              </a:rPr>
+              <a:t>API</a:t>
+            </a:r>
+          </a:p>
+          <a:p>
+            <a:r>
+              <a:rPr lang="es-ES" sz="800" dirty="0">
+                <a:solidFill>
+                  <a:srgbClr val="CC99FF"/>
+                </a:solidFill>
+              </a:rPr>
+              <a:t>Click see more</a:t>
+            </a:r>
+          </a:p>
+        </p:txBody>
+      </p:sp>
+      <p:sp>
+        <p:nvSpPr>
+          <p:cNvPr id="1056" name="CuadroTexto 1055">
+            <a:extLst>
+              <a:ext uri="{FF2B5EF4-FFF2-40B4-BE49-F238E27FC236}">
+                <a16:creationId xmlns:a16="http://schemas.microsoft.com/office/drawing/2014/main" id="{4ACA0C53-E179-DFE3-5C8C-1035C44E818C}"/>
+              </a:ext>
+            </a:extLst>
+          </p:cNvPr>
+          <p:cNvSpPr txBox="1"/>
+          <p:nvPr/>
+        </p:nvSpPr>
+        <p:spPr>
+          <a:xfrm>
+            <a:off x="7394368" y="2162933"/>
+            <a:ext cx="1084991" cy="369332"/>
+          </a:xfrm>
+          <a:prstGeom prst="rect">
+            <a:avLst/>
+          </a:prstGeom>
+          <a:noFill/>
+        </p:spPr>
+        <p:txBody>
+          <a:bodyPr wrap="square" rtlCol="0">
+            <a:spAutoFit/>
+          </a:bodyPr>
+          <a:lstStyle/>
+          <a:p>
+            <a:r>
+              <a:rPr lang="es-ES" sz="1000" b="1" dirty="0">
+                <a:solidFill>
+                  <a:schemeClr val="bg1"/>
+                </a:solidFill>
+              </a:rPr>
+              <a:t>Power BI</a:t>
+            </a:r>
+          </a:p>
+          <a:p>
+            <a:r>
+              <a:rPr lang="es-ES" sz="800" dirty="0">
+                <a:solidFill>
+                  <a:srgbClr val="CC99FF"/>
+                </a:solidFill>
+              </a:rPr>
+              <a:t>Click see more</a:t>
+            </a:r>
+          </a:p>
+        </p:txBody>
+      </p:sp>
+      <p:sp>
+        <p:nvSpPr>
+          <p:cNvPr id="1058" name="CuadroTexto 1057">
+            <a:extLst>
+              <a:ext uri="{FF2B5EF4-FFF2-40B4-BE49-F238E27FC236}">
+                <a16:creationId xmlns:a16="http://schemas.microsoft.com/office/drawing/2014/main" id="{F3337BA1-AA38-709E-BCEA-9CF3C7C05456}"/>
+              </a:ext>
+            </a:extLst>
+          </p:cNvPr>
+          <p:cNvSpPr txBox="1"/>
+          <p:nvPr/>
+        </p:nvSpPr>
+        <p:spPr>
+          <a:xfrm>
+            <a:off x="7410635" y="3076545"/>
+            <a:ext cx="1084991" cy="369332"/>
+          </a:xfrm>
+          <a:prstGeom prst="rect">
+            <a:avLst/>
+          </a:prstGeom>
+          <a:noFill/>
+        </p:spPr>
+        <p:txBody>
+          <a:bodyPr wrap="square" rtlCol="0">
+            <a:spAutoFit/>
+          </a:bodyPr>
+          <a:lstStyle/>
+          <a:p>
+            <a:r>
+              <a:rPr lang="es-ES" sz="1000" b="1" dirty="0">
+                <a:solidFill>
+                  <a:schemeClr val="bg1"/>
+                </a:solidFill>
+              </a:rPr>
+              <a:t>Power BI</a:t>
+            </a:r>
+          </a:p>
+          <a:p>
+            <a:r>
+              <a:rPr lang="es-ES" sz="800" dirty="0">
+                <a:solidFill>
+                  <a:srgbClr val="CC99FF"/>
+                </a:solidFill>
+              </a:rPr>
+              <a:t>Click see more</a:t>
+            </a:r>
+          </a:p>
+        </p:txBody>
+      </p:sp>
+      <p:cxnSp>
+        <p:nvCxnSpPr>
+          <p:cNvPr id="1059" name="Conector recto de flecha 1058">
+            <a:extLst>
+              <a:ext uri="{FF2B5EF4-FFF2-40B4-BE49-F238E27FC236}">
+                <a16:creationId xmlns:a16="http://schemas.microsoft.com/office/drawing/2014/main" id="{A864226A-9469-1AE3-F181-7495B6AB5351}"/>
+              </a:ext>
+            </a:extLst>
+          </p:cNvPr>
+          <p:cNvCxnSpPr>
+            <a:cxnSpLocks/>
+          </p:cNvCxnSpPr>
+          <p:nvPr/>
+        </p:nvCxnSpPr>
+        <p:spPr>
+          <a:xfrm>
+            <a:off x="6429833" y="2319488"/>
+            <a:ext cx="669313" cy="0"/>
+          </a:xfrm>
+          <a:prstGeom prst="straightConnector1">
+            <a:avLst/>
+          </a:prstGeom>
+          <a:ln w="19050">
+            <a:solidFill>
+              <a:schemeClr val="tx1">
+                <a:lumMod val="75000"/>
+                <a:lumOff val="25000"/>
+              </a:schemeClr>
+            </a:solidFill>
+            <a:tailEnd type="triangle"/>
+          </a:ln>
+        </p:spPr>
+        <p:style>
+          <a:lnRef idx="1">
+            <a:schemeClr val="accent1"/>
+          </a:lnRef>
+          <a:fillRef idx="0">
+            <a:schemeClr val="accent1"/>
+          </a:fillRef>
+          <a:effectRef idx="0">
+            <a:schemeClr val="accent1"/>
+          </a:effectRef>
+          <a:fontRef idx="minor">
+            <a:schemeClr val="tx1"/>
+          </a:fontRef>
+        </p:style>
+      </p:cxnSp>
+      <p:cxnSp>
+        <p:nvCxnSpPr>
+          <p:cNvPr id="1060" name="Conector recto de flecha 1059">
+            <a:extLst>
+              <a:ext uri="{FF2B5EF4-FFF2-40B4-BE49-F238E27FC236}">
+                <a16:creationId xmlns:a16="http://schemas.microsoft.com/office/drawing/2014/main" id="{06A7994D-3229-9560-2787-7FC8118B50B3}"/>
+              </a:ext>
+            </a:extLst>
+          </p:cNvPr>
+          <p:cNvCxnSpPr>
+            <a:cxnSpLocks/>
+          </p:cNvCxnSpPr>
+          <p:nvPr/>
+        </p:nvCxnSpPr>
+        <p:spPr>
+          <a:xfrm flipH="1">
+            <a:off x="6317520" y="2430725"/>
+            <a:ext cx="640633" cy="0"/>
+          </a:xfrm>
+          <a:prstGeom prst="straightConnector1">
+            <a:avLst/>
+          </a:prstGeom>
+          <a:ln w="19050">
+            <a:solidFill>
+              <a:schemeClr val="tx1">
+                <a:lumMod val="75000"/>
+                <a:lumOff val="25000"/>
+              </a:schemeClr>
+            </a:solidFill>
+            <a:tailEnd type="triangle"/>
+          </a:ln>
+        </p:spPr>
+        <p:style>
+          <a:lnRef idx="1">
+            <a:schemeClr val="accent1"/>
+          </a:lnRef>
+          <a:fillRef idx="0">
+            <a:schemeClr val="accent1"/>
+          </a:fillRef>
+          <a:effectRef idx="0">
+            <a:schemeClr val="accent1"/>
+          </a:effectRef>
+          <a:fontRef idx="minor">
+            <a:schemeClr val="tx1"/>
+          </a:fontRef>
+        </p:style>
+      </p:cxnSp>
+      <p:sp>
+        <p:nvSpPr>
+          <p:cNvPr id="1061" name="CuadroTexto 1060">
+            <a:extLst>
+              <a:ext uri="{FF2B5EF4-FFF2-40B4-BE49-F238E27FC236}">
+                <a16:creationId xmlns:a16="http://schemas.microsoft.com/office/drawing/2014/main" id="{86A60A4F-3AE3-F7AB-1A7A-BDC688F61BDD}"/>
+              </a:ext>
+            </a:extLst>
+          </p:cNvPr>
+          <p:cNvSpPr txBox="1"/>
+          <p:nvPr/>
+        </p:nvSpPr>
+        <p:spPr>
+          <a:xfrm>
+            <a:off x="6262522" y="1887950"/>
+            <a:ext cx="979909" cy="369332"/>
+          </a:xfrm>
+          <a:prstGeom prst="rect">
+            <a:avLst/>
+          </a:prstGeom>
+          <a:noFill/>
+        </p:spPr>
+        <p:txBody>
+          <a:bodyPr wrap="square" rtlCol="0">
+            <a:spAutoFit/>
+          </a:bodyPr>
+          <a:lstStyle/>
+          <a:p>
+            <a:r>
+              <a:rPr lang="es-ES" sz="1000" b="1" dirty="0">
+                <a:solidFill>
+                  <a:schemeClr val="bg1"/>
+                </a:solidFill>
+              </a:rPr>
+              <a:t>API</a:t>
+            </a:r>
+          </a:p>
+          <a:p>
+            <a:r>
+              <a:rPr lang="es-ES" sz="800" dirty="0">
+                <a:solidFill>
+                  <a:srgbClr val="CC99FF"/>
+                </a:solidFill>
+              </a:rPr>
+              <a:t>Click see more</a:t>
+            </a:r>
+          </a:p>
+        </p:txBody>
+      </p:sp>
+      <p:cxnSp>
+        <p:nvCxnSpPr>
+          <p:cNvPr id="1062" name="Conector recto de flecha 1061">
+            <a:extLst>
+              <a:ext uri="{FF2B5EF4-FFF2-40B4-BE49-F238E27FC236}">
+                <a16:creationId xmlns:a16="http://schemas.microsoft.com/office/drawing/2014/main" id="{6CE096FD-13C2-F6E8-E4D2-742BB56B0156}"/>
+              </a:ext>
+            </a:extLst>
+          </p:cNvPr>
+          <p:cNvCxnSpPr>
+            <a:cxnSpLocks/>
+          </p:cNvCxnSpPr>
+          <p:nvPr/>
+        </p:nvCxnSpPr>
+        <p:spPr>
+          <a:xfrm>
+            <a:off x="6477964" y="3261211"/>
+            <a:ext cx="669313" cy="0"/>
+          </a:xfrm>
+          <a:prstGeom prst="straightConnector1">
+            <a:avLst/>
+          </a:prstGeom>
+          <a:ln w="19050">
+            <a:solidFill>
+              <a:schemeClr val="tx1">
+                <a:lumMod val="75000"/>
+                <a:lumOff val="25000"/>
+              </a:schemeClr>
+            </a:solidFill>
+            <a:tailEnd type="triangle"/>
+          </a:ln>
+        </p:spPr>
+        <p:style>
+          <a:lnRef idx="1">
+            <a:schemeClr val="accent1"/>
+          </a:lnRef>
+          <a:fillRef idx="0">
+            <a:schemeClr val="accent1"/>
+          </a:fillRef>
+          <a:effectRef idx="0">
+            <a:schemeClr val="accent1"/>
+          </a:effectRef>
+          <a:fontRef idx="minor">
+            <a:schemeClr val="tx1"/>
+          </a:fontRef>
+        </p:style>
+      </p:cxnSp>
+      <p:cxnSp>
+        <p:nvCxnSpPr>
+          <p:cNvPr id="1063" name="Conector recto de flecha 1062">
+            <a:extLst>
+              <a:ext uri="{FF2B5EF4-FFF2-40B4-BE49-F238E27FC236}">
+                <a16:creationId xmlns:a16="http://schemas.microsoft.com/office/drawing/2014/main" id="{28CAF3ED-1D79-26EA-5F29-68DDC5FEEF5A}"/>
+              </a:ext>
+            </a:extLst>
+          </p:cNvPr>
+          <p:cNvCxnSpPr>
+            <a:cxnSpLocks/>
+          </p:cNvCxnSpPr>
+          <p:nvPr/>
+        </p:nvCxnSpPr>
+        <p:spPr>
+          <a:xfrm flipH="1">
+            <a:off x="6365651" y="3372448"/>
+            <a:ext cx="640633" cy="0"/>
+          </a:xfrm>
+          <a:prstGeom prst="straightConnector1">
+            <a:avLst/>
+          </a:prstGeom>
+          <a:ln w="19050">
+            <a:solidFill>
+              <a:schemeClr val="tx1">
+                <a:lumMod val="75000"/>
+                <a:lumOff val="25000"/>
+              </a:schemeClr>
+            </a:solidFill>
+            <a:tailEnd type="triangle"/>
+          </a:ln>
+        </p:spPr>
+        <p:style>
+          <a:lnRef idx="1">
+            <a:schemeClr val="accent1"/>
+          </a:lnRef>
+          <a:fillRef idx="0">
+            <a:schemeClr val="accent1"/>
+          </a:fillRef>
+          <a:effectRef idx="0">
+            <a:schemeClr val="accent1"/>
+          </a:effectRef>
+          <a:fontRef idx="minor">
+            <a:schemeClr val="tx1"/>
+          </a:fontRef>
+        </p:style>
+      </p:cxnSp>
+      <p:sp>
+        <p:nvSpPr>
+          <p:cNvPr id="1064" name="CuadroTexto 1063">
+            <a:extLst>
+              <a:ext uri="{FF2B5EF4-FFF2-40B4-BE49-F238E27FC236}">
+                <a16:creationId xmlns:a16="http://schemas.microsoft.com/office/drawing/2014/main" id="{67E782C5-36CE-4EB4-E922-A1B2A97ABE13}"/>
+              </a:ext>
+            </a:extLst>
+          </p:cNvPr>
+          <p:cNvSpPr txBox="1"/>
+          <p:nvPr/>
+        </p:nvSpPr>
+        <p:spPr>
+          <a:xfrm>
+            <a:off x="6310653" y="2829673"/>
+            <a:ext cx="979909" cy="369332"/>
+          </a:xfrm>
+          <a:prstGeom prst="rect">
+            <a:avLst/>
+          </a:prstGeom>
+          <a:noFill/>
+        </p:spPr>
+        <p:txBody>
+          <a:bodyPr wrap="square" rtlCol="0">
+            <a:spAutoFit/>
+          </a:bodyPr>
+          <a:lstStyle/>
+          <a:p>
+            <a:r>
+              <a:rPr lang="es-ES" sz="1000" b="1" dirty="0">
+                <a:solidFill>
+                  <a:schemeClr val="bg1"/>
+                </a:solidFill>
+              </a:rPr>
+              <a:t>API</a:t>
+            </a:r>
+          </a:p>
+          <a:p>
+            <a:r>
+              <a:rPr lang="es-ES" sz="800" dirty="0">
+                <a:solidFill>
+                  <a:srgbClr val="CC99FF"/>
+                </a:solidFill>
+              </a:rPr>
+              <a:t>Click see more</a:t>
+            </a:r>
+          </a:p>
+        </p:txBody>
+      </p:sp>
+      <p:pic>
+        <p:nvPicPr>
+          <p:cNvPr id="1065" name="Picture 8" descr="Expertise Sciforma®">
+            <a:extLst>
+              <a:ext uri="{FF2B5EF4-FFF2-40B4-BE49-F238E27FC236}">
+                <a16:creationId xmlns:a16="http://schemas.microsoft.com/office/drawing/2014/main" id="{99487222-EC93-BC0A-D42F-6413851D30D1}"/>
+              </a:ext>
+            </a:extLst>
+          </p:cNvPr>
+          <p:cNvPicPr>
+            <a:picLocks noChangeAspect="1" noChangeArrowheads="1"/>
+          </p:cNvPicPr>
+          <p:nvPr/>
+        </p:nvPicPr>
+        <p:blipFill>
+          <a:blip r:embed="rId13">
+            <a:extLst>
+              <a:ext uri="{28A0092B-C50C-407E-A947-70E740481C1C}">
+                <a14:useLocalDpi xmlns:a14="http://schemas.microsoft.com/office/drawing/2010/main" val="0"/>
+              </a:ext>
+            </a:extLst>
+          </a:blip>
+          <a:srcRect/>
+          <a:stretch>
+            <a:fillRect/>
+          </a:stretch>
+        </p:blipFill>
+        <p:spPr bwMode="auto">
+          <a:xfrm>
+            <a:off x="7476795" y="3813395"/>
+            <a:ext cx="521739" cy="138247"/>
+          </a:xfrm>
+          <a:prstGeom prst="rect">
+            <a:avLst/>
+          </a:prstGeom>
+          <a:noFill/>
+          <a:extLst>
+            <a:ext uri="{909E8E84-426E-40DD-AFC4-6F175D3DCCD1}">
+              <a14:hiddenFill xmlns:a14="http://schemas.microsoft.com/office/drawing/2010/main">
+                <a:solidFill>
+                  <a:srgbClr val="FFFFFF"/>
+                </a:solidFill>
+              </a14:hiddenFill>
+            </a:ext>
+          </a:extLst>
+        </p:spPr>
+      </p:pic>
+      <p:sp>
+        <p:nvSpPr>
+          <p:cNvPr id="1068" name="CuadroTexto 1067">
+            <a:extLst>
+              <a:ext uri="{FF2B5EF4-FFF2-40B4-BE49-F238E27FC236}">
+                <a16:creationId xmlns:a16="http://schemas.microsoft.com/office/drawing/2014/main" id="{EF8293D5-D80B-C963-C8B4-3D0784BF742F}"/>
+              </a:ext>
+            </a:extLst>
+          </p:cNvPr>
+          <p:cNvSpPr txBox="1"/>
+          <p:nvPr/>
+        </p:nvSpPr>
+        <p:spPr>
+          <a:xfrm>
+            <a:off x="382136" y="271418"/>
+            <a:ext cx="1155640" cy="369332"/>
+          </a:xfrm>
+          <a:prstGeom prst="rect">
+            <a:avLst/>
+          </a:prstGeom>
+          <a:noFill/>
+        </p:spPr>
+        <p:txBody>
+          <a:bodyPr wrap="square" rtlCol="0">
+            <a:spAutoFit/>
+          </a:bodyPr>
+          <a:lstStyle/>
+          <a:p>
+            <a:r>
+              <a:rPr lang="es-ES" b="1" dirty="0">
+                <a:solidFill>
+                  <a:schemeClr val="bg1"/>
+                </a:solidFill>
+              </a:rPr>
+              <a:t>Overview</a:t>
+            </a:r>
+          </a:p>
+        </p:txBody>
+      </p:sp>
+      <p:cxnSp>
+        <p:nvCxnSpPr>
+          <p:cNvPr id="1069" name="Conector recto 1068">
+            <a:extLst>
+              <a:ext uri="{FF2B5EF4-FFF2-40B4-BE49-F238E27FC236}">
+                <a16:creationId xmlns:a16="http://schemas.microsoft.com/office/drawing/2014/main" id="{1594790E-FEE2-A8E3-BBFE-18B6614CA6CE}"/>
+              </a:ext>
+            </a:extLst>
+          </p:cNvPr>
+          <p:cNvCxnSpPr/>
+          <p:nvPr/>
+        </p:nvCxnSpPr>
+        <p:spPr>
+          <a:xfrm>
+            <a:off x="1538622" y="271418"/>
+            <a:ext cx="0" cy="369332"/>
+          </a:xfrm>
+          <a:prstGeom prst="line">
+            <a:avLst/>
+          </a:prstGeom>
+          <a:ln w="38100">
+            <a:solidFill>
+              <a:srgbClr val="CC99FF"/>
+            </a:solidFill>
+          </a:ln>
+        </p:spPr>
+        <p:style>
+          <a:lnRef idx="1">
+            <a:schemeClr val="accent1"/>
+          </a:lnRef>
+          <a:fillRef idx="0">
+            <a:schemeClr val="accent1"/>
+          </a:fillRef>
+          <a:effectRef idx="0">
+            <a:schemeClr val="accent1"/>
+          </a:effectRef>
+          <a:fontRef idx="minor">
+            <a:schemeClr val="tx1"/>
+          </a:fontRef>
+        </p:style>
+      </p:cxnSp>
     </p:spTree>
     <p:extLst>
       <p:ext uri="{BB962C8B-B14F-4D97-AF65-F5344CB8AC3E}">
@@ -4613,10 +6700,1033 @@
           <a:chExt cx="0" cy="0"/>
         </a:xfrm>
       </p:grpSpPr>
+      <p:sp>
+        <p:nvSpPr>
+          <p:cNvPr id="2" name="CuadroTexto 1">
+            <a:extLst>
+              <a:ext uri="{FF2B5EF4-FFF2-40B4-BE49-F238E27FC236}">
+                <a16:creationId xmlns:a16="http://schemas.microsoft.com/office/drawing/2014/main" id="{BAEA0D98-05E4-E10D-EB44-AD566BE7CA96}"/>
+              </a:ext>
+            </a:extLst>
+          </p:cNvPr>
+          <p:cNvSpPr txBox="1"/>
+          <p:nvPr/>
+        </p:nvSpPr>
+        <p:spPr>
+          <a:xfrm>
+            <a:off x="1740816" y="271692"/>
+            <a:ext cx="7227565" cy="369332"/>
+          </a:xfrm>
+          <a:prstGeom prst="rect">
+            <a:avLst/>
+          </a:prstGeom>
+          <a:noFill/>
+        </p:spPr>
+        <p:txBody>
+          <a:bodyPr wrap="square" rtlCol="0">
+            <a:spAutoFit/>
+          </a:bodyPr>
+          <a:lstStyle/>
+          <a:p>
+            <a:r>
+              <a:rPr lang="es-ES" b="1" dirty="0">
+                <a:solidFill>
+                  <a:schemeClr val="bg1"/>
+                </a:solidFill>
+              </a:rPr>
+              <a:t>Tools</a:t>
+            </a:r>
+          </a:p>
+        </p:txBody>
+      </p:sp>
+      <p:sp>
+        <p:nvSpPr>
+          <p:cNvPr id="3" name="CuadroTexto 2">
+            <a:extLst>
+              <a:ext uri="{FF2B5EF4-FFF2-40B4-BE49-F238E27FC236}">
+                <a16:creationId xmlns:a16="http://schemas.microsoft.com/office/drawing/2014/main" id="{DC563E51-BCA8-57FB-C8E8-C22BB50E317E}"/>
+              </a:ext>
+            </a:extLst>
+          </p:cNvPr>
+          <p:cNvSpPr txBox="1"/>
+          <p:nvPr/>
+        </p:nvSpPr>
+        <p:spPr>
+          <a:xfrm>
+            <a:off x="230283" y="271692"/>
+            <a:ext cx="1557877" cy="369332"/>
+          </a:xfrm>
+          <a:prstGeom prst="rect">
+            <a:avLst/>
+          </a:prstGeom>
+          <a:noFill/>
+        </p:spPr>
+        <p:txBody>
+          <a:bodyPr wrap="square" rtlCol="0">
+            <a:spAutoFit/>
+          </a:bodyPr>
+          <a:lstStyle/>
+          <a:p>
+            <a:r>
+              <a:rPr lang="es-ES" b="1" dirty="0">
+                <a:solidFill>
+                  <a:schemeClr val="bg1"/>
+                </a:solidFill>
+              </a:rPr>
+              <a:t>Overview</a:t>
+            </a:r>
+          </a:p>
+        </p:txBody>
+      </p:sp>
+      <p:cxnSp>
+        <p:nvCxnSpPr>
+          <p:cNvPr id="5" name="Conector recto 4">
+            <a:extLst>
+              <a:ext uri="{FF2B5EF4-FFF2-40B4-BE49-F238E27FC236}">
+                <a16:creationId xmlns:a16="http://schemas.microsoft.com/office/drawing/2014/main" id="{FB6C8116-AB68-B8C0-A9B3-12B97A3CCB9F}"/>
+              </a:ext>
+            </a:extLst>
+          </p:cNvPr>
+          <p:cNvCxnSpPr/>
+          <p:nvPr/>
+        </p:nvCxnSpPr>
+        <p:spPr>
+          <a:xfrm>
+            <a:off x="1371600" y="271692"/>
+            <a:ext cx="0" cy="369332"/>
+          </a:xfrm>
+          <a:prstGeom prst="line">
+            <a:avLst/>
+          </a:prstGeom>
+          <a:ln w="38100">
+            <a:solidFill>
+              <a:srgbClr val="CC99FF"/>
+            </a:solidFill>
+          </a:ln>
+        </p:spPr>
+        <p:style>
+          <a:lnRef idx="1">
+            <a:schemeClr val="accent1"/>
+          </a:lnRef>
+          <a:fillRef idx="0">
+            <a:schemeClr val="accent1"/>
+          </a:fillRef>
+          <a:effectRef idx="0">
+            <a:schemeClr val="accent1"/>
+          </a:effectRef>
+          <a:fontRef idx="minor">
+            <a:schemeClr val="tx1"/>
+          </a:fontRef>
+        </p:style>
+      </p:cxnSp>
+      <p:pic>
+        <p:nvPicPr>
+          <p:cNvPr id="6" name="Picture 4" descr="Atlassian Jira y plugins de Jira - Jira">
+            <a:extLst>
+              <a:ext uri="{FF2B5EF4-FFF2-40B4-BE49-F238E27FC236}">
+                <a16:creationId xmlns:a16="http://schemas.microsoft.com/office/drawing/2014/main" id="{651AD1D5-B8F8-6276-A102-3C4504DAFBE5}"/>
+              </a:ext>
+            </a:extLst>
+          </p:cNvPr>
+          <p:cNvPicPr>
+            <a:picLocks noChangeAspect="1" noChangeArrowheads="1"/>
+          </p:cNvPicPr>
+          <p:nvPr/>
+        </p:nvPicPr>
+        <p:blipFill>
+          <a:blip r:embed="rId2">
+            <a:extLst>
+              <a:ext uri="{28A0092B-C50C-407E-A947-70E740481C1C}">
+                <a14:useLocalDpi xmlns:a14="http://schemas.microsoft.com/office/drawing/2010/main" val="0"/>
+              </a:ext>
+            </a:extLst>
+          </a:blip>
+          <a:srcRect/>
+          <a:stretch>
+            <a:fillRect/>
+          </a:stretch>
+        </p:blipFill>
+        <p:spPr bwMode="auto">
+          <a:xfrm>
+            <a:off x="426851" y="4994736"/>
+            <a:ext cx="794083" cy="311405"/>
+          </a:xfrm>
+          <a:prstGeom prst="rect">
+            <a:avLst/>
+          </a:prstGeom>
+          <a:noFill/>
+          <a:extLst>
+            <a:ext uri="{909E8E84-426E-40DD-AFC4-6F175D3DCCD1}">
+              <a14:hiddenFill xmlns:a14="http://schemas.microsoft.com/office/drawing/2010/main">
+                <a:solidFill>
+                  <a:srgbClr val="FFFFFF"/>
+                </a:solidFill>
+              </a14:hiddenFill>
+            </a:ext>
+          </a:extLst>
+        </p:spPr>
+      </p:pic>
+      <p:pic>
+        <p:nvPicPr>
+          <p:cNvPr id="7" name="Picture 8" descr="Github Logo - Free social media icons">
+            <a:extLst>
+              <a:ext uri="{FF2B5EF4-FFF2-40B4-BE49-F238E27FC236}">
+                <a16:creationId xmlns:a16="http://schemas.microsoft.com/office/drawing/2014/main" id="{7F763EF3-0040-EE90-19E4-127BE1D6BB44}"/>
+              </a:ext>
+            </a:extLst>
+          </p:cNvPr>
+          <p:cNvPicPr>
+            <a:picLocks noChangeAspect="1" noChangeArrowheads="1"/>
+          </p:cNvPicPr>
+          <p:nvPr/>
+        </p:nvPicPr>
+        <p:blipFill>
+          <a:blip r:embed="rId3">
+            <a:extLst>
+              <a:ext uri="{28A0092B-C50C-407E-A947-70E740481C1C}">
+                <a14:useLocalDpi xmlns:a14="http://schemas.microsoft.com/office/drawing/2010/main" val="0"/>
+              </a:ext>
+            </a:extLst>
+          </a:blip>
+          <a:srcRect/>
+          <a:stretch>
+            <a:fillRect/>
+          </a:stretch>
+        </p:blipFill>
+        <p:spPr bwMode="auto">
+          <a:xfrm>
+            <a:off x="523081" y="4166365"/>
+            <a:ext cx="337511" cy="337511"/>
+          </a:xfrm>
+          <a:prstGeom prst="rect">
+            <a:avLst/>
+          </a:prstGeom>
+          <a:noFill/>
+          <a:extLst>
+            <a:ext uri="{909E8E84-426E-40DD-AFC4-6F175D3DCCD1}">
+              <a14:hiddenFill xmlns:a14="http://schemas.microsoft.com/office/drawing/2010/main">
+                <a:solidFill>
+                  <a:srgbClr val="FFFFFF"/>
+                </a:solidFill>
+              </a14:hiddenFill>
+            </a:ext>
+          </a:extLst>
+        </p:spPr>
+      </p:pic>
+      <p:pic>
+        <p:nvPicPr>
+          <p:cNvPr id="8" name="Picture 10" descr="Microsoft SharePoint - Viquipèdia, l'enciclopèdia lliure">
+            <a:extLst>
+              <a:ext uri="{FF2B5EF4-FFF2-40B4-BE49-F238E27FC236}">
+                <a16:creationId xmlns:a16="http://schemas.microsoft.com/office/drawing/2014/main" id="{2B25F5F6-9E8E-9549-16A6-45D626852B09}"/>
+              </a:ext>
+            </a:extLst>
+          </p:cNvPr>
+          <p:cNvPicPr>
+            <a:picLocks noChangeAspect="1" noChangeArrowheads="1"/>
+          </p:cNvPicPr>
+          <p:nvPr/>
+        </p:nvPicPr>
+        <p:blipFill>
+          <a:blip r:embed="rId4">
+            <a:extLst>
+              <a:ext uri="{28A0092B-C50C-407E-A947-70E740481C1C}">
+                <a14:useLocalDpi xmlns:a14="http://schemas.microsoft.com/office/drawing/2010/main" val="0"/>
+              </a:ext>
+            </a:extLst>
+          </a:blip>
+          <a:srcRect/>
+          <a:stretch>
+            <a:fillRect/>
+          </a:stretch>
+        </p:blipFill>
+        <p:spPr bwMode="auto">
+          <a:xfrm>
+            <a:off x="476714" y="2485316"/>
+            <a:ext cx="346999" cy="338918"/>
+          </a:xfrm>
+          <a:prstGeom prst="rect">
+            <a:avLst/>
+          </a:prstGeom>
+          <a:noFill/>
+          <a:extLst>
+            <a:ext uri="{909E8E84-426E-40DD-AFC4-6F175D3DCCD1}">
+              <a14:hiddenFill xmlns:a14="http://schemas.microsoft.com/office/drawing/2010/main">
+                <a:solidFill>
+                  <a:srgbClr val="FFFFFF"/>
+                </a:solidFill>
+              </a14:hiddenFill>
+            </a:ext>
+          </a:extLst>
+        </p:spPr>
+      </p:pic>
+      <p:pic>
+        <p:nvPicPr>
+          <p:cNvPr id="9" name="Picture 12" descr="piensasolutions.com (@piensasolutions) / X">
+            <a:extLst>
+              <a:ext uri="{FF2B5EF4-FFF2-40B4-BE49-F238E27FC236}">
+                <a16:creationId xmlns:a16="http://schemas.microsoft.com/office/drawing/2014/main" id="{4E5A405B-BC34-EB80-85B3-0F8B7DA13277}"/>
+              </a:ext>
+            </a:extLst>
+          </p:cNvPr>
+          <p:cNvPicPr>
+            <a:picLocks noChangeAspect="1" noChangeArrowheads="1"/>
+          </p:cNvPicPr>
+          <p:nvPr/>
+        </p:nvPicPr>
+        <p:blipFill>
+          <a:blip r:embed="rId5">
+            <a:extLst>
+              <a:ext uri="{28A0092B-C50C-407E-A947-70E740481C1C}">
+                <a14:useLocalDpi xmlns:a14="http://schemas.microsoft.com/office/drawing/2010/main" val="0"/>
+              </a:ext>
+            </a:extLst>
+          </a:blip>
+          <a:srcRect/>
+          <a:stretch>
+            <a:fillRect/>
+          </a:stretch>
+        </p:blipFill>
+        <p:spPr bwMode="auto">
+          <a:xfrm>
+            <a:off x="444268" y="3274877"/>
+            <a:ext cx="758890" cy="758890"/>
+          </a:xfrm>
+          <a:prstGeom prst="rect">
+            <a:avLst/>
+          </a:prstGeom>
+          <a:noFill/>
+          <a:extLst>
+            <a:ext uri="{909E8E84-426E-40DD-AFC4-6F175D3DCCD1}">
+              <a14:hiddenFill xmlns:a14="http://schemas.microsoft.com/office/drawing/2010/main">
+                <a:solidFill>
+                  <a:srgbClr val="FFFFFF"/>
+                </a:solidFill>
+              </a14:hiddenFill>
+            </a:ext>
+          </a:extLst>
+        </p:spPr>
+      </p:pic>
+      <p:pic>
+        <p:nvPicPr>
+          <p:cNvPr id="10" name="Picture 2" descr="Service Desk Jira | Rootstack">
+            <a:extLst>
+              <a:ext uri="{FF2B5EF4-FFF2-40B4-BE49-F238E27FC236}">
+                <a16:creationId xmlns:a16="http://schemas.microsoft.com/office/drawing/2014/main" id="{B79734C5-65FC-56D4-1262-F73C1669053B}"/>
+              </a:ext>
+            </a:extLst>
+          </p:cNvPr>
+          <p:cNvPicPr>
+            <a:picLocks noChangeAspect="1" noChangeArrowheads="1"/>
+          </p:cNvPicPr>
+          <p:nvPr/>
+        </p:nvPicPr>
+        <p:blipFill>
+          <a:blip r:embed="rId6">
+            <a:extLst>
+              <a:ext uri="{28A0092B-C50C-407E-A947-70E740481C1C}">
+                <a14:useLocalDpi xmlns:a14="http://schemas.microsoft.com/office/drawing/2010/main" val="0"/>
+              </a:ext>
+            </a:extLst>
+          </a:blip>
+          <a:srcRect/>
+          <a:stretch>
+            <a:fillRect/>
+          </a:stretch>
+        </p:blipFill>
+        <p:spPr bwMode="auto">
+          <a:xfrm>
+            <a:off x="9900713" y="2029671"/>
+            <a:ext cx="1438130" cy="455645"/>
+          </a:xfrm>
+          <a:prstGeom prst="rect">
+            <a:avLst/>
+          </a:prstGeom>
+          <a:noFill/>
+          <a:extLst>
+            <a:ext uri="{909E8E84-426E-40DD-AFC4-6F175D3DCCD1}">
+              <a14:hiddenFill xmlns:a14="http://schemas.microsoft.com/office/drawing/2010/main">
+                <a:solidFill>
+                  <a:srgbClr val="FFFFFF"/>
+                </a:solidFill>
+              </a14:hiddenFill>
+            </a:ext>
+          </a:extLst>
+        </p:spPr>
+      </p:pic>
+      <p:pic>
+        <p:nvPicPr>
+          <p:cNvPr id="11" name="Picture 4">
+            <a:extLst>
+              <a:ext uri="{FF2B5EF4-FFF2-40B4-BE49-F238E27FC236}">
+                <a16:creationId xmlns:a16="http://schemas.microsoft.com/office/drawing/2014/main" id="{4B836BC7-1C6B-5BEE-0EBA-9C5B0CCBD9E7}"/>
+              </a:ext>
+            </a:extLst>
+          </p:cNvPr>
+          <p:cNvPicPr>
+            <a:picLocks noChangeAspect="1" noChangeArrowheads="1"/>
+          </p:cNvPicPr>
+          <p:nvPr/>
+        </p:nvPicPr>
+        <p:blipFill>
+          <a:blip r:embed="rId7">
+            <a:extLst>
+              <a:ext uri="{28A0092B-C50C-407E-A947-70E740481C1C}">
+                <a14:useLocalDpi xmlns:a14="http://schemas.microsoft.com/office/drawing/2010/main" val="0"/>
+              </a:ext>
+            </a:extLst>
+          </a:blip>
+          <a:srcRect/>
+          <a:stretch>
+            <a:fillRect/>
+          </a:stretch>
+        </p:blipFill>
+        <p:spPr bwMode="auto">
+          <a:xfrm>
+            <a:off x="454349" y="1901137"/>
+            <a:ext cx="391731" cy="257068"/>
+          </a:xfrm>
+          <a:prstGeom prst="rect">
+            <a:avLst/>
+          </a:prstGeom>
+          <a:noFill/>
+          <a:extLst>
+            <a:ext uri="{909E8E84-426E-40DD-AFC4-6F175D3DCCD1}">
+              <a14:hiddenFill xmlns:a14="http://schemas.microsoft.com/office/drawing/2010/main">
+                <a:solidFill>
+                  <a:srgbClr val="FFFFFF"/>
+                </a:solidFill>
+              </a14:hiddenFill>
+            </a:ext>
+          </a:extLst>
+        </p:spPr>
+      </p:pic>
+      <p:pic>
+        <p:nvPicPr>
+          <p:cNvPr id="12" name="Picture 6" descr="mail Vector Icons free download in SVG, PNG Format">
+            <a:extLst>
+              <a:ext uri="{FF2B5EF4-FFF2-40B4-BE49-F238E27FC236}">
+                <a16:creationId xmlns:a16="http://schemas.microsoft.com/office/drawing/2014/main" id="{114E7F47-D234-9D86-8AAE-2146955A256B}"/>
+              </a:ext>
+            </a:extLst>
+          </p:cNvPr>
+          <p:cNvPicPr>
+            <a:picLocks noChangeAspect="1" noChangeArrowheads="1"/>
+          </p:cNvPicPr>
+          <p:nvPr/>
+        </p:nvPicPr>
+        <p:blipFill>
+          <a:blip r:embed="rId8">
+            <a:extLst>
+              <a:ext uri="{BEBA8EAE-BF5A-486C-A8C5-ECC9F3942E4B}">
+                <a14:imgProps xmlns:a14="http://schemas.microsoft.com/office/drawing/2010/main">
+                  <a14:imgLayer r:embed="rId9">
+                    <a14:imgEffect>
+                      <a14:brightnessContrast bright="100000"/>
+                    </a14:imgEffect>
+                  </a14:imgLayer>
+                </a14:imgProps>
+              </a:ext>
+              <a:ext uri="{28A0092B-C50C-407E-A947-70E740481C1C}">
+                <a14:useLocalDpi xmlns:a14="http://schemas.microsoft.com/office/drawing/2010/main" val="0"/>
+              </a:ext>
+            </a:extLst>
+          </a:blip>
+          <a:srcRect/>
+          <a:stretch>
+            <a:fillRect/>
+          </a:stretch>
+        </p:blipFill>
+        <p:spPr bwMode="auto">
+          <a:xfrm>
+            <a:off x="468861" y="1140781"/>
+            <a:ext cx="391731" cy="391731"/>
+          </a:xfrm>
+          <a:prstGeom prst="rect">
+            <a:avLst/>
+          </a:prstGeom>
+          <a:noFill/>
+          <a:extLst>
+            <a:ext uri="{909E8E84-426E-40DD-AFC4-6F175D3DCCD1}">
+              <a14:hiddenFill xmlns:a14="http://schemas.microsoft.com/office/drawing/2010/main">
+                <a:solidFill>
+                  <a:srgbClr val="FFFFFF"/>
+                </a:solidFill>
+              </a14:hiddenFill>
+            </a:ext>
+          </a:extLst>
+        </p:spPr>
+      </p:pic>
     </p:spTree>
     <p:extLst>
       <p:ext uri="{BB962C8B-B14F-4D97-AF65-F5344CB8AC3E}">
-        <p14:creationId xmlns:p14="http://schemas.microsoft.com/office/powerpoint/2010/main" val="2220848827"/>
+        <p14:creationId xmlns:p14="http://schemas.microsoft.com/office/powerpoint/2010/main" val="1415170205"/>
+      </p:ext>
+    </p:extLst>
+  </p:cSld>
+  <p:clrMapOvr>
+    <a:masterClrMapping/>
+  </p:clrMapOvr>
+</p:sld>
+</file>
+
+<file path=ppt/slides/slide3.xml><?xml version="1.0" encoding="utf-8"?>
+<p:sld xmlns:a="http://schemas.openxmlformats.org/drawingml/2006/main" xmlns:r="http://schemas.openxmlformats.org/officeDocument/2006/relationships" xmlns:p="http://schemas.openxmlformats.org/presentationml/2006/main">
+  <p:cSld>
+    <p:spTree>
+      <p:nvGrpSpPr>
+        <p:cNvPr id="1" name=""/>
+        <p:cNvGrpSpPr/>
+        <p:nvPr/>
+      </p:nvGrpSpPr>
+      <p:grpSpPr>
+        <a:xfrm>
+          <a:off x="0" y="0"/>
+          <a:ext cx="0" cy="0"/>
+          <a:chOff x="0" y="0"/>
+          <a:chExt cx="0" cy="0"/>
+        </a:xfrm>
+      </p:grpSpPr>
+      <p:sp>
+        <p:nvSpPr>
+          <p:cNvPr id="38" name="CuadroTexto 37">
+            <a:extLst>
+              <a:ext uri="{FF2B5EF4-FFF2-40B4-BE49-F238E27FC236}">
+                <a16:creationId xmlns:a16="http://schemas.microsoft.com/office/drawing/2014/main" id="{B5D521F6-23BD-8409-EA1B-3BC0445B0C55}"/>
+              </a:ext>
+            </a:extLst>
+          </p:cNvPr>
+          <p:cNvSpPr txBox="1"/>
+          <p:nvPr/>
+        </p:nvSpPr>
+        <p:spPr>
+          <a:xfrm>
+            <a:off x="230282" y="955984"/>
+            <a:ext cx="11595949" cy="1815882"/>
+          </a:xfrm>
+          <a:prstGeom prst="rect">
+            <a:avLst/>
+          </a:prstGeom>
+          <a:noFill/>
+        </p:spPr>
+        <p:txBody>
+          <a:bodyPr wrap="square" rtlCol="0">
+            <a:spAutoFit/>
+          </a:bodyPr>
+          <a:lstStyle/>
+          <a:p>
+            <a:r>
+              <a:rPr lang="en-GB" sz="1400" dirty="0">
+                <a:solidFill>
+                  <a:schemeClr val="bg1"/>
+                </a:solidFill>
+              </a:rPr>
+              <a:t>Tidio is a ticketing tool for customer service. When an incidence occurs, an user opens a ticket that Will be handled by an agent.</a:t>
+            </a:r>
+          </a:p>
+          <a:p>
+            <a:endParaRPr lang="en-GB" sz="1400" dirty="0">
+              <a:solidFill>
+                <a:schemeClr val="bg1"/>
+              </a:solidFill>
+            </a:endParaRPr>
+          </a:p>
+          <a:p>
+            <a:r>
+              <a:rPr lang="en-GB" sz="1400" b="1" dirty="0">
+                <a:solidFill>
+                  <a:schemeClr val="bg1"/>
+                </a:solidFill>
+              </a:rPr>
+              <a:t>Used by</a:t>
+            </a:r>
+          </a:p>
+          <a:p>
+            <a:pPr marL="285750" indent="-285750">
+              <a:buFont typeface="Arial" panose="020B0604020202020204" pitchFamily="34" charset="0"/>
+              <a:buChar char="•"/>
+            </a:pPr>
+            <a:r>
+              <a:rPr lang="en-GB" sz="1400" dirty="0">
+                <a:solidFill>
+                  <a:schemeClr val="bg1"/>
+                </a:solidFill>
+              </a:rPr>
+              <a:t>La Botiga Market</a:t>
+            </a:r>
+          </a:p>
+          <a:p>
+            <a:pPr marL="285750" indent="-285750">
+              <a:buFont typeface="Arial" panose="020B0604020202020204" pitchFamily="34" charset="0"/>
+              <a:buChar char="•"/>
+            </a:pPr>
+            <a:r>
+              <a:rPr lang="en-GB" sz="1400" dirty="0">
+                <a:solidFill>
+                  <a:schemeClr val="bg1"/>
+                </a:solidFill>
+              </a:rPr>
+              <a:t>MIM Spare</a:t>
+            </a:r>
+          </a:p>
+          <a:p>
+            <a:pPr marL="285750" indent="-285750">
+              <a:buFont typeface="Arial" panose="020B0604020202020204" pitchFamily="34" charset="0"/>
+              <a:buChar char="•"/>
+            </a:pPr>
+            <a:endParaRPr lang="en-GB" sz="1400" dirty="0">
+              <a:solidFill>
+                <a:schemeClr val="bg1"/>
+              </a:solidFill>
+            </a:endParaRPr>
+          </a:p>
+          <a:p>
+            <a:r>
+              <a:rPr lang="en-GB" sz="1400" b="1" dirty="0">
+                <a:solidFill>
+                  <a:schemeClr val="bg1"/>
+                </a:solidFill>
+              </a:rPr>
+              <a:t>Main accounts</a:t>
+            </a:r>
+          </a:p>
+          <a:p>
+            <a:pPr marL="285750" indent="-285750">
+              <a:buFont typeface="Arial" panose="020B0604020202020204" pitchFamily="34" charset="0"/>
+              <a:buChar char="•"/>
+            </a:pPr>
+            <a:r>
+              <a:rPr lang="en-GB" sz="1400" dirty="0">
+                <a:solidFill>
+                  <a:schemeClr val="bg1"/>
+                </a:solidFill>
+              </a:rPr>
+              <a:t>admin@businessnamedomain</a:t>
+            </a:r>
+          </a:p>
+        </p:txBody>
+      </p:sp>
+      <p:sp>
+        <p:nvSpPr>
+          <p:cNvPr id="2" name="CuadroTexto 1">
+            <a:extLst>
+              <a:ext uri="{FF2B5EF4-FFF2-40B4-BE49-F238E27FC236}">
+                <a16:creationId xmlns:a16="http://schemas.microsoft.com/office/drawing/2014/main" id="{BAEA0D98-05E4-E10D-EB44-AD566BE7CA96}"/>
+              </a:ext>
+            </a:extLst>
+          </p:cNvPr>
+          <p:cNvSpPr txBox="1"/>
+          <p:nvPr/>
+        </p:nvSpPr>
+        <p:spPr>
+          <a:xfrm>
+            <a:off x="1272778" y="271692"/>
+            <a:ext cx="7227565" cy="369332"/>
+          </a:xfrm>
+          <a:prstGeom prst="rect">
+            <a:avLst/>
+          </a:prstGeom>
+          <a:noFill/>
+        </p:spPr>
+        <p:txBody>
+          <a:bodyPr wrap="square" rtlCol="0">
+            <a:spAutoFit/>
+          </a:bodyPr>
+          <a:lstStyle/>
+          <a:p>
+            <a:r>
+              <a:rPr lang="es-ES" b="1" dirty="0">
+                <a:solidFill>
+                  <a:schemeClr val="bg1"/>
+                </a:solidFill>
+              </a:rPr>
+              <a:t>Tidio</a:t>
+            </a:r>
+          </a:p>
+        </p:txBody>
+      </p:sp>
+      <p:sp>
+        <p:nvSpPr>
+          <p:cNvPr id="3" name="CuadroTexto 2">
+            <a:extLst>
+              <a:ext uri="{FF2B5EF4-FFF2-40B4-BE49-F238E27FC236}">
+                <a16:creationId xmlns:a16="http://schemas.microsoft.com/office/drawing/2014/main" id="{DC563E51-BCA8-57FB-C8E8-C22BB50E317E}"/>
+              </a:ext>
+            </a:extLst>
+          </p:cNvPr>
+          <p:cNvSpPr txBox="1"/>
+          <p:nvPr/>
+        </p:nvSpPr>
+        <p:spPr>
+          <a:xfrm>
+            <a:off x="230283" y="271692"/>
+            <a:ext cx="856837" cy="369332"/>
+          </a:xfrm>
+          <a:prstGeom prst="rect">
+            <a:avLst/>
+          </a:prstGeom>
+          <a:noFill/>
+        </p:spPr>
+        <p:txBody>
+          <a:bodyPr wrap="square" rtlCol="0">
+            <a:spAutoFit/>
+          </a:bodyPr>
+          <a:lstStyle/>
+          <a:p>
+            <a:r>
+              <a:rPr lang="es-ES" b="1" dirty="0">
+                <a:solidFill>
+                  <a:schemeClr val="bg1"/>
+                </a:solidFill>
+              </a:rPr>
+              <a:t>Apps</a:t>
+            </a:r>
+          </a:p>
+        </p:txBody>
+      </p:sp>
+      <p:cxnSp>
+        <p:nvCxnSpPr>
+          <p:cNvPr id="5" name="Conector recto 4">
+            <a:extLst>
+              <a:ext uri="{FF2B5EF4-FFF2-40B4-BE49-F238E27FC236}">
+                <a16:creationId xmlns:a16="http://schemas.microsoft.com/office/drawing/2014/main" id="{FB6C8116-AB68-B8C0-A9B3-12B97A3CCB9F}"/>
+              </a:ext>
+            </a:extLst>
+          </p:cNvPr>
+          <p:cNvCxnSpPr/>
+          <p:nvPr/>
+        </p:nvCxnSpPr>
+        <p:spPr>
+          <a:xfrm>
+            <a:off x="924560" y="271692"/>
+            <a:ext cx="0" cy="369332"/>
+          </a:xfrm>
+          <a:prstGeom prst="line">
+            <a:avLst/>
+          </a:prstGeom>
+          <a:ln w="38100">
+            <a:solidFill>
+              <a:srgbClr val="CC99FF"/>
+            </a:solidFill>
+          </a:ln>
+        </p:spPr>
+        <p:style>
+          <a:lnRef idx="1">
+            <a:schemeClr val="accent1"/>
+          </a:lnRef>
+          <a:fillRef idx="0">
+            <a:schemeClr val="accent1"/>
+          </a:fillRef>
+          <a:effectRef idx="0">
+            <a:schemeClr val="accent1"/>
+          </a:effectRef>
+          <a:fontRef idx="minor">
+            <a:schemeClr val="tx1"/>
+          </a:fontRef>
+        </p:style>
+      </p:cxnSp>
+    </p:spTree>
+    <p:extLst>
+      <p:ext uri="{BB962C8B-B14F-4D97-AF65-F5344CB8AC3E}">
+        <p14:creationId xmlns:p14="http://schemas.microsoft.com/office/powerpoint/2010/main" val="2657230352"/>
+      </p:ext>
+    </p:extLst>
+  </p:cSld>
+  <p:clrMapOvr>
+    <a:masterClrMapping/>
+  </p:clrMapOvr>
+</p:sld>
+</file>
+
+<file path=ppt/slides/slide4.xml><?xml version="1.0" encoding="utf-8"?>
+<p:sld xmlns:a="http://schemas.openxmlformats.org/drawingml/2006/main" xmlns:r="http://schemas.openxmlformats.org/officeDocument/2006/relationships" xmlns:p="http://schemas.openxmlformats.org/presentationml/2006/main">
+  <p:cSld>
+    <p:spTree>
+      <p:nvGrpSpPr>
+        <p:cNvPr id="1" name=""/>
+        <p:cNvGrpSpPr/>
+        <p:nvPr/>
+      </p:nvGrpSpPr>
+      <p:grpSpPr>
+        <a:xfrm>
+          <a:off x="0" y="0"/>
+          <a:ext cx="0" cy="0"/>
+          <a:chOff x="0" y="0"/>
+          <a:chExt cx="0" cy="0"/>
+        </a:xfrm>
+      </p:grpSpPr>
+      <p:sp>
+        <p:nvSpPr>
+          <p:cNvPr id="2" name="CuadroTexto 1">
+            <a:extLst>
+              <a:ext uri="{FF2B5EF4-FFF2-40B4-BE49-F238E27FC236}">
+                <a16:creationId xmlns:a16="http://schemas.microsoft.com/office/drawing/2014/main" id="{BAEA0D98-05E4-E10D-EB44-AD566BE7CA96}"/>
+              </a:ext>
+            </a:extLst>
+          </p:cNvPr>
+          <p:cNvSpPr txBox="1"/>
+          <p:nvPr/>
+        </p:nvSpPr>
+        <p:spPr>
+          <a:xfrm>
+            <a:off x="1272778" y="271692"/>
+            <a:ext cx="7227565" cy="369332"/>
+          </a:xfrm>
+          <a:prstGeom prst="rect">
+            <a:avLst/>
+          </a:prstGeom>
+          <a:noFill/>
+        </p:spPr>
+        <p:txBody>
+          <a:bodyPr wrap="square" rtlCol="0">
+            <a:spAutoFit/>
+          </a:bodyPr>
+          <a:lstStyle/>
+          <a:p>
+            <a:r>
+              <a:rPr lang="es-ES" b="1" dirty="0">
+                <a:solidFill>
+                  <a:schemeClr val="bg1"/>
+                </a:solidFill>
+              </a:rPr>
+              <a:t>Sendcloud</a:t>
+            </a:r>
+          </a:p>
+        </p:txBody>
+      </p:sp>
+      <p:sp>
+        <p:nvSpPr>
+          <p:cNvPr id="3" name="CuadroTexto 2">
+            <a:extLst>
+              <a:ext uri="{FF2B5EF4-FFF2-40B4-BE49-F238E27FC236}">
+                <a16:creationId xmlns:a16="http://schemas.microsoft.com/office/drawing/2014/main" id="{DC563E51-BCA8-57FB-C8E8-C22BB50E317E}"/>
+              </a:ext>
+            </a:extLst>
+          </p:cNvPr>
+          <p:cNvSpPr txBox="1"/>
+          <p:nvPr/>
+        </p:nvSpPr>
+        <p:spPr>
+          <a:xfrm>
+            <a:off x="230283" y="271692"/>
+            <a:ext cx="856837" cy="369332"/>
+          </a:xfrm>
+          <a:prstGeom prst="rect">
+            <a:avLst/>
+          </a:prstGeom>
+          <a:noFill/>
+        </p:spPr>
+        <p:txBody>
+          <a:bodyPr wrap="square" rtlCol="0">
+            <a:spAutoFit/>
+          </a:bodyPr>
+          <a:lstStyle/>
+          <a:p>
+            <a:r>
+              <a:rPr lang="es-ES" b="1" dirty="0">
+                <a:solidFill>
+                  <a:schemeClr val="bg1"/>
+                </a:solidFill>
+              </a:rPr>
+              <a:t>Apps</a:t>
+            </a:r>
+          </a:p>
+        </p:txBody>
+      </p:sp>
+      <p:cxnSp>
+        <p:nvCxnSpPr>
+          <p:cNvPr id="5" name="Conector recto 4">
+            <a:extLst>
+              <a:ext uri="{FF2B5EF4-FFF2-40B4-BE49-F238E27FC236}">
+                <a16:creationId xmlns:a16="http://schemas.microsoft.com/office/drawing/2014/main" id="{FB6C8116-AB68-B8C0-A9B3-12B97A3CCB9F}"/>
+              </a:ext>
+            </a:extLst>
+          </p:cNvPr>
+          <p:cNvCxnSpPr/>
+          <p:nvPr/>
+        </p:nvCxnSpPr>
+        <p:spPr>
+          <a:xfrm>
+            <a:off x="924560" y="271692"/>
+            <a:ext cx="0" cy="369332"/>
+          </a:xfrm>
+          <a:prstGeom prst="line">
+            <a:avLst/>
+          </a:prstGeom>
+          <a:ln w="38100">
+            <a:solidFill>
+              <a:srgbClr val="CC99FF"/>
+            </a:solidFill>
+          </a:ln>
+        </p:spPr>
+        <p:style>
+          <a:lnRef idx="1">
+            <a:schemeClr val="accent1"/>
+          </a:lnRef>
+          <a:fillRef idx="0">
+            <a:schemeClr val="accent1"/>
+          </a:fillRef>
+          <a:effectRef idx="0">
+            <a:schemeClr val="accent1"/>
+          </a:effectRef>
+          <a:fontRef idx="minor">
+            <a:schemeClr val="tx1"/>
+          </a:fontRef>
+        </p:style>
+      </p:cxnSp>
+    </p:spTree>
+    <p:extLst>
+      <p:ext uri="{BB962C8B-B14F-4D97-AF65-F5344CB8AC3E}">
+        <p14:creationId xmlns:p14="http://schemas.microsoft.com/office/powerpoint/2010/main" val="1164405474"/>
+      </p:ext>
+    </p:extLst>
+  </p:cSld>
+  <p:clrMapOvr>
+    <a:masterClrMapping/>
+  </p:clrMapOvr>
+</p:sld>
+</file>
+
+<file path=ppt/slides/slide5.xml><?xml version="1.0" encoding="utf-8"?>
+<p:sld xmlns:a="http://schemas.openxmlformats.org/drawingml/2006/main" xmlns:r="http://schemas.openxmlformats.org/officeDocument/2006/relationships" xmlns:p="http://schemas.openxmlformats.org/presentationml/2006/main">
+  <p:cSld>
+    <p:spTree>
+      <p:nvGrpSpPr>
+        <p:cNvPr id="1" name=""/>
+        <p:cNvGrpSpPr/>
+        <p:nvPr/>
+      </p:nvGrpSpPr>
+      <p:grpSpPr>
+        <a:xfrm>
+          <a:off x="0" y="0"/>
+          <a:ext cx="0" cy="0"/>
+          <a:chOff x="0" y="0"/>
+          <a:chExt cx="0" cy="0"/>
+        </a:xfrm>
+      </p:grpSpPr>
+      <p:sp>
+        <p:nvSpPr>
+          <p:cNvPr id="2" name="CuadroTexto 1">
+            <a:extLst>
+              <a:ext uri="{FF2B5EF4-FFF2-40B4-BE49-F238E27FC236}">
+                <a16:creationId xmlns:a16="http://schemas.microsoft.com/office/drawing/2014/main" id="{BAEA0D98-05E4-E10D-EB44-AD566BE7CA96}"/>
+              </a:ext>
+            </a:extLst>
+          </p:cNvPr>
+          <p:cNvSpPr txBox="1"/>
+          <p:nvPr/>
+        </p:nvSpPr>
+        <p:spPr>
+          <a:xfrm>
+            <a:off x="1272778" y="271692"/>
+            <a:ext cx="7227565" cy="369332"/>
+          </a:xfrm>
+          <a:prstGeom prst="rect">
+            <a:avLst/>
+          </a:prstGeom>
+          <a:noFill/>
+        </p:spPr>
+        <p:txBody>
+          <a:bodyPr wrap="square" rtlCol="0">
+            <a:spAutoFit/>
+          </a:bodyPr>
+          <a:lstStyle/>
+          <a:p>
+            <a:r>
+              <a:rPr lang="es-ES" b="1" dirty="0">
+                <a:solidFill>
+                  <a:schemeClr val="bg1"/>
+                </a:solidFill>
+              </a:rPr>
+              <a:t>Definition</a:t>
+            </a:r>
+          </a:p>
+        </p:txBody>
+      </p:sp>
+      <p:sp>
+        <p:nvSpPr>
+          <p:cNvPr id="3" name="CuadroTexto 2">
+            <a:extLst>
+              <a:ext uri="{FF2B5EF4-FFF2-40B4-BE49-F238E27FC236}">
+                <a16:creationId xmlns:a16="http://schemas.microsoft.com/office/drawing/2014/main" id="{DC563E51-BCA8-57FB-C8E8-C22BB50E317E}"/>
+              </a:ext>
+            </a:extLst>
+          </p:cNvPr>
+          <p:cNvSpPr txBox="1"/>
+          <p:nvPr/>
+        </p:nvSpPr>
+        <p:spPr>
+          <a:xfrm>
+            <a:off x="230283" y="271692"/>
+            <a:ext cx="856837" cy="369332"/>
+          </a:xfrm>
+          <a:prstGeom prst="rect">
+            <a:avLst/>
+          </a:prstGeom>
+          <a:noFill/>
+        </p:spPr>
+        <p:txBody>
+          <a:bodyPr wrap="square" rtlCol="0">
+            <a:spAutoFit/>
+          </a:bodyPr>
+          <a:lstStyle/>
+          <a:p>
+            <a:r>
+              <a:rPr lang="es-ES" b="1" dirty="0">
+                <a:solidFill>
+                  <a:schemeClr val="bg1"/>
+                </a:solidFill>
+              </a:rPr>
+              <a:t>APIs</a:t>
+            </a:r>
+          </a:p>
+        </p:txBody>
+      </p:sp>
+      <p:cxnSp>
+        <p:nvCxnSpPr>
+          <p:cNvPr id="5" name="Conector recto 4">
+            <a:extLst>
+              <a:ext uri="{FF2B5EF4-FFF2-40B4-BE49-F238E27FC236}">
+                <a16:creationId xmlns:a16="http://schemas.microsoft.com/office/drawing/2014/main" id="{FB6C8116-AB68-B8C0-A9B3-12B97A3CCB9F}"/>
+              </a:ext>
+            </a:extLst>
+          </p:cNvPr>
+          <p:cNvCxnSpPr/>
+          <p:nvPr/>
+        </p:nvCxnSpPr>
+        <p:spPr>
+          <a:xfrm>
+            <a:off x="924560" y="271692"/>
+            <a:ext cx="0" cy="369332"/>
+          </a:xfrm>
+          <a:prstGeom prst="line">
+            <a:avLst/>
+          </a:prstGeom>
+          <a:ln w="38100">
+            <a:solidFill>
+              <a:srgbClr val="CC99FF"/>
+            </a:solidFill>
+          </a:ln>
+        </p:spPr>
+        <p:style>
+          <a:lnRef idx="1">
+            <a:schemeClr val="accent1"/>
+          </a:lnRef>
+          <a:fillRef idx="0">
+            <a:schemeClr val="accent1"/>
+          </a:fillRef>
+          <a:effectRef idx="0">
+            <a:schemeClr val="accent1"/>
+          </a:effectRef>
+          <a:fontRef idx="minor">
+            <a:schemeClr val="tx1"/>
+          </a:fontRef>
+        </p:style>
+      </p:cxnSp>
+    </p:spTree>
+    <p:extLst>
+      <p:ext uri="{BB962C8B-B14F-4D97-AF65-F5344CB8AC3E}">
+        <p14:creationId xmlns:p14="http://schemas.microsoft.com/office/powerpoint/2010/main" val="1532190925"/>
       </p:ext>
     </p:extLst>
   </p:cSld>

--- a/Overview.pptx
+++ b/Overview.pptx
@@ -5,11 +5,14 @@
     <p:sldMasterId id="2147483648" r:id="rId1"/>
   </p:sldMasterIdLst>
   <p:sldIdLst>
-    <p:sldId id="256" r:id="rId2"/>
+    <p:sldId id="268" r:id="rId2"/>
     <p:sldId id="263" r:id="rId3"/>
     <p:sldId id="257" r:id="rId4"/>
-    <p:sldId id="261" r:id="rId5"/>
-    <p:sldId id="262" r:id="rId6"/>
+    <p:sldId id="264" r:id="rId5"/>
+    <p:sldId id="261" r:id="rId6"/>
+    <p:sldId id="262" r:id="rId7"/>
+    <p:sldId id="266" r:id="rId8"/>
+    <p:sldId id="267" r:id="rId9"/>
   </p:sldIdLst>
   <p:sldSz cx="12192000" cy="6858000"/>
   <p:notesSz cx="6858000" cy="9144000"/>
@@ -263,7 +266,7 @@
           <a:p>
             <a:fld id="{1A4BFEFF-3F0A-4297-B0D7-462D4925B3E2}" type="datetimeFigureOut">
               <a:rPr lang="es-ES" smtClean="0"/>
-              <a:t>02/09/2023</a:t>
+              <a:t>06/09/2023</a:t>
             </a:fld>
             <a:endParaRPr lang="es-ES"/>
           </a:p>
@@ -461,7 +464,7 @@
           <a:p>
             <a:fld id="{1A4BFEFF-3F0A-4297-B0D7-462D4925B3E2}" type="datetimeFigureOut">
               <a:rPr lang="es-ES" smtClean="0"/>
-              <a:t>02/09/2023</a:t>
+              <a:t>06/09/2023</a:t>
             </a:fld>
             <a:endParaRPr lang="es-ES"/>
           </a:p>
@@ -669,7 +672,7 @@
           <a:p>
             <a:fld id="{1A4BFEFF-3F0A-4297-B0D7-462D4925B3E2}" type="datetimeFigureOut">
               <a:rPr lang="es-ES" smtClean="0"/>
-              <a:t>02/09/2023</a:t>
+              <a:t>06/09/2023</a:t>
             </a:fld>
             <a:endParaRPr lang="es-ES"/>
           </a:p>
@@ -867,7 +870,7 @@
           <a:p>
             <a:fld id="{1A4BFEFF-3F0A-4297-B0D7-462D4925B3E2}" type="datetimeFigureOut">
               <a:rPr lang="es-ES" smtClean="0"/>
-              <a:t>02/09/2023</a:t>
+              <a:t>06/09/2023</a:t>
             </a:fld>
             <a:endParaRPr lang="es-ES"/>
           </a:p>
@@ -1142,7 +1145,7 @@
           <a:p>
             <a:fld id="{1A4BFEFF-3F0A-4297-B0D7-462D4925B3E2}" type="datetimeFigureOut">
               <a:rPr lang="es-ES" smtClean="0"/>
-              <a:t>02/09/2023</a:t>
+              <a:t>06/09/2023</a:t>
             </a:fld>
             <a:endParaRPr lang="es-ES"/>
           </a:p>
@@ -1407,7 +1410,7 @@
           <a:p>
             <a:fld id="{1A4BFEFF-3F0A-4297-B0D7-462D4925B3E2}" type="datetimeFigureOut">
               <a:rPr lang="es-ES" smtClean="0"/>
-              <a:t>02/09/2023</a:t>
+              <a:t>06/09/2023</a:t>
             </a:fld>
             <a:endParaRPr lang="es-ES"/>
           </a:p>
@@ -1819,7 +1822,7 @@
           <a:p>
             <a:fld id="{1A4BFEFF-3F0A-4297-B0D7-462D4925B3E2}" type="datetimeFigureOut">
               <a:rPr lang="es-ES" smtClean="0"/>
-              <a:t>02/09/2023</a:t>
+              <a:t>06/09/2023</a:t>
             </a:fld>
             <a:endParaRPr lang="es-ES"/>
           </a:p>
@@ -1960,7 +1963,7 @@
           <a:p>
             <a:fld id="{1A4BFEFF-3F0A-4297-B0D7-462D4925B3E2}" type="datetimeFigureOut">
               <a:rPr lang="es-ES" smtClean="0"/>
-              <a:t>02/09/2023</a:t>
+              <a:t>06/09/2023</a:t>
             </a:fld>
             <a:endParaRPr lang="es-ES"/>
           </a:p>
@@ -2073,7 +2076,7 @@
           <a:p>
             <a:fld id="{1A4BFEFF-3F0A-4297-B0D7-462D4925B3E2}" type="datetimeFigureOut">
               <a:rPr lang="es-ES" smtClean="0"/>
-              <a:t>02/09/2023</a:t>
+              <a:t>06/09/2023</a:t>
             </a:fld>
             <a:endParaRPr lang="es-ES"/>
           </a:p>
@@ -2384,7 +2387,7 @@
           <a:p>
             <a:fld id="{1A4BFEFF-3F0A-4297-B0D7-462D4925B3E2}" type="datetimeFigureOut">
               <a:rPr lang="es-ES" smtClean="0"/>
-              <a:t>02/09/2023</a:t>
+              <a:t>06/09/2023</a:t>
             </a:fld>
             <a:endParaRPr lang="es-ES"/>
           </a:p>
@@ -2672,7 +2675,7 @@
           <a:p>
             <a:fld id="{1A4BFEFF-3F0A-4297-B0D7-462D4925B3E2}" type="datetimeFigureOut">
               <a:rPr lang="es-ES" smtClean="0"/>
-              <a:t>02/09/2023</a:t>
+              <a:t>06/09/2023</a:t>
             </a:fld>
             <a:endParaRPr lang="es-ES"/>
           </a:p>
@@ -2919,7 +2922,7 @@
           <a:p>
             <a:fld id="{1A4BFEFF-3F0A-4297-B0D7-462D4925B3E2}" type="datetimeFigureOut">
               <a:rPr lang="es-ES" smtClean="0"/>
-              <a:t>02/09/2023</a:t>
+              <a:t>06/09/2023</a:t>
             </a:fld>
             <a:endParaRPr lang="es-ES"/>
           </a:p>
@@ -3338,10 +3341,10 @@
       </p:grpSpPr>
       <p:sp>
         <p:nvSpPr>
-          <p:cNvPr id="1066" name="Rectángulo 1065">
-            <a:extLst>
-              <a:ext uri="{FF2B5EF4-FFF2-40B4-BE49-F238E27FC236}">
-                <a16:creationId xmlns:a16="http://schemas.microsoft.com/office/drawing/2014/main" id="{68DD43BE-8FFD-30F9-E7FE-2A22AC03F3B1}"/>
+          <p:cNvPr id="29" name="Rectángulo 28">
+            <a:extLst>
+              <a:ext uri="{FF2B5EF4-FFF2-40B4-BE49-F238E27FC236}">
+                <a16:creationId xmlns:a16="http://schemas.microsoft.com/office/drawing/2014/main" id="{569CD90F-2DA6-E7CB-E633-C1B7BA71FBDE}"/>
               </a:ext>
             </a:extLst>
           </p:cNvPr>
@@ -3350,8 +3353,8 @@
         </p:nvSpPr>
         <p:spPr>
           <a:xfrm>
-            <a:off x="7334864" y="3686647"/>
-            <a:ext cx="1131339" cy="838272"/>
+            <a:off x="7328148" y="4407014"/>
+            <a:ext cx="1131339" cy="866213"/>
           </a:xfrm>
           <a:prstGeom prst="rect">
             <a:avLst/>
@@ -3393,10 +3396,10 @@
       </p:sp>
       <p:sp>
         <p:nvSpPr>
-          <p:cNvPr id="1067" name="CuadroTexto 1066">
-            <a:extLst>
-              <a:ext uri="{FF2B5EF4-FFF2-40B4-BE49-F238E27FC236}">
-                <a16:creationId xmlns:a16="http://schemas.microsoft.com/office/drawing/2014/main" id="{B5D1F090-ED6E-7515-F8DE-BB59CB9941CC}"/>
+          <p:cNvPr id="31" name="CuadroTexto 30">
+            <a:extLst>
+              <a:ext uri="{FF2B5EF4-FFF2-40B4-BE49-F238E27FC236}">
+                <a16:creationId xmlns:a16="http://schemas.microsoft.com/office/drawing/2014/main" id="{A72071DC-250C-93EF-4C03-55F27E95B129}"/>
               </a:ext>
             </a:extLst>
           </p:cNvPr>
@@ -3405,7 +3408,7 @@
         </p:nvSpPr>
         <p:spPr>
           <a:xfrm>
-            <a:off x="7417352" y="4023819"/>
+            <a:off x="7374496" y="4831188"/>
             <a:ext cx="1084991" cy="369332"/>
           </a:xfrm>
           <a:prstGeom prst="rect">
@@ -3425,7 +3428,7 @@
                   <a:schemeClr val="bg1"/>
                 </a:solidFill>
               </a:rPr>
-              <a:t>Sciforma</a:t>
+              <a:t>Pick&amp;Pay</a:t>
             </a:r>
           </a:p>
           <a:p>
@@ -3434,18 +3437,173 @@
                 <a:solidFill>
                   <a:srgbClr val="CC99FF"/>
                 </a:solidFill>
+                <a:hlinkClick r:id="rId2">
+                  <a:extLst>
+                    <a:ext uri="{A12FA001-AC4F-418D-AE19-62706E023703}">
+                      <ahyp:hlinkClr xmlns:ahyp="http://schemas.microsoft.com/office/drawing/2018/hyperlinkcolor" val="tx"/>
+                    </a:ext>
+                  </a:extLst>
+                </a:hlinkClick>
               </a:rPr>
               <a:t>Click see more</a:t>
             </a:r>
-          </a:p>
-        </p:txBody>
-      </p:sp>
-      <p:sp>
-        <p:nvSpPr>
-          <p:cNvPr id="1057" name="Rectángulo 1056">
-            <a:extLst>
-              <a:ext uri="{FF2B5EF4-FFF2-40B4-BE49-F238E27FC236}">
-                <a16:creationId xmlns:a16="http://schemas.microsoft.com/office/drawing/2014/main" id="{004686A0-A5C3-F95E-A5C0-F7FBB5D7E58E}"/>
+            <a:endParaRPr lang="es-ES" sz="800" dirty="0">
+              <a:solidFill>
+                <a:srgbClr val="CC99FF"/>
+              </a:solidFill>
+            </a:endParaRPr>
+          </a:p>
+        </p:txBody>
+      </p:sp>
+      <p:cxnSp>
+        <p:nvCxnSpPr>
+          <p:cNvPr id="32" name="Conector recto de flecha 31">
+            <a:extLst>
+              <a:ext uri="{FF2B5EF4-FFF2-40B4-BE49-F238E27FC236}">
+                <a16:creationId xmlns:a16="http://schemas.microsoft.com/office/drawing/2014/main" id="{F01B42A3-6160-83F5-893B-51BF88890469}"/>
+              </a:ext>
+            </a:extLst>
+          </p:cNvPr>
+          <p:cNvCxnSpPr>
+            <a:cxnSpLocks/>
+          </p:cNvCxnSpPr>
+          <p:nvPr/>
+        </p:nvCxnSpPr>
+        <p:spPr>
+          <a:xfrm>
+            <a:off x="6429833" y="4951514"/>
+            <a:ext cx="669313" cy="0"/>
+          </a:xfrm>
+          <a:prstGeom prst="straightConnector1">
+            <a:avLst/>
+          </a:prstGeom>
+          <a:ln w="19050">
+            <a:solidFill>
+              <a:schemeClr val="tx1">
+                <a:lumMod val="75000"/>
+                <a:lumOff val="25000"/>
+              </a:schemeClr>
+            </a:solidFill>
+            <a:tailEnd type="triangle"/>
+          </a:ln>
+        </p:spPr>
+        <p:style>
+          <a:lnRef idx="1">
+            <a:schemeClr val="accent1"/>
+          </a:lnRef>
+          <a:fillRef idx="0">
+            <a:schemeClr val="accent1"/>
+          </a:fillRef>
+          <a:effectRef idx="0">
+            <a:schemeClr val="accent1"/>
+          </a:effectRef>
+          <a:fontRef idx="minor">
+            <a:schemeClr val="tx1"/>
+          </a:fontRef>
+        </p:style>
+      </p:cxnSp>
+      <p:cxnSp>
+        <p:nvCxnSpPr>
+          <p:cNvPr id="33" name="Conector recto de flecha 32">
+            <a:extLst>
+              <a:ext uri="{FF2B5EF4-FFF2-40B4-BE49-F238E27FC236}">
+                <a16:creationId xmlns:a16="http://schemas.microsoft.com/office/drawing/2014/main" id="{B0BD260E-680D-F740-3DF0-C12AB6C0C4C2}"/>
+              </a:ext>
+            </a:extLst>
+          </p:cNvPr>
+          <p:cNvCxnSpPr>
+            <a:cxnSpLocks/>
+          </p:cNvCxnSpPr>
+          <p:nvPr/>
+        </p:nvCxnSpPr>
+        <p:spPr>
+          <a:xfrm flipH="1">
+            <a:off x="6317520" y="5062751"/>
+            <a:ext cx="640633" cy="0"/>
+          </a:xfrm>
+          <a:prstGeom prst="straightConnector1">
+            <a:avLst/>
+          </a:prstGeom>
+          <a:ln w="19050">
+            <a:solidFill>
+              <a:schemeClr val="tx1">
+                <a:lumMod val="75000"/>
+                <a:lumOff val="25000"/>
+              </a:schemeClr>
+            </a:solidFill>
+            <a:tailEnd type="triangle"/>
+          </a:ln>
+        </p:spPr>
+        <p:style>
+          <a:lnRef idx="1">
+            <a:schemeClr val="accent1"/>
+          </a:lnRef>
+          <a:fillRef idx="0">
+            <a:schemeClr val="accent1"/>
+          </a:fillRef>
+          <a:effectRef idx="0">
+            <a:schemeClr val="accent1"/>
+          </a:effectRef>
+          <a:fontRef idx="minor">
+            <a:schemeClr val="tx1"/>
+          </a:fontRef>
+        </p:style>
+      </p:cxnSp>
+      <p:sp>
+        <p:nvSpPr>
+          <p:cNvPr id="35" name="CuadroTexto 34">
+            <a:extLst>
+              <a:ext uri="{FF2B5EF4-FFF2-40B4-BE49-F238E27FC236}">
+                <a16:creationId xmlns:a16="http://schemas.microsoft.com/office/drawing/2014/main" id="{90695F62-7C47-6093-20FC-D54C3448BCBE}"/>
+              </a:ext>
+            </a:extLst>
+          </p:cNvPr>
+          <p:cNvSpPr txBox="1"/>
+          <p:nvPr/>
+        </p:nvSpPr>
+        <p:spPr>
+          <a:xfrm>
+            <a:off x="6262522" y="4519976"/>
+            <a:ext cx="979909" cy="369332"/>
+          </a:xfrm>
+          <a:prstGeom prst="rect">
+            <a:avLst/>
+          </a:prstGeom>
+          <a:noFill/>
+        </p:spPr>
+        <p:txBody>
+          <a:bodyPr wrap="square" rtlCol="0">
+            <a:spAutoFit/>
+          </a:bodyPr>
+          <a:lstStyle/>
+          <a:p>
+            <a:r>
+              <a:rPr lang="es-ES" sz="1000" b="1" dirty="0">
+                <a:solidFill>
+                  <a:schemeClr val="bg1"/>
+                </a:solidFill>
+              </a:rPr>
+              <a:t>API</a:t>
+            </a:r>
+          </a:p>
+          <a:p>
+            <a:r>
+              <a:rPr lang="es-ES" sz="800" dirty="0">
+                <a:solidFill>
+                  <a:srgbClr val="CC99FF"/>
+                </a:solidFill>
+              </a:rPr>
+              <a:t>Click see more</a:t>
+            </a:r>
+          </a:p>
+        </p:txBody>
+      </p:sp>
+      <p:sp>
+        <p:nvSpPr>
+          <p:cNvPr id="16" name="Rectángulo 15">
+            <a:extLst>
+              <a:ext uri="{FF2B5EF4-FFF2-40B4-BE49-F238E27FC236}">
+                <a16:creationId xmlns:a16="http://schemas.microsoft.com/office/drawing/2014/main" id="{3A579D85-EF00-A843-1635-08892A2C488C}"/>
               </a:ext>
             </a:extLst>
           </p:cNvPr>
@@ -3454,8 +3612,8 @@
         </p:nvSpPr>
         <p:spPr>
           <a:xfrm>
-            <a:off x="7328147" y="2739373"/>
-            <a:ext cx="1131339" cy="838272"/>
+            <a:off x="9579965" y="2758651"/>
+            <a:ext cx="1131339" cy="1588047"/>
           </a:xfrm>
           <a:prstGeom prst="rect">
             <a:avLst/>
@@ -3497,10 +3655,10 @@
       </p:sp>
       <p:sp>
         <p:nvSpPr>
-          <p:cNvPr id="1048" name="Rectángulo 1047">
-            <a:extLst>
-              <a:ext uri="{FF2B5EF4-FFF2-40B4-BE49-F238E27FC236}">
-                <a16:creationId xmlns:a16="http://schemas.microsoft.com/office/drawing/2014/main" id="{EA8401A6-BD9D-1DD2-989F-B0A3053B2230}"/>
+          <p:cNvPr id="1066" name="Rectángulo 1065">
+            <a:extLst>
+              <a:ext uri="{FF2B5EF4-FFF2-40B4-BE49-F238E27FC236}">
+                <a16:creationId xmlns:a16="http://schemas.microsoft.com/office/drawing/2014/main" id="{68DD43BE-8FFD-30F9-E7FE-2A22AC03F3B1}"/>
               </a:ext>
             </a:extLst>
           </p:cNvPr>
@@ -3509,8 +3667,8 @@
         </p:nvSpPr>
         <p:spPr>
           <a:xfrm>
-            <a:off x="7328148" y="792833"/>
-            <a:ext cx="1131339" cy="866213"/>
+            <a:off x="7328148" y="3511643"/>
+            <a:ext cx="1131339" cy="838272"/>
           </a:xfrm>
           <a:prstGeom prst="rect">
             <a:avLst/>
@@ -3552,10 +3710,71 @@
       </p:sp>
       <p:sp>
         <p:nvSpPr>
-          <p:cNvPr id="1031" name="Rectángulo 1030">
-            <a:extLst>
-              <a:ext uri="{FF2B5EF4-FFF2-40B4-BE49-F238E27FC236}">
-                <a16:creationId xmlns:a16="http://schemas.microsoft.com/office/drawing/2014/main" id="{238CED9E-08AF-4C22-6B20-C1A822BF435C}"/>
+          <p:cNvPr id="1067" name="CuadroTexto 1066">
+            <a:extLst>
+              <a:ext uri="{FF2B5EF4-FFF2-40B4-BE49-F238E27FC236}">
+                <a16:creationId xmlns:a16="http://schemas.microsoft.com/office/drawing/2014/main" id="{B5D1F090-ED6E-7515-F8DE-BB59CB9941CC}"/>
+              </a:ext>
+            </a:extLst>
+          </p:cNvPr>
+          <p:cNvSpPr txBox="1"/>
+          <p:nvPr/>
+        </p:nvSpPr>
+        <p:spPr>
+          <a:xfrm>
+            <a:off x="7410637" y="3848815"/>
+            <a:ext cx="976150" cy="369332"/>
+          </a:xfrm>
+          <a:prstGeom prst="rect">
+            <a:avLst/>
+          </a:prstGeom>
+          <a:noFill/>
+        </p:spPr>
+        <p:txBody>
+          <a:bodyPr wrap="square" rtlCol="0">
+            <a:spAutoFit/>
+          </a:bodyPr>
+          <a:lstStyle/>
+          <a:p>
+            <a:r>
+              <a:rPr lang="es-ES" sz="1000" b="1" dirty="0">
+                <a:solidFill>
+                  <a:schemeClr val="bg1"/>
+                </a:solidFill>
+              </a:rPr>
+              <a:t>Sciforma</a:t>
+            </a:r>
+          </a:p>
+          <a:p>
+            <a:r>
+              <a:rPr lang="es-ES" sz="800" dirty="0">
+                <a:solidFill>
+                  <a:srgbClr val="CC99FF"/>
+                </a:solidFill>
+                <a:hlinkClick r:id="rId3">
+                  <a:extLst>
+                    <a:ext uri="{A12FA001-AC4F-418D-AE19-62706E023703}">
+                      <ahyp:hlinkClr xmlns:ahyp="http://schemas.microsoft.com/office/drawing/2018/hyperlinkcolor" val="tx"/>
+                    </a:ext>
+                  </a:extLst>
+                </a:hlinkClick>
+              </a:rPr>
+              <a:t>Click see more</a:t>
+            </a:r>
+            <a:endParaRPr lang="es-ES" sz="800" dirty="0">
+              <a:solidFill>
+                <a:srgbClr val="CC99FF"/>
+              </a:solidFill>
+            </a:endParaRPr>
+          </a:p>
+        </p:txBody>
+      </p:sp>
+      <p:sp>
+        <p:nvSpPr>
+          <p:cNvPr id="1057" name="Rectángulo 1056">
+            <a:extLst>
+              <a:ext uri="{FF2B5EF4-FFF2-40B4-BE49-F238E27FC236}">
+                <a16:creationId xmlns:a16="http://schemas.microsoft.com/office/drawing/2014/main" id="{004686A0-A5C3-F95E-A5C0-F7FBB5D7E58E}"/>
               </a:ext>
             </a:extLst>
           </p:cNvPr>
@@ -3564,8 +3783,8 @@
         </p:nvSpPr>
         <p:spPr>
           <a:xfrm>
-            <a:off x="431227" y="5417762"/>
-            <a:ext cx="1470659" cy="846100"/>
+            <a:off x="7328148" y="2593338"/>
+            <a:ext cx="1131339" cy="838272"/>
           </a:xfrm>
           <a:prstGeom prst="rect">
             <a:avLst/>
@@ -3607,59 +3826,10 @@
       </p:sp>
       <p:sp>
         <p:nvSpPr>
-          <p:cNvPr id="1033" name="CuadroTexto 1032">
-            <a:extLst>
-              <a:ext uri="{FF2B5EF4-FFF2-40B4-BE49-F238E27FC236}">
-                <a16:creationId xmlns:a16="http://schemas.microsoft.com/office/drawing/2014/main" id="{B0937C89-D372-6472-DB35-4E62D45103D3}"/>
-              </a:ext>
-            </a:extLst>
-          </p:cNvPr>
-          <p:cNvSpPr txBox="1"/>
-          <p:nvPr/>
-        </p:nvSpPr>
-        <p:spPr>
-          <a:xfrm>
-            <a:off x="480219" y="5732480"/>
-            <a:ext cx="1084991" cy="523220"/>
-          </a:xfrm>
-          <a:prstGeom prst="rect">
-            <a:avLst/>
-          </a:prstGeom>
-          <a:noFill/>
-        </p:spPr>
-        <p:txBody>
-          <a:bodyPr wrap="square" rtlCol="0">
-            <a:spAutoFit/>
-          </a:bodyPr>
-          <a:lstStyle/>
-          <a:p>
-            <a:r>
-              <a:rPr lang="es-ES" sz="1000" b="1" dirty="0">
-                <a:solidFill>
-                  <a:schemeClr val="bg1"/>
-                </a:solidFill>
-              </a:rPr>
-              <a:t>Google Merchant Center</a:t>
-            </a:r>
-          </a:p>
-          <a:p>
-            <a:r>
-              <a:rPr lang="es-ES" sz="800" dirty="0">
-                <a:solidFill>
-                  <a:srgbClr val="CC99FF"/>
-                </a:solidFill>
-              </a:rPr>
-              <a:t>Click see more</a:t>
-            </a:r>
-          </a:p>
-        </p:txBody>
-      </p:sp>
-      <p:sp>
-        <p:nvSpPr>
-          <p:cNvPr id="61" name="Rectángulo 60">
-            <a:extLst>
-              <a:ext uri="{FF2B5EF4-FFF2-40B4-BE49-F238E27FC236}">
-                <a16:creationId xmlns:a16="http://schemas.microsoft.com/office/drawing/2014/main" id="{76699841-3DE5-4167-CADD-081E434CA084}"/>
+          <p:cNvPr id="1048" name="Rectángulo 1047">
+            <a:extLst>
+              <a:ext uri="{FF2B5EF4-FFF2-40B4-BE49-F238E27FC236}">
+                <a16:creationId xmlns:a16="http://schemas.microsoft.com/office/drawing/2014/main" id="{EA8401A6-BD9D-1DD2-989F-B0A3053B2230}"/>
               </a:ext>
             </a:extLst>
           </p:cNvPr>
@@ -3668,8 +3838,8 @@
         </p:nvSpPr>
         <p:spPr>
           <a:xfrm>
-            <a:off x="418114" y="3572814"/>
-            <a:ext cx="1470659" cy="846100"/>
+            <a:off x="7328148" y="792833"/>
+            <a:ext cx="1131339" cy="866213"/>
           </a:xfrm>
           <a:prstGeom prst="rect">
             <a:avLst/>
@@ -3711,10 +3881,10 @@
       </p:sp>
       <p:sp>
         <p:nvSpPr>
-          <p:cNvPr id="59" name="Rectángulo 58">
-            <a:extLst>
-              <a:ext uri="{FF2B5EF4-FFF2-40B4-BE49-F238E27FC236}">
-                <a16:creationId xmlns:a16="http://schemas.microsoft.com/office/drawing/2014/main" id="{99A53E2B-2664-38A5-BAE3-874EAC30DA54}"/>
+          <p:cNvPr id="1031" name="Rectángulo 1030">
+            <a:extLst>
+              <a:ext uri="{FF2B5EF4-FFF2-40B4-BE49-F238E27FC236}">
+                <a16:creationId xmlns:a16="http://schemas.microsoft.com/office/drawing/2014/main" id="{238CED9E-08AF-4C22-6B20-C1A822BF435C}"/>
               </a:ext>
             </a:extLst>
           </p:cNvPr>
@@ -3723,7 +3893,7 @@
         </p:nvSpPr>
         <p:spPr>
           <a:xfrm>
-            <a:off x="403792" y="2656528"/>
+            <a:off x="431227" y="5417762"/>
             <a:ext cx="1470659" cy="846100"/>
           </a:xfrm>
           <a:prstGeom prst="rect">
@@ -3766,10 +3936,10 @@
       </p:sp>
       <p:sp>
         <p:nvSpPr>
-          <p:cNvPr id="60" name="CuadroTexto 59">
-            <a:extLst>
-              <a:ext uri="{FF2B5EF4-FFF2-40B4-BE49-F238E27FC236}">
-                <a16:creationId xmlns:a16="http://schemas.microsoft.com/office/drawing/2014/main" id="{DBA16627-0FF1-5389-E2F9-ABD655ACBD98}"/>
+          <p:cNvPr id="1033" name="CuadroTexto 1032">
+            <a:extLst>
+              <a:ext uri="{FF2B5EF4-FFF2-40B4-BE49-F238E27FC236}">
+                <a16:creationId xmlns:a16="http://schemas.microsoft.com/office/drawing/2014/main" id="{B0937C89-D372-6472-DB35-4E62D45103D3}"/>
               </a:ext>
             </a:extLst>
           </p:cNvPr>
@@ -3778,8 +3948,8 @@
         </p:nvSpPr>
         <p:spPr>
           <a:xfrm>
-            <a:off x="452784" y="2971246"/>
-            <a:ext cx="1084991" cy="369332"/>
+            <a:off x="480219" y="5732480"/>
+            <a:ext cx="1347254" cy="369332"/>
           </a:xfrm>
           <a:prstGeom prst="rect">
             <a:avLst/>
@@ -3798,40 +3968,69 @@
                   <a:schemeClr val="bg1"/>
                 </a:solidFill>
               </a:rPr>
-              <a:t>Google </a:t>
-            </a:r>
-            <a:r>
-              <a:rPr lang="es-ES" sz="1000" b="1" dirty="0" err="1">
-                <a:solidFill>
-                  <a:schemeClr val="bg1"/>
-                </a:solidFill>
-              </a:rPr>
-              <a:t>Analytics</a:t>
-            </a:r>
-            <a:endParaRPr lang="es-ES" sz="1000" b="1" dirty="0">
+              <a:t>Google Play Console</a:t>
+            </a:r>
+          </a:p>
+          <a:p>
+            <a:r>
+              <a:rPr lang="es-ES" sz="800" dirty="0">
+                <a:solidFill>
+                  <a:srgbClr val="CC99FF"/>
+                </a:solidFill>
+                <a:hlinkClick r:id="rId4">
+                  <a:extLst>
+                    <a:ext uri="{A12FA001-AC4F-418D-AE19-62706E023703}">
+                      <ahyp:hlinkClr xmlns:ahyp="http://schemas.microsoft.com/office/drawing/2018/hyperlinkcolor" val="tx"/>
+                    </a:ext>
+                  </a:extLst>
+                </a:hlinkClick>
+              </a:rPr>
+              <a:t>Click</a:t>
+            </a:r>
+            <a:r>
+              <a:rPr lang="es-ES" sz="800" dirty="0">
+                <a:solidFill>
+                  <a:srgbClr val="0563C1"/>
+                </a:solidFill>
+                <a:hlinkClick r:id="rId4">
+                  <a:extLst>
+                    <a:ext uri="{A12FA001-AC4F-418D-AE19-62706E023703}">
+                      <ahyp:hlinkClr xmlns:ahyp="http://schemas.microsoft.com/office/drawing/2018/hyperlinkcolor" val="tx"/>
+                    </a:ext>
+                  </a:extLst>
+                </a:hlinkClick>
+              </a:rPr>
+              <a:t> </a:t>
+            </a:r>
+            <a:r>
+              <a:rPr lang="es-ES" sz="800" dirty="0">
+                <a:solidFill>
+                  <a:srgbClr val="CC99FF"/>
+                </a:solidFill>
+                <a:hlinkClick r:id="rId4">
+                  <a:extLst>
+                    <a:ext uri="{A12FA001-AC4F-418D-AE19-62706E023703}">
+                      <ahyp:hlinkClr xmlns:ahyp="http://schemas.microsoft.com/office/drawing/2018/hyperlinkcolor" val="tx"/>
+                    </a:ext>
+                  </a:extLst>
+                </a:hlinkClick>
+              </a:rPr>
+              <a:t>see more</a:t>
+            </a:r>
+            <a:endParaRPr lang="es-ES" sz="800" dirty="0">
               <a:solidFill>
-                <a:schemeClr val="bg1"/>
+                <a:srgbClr val="CC99FF"/>
               </a:solidFill>
             </a:endParaRPr>
           </a:p>
-          <a:p>
-            <a:r>
-              <a:rPr lang="es-ES" sz="800" dirty="0">
-                <a:solidFill>
-                  <a:srgbClr val="CC99FF"/>
-                </a:solidFill>
-              </a:rPr>
-              <a:t>Click see more</a:t>
-            </a:r>
-          </a:p>
-        </p:txBody>
-      </p:sp>
-      <p:sp>
-        <p:nvSpPr>
-          <p:cNvPr id="53" name="Rectángulo 52">
-            <a:extLst>
-              <a:ext uri="{FF2B5EF4-FFF2-40B4-BE49-F238E27FC236}">
-                <a16:creationId xmlns:a16="http://schemas.microsoft.com/office/drawing/2014/main" id="{9A8481A9-3E93-B1B5-982A-B866C27E19C1}"/>
+        </p:txBody>
+      </p:sp>
+      <p:sp>
+        <p:nvSpPr>
+          <p:cNvPr id="61" name="Rectángulo 60">
+            <a:extLst>
+              <a:ext uri="{FF2B5EF4-FFF2-40B4-BE49-F238E27FC236}">
+                <a16:creationId xmlns:a16="http://schemas.microsoft.com/office/drawing/2014/main" id="{76699841-3DE5-4167-CADD-081E434CA084}"/>
               </a:ext>
             </a:extLst>
           </p:cNvPr>
@@ -3840,7 +4039,7 @@
         </p:nvSpPr>
         <p:spPr>
           <a:xfrm>
-            <a:off x="403792" y="1739032"/>
+            <a:off x="418114" y="3572814"/>
             <a:ext cx="1470659" cy="846100"/>
           </a:xfrm>
           <a:prstGeom prst="rect">
@@ -3883,10 +4082,10 @@
       </p:sp>
       <p:sp>
         <p:nvSpPr>
-          <p:cNvPr id="34" name="Rectángulo 33">
-            <a:extLst>
-              <a:ext uri="{FF2B5EF4-FFF2-40B4-BE49-F238E27FC236}">
-                <a16:creationId xmlns:a16="http://schemas.microsoft.com/office/drawing/2014/main" id="{27FA3D9C-C65A-6E2B-4671-DFD9AD2EDF80}"/>
+          <p:cNvPr id="59" name="Rectángulo 58">
+            <a:extLst>
+              <a:ext uri="{FF2B5EF4-FFF2-40B4-BE49-F238E27FC236}">
+                <a16:creationId xmlns:a16="http://schemas.microsoft.com/office/drawing/2014/main" id="{99A53E2B-2664-38A5-BAE3-874EAC30DA54}"/>
               </a:ext>
             </a:extLst>
           </p:cNvPr>
@@ -3895,8 +4094,8 @@
         </p:nvSpPr>
         <p:spPr>
           <a:xfrm>
-            <a:off x="7328148" y="1792099"/>
-            <a:ext cx="1131339" cy="838272"/>
+            <a:off x="403792" y="2656528"/>
+            <a:ext cx="1470659" cy="846100"/>
           </a:xfrm>
           <a:prstGeom prst="rect">
             <a:avLst/>
@@ -3936,57 +4135,73 @@
           </a:p>
         </p:txBody>
       </p:sp>
-      <p:pic>
-        <p:nvPicPr>
-          <p:cNvPr id="1036" name="Picture 12" descr="Sendcloud - eDesk | Faster, smarter customer support software for eCommerce">
-            <a:extLst>
-              <a:ext uri="{FF2B5EF4-FFF2-40B4-BE49-F238E27FC236}">
-                <a16:creationId xmlns:a16="http://schemas.microsoft.com/office/drawing/2014/main" id="{FB26D9F2-3055-01E3-E26C-FEDD69AD080B}"/>
-              </a:ext>
-            </a:extLst>
-          </p:cNvPr>
-          <p:cNvPicPr>
-            <a:picLocks noChangeAspect="1" noChangeArrowheads="1"/>
-          </p:cNvPicPr>
-          <p:nvPr/>
-        </p:nvPicPr>
-        <p:blipFill rotWithShape="1">
-          <a:blip r:embed="rId2">
-            <a:extLst>
-              <a:ext uri="{28A0092B-C50C-407E-A947-70E740481C1C}">
-                <a14:useLocalDpi xmlns:a14="http://schemas.microsoft.com/office/drawing/2010/main" val="0"/>
-              </a:ext>
-            </a:extLst>
-          </a:blip>
-          <a:srcRect l="913" t="16199" r="-913" b="32245"/>
-          <a:stretch/>
-        </p:blipFill>
-        <p:spPr bwMode="auto">
-          <a:xfrm>
-            <a:off x="430773" y="1792099"/>
-            <a:ext cx="936488" cy="204830"/>
+      <p:sp>
+        <p:nvSpPr>
+          <p:cNvPr id="60" name="CuadroTexto 59">
+            <a:extLst>
+              <a:ext uri="{FF2B5EF4-FFF2-40B4-BE49-F238E27FC236}">
+                <a16:creationId xmlns:a16="http://schemas.microsoft.com/office/drawing/2014/main" id="{DBA16627-0FF1-5389-E2F9-ABD655ACBD98}"/>
+              </a:ext>
+            </a:extLst>
+          </p:cNvPr>
+          <p:cNvSpPr txBox="1"/>
+          <p:nvPr/>
+        </p:nvSpPr>
+        <p:spPr>
+          <a:xfrm>
+            <a:off x="452784" y="2971246"/>
+            <a:ext cx="1084991" cy="369332"/>
           </a:xfrm>
           <a:prstGeom prst="rect">
             <a:avLst/>
           </a:prstGeom>
           <a:noFill/>
-          <a:extLst>
-            <a:ext uri="{909E8E84-426E-40DD-AFC4-6F175D3DCCD1}">
-              <a14:hiddenFill xmlns:a14="http://schemas.microsoft.com/office/drawing/2010/main">
-                <a:solidFill>
-                  <a:srgbClr val="FFFFFF"/>
-                </a:solidFill>
-              </a14:hiddenFill>
-            </a:ext>
-          </a:extLst>
-        </p:spPr>
-      </p:pic>
-      <p:sp>
-        <p:nvSpPr>
-          <p:cNvPr id="5" name="Rectángulo 4">
-            <a:extLst>
-              <a:ext uri="{FF2B5EF4-FFF2-40B4-BE49-F238E27FC236}">
-                <a16:creationId xmlns:a16="http://schemas.microsoft.com/office/drawing/2014/main" id="{46D190BB-7DAA-7468-96E0-6D7EB560655C}"/>
+        </p:spPr>
+        <p:txBody>
+          <a:bodyPr wrap="square" rtlCol="0">
+            <a:spAutoFit/>
+          </a:bodyPr>
+          <a:lstStyle/>
+          <a:p>
+            <a:r>
+              <a:rPr lang="es-ES" sz="1000" b="1" dirty="0">
+                <a:solidFill>
+                  <a:schemeClr val="bg1"/>
+                </a:solidFill>
+              </a:rPr>
+              <a:t>Google Analytics</a:t>
+            </a:r>
+          </a:p>
+          <a:p>
+            <a:r>
+              <a:rPr lang="es-ES" sz="800" dirty="0">
+                <a:solidFill>
+                  <a:srgbClr val="CC99FF"/>
+                </a:solidFill>
+                <a:hlinkClick r:id="rId5">
+                  <a:extLst>
+                    <a:ext uri="{A12FA001-AC4F-418D-AE19-62706E023703}">
+                      <ahyp:hlinkClr xmlns:ahyp="http://schemas.microsoft.com/office/drawing/2018/hyperlinkcolor" val="tx"/>
+                    </a:ext>
+                  </a:extLst>
+                </a:hlinkClick>
+              </a:rPr>
+              <a:t>Click see more</a:t>
+            </a:r>
+            <a:endParaRPr lang="es-ES" sz="800" dirty="0">
+              <a:solidFill>
+                <a:srgbClr val="CC99FF"/>
+              </a:solidFill>
+            </a:endParaRPr>
+          </a:p>
+        </p:txBody>
+      </p:sp>
+      <p:sp>
+        <p:nvSpPr>
+          <p:cNvPr id="53" name="Rectángulo 52">
+            <a:extLst>
+              <a:ext uri="{FF2B5EF4-FFF2-40B4-BE49-F238E27FC236}">
+                <a16:creationId xmlns:a16="http://schemas.microsoft.com/office/drawing/2014/main" id="{9A8481A9-3E93-B1B5-982A-B866C27E19C1}"/>
               </a:ext>
             </a:extLst>
           </p:cNvPr>
@@ -3995,8 +4210,8 @@
         </p:nvSpPr>
         <p:spPr>
           <a:xfrm>
-            <a:off x="4958962" y="792834"/>
-            <a:ext cx="1177948" cy="3732086"/>
+            <a:off x="403792" y="1739032"/>
+            <a:ext cx="1470659" cy="846100"/>
           </a:xfrm>
           <a:prstGeom prst="rect">
             <a:avLst/>
@@ -4036,59 +4251,12 @@
           </a:p>
         </p:txBody>
       </p:sp>
-      <p:pic>
-        <p:nvPicPr>
-          <p:cNvPr id="1026" name="Picture 2" descr="Sage Group - Wikipedia">
-            <a:extLst>
-              <a:ext uri="{FF2B5EF4-FFF2-40B4-BE49-F238E27FC236}">
-                <a16:creationId xmlns:a16="http://schemas.microsoft.com/office/drawing/2014/main" id="{C62A70CC-B076-808A-8E42-664CF461FF38}"/>
-              </a:ext>
-            </a:extLst>
-          </p:cNvPr>
-          <p:cNvPicPr>
-            <a:picLocks noChangeAspect="1" noChangeArrowheads="1"/>
-          </p:cNvPicPr>
-          <p:nvPr/>
-        </p:nvPicPr>
-        <p:blipFill>
-          <a:blip r:embed="rId3">
-            <a:extLst>
-              <a:ext uri="{28A0092B-C50C-407E-A947-70E740481C1C}">
-                <a14:useLocalDpi xmlns:a14="http://schemas.microsoft.com/office/drawing/2010/main" val="0"/>
-              </a:ext>
-            </a:extLst>
-          </a:blip>
-          <a:srcRect/>
-          <a:stretch>
-            <a:fillRect/>
-          </a:stretch>
-        </p:blipFill>
-        <p:spPr bwMode="auto">
-          <a:xfrm>
-            <a:off x="5101672" y="923528"/>
-            <a:ext cx="462045" cy="260670"/>
-          </a:xfrm>
-          <a:prstGeom prst="rect">
-            <a:avLst/>
-          </a:prstGeom>
-          <a:noFill/>
-          <a:extLst>
-            <a:ext uri="{909E8E84-426E-40DD-AFC4-6F175D3DCCD1}">
-              <a14:hiddenFill xmlns:a14="http://schemas.microsoft.com/office/drawing/2010/main">
-                <a:solidFill>
-                  <a:srgbClr val="FFFFFF"/>
-                </a:solidFill>
-              </a14:hiddenFill>
-            </a:ext>
-          </a:extLst>
-        </p:spPr>
-      </p:pic>
-      <p:sp>
-        <p:nvSpPr>
-          <p:cNvPr id="6" name="Rectángulo 5">
-            <a:extLst>
-              <a:ext uri="{FF2B5EF4-FFF2-40B4-BE49-F238E27FC236}">
-                <a16:creationId xmlns:a16="http://schemas.microsoft.com/office/drawing/2014/main" id="{F07C902D-20FC-1765-DB0E-5D9EB515C32F}"/>
+      <p:sp>
+        <p:nvSpPr>
+          <p:cNvPr id="34" name="Rectángulo 33">
+            <a:extLst>
+              <a:ext uri="{FF2B5EF4-FFF2-40B4-BE49-F238E27FC236}">
+                <a16:creationId xmlns:a16="http://schemas.microsoft.com/office/drawing/2014/main" id="{27FA3D9C-C65A-6E2B-4671-DFD9AD2EDF80}"/>
               </a:ext>
             </a:extLst>
           </p:cNvPr>
@@ -4097,8 +4265,8 @@
         </p:nvSpPr>
         <p:spPr>
           <a:xfrm>
-            <a:off x="2865510" y="792833"/>
-            <a:ext cx="1131339" cy="5457923"/>
+            <a:off x="7328148" y="1697575"/>
+            <a:ext cx="1131339" cy="838272"/>
           </a:xfrm>
           <a:prstGeom prst="rect">
             <a:avLst/>
@@ -4140,10 +4308,10 @@
       </p:sp>
       <p:pic>
         <p:nvPicPr>
-          <p:cNvPr id="1028" name="Picture 4" descr="Opiniones de WooCommerce (plugin para Wordpress) - Webolto">
-            <a:extLst>
-              <a:ext uri="{FF2B5EF4-FFF2-40B4-BE49-F238E27FC236}">
-                <a16:creationId xmlns:a16="http://schemas.microsoft.com/office/drawing/2014/main" id="{36220312-A696-D439-E452-22CC6AB1E655}"/>
+          <p:cNvPr id="1036" name="Picture 12" descr="Sendcloud - eDesk | Faster, smarter customer support software for eCommerce">
+            <a:extLst>
+              <a:ext uri="{FF2B5EF4-FFF2-40B4-BE49-F238E27FC236}">
+                <a16:creationId xmlns:a16="http://schemas.microsoft.com/office/drawing/2014/main" id="{FB26D9F2-3055-01E3-E26C-FEDD69AD080B}"/>
               </a:ext>
             </a:extLst>
           </p:cNvPr>
@@ -4152,8 +4320,210 @@
           </p:cNvPicPr>
           <p:nvPr/>
         </p:nvPicPr>
+        <p:blipFill rotWithShape="1">
+          <a:blip r:embed="rId6">
+            <a:extLst>
+              <a:ext uri="{28A0092B-C50C-407E-A947-70E740481C1C}">
+                <a14:useLocalDpi xmlns:a14="http://schemas.microsoft.com/office/drawing/2010/main" val="0"/>
+              </a:ext>
+            </a:extLst>
+          </a:blip>
+          <a:srcRect l="913" t="16199" r="-913" b="32245"/>
+          <a:stretch/>
+        </p:blipFill>
+        <p:spPr bwMode="auto">
+          <a:xfrm>
+            <a:off x="430773" y="1792099"/>
+            <a:ext cx="936488" cy="204830"/>
+          </a:xfrm>
+          <a:prstGeom prst="rect">
+            <a:avLst/>
+          </a:prstGeom>
+          <a:noFill/>
+          <a:extLst>
+            <a:ext uri="{909E8E84-426E-40DD-AFC4-6F175D3DCCD1}">
+              <a14:hiddenFill xmlns:a14="http://schemas.microsoft.com/office/drawing/2010/main">
+                <a:solidFill>
+                  <a:srgbClr val="FFFFFF"/>
+                </a:solidFill>
+              </a14:hiddenFill>
+            </a:ext>
+          </a:extLst>
+        </p:spPr>
+      </p:pic>
+      <p:sp>
+        <p:nvSpPr>
+          <p:cNvPr id="5" name="Rectángulo 4">
+            <a:extLst>
+              <a:ext uri="{FF2B5EF4-FFF2-40B4-BE49-F238E27FC236}">
+                <a16:creationId xmlns:a16="http://schemas.microsoft.com/office/drawing/2014/main" id="{46D190BB-7DAA-7468-96E0-6D7EB560655C}"/>
+              </a:ext>
+            </a:extLst>
+          </p:cNvPr>
+          <p:cNvSpPr/>
+          <p:nvPr/>
+        </p:nvSpPr>
+        <p:spPr>
+          <a:xfrm>
+            <a:off x="4958962" y="792833"/>
+            <a:ext cx="1177948" cy="4542367"/>
+          </a:xfrm>
+          <a:prstGeom prst="rect">
+            <a:avLst/>
+          </a:prstGeom>
+          <a:solidFill>
+            <a:schemeClr val="tx1">
+              <a:lumMod val="75000"/>
+              <a:lumOff val="25000"/>
+            </a:schemeClr>
+          </a:solidFill>
+          <a:ln>
+            <a:noFill/>
+          </a:ln>
+        </p:spPr>
+        <p:style>
+          <a:lnRef idx="2">
+            <a:schemeClr val="accent1">
+              <a:shade val="15000"/>
+            </a:schemeClr>
+          </a:lnRef>
+          <a:fillRef idx="1">
+            <a:schemeClr val="accent1"/>
+          </a:fillRef>
+          <a:effectRef idx="0">
+            <a:schemeClr val="accent1"/>
+          </a:effectRef>
+          <a:fontRef idx="minor">
+            <a:schemeClr val="lt1"/>
+          </a:fontRef>
+        </p:style>
+        <p:txBody>
+          <a:bodyPr rtlCol="0" anchor="ctr"/>
+          <a:lstStyle/>
+          <a:p>
+            <a:pPr algn="ctr"/>
+            <a:endParaRPr lang="es-ES"/>
+          </a:p>
+        </p:txBody>
+      </p:sp>
+      <p:pic>
+        <p:nvPicPr>
+          <p:cNvPr id="1026" name="Picture 2" descr="Sage Group - Wikipedia">
+            <a:extLst>
+              <a:ext uri="{FF2B5EF4-FFF2-40B4-BE49-F238E27FC236}">
+                <a16:creationId xmlns:a16="http://schemas.microsoft.com/office/drawing/2014/main" id="{C62A70CC-B076-808A-8E42-664CF461FF38}"/>
+              </a:ext>
+            </a:extLst>
+          </p:cNvPr>
+          <p:cNvPicPr>
+            <a:picLocks noChangeAspect="1" noChangeArrowheads="1"/>
+          </p:cNvPicPr>
+          <p:nvPr/>
+        </p:nvPicPr>
         <p:blipFill>
-          <a:blip r:embed="rId4">
+          <a:blip r:embed="rId7">
+            <a:extLst>
+              <a:ext uri="{28A0092B-C50C-407E-A947-70E740481C1C}">
+                <a14:useLocalDpi xmlns:a14="http://schemas.microsoft.com/office/drawing/2010/main" val="0"/>
+              </a:ext>
+            </a:extLst>
+          </a:blip>
+          <a:srcRect/>
+          <a:stretch>
+            <a:fillRect/>
+          </a:stretch>
+        </p:blipFill>
+        <p:spPr bwMode="auto">
+          <a:xfrm>
+            <a:off x="5101672" y="923528"/>
+            <a:ext cx="462045" cy="260670"/>
+          </a:xfrm>
+          <a:prstGeom prst="rect">
+            <a:avLst/>
+          </a:prstGeom>
+          <a:noFill/>
+          <a:extLst>
+            <a:ext uri="{909E8E84-426E-40DD-AFC4-6F175D3DCCD1}">
+              <a14:hiddenFill xmlns:a14="http://schemas.microsoft.com/office/drawing/2010/main">
+                <a:solidFill>
+                  <a:srgbClr val="FFFFFF"/>
+                </a:solidFill>
+              </a14:hiddenFill>
+            </a:ext>
+          </a:extLst>
+        </p:spPr>
+      </p:pic>
+      <p:sp>
+        <p:nvSpPr>
+          <p:cNvPr id="6" name="Rectángulo 5">
+            <a:extLst>
+              <a:ext uri="{FF2B5EF4-FFF2-40B4-BE49-F238E27FC236}">
+                <a16:creationId xmlns:a16="http://schemas.microsoft.com/office/drawing/2014/main" id="{F07C902D-20FC-1765-DB0E-5D9EB515C32F}"/>
+              </a:ext>
+            </a:extLst>
+          </p:cNvPr>
+          <p:cNvSpPr/>
+          <p:nvPr/>
+        </p:nvSpPr>
+        <p:spPr>
+          <a:xfrm>
+            <a:off x="2865510" y="792833"/>
+            <a:ext cx="1131339" cy="5457923"/>
+          </a:xfrm>
+          <a:prstGeom prst="rect">
+            <a:avLst/>
+          </a:prstGeom>
+          <a:solidFill>
+            <a:schemeClr val="tx1">
+              <a:lumMod val="75000"/>
+              <a:lumOff val="25000"/>
+            </a:schemeClr>
+          </a:solidFill>
+          <a:ln>
+            <a:noFill/>
+          </a:ln>
+        </p:spPr>
+        <p:style>
+          <a:lnRef idx="2">
+            <a:schemeClr val="accent1">
+              <a:shade val="15000"/>
+            </a:schemeClr>
+          </a:lnRef>
+          <a:fillRef idx="1">
+            <a:schemeClr val="accent1"/>
+          </a:fillRef>
+          <a:effectRef idx="0">
+            <a:schemeClr val="accent1"/>
+          </a:effectRef>
+          <a:fontRef idx="minor">
+            <a:schemeClr val="lt1"/>
+          </a:fontRef>
+        </p:style>
+        <p:txBody>
+          <a:bodyPr rtlCol="0" anchor="ctr"/>
+          <a:lstStyle/>
+          <a:p>
+            <a:pPr algn="ctr"/>
+            <a:endParaRPr lang="es-ES"/>
+          </a:p>
+        </p:txBody>
+      </p:sp>
+      <p:pic>
+        <p:nvPicPr>
+          <p:cNvPr id="1028" name="Picture 4" descr="Opiniones de WooCommerce (plugin para Wordpress) - Webolto">
+            <a:extLst>
+              <a:ext uri="{FF2B5EF4-FFF2-40B4-BE49-F238E27FC236}">
+                <a16:creationId xmlns:a16="http://schemas.microsoft.com/office/drawing/2014/main" id="{36220312-A696-D439-E452-22CC6AB1E655}"/>
+              </a:ext>
+            </a:extLst>
+          </p:cNvPr>
+          <p:cNvPicPr>
+            <a:picLocks noChangeAspect="1" noChangeArrowheads="1"/>
+          </p:cNvPicPr>
+          <p:nvPr/>
+        </p:nvPicPr>
+        <p:blipFill>
+          <a:blip r:embed="rId8">
             <a:extLst>
               <a:ext uri="{28A0092B-C50C-407E-A947-70E740481C1C}">
                 <a14:useLocalDpi xmlns:a14="http://schemas.microsoft.com/office/drawing/2010/main" val="0"/>
@@ -4343,7 +4713,7 @@
           <p:nvPr/>
         </p:nvPicPr>
         <p:blipFill>
-          <a:blip r:embed="rId5">
+          <a:blip r:embed="rId9">
             <a:extLst>
               <a:ext uri="{28A0092B-C50C-407E-A947-70E740481C1C}">
                 <a14:useLocalDpi xmlns:a14="http://schemas.microsoft.com/office/drawing/2010/main" val="0"/>
@@ -4358,7 +4728,7 @@
         <p:spPr bwMode="auto">
           <a:xfrm>
             <a:off x="7468717" y="998847"/>
-            <a:ext cx="639170" cy="91614"/>
+            <a:ext cx="436488" cy="62563"/>
           </a:xfrm>
           <a:prstGeom prst="rect">
             <a:avLst/>
@@ -4473,9 +4843,21 @@
                 <a:solidFill>
                   <a:srgbClr val="CC99FF"/>
                 </a:solidFill>
+                <a:hlinkClick r:id="rId10">
+                  <a:extLst>
+                    <a:ext uri="{A12FA001-AC4F-418D-AE19-62706E023703}">
+                      <ahyp:hlinkClr xmlns:ahyp="http://schemas.microsoft.com/office/drawing/2018/hyperlinkcolor" val="tx"/>
+                    </a:ext>
+                  </a:extLst>
+                </a:hlinkClick>
               </a:rPr>
               <a:t>Click see more</a:t>
             </a:r>
+            <a:endParaRPr lang="es-ES" sz="800" dirty="0">
+              <a:solidFill>
+                <a:srgbClr val="CC99FF"/>
+              </a:solidFill>
+            </a:endParaRPr>
           </a:p>
         </p:txBody>
       </p:sp>
@@ -4494,7 +4876,7 @@
           <p:nvPr/>
         </p:nvPicPr>
         <p:blipFill>
-          <a:blip r:embed="rId6">
+          <a:blip r:embed="rId11">
             <a:extLst>
               <a:ext uri="{28A0092B-C50C-407E-A947-70E740481C1C}">
                 <a14:useLocalDpi xmlns:a14="http://schemas.microsoft.com/office/drawing/2010/main" val="0"/>
@@ -4541,7 +4923,7 @@
           <p:nvPr/>
         </p:nvPicPr>
         <p:blipFill>
-          <a:blip r:embed="rId7">
+          <a:blip r:embed="rId12">
             <a:extLst>
               <a:ext uri="{28A0092B-C50C-407E-A947-70E740481C1C}">
                 <a14:useLocalDpi xmlns:a14="http://schemas.microsoft.com/office/drawing/2010/main" val="0"/>
@@ -4588,7 +4970,7 @@
           <p:nvPr/>
         </p:nvPicPr>
         <p:blipFill>
-          <a:blip r:embed="rId8">
+          <a:blip r:embed="rId13">
             <a:extLst>
               <a:ext uri="{28A0092B-C50C-407E-A947-70E740481C1C}">
                 <a14:useLocalDpi xmlns:a14="http://schemas.microsoft.com/office/drawing/2010/main" val="0"/>
@@ -4602,7 +4984,7 @@
         </p:blipFill>
         <p:spPr bwMode="auto">
           <a:xfrm>
-            <a:off x="7354093" y="1845168"/>
+            <a:off x="7354093" y="1750644"/>
             <a:ext cx="515709" cy="238052"/>
           </a:xfrm>
           <a:prstGeom prst="rect">
@@ -4635,7 +5017,7 @@
           <p:nvPr/>
         </p:nvPicPr>
         <p:blipFill rotWithShape="1">
-          <a:blip r:embed="rId9">
+          <a:blip r:embed="rId14">
             <a:extLst>
               <a:ext uri="{28A0092B-C50C-407E-A947-70E740481C1C}">
                 <a14:useLocalDpi xmlns:a14="http://schemas.microsoft.com/office/drawing/2010/main" val="0"/>
@@ -4647,7 +5029,7 @@
         </p:blipFill>
         <p:spPr bwMode="auto">
           <a:xfrm>
-            <a:off x="7466383" y="2864136"/>
+            <a:off x="7466384" y="2718101"/>
             <a:ext cx="382337" cy="172016"/>
           </a:xfrm>
           <a:prstGeom prst="rect">
@@ -4708,9 +5090,21 @@
                 <a:solidFill>
                   <a:srgbClr val="CC99FF"/>
                 </a:solidFill>
+                <a:hlinkClick r:id="rId15">
+                  <a:extLst>
+                    <a:ext uri="{A12FA001-AC4F-418D-AE19-62706E023703}">
+                      <ahyp:hlinkClr xmlns:ahyp="http://schemas.microsoft.com/office/drawing/2018/hyperlinkcolor" val="tx"/>
+                    </a:ext>
+                  </a:extLst>
+                </a:hlinkClick>
               </a:rPr>
               <a:t>Click see more</a:t>
             </a:r>
+            <a:endParaRPr lang="es-ES" sz="800" dirty="0">
+              <a:solidFill>
+                <a:srgbClr val="CC99FF"/>
+              </a:solidFill>
+            </a:endParaRPr>
           </a:p>
         </p:txBody>
       </p:sp>
@@ -4896,13 +5290,25 @@
           </a:p>
           <a:p>
             <a:r>
-              <a:rPr lang="es-ES" sz="800" dirty="0">
+              <a:rPr lang="es-ES" sz="800" u="sng" dirty="0">
                 <a:solidFill>
                   <a:srgbClr val="CC99FF"/>
                 </a:solidFill>
+                <a:hlinkClick r:id="rId16">
+                  <a:extLst>
+                    <a:ext uri="{A12FA001-AC4F-418D-AE19-62706E023703}">
+                      <ahyp:hlinkClr xmlns:ahyp="http://schemas.microsoft.com/office/drawing/2018/hyperlinkcolor" val="tx"/>
+                    </a:ext>
+                  </a:extLst>
+                </a:hlinkClick>
               </a:rPr>
               <a:t>Click see more</a:t>
             </a:r>
+            <a:endParaRPr lang="es-ES" sz="800" u="sng" dirty="0">
+              <a:solidFill>
+                <a:srgbClr val="CC99FF"/>
+              </a:solidFill>
+            </a:endParaRPr>
           </a:p>
         </p:txBody>
       </p:sp>
@@ -4949,9 +5355,21 @@
                 <a:solidFill>
                   <a:srgbClr val="CC99FF"/>
                 </a:solidFill>
+                <a:hlinkClick r:id="rId17">
+                  <a:extLst>
+                    <a:ext uri="{A12FA001-AC4F-418D-AE19-62706E023703}">
+                      <ahyp:hlinkClr xmlns:ahyp="http://schemas.microsoft.com/office/drawing/2018/hyperlinkcolor" val="tx"/>
+                    </a:ext>
+                  </a:extLst>
+                </a:hlinkClick>
               </a:rPr>
               <a:t>Click see more</a:t>
             </a:r>
+            <a:endParaRPr lang="es-ES" sz="800" dirty="0">
+              <a:solidFill>
+                <a:srgbClr val="CC99FF"/>
+              </a:solidFill>
+            </a:endParaRPr>
           </a:p>
         </p:txBody>
       </p:sp>
@@ -4984,28 +5402,35 @@
           <a:lstStyle/>
           <a:p>
             <a:r>
-              <a:rPr lang="es-ES" sz="1000" b="1" dirty="0" err="1">
+              <a:rPr lang="es-ES" sz="1000" b="1" dirty="0">
                 <a:solidFill>
                   <a:schemeClr val="bg1"/>
                 </a:solidFill>
               </a:rPr>
               <a:t>Clarity</a:t>
             </a:r>
-            <a:endParaRPr lang="es-ES" sz="1000" b="1" dirty="0">
+          </a:p>
+          <a:p>
+            <a:r>
+              <a:rPr lang="es-ES" sz="800" dirty="0">
+                <a:solidFill>
+                  <a:srgbClr val="CC99FF"/>
+                </a:solidFill>
+                <a:hlinkClick r:id="rId18">
+                  <a:extLst>
+                    <a:ext uri="{A12FA001-AC4F-418D-AE19-62706E023703}">
+                      <ahyp:hlinkClr xmlns:ahyp="http://schemas.microsoft.com/office/drawing/2018/hyperlinkcolor" val="tx"/>
+                    </a:ext>
+                  </a:extLst>
+                </a:hlinkClick>
+              </a:rPr>
+              <a:t>Click see more</a:t>
+            </a:r>
+            <a:endParaRPr lang="es-ES" sz="800" dirty="0">
               <a:solidFill>
-                <a:schemeClr val="bg1"/>
+                <a:srgbClr val="CC99FF"/>
               </a:solidFill>
             </a:endParaRPr>
-          </a:p>
-          <a:p>
-            <a:r>
-              <a:rPr lang="es-ES" sz="800" dirty="0">
-                <a:solidFill>
-                  <a:srgbClr val="CC99FF"/>
-                </a:solidFill>
-              </a:rPr>
-              <a:t>Click see more</a:t>
-            </a:r>
           </a:p>
         </p:txBody>
       </p:sp>
@@ -5107,9 +5532,21 @@
                 <a:solidFill>
                   <a:srgbClr val="CC99FF"/>
                 </a:solidFill>
+                <a:hlinkClick r:id="rId19">
+                  <a:extLst>
+                    <a:ext uri="{A12FA001-AC4F-418D-AE19-62706E023703}">
+                      <ahyp:hlinkClr xmlns:ahyp="http://schemas.microsoft.com/office/drawing/2018/hyperlinkcolor" val="tx"/>
+                    </a:ext>
+                  </a:extLst>
+                </a:hlinkClick>
               </a:rPr>
               <a:t>Click see more</a:t>
             </a:r>
+            <a:endParaRPr lang="es-ES" sz="800" dirty="0">
+              <a:solidFill>
+                <a:srgbClr val="CC99FF"/>
+              </a:solidFill>
+            </a:endParaRPr>
           </a:p>
         </p:txBody>
       </p:sp>
@@ -5128,7 +5565,7 @@
           <p:nvPr/>
         </p:nvPicPr>
         <p:blipFill>
-          <a:blip r:embed="rId10">
+          <a:blip r:embed="rId20">
             <a:extLst>
               <a:ext uri="{28A0092B-C50C-407E-A947-70E740481C1C}">
                 <a14:useLocalDpi xmlns:a14="http://schemas.microsoft.com/office/drawing/2010/main" val="0"/>
@@ -5175,7 +5612,7 @@
           <p:nvPr/>
         </p:nvPicPr>
         <p:blipFill>
-          <a:blip r:embed="rId11">
+          <a:blip r:embed="rId21">
             <a:extLst>
               <a:ext uri="{28A0092B-C50C-407E-A947-70E740481C1C}">
                 <a14:useLocalDpi xmlns:a14="http://schemas.microsoft.com/office/drawing/2010/main" val="0"/>
@@ -5191,51 +5628,6 @@
           <a:xfrm>
             <a:off x="546965" y="4571662"/>
             <a:ext cx="212575" cy="212575"/>
-          </a:xfrm>
-          <a:prstGeom prst="rect">
-            <a:avLst/>
-          </a:prstGeom>
-          <a:noFill/>
-          <a:extLst>
-            <a:ext uri="{909E8E84-426E-40DD-AFC4-6F175D3DCCD1}">
-              <a14:hiddenFill xmlns:a14="http://schemas.microsoft.com/office/drawing/2010/main">
-                <a:solidFill>
-                  <a:srgbClr val="FFFFFF"/>
-                </a:solidFill>
-              </a14:hiddenFill>
-            </a:ext>
-          </a:extLst>
-        </p:spPr>
-      </p:pic>
-      <p:pic>
-        <p:nvPicPr>
-          <p:cNvPr id="1029" name="Picture 6" descr="Google Search Console">
-            <a:extLst>
-              <a:ext uri="{FF2B5EF4-FFF2-40B4-BE49-F238E27FC236}">
-                <a16:creationId xmlns:a16="http://schemas.microsoft.com/office/drawing/2014/main" id="{D1A74204-F8F4-FBBF-32D3-50541113F65A}"/>
-              </a:ext>
-            </a:extLst>
-          </p:cNvPr>
-          <p:cNvPicPr>
-            <a:picLocks noChangeAspect="1" noChangeArrowheads="1"/>
-          </p:cNvPicPr>
-          <p:nvPr/>
-        </p:nvPicPr>
-        <p:blipFill rotWithShape="1">
-          <a:blip r:embed="rId12">
-            <a:extLst>
-              <a:ext uri="{28A0092B-C50C-407E-A947-70E740481C1C}">
-                <a14:useLocalDpi xmlns:a14="http://schemas.microsoft.com/office/drawing/2010/main" val="0"/>
-              </a:ext>
-            </a:extLst>
-          </a:blip>
-          <a:srcRect t="17266" b="19951"/>
-          <a:stretch/>
-        </p:blipFill>
-        <p:spPr bwMode="auto">
-          <a:xfrm>
-            <a:off x="537833" y="5477084"/>
-            <a:ext cx="439637" cy="276016"/>
           </a:xfrm>
           <a:prstGeom prst="rect">
             <a:avLst/>
@@ -5858,7 +6250,7 @@
                   <a:schemeClr val="bg1"/>
                 </a:solidFill>
               </a:rPr>
-              <a:t>WooCommerce</a:t>
+              <a:t>HiOffice</a:t>
             </a:r>
           </a:p>
           <a:p>
@@ -5867,9 +6259,51 @@
                 <a:solidFill>
                   <a:srgbClr val="CC99FF"/>
                 </a:solidFill>
-              </a:rPr>
-              <a:t>Click see more</a:t>
-            </a:r>
+                <a:hlinkClick r:id="rId22">
+                  <a:extLst>
+                    <a:ext uri="{A12FA001-AC4F-418D-AE19-62706E023703}">
+                      <ahyp:hlinkClr xmlns:ahyp="http://schemas.microsoft.com/office/drawing/2018/hyperlinkcolor" val="tx"/>
+                    </a:ext>
+                  </a:extLst>
+                </a:hlinkClick>
+              </a:rPr>
+              <a:t>Click </a:t>
+            </a:r>
+            <a:r>
+              <a:rPr lang="es-ES" sz="800" dirty="0" err="1">
+                <a:solidFill>
+                  <a:srgbClr val="CC99FF"/>
+                </a:solidFill>
+                <a:hlinkClick r:id="rId22">
+                  <a:extLst>
+                    <a:ext uri="{A12FA001-AC4F-418D-AE19-62706E023703}">
+                      <ahyp:hlinkClr xmlns:ahyp="http://schemas.microsoft.com/office/drawing/2018/hyperlinkcolor" val="tx"/>
+                    </a:ext>
+                  </a:extLst>
+                </a:hlinkClick>
+              </a:rPr>
+              <a:t>see</a:t>
+            </a:r>
+            <a:r>
+              <a:rPr lang="es-ES" sz="800" dirty="0">
+                <a:solidFill>
+                  <a:srgbClr val="CC99FF"/>
+                </a:solidFill>
+                <a:hlinkClick r:id="rId22">
+                  <a:extLst>
+                    <a:ext uri="{A12FA001-AC4F-418D-AE19-62706E023703}">
+                      <ahyp:hlinkClr xmlns:ahyp="http://schemas.microsoft.com/office/drawing/2018/hyperlinkcolor" val="tx"/>
+                    </a:ext>
+                  </a:extLst>
+                </a:hlinkClick>
+              </a:rPr>
+              <a:t> more</a:t>
+            </a:r>
+            <a:endParaRPr lang="es-ES" sz="800" dirty="0">
+              <a:solidFill>
+                <a:srgbClr val="CC99FF"/>
+              </a:solidFill>
+            </a:endParaRPr>
           </a:p>
         </p:txBody>
       </p:sp>
@@ -6173,7 +6607,7 @@
         </p:nvSpPr>
         <p:spPr>
           <a:xfrm>
-            <a:off x="7394368" y="2162933"/>
+            <a:off x="7394368" y="2068409"/>
             <a:ext cx="1084991" cy="369332"/>
           </a:xfrm>
           <a:prstGeom prst="rect">
@@ -6202,9 +6636,21 @@
                 <a:solidFill>
                   <a:srgbClr val="CC99FF"/>
                 </a:solidFill>
+                <a:hlinkClick r:id="rId23">
+                  <a:extLst>
+                    <a:ext uri="{A12FA001-AC4F-418D-AE19-62706E023703}">
+                      <ahyp:hlinkClr xmlns:ahyp="http://schemas.microsoft.com/office/drawing/2018/hyperlinkcolor" val="tx"/>
+                    </a:ext>
+                  </a:extLst>
+                </a:hlinkClick>
               </a:rPr>
               <a:t>Click see more</a:t>
             </a:r>
+            <a:endParaRPr lang="es-ES" sz="800" dirty="0">
+              <a:solidFill>
+                <a:srgbClr val="CC99FF"/>
+              </a:solidFill>
+            </a:endParaRPr>
           </a:p>
         </p:txBody>
       </p:sp>
@@ -6222,7 +6668,7 @@
         </p:nvSpPr>
         <p:spPr>
           <a:xfrm>
-            <a:off x="7410635" y="3076545"/>
+            <a:off x="7410636" y="2930510"/>
             <a:ext cx="1084991" cy="369332"/>
           </a:xfrm>
           <a:prstGeom prst="rect">
@@ -6242,7 +6688,7 @@
                   <a:schemeClr val="bg1"/>
                 </a:solidFill>
               </a:rPr>
-              <a:t>Power BI</a:t>
+              <a:t>Linx CMMS</a:t>
             </a:r>
           </a:p>
           <a:p>
@@ -6251,9 +6697,21 @@
                 <a:solidFill>
                   <a:srgbClr val="CC99FF"/>
                 </a:solidFill>
+                <a:hlinkClick r:id="rId24">
+                  <a:extLst>
+                    <a:ext uri="{A12FA001-AC4F-418D-AE19-62706E023703}">
+                      <ahyp:hlinkClr xmlns:ahyp="http://schemas.microsoft.com/office/drawing/2018/hyperlinkcolor" val="tx"/>
+                    </a:ext>
+                  </a:extLst>
+                </a:hlinkClick>
               </a:rPr>
               <a:t>Click see more</a:t>
             </a:r>
+            <a:endParaRPr lang="es-ES" sz="800" dirty="0">
+              <a:solidFill>
+                <a:srgbClr val="CC99FF"/>
+              </a:solidFill>
+            </a:endParaRPr>
           </a:p>
         </p:txBody>
       </p:sp>
@@ -6273,7 +6731,7 @@
         </p:nvCxnSpPr>
         <p:spPr>
           <a:xfrm>
-            <a:off x="6429833" y="2319488"/>
+            <a:off x="6429833" y="2224964"/>
             <a:ext cx="669313" cy="0"/>
           </a:xfrm>
           <a:prstGeom prst="straightConnector1">
@@ -6320,7 +6778,7 @@
         </p:nvCxnSpPr>
         <p:spPr>
           <a:xfrm flipH="1">
-            <a:off x="6317520" y="2430725"/>
+            <a:off x="6317520" y="2336201"/>
             <a:ext cx="640633" cy="0"/>
           </a:xfrm>
           <a:prstGeom prst="straightConnector1">
@@ -6365,7 +6823,7 @@
         </p:nvSpPr>
         <p:spPr>
           <a:xfrm>
-            <a:off x="6262522" y="1887950"/>
+            <a:off x="6262522" y="1793426"/>
             <a:ext cx="979909" cy="369332"/>
           </a:xfrm>
           <a:prstGeom prst="rect">
@@ -6416,7 +6874,7 @@
         </p:nvCxnSpPr>
         <p:spPr>
           <a:xfrm>
-            <a:off x="6477964" y="3261211"/>
+            <a:off x="6477965" y="3115176"/>
             <a:ext cx="669313" cy="0"/>
           </a:xfrm>
           <a:prstGeom prst="straightConnector1">
@@ -6463,7 +6921,7 @@
         </p:nvCxnSpPr>
         <p:spPr>
           <a:xfrm flipH="1">
-            <a:off x="6365651" y="3372448"/>
+            <a:off x="6365652" y="3226413"/>
             <a:ext cx="640633" cy="0"/>
           </a:xfrm>
           <a:prstGeom prst="straightConnector1">
@@ -6508,7 +6966,7 @@
         </p:nvSpPr>
         <p:spPr>
           <a:xfrm>
-            <a:off x="6310653" y="2829673"/>
+            <a:off x="6310654" y="2683638"/>
             <a:ext cx="979909" cy="369332"/>
           </a:xfrm>
           <a:prstGeom prst="rect">
@@ -6558,7 +7016,7 @@
           <p:nvPr/>
         </p:nvPicPr>
         <p:blipFill>
-          <a:blip r:embed="rId13">
+          <a:blip r:embed="rId25">
             <a:extLst>
               <a:ext uri="{28A0092B-C50C-407E-A947-70E740481C1C}">
                 <a14:useLocalDpi xmlns:a14="http://schemas.microsoft.com/office/drawing/2010/main" val="0"/>
@@ -6572,7 +7030,7 @@
         </p:blipFill>
         <p:spPr bwMode="auto">
           <a:xfrm>
-            <a:off x="7476795" y="3813395"/>
+            <a:off x="7470079" y="3638391"/>
             <a:ext cx="521739" cy="138247"/>
           </a:xfrm>
           <a:prstGeom prst="rect">
@@ -6670,10 +7128,2773 @@
           </a:fontRef>
         </p:style>
       </p:cxnSp>
+      <p:sp>
+        <p:nvSpPr>
+          <p:cNvPr id="3" name="Rectángulo 2">
+            <a:extLst>
+              <a:ext uri="{FF2B5EF4-FFF2-40B4-BE49-F238E27FC236}">
+                <a16:creationId xmlns:a16="http://schemas.microsoft.com/office/drawing/2014/main" id="{4090E9AF-7DDE-53D1-D327-A5311D553913}"/>
+              </a:ext>
+            </a:extLst>
+          </p:cNvPr>
+          <p:cNvSpPr/>
+          <p:nvPr/>
+        </p:nvSpPr>
+        <p:spPr>
+          <a:xfrm>
+            <a:off x="9579965" y="792833"/>
+            <a:ext cx="1131339" cy="866213"/>
+          </a:xfrm>
+          <a:prstGeom prst="rect">
+            <a:avLst/>
+          </a:prstGeom>
+          <a:solidFill>
+            <a:schemeClr val="tx1">
+              <a:lumMod val="75000"/>
+              <a:lumOff val="25000"/>
+            </a:schemeClr>
+          </a:solidFill>
+          <a:ln>
+            <a:noFill/>
+          </a:ln>
+        </p:spPr>
+        <p:style>
+          <a:lnRef idx="2">
+            <a:schemeClr val="accent1">
+              <a:shade val="15000"/>
+            </a:schemeClr>
+          </a:lnRef>
+          <a:fillRef idx="1">
+            <a:schemeClr val="accent1"/>
+          </a:fillRef>
+          <a:effectRef idx="0">
+            <a:schemeClr val="accent1"/>
+          </a:effectRef>
+          <a:fontRef idx="minor">
+            <a:schemeClr val="lt1"/>
+          </a:fontRef>
+        </p:style>
+        <p:txBody>
+          <a:bodyPr rtlCol="0" anchor="ctr"/>
+          <a:lstStyle/>
+          <a:p>
+            <a:pPr algn="ctr"/>
+            <a:endParaRPr lang="es-ES"/>
+          </a:p>
+        </p:txBody>
+      </p:sp>
+      <p:sp>
+        <p:nvSpPr>
+          <p:cNvPr id="4" name="CuadroTexto 3">
+            <a:extLst>
+              <a:ext uri="{FF2B5EF4-FFF2-40B4-BE49-F238E27FC236}">
+                <a16:creationId xmlns:a16="http://schemas.microsoft.com/office/drawing/2014/main" id="{3F0B3C97-B400-0C5C-6BE4-4D67A59EBE98}"/>
+              </a:ext>
+            </a:extLst>
+          </p:cNvPr>
+          <p:cNvSpPr txBox="1"/>
+          <p:nvPr/>
+        </p:nvSpPr>
+        <p:spPr>
+          <a:xfrm>
+            <a:off x="9626313" y="1217007"/>
+            <a:ext cx="1084991" cy="369332"/>
+          </a:xfrm>
+          <a:prstGeom prst="rect">
+            <a:avLst/>
+          </a:prstGeom>
+          <a:noFill/>
+        </p:spPr>
+        <p:txBody>
+          <a:bodyPr wrap="square" rtlCol="0">
+            <a:spAutoFit/>
+          </a:bodyPr>
+          <a:lstStyle/>
+          <a:p>
+            <a:r>
+              <a:rPr lang="es-ES" sz="1000" b="1" dirty="0">
+                <a:solidFill>
+                  <a:schemeClr val="bg1"/>
+                </a:solidFill>
+              </a:rPr>
+              <a:t>CashDro</a:t>
+            </a:r>
+          </a:p>
+          <a:p>
+            <a:r>
+              <a:rPr lang="es-ES" sz="800" dirty="0">
+                <a:solidFill>
+                  <a:srgbClr val="CC99FF"/>
+                </a:solidFill>
+                <a:hlinkClick r:id="rId26">
+                  <a:extLst>
+                    <a:ext uri="{A12FA001-AC4F-418D-AE19-62706E023703}">
+                      <ahyp:hlinkClr xmlns:ahyp="http://schemas.microsoft.com/office/drawing/2018/hyperlinkcolor" val="tx"/>
+                    </a:ext>
+                  </a:extLst>
+                </a:hlinkClick>
+              </a:rPr>
+              <a:t>Click see more</a:t>
+            </a:r>
+            <a:endParaRPr lang="es-ES" sz="800" dirty="0">
+              <a:solidFill>
+                <a:srgbClr val="CC99FF"/>
+              </a:solidFill>
+            </a:endParaRPr>
+          </a:p>
+        </p:txBody>
+      </p:sp>
+      <p:cxnSp>
+        <p:nvCxnSpPr>
+          <p:cNvPr id="7" name="Conector recto de flecha 6">
+            <a:extLst>
+              <a:ext uri="{FF2B5EF4-FFF2-40B4-BE49-F238E27FC236}">
+                <a16:creationId xmlns:a16="http://schemas.microsoft.com/office/drawing/2014/main" id="{17D87D67-3EBB-3CD0-4975-8569115AFC92}"/>
+              </a:ext>
+            </a:extLst>
+          </p:cNvPr>
+          <p:cNvCxnSpPr>
+            <a:cxnSpLocks/>
+          </p:cNvCxnSpPr>
+          <p:nvPr/>
+        </p:nvCxnSpPr>
+        <p:spPr>
+          <a:xfrm>
+            <a:off x="8767367" y="1355066"/>
+            <a:ext cx="669313" cy="0"/>
+          </a:xfrm>
+          <a:prstGeom prst="straightConnector1">
+            <a:avLst/>
+          </a:prstGeom>
+          <a:ln w="19050">
+            <a:solidFill>
+              <a:schemeClr val="tx1">
+                <a:lumMod val="75000"/>
+                <a:lumOff val="25000"/>
+              </a:schemeClr>
+            </a:solidFill>
+            <a:tailEnd type="triangle"/>
+          </a:ln>
+        </p:spPr>
+        <p:style>
+          <a:lnRef idx="1">
+            <a:schemeClr val="accent1"/>
+          </a:lnRef>
+          <a:fillRef idx="0">
+            <a:schemeClr val="accent1"/>
+          </a:fillRef>
+          <a:effectRef idx="0">
+            <a:schemeClr val="accent1"/>
+          </a:effectRef>
+          <a:fontRef idx="minor">
+            <a:schemeClr val="tx1"/>
+          </a:fontRef>
+        </p:style>
+      </p:cxnSp>
+      <p:cxnSp>
+        <p:nvCxnSpPr>
+          <p:cNvPr id="8" name="Conector recto de flecha 7">
+            <a:extLst>
+              <a:ext uri="{FF2B5EF4-FFF2-40B4-BE49-F238E27FC236}">
+                <a16:creationId xmlns:a16="http://schemas.microsoft.com/office/drawing/2014/main" id="{9A1C7D04-AE0B-A8F3-758D-096411062480}"/>
+              </a:ext>
+            </a:extLst>
+          </p:cNvPr>
+          <p:cNvCxnSpPr>
+            <a:cxnSpLocks/>
+          </p:cNvCxnSpPr>
+          <p:nvPr/>
+        </p:nvCxnSpPr>
+        <p:spPr>
+          <a:xfrm flipH="1">
+            <a:off x="8655054" y="1466303"/>
+            <a:ext cx="640633" cy="0"/>
+          </a:xfrm>
+          <a:prstGeom prst="straightConnector1">
+            <a:avLst/>
+          </a:prstGeom>
+          <a:ln w="19050">
+            <a:solidFill>
+              <a:schemeClr val="tx1">
+                <a:lumMod val="75000"/>
+                <a:lumOff val="25000"/>
+              </a:schemeClr>
+            </a:solidFill>
+            <a:tailEnd type="triangle"/>
+          </a:ln>
+        </p:spPr>
+        <p:style>
+          <a:lnRef idx="1">
+            <a:schemeClr val="accent1"/>
+          </a:lnRef>
+          <a:fillRef idx="0">
+            <a:schemeClr val="accent1"/>
+          </a:fillRef>
+          <a:effectRef idx="0">
+            <a:schemeClr val="accent1"/>
+          </a:effectRef>
+          <a:fontRef idx="minor">
+            <a:schemeClr val="tx1"/>
+          </a:fontRef>
+        </p:style>
+      </p:cxnSp>
+      <p:sp>
+        <p:nvSpPr>
+          <p:cNvPr id="11" name="CuadroTexto 10">
+            <a:extLst>
+              <a:ext uri="{FF2B5EF4-FFF2-40B4-BE49-F238E27FC236}">
+                <a16:creationId xmlns:a16="http://schemas.microsoft.com/office/drawing/2014/main" id="{20105BEF-78A9-C58D-B4B4-FE93584A44E7}"/>
+              </a:ext>
+            </a:extLst>
+          </p:cNvPr>
+          <p:cNvSpPr txBox="1"/>
+          <p:nvPr/>
+        </p:nvSpPr>
+        <p:spPr>
+          <a:xfrm>
+            <a:off x="8600056" y="923528"/>
+            <a:ext cx="979909" cy="369332"/>
+          </a:xfrm>
+          <a:prstGeom prst="rect">
+            <a:avLst/>
+          </a:prstGeom>
+          <a:noFill/>
+        </p:spPr>
+        <p:txBody>
+          <a:bodyPr wrap="square" rtlCol="0">
+            <a:spAutoFit/>
+          </a:bodyPr>
+          <a:lstStyle/>
+          <a:p>
+            <a:r>
+              <a:rPr lang="es-ES" sz="1000" b="1" dirty="0">
+                <a:solidFill>
+                  <a:schemeClr val="bg1"/>
+                </a:solidFill>
+              </a:rPr>
+              <a:t>API</a:t>
+            </a:r>
+          </a:p>
+          <a:p>
+            <a:r>
+              <a:rPr lang="es-ES" sz="800" dirty="0">
+                <a:solidFill>
+                  <a:srgbClr val="CC99FF"/>
+                </a:solidFill>
+              </a:rPr>
+              <a:t>Click see more</a:t>
+            </a:r>
+          </a:p>
+        </p:txBody>
+      </p:sp>
+      <p:pic>
+        <p:nvPicPr>
+          <p:cNvPr id="14" name="Picture 4" descr="Atlassian Jira y plugins de Jira - Jira">
+            <a:extLst>
+              <a:ext uri="{FF2B5EF4-FFF2-40B4-BE49-F238E27FC236}">
+                <a16:creationId xmlns:a16="http://schemas.microsoft.com/office/drawing/2014/main" id="{0C0D4A1D-8FD9-4D21-54E0-B62A705FE236}"/>
+              </a:ext>
+            </a:extLst>
+          </p:cNvPr>
+          <p:cNvPicPr>
+            <a:picLocks noChangeAspect="1" noChangeArrowheads="1"/>
+          </p:cNvPicPr>
+          <p:nvPr/>
+        </p:nvPicPr>
+        <p:blipFill>
+          <a:blip r:embed="rId27">
+            <a:extLst>
+              <a:ext uri="{28A0092B-C50C-407E-A947-70E740481C1C}">
+                <a14:useLocalDpi xmlns:a14="http://schemas.microsoft.com/office/drawing/2010/main" val="0"/>
+              </a:ext>
+            </a:extLst>
+          </a:blip>
+          <a:srcRect/>
+          <a:stretch>
+            <a:fillRect/>
+          </a:stretch>
+        </p:blipFill>
+        <p:spPr bwMode="auto">
+          <a:xfrm>
+            <a:off x="9724518" y="2880520"/>
+            <a:ext cx="292754" cy="114805"/>
+          </a:xfrm>
+          <a:prstGeom prst="rect">
+            <a:avLst/>
+          </a:prstGeom>
+          <a:noFill/>
+          <a:extLst>
+            <a:ext uri="{909E8E84-426E-40DD-AFC4-6F175D3DCCD1}">
+              <a14:hiddenFill xmlns:a14="http://schemas.microsoft.com/office/drawing/2010/main">
+                <a:solidFill>
+                  <a:srgbClr val="FFFFFF"/>
+                </a:solidFill>
+              </a14:hiddenFill>
+            </a:ext>
+          </a:extLst>
+        </p:spPr>
+      </p:pic>
+      <p:pic>
+        <p:nvPicPr>
+          <p:cNvPr id="17" name="Picture 6" descr="Google Play Console - Aplicaciones en Google Play">
+            <a:extLst>
+              <a:ext uri="{FF2B5EF4-FFF2-40B4-BE49-F238E27FC236}">
+                <a16:creationId xmlns:a16="http://schemas.microsoft.com/office/drawing/2014/main" id="{E201F8C4-248B-12AE-07DB-0C1A495E6A53}"/>
+              </a:ext>
+            </a:extLst>
+          </p:cNvPr>
+          <p:cNvPicPr>
+            <a:picLocks noChangeAspect="1" noChangeArrowheads="1"/>
+          </p:cNvPicPr>
+          <p:nvPr/>
+        </p:nvPicPr>
+        <p:blipFill>
+          <a:blip r:embed="rId28">
+            <a:extLst>
+              <a:ext uri="{28A0092B-C50C-407E-A947-70E740481C1C}">
+                <a14:useLocalDpi xmlns:a14="http://schemas.microsoft.com/office/drawing/2010/main" val="0"/>
+              </a:ext>
+            </a:extLst>
+          </a:blip>
+          <a:srcRect/>
+          <a:stretch>
+            <a:fillRect/>
+          </a:stretch>
+        </p:blipFill>
+        <p:spPr bwMode="auto">
+          <a:xfrm>
+            <a:off x="541799" y="5465138"/>
+            <a:ext cx="217118" cy="217118"/>
+          </a:xfrm>
+          <a:prstGeom prst="rect">
+            <a:avLst/>
+          </a:prstGeom>
+          <a:noFill/>
+          <a:extLst>
+            <a:ext uri="{909E8E84-426E-40DD-AFC4-6F175D3DCCD1}">
+              <a14:hiddenFill xmlns:a14="http://schemas.microsoft.com/office/drawing/2010/main">
+                <a:solidFill>
+                  <a:srgbClr val="FFFFFF"/>
+                </a:solidFill>
+              </a14:hiddenFill>
+            </a:ext>
+          </a:extLst>
+        </p:spPr>
+      </p:pic>
+      <p:sp>
+        <p:nvSpPr>
+          <p:cNvPr id="19" name="CuadroTexto 18">
+            <a:extLst>
+              <a:ext uri="{FF2B5EF4-FFF2-40B4-BE49-F238E27FC236}">
+                <a16:creationId xmlns:a16="http://schemas.microsoft.com/office/drawing/2014/main" id="{8C684250-5AA4-78FB-F8B3-13974398AB24}"/>
+              </a:ext>
+            </a:extLst>
+          </p:cNvPr>
+          <p:cNvSpPr txBox="1"/>
+          <p:nvPr/>
+        </p:nvSpPr>
+        <p:spPr>
+          <a:xfrm>
+            <a:off x="9626313" y="3068681"/>
+            <a:ext cx="976150" cy="523220"/>
+          </a:xfrm>
+          <a:prstGeom prst="rect">
+            <a:avLst/>
+          </a:prstGeom>
+          <a:noFill/>
+        </p:spPr>
+        <p:txBody>
+          <a:bodyPr wrap="square" rtlCol="0">
+            <a:spAutoFit/>
+          </a:bodyPr>
+          <a:lstStyle/>
+          <a:p>
+            <a:r>
+              <a:rPr lang="es-ES" sz="1000" b="1" dirty="0">
+                <a:solidFill>
+                  <a:schemeClr val="bg1"/>
+                </a:solidFill>
+              </a:rPr>
+              <a:t>Jira Software &amp; Service Desk</a:t>
+            </a:r>
+          </a:p>
+          <a:p>
+            <a:r>
+              <a:rPr lang="es-ES" sz="800" dirty="0">
+                <a:solidFill>
+                  <a:srgbClr val="CC99FF"/>
+                </a:solidFill>
+                <a:hlinkClick r:id="rId29">
+                  <a:extLst>
+                    <a:ext uri="{A12FA001-AC4F-418D-AE19-62706E023703}">
+                      <ahyp:hlinkClr xmlns:ahyp="http://schemas.microsoft.com/office/drawing/2018/hyperlinkcolor" val="tx"/>
+                    </a:ext>
+                  </a:extLst>
+                </a:hlinkClick>
+              </a:rPr>
+              <a:t>Click see more</a:t>
+            </a:r>
+            <a:endParaRPr lang="es-ES" sz="800" dirty="0">
+              <a:solidFill>
+                <a:srgbClr val="CC99FF"/>
+              </a:solidFill>
+            </a:endParaRPr>
+          </a:p>
+        </p:txBody>
+      </p:sp>
+      <p:pic>
+        <p:nvPicPr>
+          <p:cNvPr id="24" name="Picture 8" descr="CashDro | Cash management, guaranteed cash square">
+            <a:extLst>
+              <a:ext uri="{FF2B5EF4-FFF2-40B4-BE49-F238E27FC236}">
+                <a16:creationId xmlns:a16="http://schemas.microsoft.com/office/drawing/2014/main" id="{73B4F3CD-D8C4-53F2-355D-559339081F86}"/>
+              </a:ext>
+            </a:extLst>
+          </p:cNvPr>
+          <p:cNvPicPr>
+            <a:picLocks noChangeAspect="1" noChangeArrowheads="1"/>
+          </p:cNvPicPr>
+          <p:nvPr/>
+        </p:nvPicPr>
+        <p:blipFill>
+          <a:blip r:embed="rId30">
+            <a:extLst>
+              <a:ext uri="{28A0092B-C50C-407E-A947-70E740481C1C}">
+                <a14:useLocalDpi xmlns:a14="http://schemas.microsoft.com/office/drawing/2010/main" val="0"/>
+              </a:ext>
+            </a:extLst>
+          </a:blip>
+          <a:srcRect/>
+          <a:stretch>
+            <a:fillRect/>
+          </a:stretch>
+        </p:blipFill>
+        <p:spPr bwMode="auto">
+          <a:xfrm>
+            <a:off x="9706734" y="881907"/>
+            <a:ext cx="360171" cy="360171"/>
+          </a:xfrm>
+          <a:prstGeom prst="rect">
+            <a:avLst/>
+          </a:prstGeom>
+          <a:noFill/>
+          <a:extLst>
+            <a:ext uri="{909E8E84-426E-40DD-AFC4-6F175D3DCCD1}">
+              <a14:hiddenFill xmlns:a14="http://schemas.microsoft.com/office/drawing/2010/main">
+                <a:solidFill>
+                  <a:srgbClr val="FFFFFF"/>
+                </a:solidFill>
+              </a14:hiddenFill>
+            </a:ext>
+          </a:extLst>
+        </p:spPr>
+      </p:pic>
+      <p:pic>
+        <p:nvPicPr>
+          <p:cNvPr id="28" name="Imagen 27" descr="Imagen que contiene Texto&#10;&#10;Descripción generada automáticamente">
+            <a:extLst>
+              <a:ext uri="{FF2B5EF4-FFF2-40B4-BE49-F238E27FC236}">
+                <a16:creationId xmlns:a16="http://schemas.microsoft.com/office/drawing/2014/main" id="{6E53C65B-AEFE-EE39-32E0-D852C8087C82}"/>
+              </a:ext>
+            </a:extLst>
+          </p:cNvPr>
+          <p:cNvPicPr>
+            <a:picLocks noChangeAspect="1"/>
+          </p:cNvPicPr>
+          <p:nvPr/>
+        </p:nvPicPr>
+        <p:blipFill>
+          <a:blip r:embed="rId31">
+            <a:extLst>
+              <a:ext uri="{28A0092B-C50C-407E-A947-70E740481C1C}">
+                <a14:useLocalDpi xmlns:a14="http://schemas.microsoft.com/office/drawing/2010/main" val="0"/>
+              </a:ext>
+            </a:extLst>
+          </a:blip>
+          <a:stretch>
+            <a:fillRect/>
+          </a:stretch>
+        </p:blipFill>
+        <p:spPr>
+          <a:xfrm>
+            <a:off x="7417354" y="4566566"/>
+            <a:ext cx="474480" cy="142076"/>
+          </a:xfrm>
+          <a:prstGeom prst="rect">
+            <a:avLst/>
+          </a:prstGeom>
+        </p:spPr>
+      </p:pic>
+      <p:sp>
+        <p:nvSpPr>
+          <p:cNvPr id="38" name="CuadroTexto 37">
+            <a:extLst>
+              <a:ext uri="{FF2B5EF4-FFF2-40B4-BE49-F238E27FC236}">
+                <a16:creationId xmlns:a16="http://schemas.microsoft.com/office/drawing/2014/main" id="{FB777DE5-6E1F-198B-CDC6-626D55D26534}"/>
+              </a:ext>
+            </a:extLst>
+          </p:cNvPr>
+          <p:cNvSpPr txBox="1"/>
+          <p:nvPr/>
+        </p:nvSpPr>
+        <p:spPr>
+          <a:xfrm>
+            <a:off x="10189282" y="826511"/>
+            <a:ext cx="585191" cy="200055"/>
+          </a:xfrm>
+          <a:prstGeom prst="rect">
+            <a:avLst/>
+          </a:prstGeom>
+          <a:noFill/>
+        </p:spPr>
+        <p:txBody>
+          <a:bodyPr wrap="square" rtlCol="0">
+            <a:spAutoFit/>
+          </a:bodyPr>
+          <a:lstStyle/>
+          <a:p>
+            <a:r>
+              <a:rPr lang="es-ES" sz="700" b="1" dirty="0">
+                <a:solidFill>
+                  <a:schemeClr val="accent6">
+                    <a:lumMod val="60000"/>
+                    <a:lumOff val="40000"/>
+                  </a:schemeClr>
+                </a:solidFill>
+              </a:rPr>
+              <a:t>WORKING</a:t>
+            </a:r>
+          </a:p>
+        </p:txBody>
+      </p:sp>
+      <p:sp>
+        <p:nvSpPr>
+          <p:cNvPr id="39" name="CuadroTexto 38">
+            <a:extLst>
+              <a:ext uri="{FF2B5EF4-FFF2-40B4-BE49-F238E27FC236}">
+                <a16:creationId xmlns:a16="http://schemas.microsoft.com/office/drawing/2014/main" id="{B6091CB8-B940-74A2-CA0C-A81EF8EEF2B7}"/>
+              </a:ext>
+            </a:extLst>
+          </p:cNvPr>
+          <p:cNvSpPr txBox="1"/>
+          <p:nvPr/>
+        </p:nvSpPr>
+        <p:spPr>
+          <a:xfrm>
+            <a:off x="10168808" y="2771191"/>
+            <a:ext cx="585191" cy="200055"/>
+          </a:xfrm>
+          <a:prstGeom prst="rect">
+            <a:avLst/>
+          </a:prstGeom>
+          <a:noFill/>
+        </p:spPr>
+        <p:txBody>
+          <a:bodyPr wrap="square" rtlCol="0">
+            <a:spAutoFit/>
+          </a:bodyPr>
+          <a:lstStyle/>
+          <a:p>
+            <a:r>
+              <a:rPr lang="es-ES" sz="700" b="1" dirty="0">
+                <a:solidFill>
+                  <a:schemeClr val="accent6">
+                    <a:lumMod val="60000"/>
+                    <a:lumOff val="40000"/>
+                  </a:schemeClr>
+                </a:solidFill>
+              </a:rPr>
+              <a:t>WORKING</a:t>
+            </a:r>
+          </a:p>
+        </p:txBody>
+      </p:sp>
+      <p:sp>
+        <p:nvSpPr>
+          <p:cNvPr id="40" name="CuadroTexto 39">
+            <a:extLst>
+              <a:ext uri="{FF2B5EF4-FFF2-40B4-BE49-F238E27FC236}">
+                <a16:creationId xmlns:a16="http://schemas.microsoft.com/office/drawing/2014/main" id="{0A11A2E3-2397-9F37-B82B-C12B93CC3E63}"/>
+              </a:ext>
+            </a:extLst>
+          </p:cNvPr>
+          <p:cNvSpPr txBox="1"/>
+          <p:nvPr/>
+        </p:nvSpPr>
+        <p:spPr>
+          <a:xfrm>
+            <a:off x="1290700" y="797773"/>
+            <a:ext cx="583710" cy="201074"/>
+          </a:xfrm>
+          <a:prstGeom prst="rect">
+            <a:avLst/>
+          </a:prstGeom>
+          <a:noFill/>
+        </p:spPr>
+        <p:txBody>
+          <a:bodyPr wrap="square" rtlCol="0">
+            <a:spAutoFit/>
+          </a:bodyPr>
+          <a:lstStyle/>
+          <a:p>
+            <a:r>
+              <a:rPr lang="es-ES" sz="700" b="1" dirty="0">
+                <a:solidFill>
+                  <a:schemeClr val="accent6">
+                    <a:lumMod val="60000"/>
+                    <a:lumOff val="40000"/>
+                  </a:schemeClr>
+                </a:solidFill>
+              </a:rPr>
+              <a:t>WORKING</a:t>
+            </a:r>
+          </a:p>
+        </p:txBody>
+      </p:sp>
+      <p:sp>
+        <p:nvSpPr>
+          <p:cNvPr id="41" name="CuadroTexto 40">
+            <a:extLst>
+              <a:ext uri="{FF2B5EF4-FFF2-40B4-BE49-F238E27FC236}">
+                <a16:creationId xmlns:a16="http://schemas.microsoft.com/office/drawing/2014/main" id="{53DA9C23-EB13-A5E5-95A9-208027331D59}"/>
+              </a:ext>
+            </a:extLst>
+          </p:cNvPr>
+          <p:cNvSpPr txBox="1"/>
+          <p:nvPr/>
+        </p:nvSpPr>
+        <p:spPr>
+          <a:xfrm>
+            <a:off x="5543943" y="798792"/>
+            <a:ext cx="585191" cy="200055"/>
+          </a:xfrm>
+          <a:prstGeom prst="rect">
+            <a:avLst/>
+          </a:prstGeom>
+          <a:noFill/>
+        </p:spPr>
+        <p:txBody>
+          <a:bodyPr wrap="square" rtlCol="0">
+            <a:spAutoFit/>
+          </a:bodyPr>
+          <a:lstStyle/>
+          <a:p>
+            <a:r>
+              <a:rPr lang="es-ES" sz="700" b="1" dirty="0">
+                <a:solidFill>
+                  <a:schemeClr val="accent6">
+                    <a:lumMod val="60000"/>
+                    <a:lumOff val="40000"/>
+                  </a:schemeClr>
+                </a:solidFill>
+              </a:rPr>
+              <a:t>WORKING</a:t>
+            </a:r>
+          </a:p>
+        </p:txBody>
+      </p:sp>
+      <p:sp>
+        <p:nvSpPr>
+          <p:cNvPr id="42" name="CuadroTexto 41">
+            <a:extLst>
+              <a:ext uri="{FF2B5EF4-FFF2-40B4-BE49-F238E27FC236}">
+                <a16:creationId xmlns:a16="http://schemas.microsoft.com/office/drawing/2014/main" id="{657573AD-947C-7113-14AD-0C3C822D2221}"/>
+              </a:ext>
+            </a:extLst>
+          </p:cNvPr>
+          <p:cNvSpPr txBox="1"/>
+          <p:nvPr/>
+        </p:nvSpPr>
+        <p:spPr>
+          <a:xfrm>
+            <a:off x="7874582" y="2592946"/>
+            <a:ext cx="585191" cy="200055"/>
+          </a:xfrm>
+          <a:prstGeom prst="rect">
+            <a:avLst/>
+          </a:prstGeom>
+          <a:noFill/>
+        </p:spPr>
+        <p:txBody>
+          <a:bodyPr wrap="square" rtlCol="0">
+            <a:spAutoFit/>
+          </a:bodyPr>
+          <a:lstStyle/>
+          <a:p>
+            <a:r>
+              <a:rPr lang="es-ES" sz="700" b="1" dirty="0">
+                <a:solidFill>
+                  <a:schemeClr val="accent6">
+                    <a:lumMod val="60000"/>
+                    <a:lumOff val="40000"/>
+                  </a:schemeClr>
+                </a:solidFill>
+              </a:rPr>
+              <a:t>WORKING</a:t>
+            </a:r>
+          </a:p>
+        </p:txBody>
+      </p:sp>
+      <p:sp>
+        <p:nvSpPr>
+          <p:cNvPr id="43" name="CuadroTexto 42">
+            <a:extLst>
+              <a:ext uri="{FF2B5EF4-FFF2-40B4-BE49-F238E27FC236}">
+                <a16:creationId xmlns:a16="http://schemas.microsoft.com/office/drawing/2014/main" id="{6AD3E086-0428-2FBD-4B35-02C1BDF5344D}"/>
+              </a:ext>
+            </a:extLst>
+          </p:cNvPr>
+          <p:cNvSpPr txBox="1"/>
+          <p:nvPr/>
+        </p:nvSpPr>
+        <p:spPr>
+          <a:xfrm>
+            <a:off x="1290700" y="1750644"/>
+            <a:ext cx="585191" cy="200055"/>
+          </a:xfrm>
+          <a:prstGeom prst="rect">
+            <a:avLst/>
+          </a:prstGeom>
+          <a:noFill/>
+        </p:spPr>
+        <p:txBody>
+          <a:bodyPr wrap="square" rtlCol="0">
+            <a:spAutoFit/>
+          </a:bodyPr>
+          <a:lstStyle/>
+          <a:p>
+            <a:r>
+              <a:rPr lang="es-ES" sz="700" b="1" dirty="0">
+                <a:solidFill>
+                  <a:schemeClr val="accent6">
+                    <a:lumMod val="60000"/>
+                    <a:lumOff val="40000"/>
+                  </a:schemeClr>
+                </a:solidFill>
+              </a:rPr>
+              <a:t>WORKING</a:t>
+            </a:r>
+          </a:p>
+        </p:txBody>
+      </p:sp>
+      <p:sp>
+        <p:nvSpPr>
+          <p:cNvPr id="44" name="CuadroTexto 43">
+            <a:extLst>
+              <a:ext uri="{FF2B5EF4-FFF2-40B4-BE49-F238E27FC236}">
+                <a16:creationId xmlns:a16="http://schemas.microsoft.com/office/drawing/2014/main" id="{5705326C-F939-A307-D3D1-8F64EB971BF1}"/>
+              </a:ext>
+            </a:extLst>
+          </p:cNvPr>
+          <p:cNvSpPr txBox="1"/>
+          <p:nvPr/>
+        </p:nvSpPr>
+        <p:spPr>
+          <a:xfrm>
+            <a:off x="7868687" y="792532"/>
+            <a:ext cx="585191" cy="200055"/>
+          </a:xfrm>
+          <a:prstGeom prst="rect">
+            <a:avLst/>
+          </a:prstGeom>
+          <a:noFill/>
+        </p:spPr>
+        <p:txBody>
+          <a:bodyPr wrap="square" rtlCol="0">
+            <a:spAutoFit/>
+          </a:bodyPr>
+          <a:lstStyle/>
+          <a:p>
+            <a:r>
+              <a:rPr lang="es-ES" sz="700" b="1" dirty="0">
+                <a:solidFill>
+                  <a:schemeClr val="accent6">
+                    <a:lumMod val="60000"/>
+                    <a:lumOff val="40000"/>
+                  </a:schemeClr>
+                </a:solidFill>
+              </a:rPr>
+              <a:t>WORKING</a:t>
+            </a:r>
+          </a:p>
+        </p:txBody>
+      </p:sp>
+      <p:sp>
+        <p:nvSpPr>
+          <p:cNvPr id="45" name="CuadroTexto 44">
+            <a:extLst>
+              <a:ext uri="{FF2B5EF4-FFF2-40B4-BE49-F238E27FC236}">
+                <a16:creationId xmlns:a16="http://schemas.microsoft.com/office/drawing/2014/main" id="{56FB76FA-59B1-3200-7573-C4566646930F}"/>
+              </a:ext>
+            </a:extLst>
+          </p:cNvPr>
+          <p:cNvSpPr txBox="1"/>
+          <p:nvPr/>
+        </p:nvSpPr>
+        <p:spPr>
+          <a:xfrm>
+            <a:off x="3405463" y="796658"/>
+            <a:ext cx="585191" cy="200055"/>
+          </a:xfrm>
+          <a:prstGeom prst="rect">
+            <a:avLst/>
+          </a:prstGeom>
+          <a:noFill/>
+        </p:spPr>
+        <p:txBody>
+          <a:bodyPr wrap="square" rtlCol="0">
+            <a:spAutoFit/>
+          </a:bodyPr>
+          <a:lstStyle/>
+          <a:p>
+            <a:r>
+              <a:rPr lang="es-ES" sz="700" b="1" dirty="0">
+                <a:solidFill>
+                  <a:schemeClr val="accent6">
+                    <a:lumMod val="60000"/>
+                    <a:lumOff val="40000"/>
+                  </a:schemeClr>
+                </a:solidFill>
+              </a:rPr>
+              <a:t>WORKING</a:t>
+            </a:r>
+          </a:p>
+        </p:txBody>
+      </p:sp>
+      <p:sp>
+        <p:nvSpPr>
+          <p:cNvPr id="46" name="CuadroTexto 45">
+            <a:extLst>
+              <a:ext uri="{FF2B5EF4-FFF2-40B4-BE49-F238E27FC236}">
+                <a16:creationId xmlns:a16="http://schemas.microsoft.com/office/drawing/2014/main" id="{78639AD3-3EBE-E2DE-86EF-56F828441810}"/>
+              </a:ext>
+            </a:extLst>
+          </p:cNvPr>
+          <p:cNvSpPr txBox="1"/>
+          <p:nvPr/>
+        </p:nvSpPr>
+        <p:spPr>
+          <a:xfrm>
+            <a:off x="7873861" y="1710095"/>
+            <a:ext cx="585191" cy="200055"/>
+          </a:xfrm>
+          <a:prstGeom prst="rect">
+            <a:avLst/>
+          </a:prstGeom>
+          <a:noFill/>
+        </p:spPr>
+        <p:txBody>
+          <a:bodyPr wrap="square" rtlCol="0">
+            <a:spAutoFit/>
+          </a:bodyPr>
+          <a:lstStyle/>
+          <a:p>
+            <a:r>
+              <a:rPr lang="es-ES" sz="700" b="1" dirty="0">
+                <a:solidFill>
+                  <a:schemeClr val="accent6">
+                    <a:lumMod val="60000"/>
+                    <a:lumOff val="40000"/>
+                  </a:schemeClr>
+                </a:solidFill>
+              </a:rPr>
+              <a:t>WORKING</a:t>
+            </a:r>
+          </a:p>
+        </p:txBody>
+      </p:sp>
+      <p:sp>
+        <p:nvSpPr>
+          <p:cNvPr id="48" name="CuadroTexto 47">
+            <a:extLst>
+              <a:ext uri="{FF2B5EF4-FFF2-40B4-BE49-F238E27FC236}">
+                <a16:creationId xmlns:a16="http://schemas.microsoft.com/office/drawing/2014/main" id="{396C9A15-A380-99B4-A0C8-525310B480D9}"/>
+              </a:ext>
+            </a:extLst>
+          </p:cNvPr>
+          <p:cNvSpPr txBox="1"/>
+          <p:nvPr/>
+        </p:nvSpPr>
+        <p:spPr>
+          <a:xfrm>
+            <a:off x="1287788" y="2666513"/>
+            <a:ext cx="585191" cy="200055"/>
+          </a:xfrm>
+          <a:prstGeom prst="rect">
+            <a:avLst/>
+          </a:prstGeom>
+          <a:noFill/>
+        </p:spPr>
+        <p:txBody>
+          <a:bodyPr wrap="square" rtlCol="0">
+            <a:spAutoFit/>
+          </a:bodyPr>
+          <a:lstStyle/>
+          <a:p>
+            <a:r>
+              <a:rPr lang="es-ES" sz="700" b="1" dirty="0">
+                <a:solidFill>
+                  <a:schemeClr val="accent6">
+                    <a:lumMod val="60000"/>
+                    <a:lumOff val="40000"/>
+                  </a:schemeClr>
+                </a:solidFill>
+              </a:rPr>
+              <a:t>WORKING</a:t>
+            </a:r>
+          </a:p>
+        </p:txBody>
+      </p:sp>
+      <p:sp>
+        <p:nvSpPr>
+          <p:cNvPr id="49" name="CuadroTexto 48">
+            <a:extLst>
+              <a:ext uri="{FF2B5EF4-FFF2-40B4-BE49-F238E27FC236}">
+                <a16:creationId xmlns:a16="http://schemas.microsoft.com/office/drawing/2014/main" id="{E380C958-E091-5171-EFA4-7F613D6FD125}"/>
+              </a:ext>
+            </a:extLst>
+          </p:cNvPr>
+          <p:cNvSpPr txBox="1"/>
+          <p:nvPr/>
+        </p:nvSpPr>
+        <p:spPr>
+          <a:xfrm>
+            <a:off x="1299616" y="3578662"/>
+            <a:ext cx="585191" cy="200055"/>
+          </a:xfrm>
+          <a:prstGeom prst="rect">
+            <a:avLst/>
+          </a:prstGeom>
+          <a:noFill/>
+        </p:spPr>
+        <p:txBody>
+          <a:bodyPr wrap="square" rtlCol="0">
+            <a:spAutoFit/>
+          </a:bodyPr>
+          <a:lstStyle/>
+          <a:p>
+            <a:r>
+              <a:rPr lang="es-ES" sz="700" b="1" dirty="0">
+                <a:solidFill>
+                  <a:schemeClr val="accent6">
+                    <a:lumMod val="60000"/>
+                    <a:lumOff val="40000"/>
+                  </a:schemeClr>
+                </a:solidFill>
+              </a:rPr>
+              <a:t>WORKING</a:t>
+            </a:r>
+          </a:p>
+        </p:txBody>
+      </p:sp>
+      <p:sp>
+        <p:nvSpPr>
+          <p:cNvPr id="50" name="CuadroTexto 49">
+            <a:extLst>
+              <a:ext uri="{FF2B5EF4-FFF2-40B4-BE49-F238E27FC236}">
+                <a16:creationId xmlns:a16="http://schemas.microsoft.com/office/drawing/2014/main" id="{CE82B34B-4C6B-1E87-543C-F6B8C660E074}"/>
+              </a:ext>
+            </a:extLst>
+          </p:cNvPr>
+          <p:cNvSpPr txBox="1"/>
+          <p:nvPr/>
+        </p:nvSpPr>
+        <p:spPr>
+          <a:xfrm>
+            <a:off x="7868968" y="3516841"/>
+            <a:ext cx="585191" cy="200055"/>
+          </a:xfrm>
+          <a:prstGeom prst="rect">
+            <a:avLst/>
+          </a:prstGeom>
+          <a:noFill/>
+        </p:spPr>
+        <p:txBody>
+          <a:bodyPr wrap="square" rtlCol="0">
+            <a:spAutoFit/>
+          </a:bodyPr>
+          <a:lstStyle/>
+          <a:p>
+            <a:r>
+              <a:rPr lang="es-ES" sz="700" b="1" dirty="0">
+                <a:solidFill>
+                  <a:schemeClr val="accent6">
+                    <a:lumMod val="60000"/>
+                    <a:lumOff val="40000"/>
+                  </a:schemeClr>
+                </a:solidFill>
+              </a:rPr>
+              <a:t>WORKING</a:t>
+            </a:r>
+          </a:p>
+        </p:txBody>
+      </p:sp>
+      <p:sp>
+        <p:nvSpPr>
+          <p:cNvPr id="52" name="CuadroTexto 51">
+            <a:extLst>
+              <a:ext uri="{FF2B5EF4-FFF2-40B4-BE49-F238E27FC236}">
+                <a16:creationId xmlns:a16="http://schemas.microsoft.com/office/drawing/2014/main" id="{B7462E72-D597-5E32-A6C9-5EDBD9D912C3}"/>
+              </a:ext>
+            </a:extLst>
+          </p:cNvPr>
+          <p:cNvSpPr txBox="1"/>
+          <p:nvPr/>
+        </p:nvSpPr>
+        <p:spPr>
+          <a:xfrm>
+            <a:off x="1297130" y="5423541"/>
+            <a:ext cx="585191" cy="200055"/>
+          </a:xfrm>
+          <a:prstGeom prst="rect">
+            <a:avLst/>
+          </a:prstGeom>
+          <a:noFill/>
+        </p:spPr>
+        <p:txBody>
+          <a:bodyPr wrap="square" rtlCol="0">
+            <a:spAutoFit/>
+          </a:bodyPr>
+          <a:lstStyle/>
+          <a:p>
+            <a:r>
+              <a:rPr lang="es-ES" sz="700" b="1" dirty="0">
+                <a:solidFill>
+                  <a:schemeClr val="accent6">
+                    <a:lumMod val="60000"/>
+                    <a:lumOff val="40000"/>
+                  </a:schemeClr>
+                </a:solidFill>
+              </a:rPr>
+              <a:t>WORKING</a:t>
+            </a:r>
+          </a:p>
+        </p:txBody>
+      </p:sp>
+      <p:sp>
+        <p:nvSpPr>
+          <p:cNvPr id="1070" name="CuadroTexto 1069">
+            <a:extLst>
+              <a:ext uri="{FF2B5EF4-FFF2-40B4-BE49-F238E27FC236}">
+                <a16:creationId xmlns:a16="http://schemas.microsoft.com/office/drawing/2014/main" id="{D8879949-E1CB-A098-F895-673B4B95A980}"/>
+              </a:ext>
+            </a:extLst>
+          </p:cNvPr>
+          <p:cNvSpPr txBox="1"/>
+          <p:nvPr/>
+        </p:nvSpPr>
+        <p:spPr>
+          <a:xfrm>
+            <a:off x="1312401" y="4499543"/>
+            <a:ext cx="585191" cy="200055"/>
+          </a:xfrm>
+          <a:prstGeom prst="rect">
+            <a:avLst/>
+          </a:prstGeom>
+          <a:noFill/>
+        </p:spPr>
+        <p:txBody>
+          <a:bodyPr wrap="square" rtlCol="0">
+            <a:spAutoFit/>
+          </a:bodyPr>
+          <a:lstStyle/>
+          <a:p>
+            <a:r>
+              <a:rPr lang="es-ES" sz="700" b="1" dirty="0">
+                <a:solidFill>
+                  <a:schemeClr val="accent6">
+                    <a:lumMod val="60000"/>
+                    <a:lumOff val="40000"/>
+                  </a:schemeClr>
+                </a:solidFill>
+              </a:rPr>
+              <a:t>WORKING</a:t>
+            </a:r>
+          </a:p>
+        </p:txBody>
+      </p:sp>
+      <p:sp>
+        <p:nvSpPr>
+          <p:cNvPr id="1071" name="CuadroTexto 1070">
+            <a:extLst>
+              <a:ext uri="{FF2B5EF4-FFF2-40B4-BE49-F238E27FC236}">
+                <a16:creationId xmlns:a16="http://schemas.microsoft.com/office/drawing/2014/main" id="{B8255A14-479B-B8B8-571A-2290C6E8FF38}"/>
+              </a:ext>
+            </a:extLst>
+          </p:cNvPr>
+          <p:cNvSpPr txBox="1"/>
+          <p:nvPr/>
+        </p:nvSpPr>
+        <p:spPr>
+          <a:xfrm>
+            <a:off x="7991818" y="4429472"/>
+            <a:ext cx="467234" cy="307777"/>
+          </a:xfrm>
+          <a:prstGeom prst="rect">
+            <a:avLst/>
+          </a:prstGeom>
+          <a:noFill/>
+        </p:spPr>
+        <p:txBody>
+          <a:bodyPr wrap="square" rtlCol="0">
+            <a:spAutoFit/>
+          </a:bodyPr>
+          <a:lstStyle/>
+          <a:p>
+            <a:r>
+              <a:rPr lang="es-ES" sz="700" b="1" dirty="0">
+                <a:solidFill>
+                  <a:srgbClr val="FF9B9B"/>
+                </a:solidFill>
+              </a:rPr>
+              <a:t>NOT DONE</a:t>
+            </a:r>
+          </a:p>
+        </p:txBody>
+      </p:sp>
+      <p:sp>
+        <p:nvSpPr>
+          <p:cNvPr id="1072" name="CuadroTexto 1071">
+            <a:extLst>
+              <a:ext uri="{FF2B5EF4-FFF2-40B4-BE49-F238E27FC236}">
+                <a16:creationId xmlns:a16="http://schemas.microsoft.com/office/drawing/2014/main" id="{AFCF3371-F422-00B6-3808-8A82C193E2B2}"/>
+              </a:ext>
+            </a:extLst>
+          </p:cNvPr>
+          <p:cNvSpPr txBox="1"/>
+          <p:nvPr/>
+        </p:nvSpPr>
+        <p:spPr>
+          <a:xfrm>
+            <a:off x="1740816" y="271692"/>
+            <a:ext cx="7227565" cy="369332"/>
+          </a:xfrm>
+          <a:prstGeom prst="rect">
+            <a:avLst/>
+          </a:prstGeom>
+          <a:noFill/>
+        </p:spPr>
+        <p:txBody>
+          <a:bodyPr wrap="square" rtlCol="0">
+            <a:spAutoFit/>
+          </a:bodyPr>
+          <a:lstStyle/>
+          <a:p>
+            <a:r>
+              <a:rPr lang="es-ES" b="1" dirty="0">
+                <a:solidFill>
+                  <a:schemeClr val="bg1"/>
+                </a:solidFill>
+              </a:rPr>
+              <a:t>Software Architecture</a:t>
+            </a:r>
+          </a:p>
+        </p:txBody>
+      </p:sp>
+      <p:cxnSp>
+        <p:nvCxnSpPr>
+          <p:cNvPr id="1073" name="Conector recto de flecha 1072">
+            <a:extLst>
+              <a:ext uri="{FF2B5EF4-FFF2-40B4-BE49-F238E27FC236}">
+                <a16:creationId xmlns:a16="http://schemas.microsoft.com/office/drawing/2014/main" id="{4960AD40-9EC1-5C4B-A223-50A43C8A0F66}"/>
+              </a:ext>
+            </a:extLst>
+          </p:cNvPr>
+          <p:cNvCxnSpPr>
+            <a:cxnSpLocks/>
+          </p:cNvCxnSpPr>
+          <p:nvPr/>
+        </p:nvCxnSpPr>
+        <p:spPr>
+          <a:xfrm>
+            <a:off x="8694419" y="4023510"/>
+            <a:ext cx="669313" cy="0"/>
+          </a:xfrm>
+          <a:prstGeom prst="straightConnector1">
+            <a:avLst/>
+          </a:prstGeom>
+          <a:ln w="19050">
+            <a:solidFill>
+              <a:schemeClr val="tx1">
+                <a:lumMod val="75000"/>
+                <a:lumOff val="25000"/>
+              </a:schemeClr>
+            </a:solidFill>
+            <a:tailEnd type="triangle"/>
+          </a:ln>
+        </p:spPr>
+        <p:style>
+          <a:lnRef idx="1">
+            <a:schemeClr val="accent1"/>
+          </a:lnRef>
+          <a:fillRef idx="0">
+            <a:schemeClr val="accent1"/>
+          </a:fillRef>
+          <a:effectRef idx="0">
+            <a:schemeClr val="accent1"/>
+          </a:effectRef>
+          <a:fontRef idx="minor">
+            <a:schemeClr val="tx1"/>
+          </a:fontRef>
+        </p:style>
+      </p:cxnSp>
+      <p:cxnSp>
+        <p:nvCxnSpPr>
+          <p:cNvPr id="1074" name="Conector recto de flecha 1073">
+            <a:extLst>
+              <a:ext uri="{FF2B5EF4-FFF2-40B4-BE49-F238E27FC236}">
+                <a16:creationId xmlns:a16="http://schemas.microsoft.com/office/drawing/2014/main" id="{88168A37-7C24-D44B-9DBE-CC15412271D6}"/>
+              </a:ext>
+            </a:extLst>
+          </p:cNvPr>
+          <p:cNvCxnSpPr>
+            <a:cxnSpLocks/>
+          </p:cNvCxnSpPr>
+          <p:nvPr/>
+        </p:nvCxnSpPr>
+        <p:spPr>
+          <a:xfrm flipH="1">
+            <a:off x="8582106" y="4134747"/>
+            <a:ext cx="640633" cy="0"/>
+          </a:xfrm>
+          <a:prstGeom prst="straightConnector1">
+            <a:avLst/>
+          </a:prstGeom>
+          <a:ln w="19050">
+            <a:solidFill>
+              <a:schemeClr val="tx1">
+                <a:lumMod val="75000"/>
+                <a:lumOff val="25000"/>
+              </a:schemeClr>
+            </a:solidFill>
+            <a:tailEnd type="triangle"/>
+          </a:ln>
+        </p:spPr>
+        <p:style>
+          <a:lnRef idx="1">
+            <a:schemeClr val="accent1"/>
+          </a:lnRef>
+          <a:fillRef idx="0">
+            <a:schemeClr val="accent1"/>
+          </a:fillRef>
+          <a:effectRef idx="0">
+            <a:schemeClr val="accent1"/>
+          </a:effectRef>
+          <a:fontRef idx="minor">
+            <a:schemeClr val="tx1"/>
+          </a:fontRef>
+        </p:style>
+      </p:cxnSp>
+      <p:sp>
+        <p:nvSpPr>
+          <p:cNvPr id="1075" name="CuadroTexto 1074">
+            <a:extLst>
+              <a:ext uri="{FF2B5EF4-FFF2-40B4-BE49-F238E27FC236}">
+                <a16:creationId xmlns:a16="http://schemas.microsoft.com/office/drawing/2014/main" id="{223F9CD4-2E51-B4EB-07CD-737B5BEB61B6}"/>
+              </a:ext>
+            </a:extLst>
+          </p:cNvPr>
+          <p:cNvSpPr txBox="1"/>
+          <p:nvPr/>
+        </p:nvSpPr>
+        <p:spPr>
+          <a:xfrm>
+            <a:off x="8527108" y="3591972"/>
+            <a:ext cx="979909" cy="369332"/>
+          </a:xfrm>
+          <a:prstGeom prst="rect">
+            <a:avLst/>
+          </a:prstGeom>
+          <a:noFill/>
+        </p:spPr>
+        <p:txBody>
+          <a:bodyPr wrap="square" rtlCol="0">
+            <a:spAutoFit/>
+          </a:bodyPr>
+          <a:lstStyle/>
+          <a:p>
+            <a:r>
+              <a:rPr lang="es-ES" sz="1000" b="1" dirty="0">
+                <a:solidFill>
+                  <a:schemeClr val="bg1"/>
+                </a:solidFill>
+              </a:rPr>
+              <a:t>API</a:t>
+            </a:r>
+          </a:p>
+          <a:p>
+            <a:r>
+              <a:rPr lang="es-ES" sz="800" dirty="0">
+                <a:solidFill>
+                  <a:srgbClr val="CC99FF"/>
+                </a:solidFill>
+              </a:rPr>
+              <a:t>Click see more</a:t>
+            </a:r>
+          </a:p>
+        </p:txBody>
+      </p:sp>
+      <p:cxnSp>
+        <p:nvCxnSpPr>
+          <p:cNvPr id="1076" name="Conector recto de flecha 1075">
+            <a:extLst>
+              <a:ext uri="{FF2B5EF4-FFF2-40B4-BE49-F238E27FC236}">
+                <a16:creationId xmlns:a16="http://schemas.microsoft.com/office/drawing/2014/main" id="{ED286F88-ADDF-92F8-652E-FCA2F9E921DC}"/>
+              </a:ext>
+            </a:extLst>
+          </p:cNvPr>
+          <p:cNvCxnSpPr>
+            <a:cxnSpLocks/>
+          </p:cNvCxnSpPr>
+          <p:nvPr/>
+        </p:nvCxnSpPr>
+        <p:spPr>
+          <a:xfrm>
+            <a:off x="8688799" y="3224539"/>
+            <a:ext cx="669313" cy="0"/>
+          </a:xfrm>
+          <a:prstGeom prst="straightConnector1">
+            <a:avLst/>
+          </a:prstGeom>
+          <a:ln w="19050">
+            <a:solidFill>
+              <a:schemeClr val="tx1">
+                <a:lumMod val="75000"/>
+                <a:lumOff val="25000"/>
+              </a:schemeClr>
+            </a:solidFill>
+            <a:tailEnd type="triangle"/>
+          </a:ln>
+        </p:spPr>
+        <p:style>
+          <a:lnRef idx="1">
+            <a:schemeClr val="accent1"/>
+          </a:lnRef>
+          <a:fillRef idx="0">
+            <a:schemeClr val="accent1"/>
+          </a:fillRef>
+          <a:effectRef idx="0">
+            <a:schemeClr val="accent1"/>
+          </a:effectRef>
+          <a:fontRef idx="minor">
+            <a:schemeClr val="tx1"/>
+          </a:fontRef>
+        </p:style>
+      </p:cxnSp>
+      <p:cxnSp>
+        <p:nvCxnSpPr>
+          <p:cNvPr id="1077" name="Conector recto de flecha 1076">
+            <a:extLst>
+              <a:ext uri="{FF2B5EF4-FFF2-40B4-BE49-F238E27FC236}">
+                <a16:creationId xmlns:a16="http://schemas.microsoft.com/office/drawing/2014/main" id="{D003491B-4DA1-C8B8-CCBD-5A96C143AAD0}"/>
+              </a:ext>
+            </a:extLst>
+          </p:cNvPr>
+          <p:cNvCxnSpPr>
+            <a:cxnSpLocks/>
+          </p:cNvCxnSpPr>
+          <p:nvPr/>
+        </p:nvCxnSpPr>
+        <p:spPr>
+          <a:xfrm flipH="1">
+            <a:off x="8576486" y="3335776"/>
+            <a:ext cx="640633" cy="0"/>
+          </a:xfrm>
+          <a:prstGeom prst="straightConnector1">
+            <a:avLst/>
+          </a:prstGeom>
+          <a:ln w="19050">
+            <a:solidFill>
+              <a:schemeClr val="tx1">
+                <a:lumMod val="75000"/>
+                <a:lumOff val="25000"/>
+              </a:schemeClr>
+            </a:solidFill>
+            <a:tailEnd type="triangle"/>
+          </a:ln>
+        </p:spPr>
+        <p:style>
+          <a:lnRef idx="1">
+            <a:schemeClr val="accent1"/>
+          </a:lnRef>
+          <a:fillRef idx="0">
+            <a:schemeClr val="accent1"/>
+          </a:fillRef>
+          <a:effectRef idx="0">
+            <a:schemeClr val="accent1"/>
+          </a:effectRef>
+          <a:fontRef idx="minor">
+            <a:schemeClr val="tx1"/>
+          </a:fontRef>
+        </p:style>
+      </p:cxnSp>
+      <p:sp>
+        <p:nvSpPr>
+          <p:cNvPr id="1078" name="CuadroTexto 1077">
+            <a:extLst>
+              <a:ext uri="{FF2B5EF4-FFF2-40B4-BE49-F238E27FC236}">
+                <a16:creationId xmlns:a16="http://schemas.microsoft.com/office/drawing/2014/main" id="{294D810A-5D46-3CA0-90FF-ADF236170979}"/>
+              </a:ext>
+            </a:extLst>
+          </p:cNvPr>
+          <p:cNvSpPr txBox="1"/>
+          <p:nvPr/>
+        </p:nvSpPr>
+        <p:spPr>
+          <a:xfrm>
+            <a:off x="8521488" y="2793001"/>
+            <a:ext cx="979909" cy="369332"/>
+          </a:xfrm>
+          <a:prstGeom prst="rect">
+            <a:avLst/>
+          </a:prstGeom>
+          <a:noFill/>
+        </p:spPr>
+        <p:txBody>
+          <a:bodyPr wrap="square" rtlCol="0">
+            <a:spAutoFit/>
+          </a:bodyPr>
+          <a:lstStyle/>
+          <a:p>
+            <a:r>
+              <a:rPr lang="es-ES" sz="1000" b="1" dirty="0">
+                <a:solidFill>
+                  <a:schemeClr val="bg1"/>
+                </a:solidFill>
+              </a:rPr>
+              <a:t>API</a:t>
+            </a:r>
+          </a:p>
+          <a:p>
+            <a:r>
+              <a:rPr lang="es-ES" sz="800" dirty="0">
+                <a:solidFill>
+                  <a:srgbClr val="CC99FF"/>
+                </a:solidFill>
+              </a:rPr>
+              <a:t>Click see more</a:t>
+            </a:r>
+          </a:p>
+        </p:txBody>
+      </p:sp>
+      <p:sp>
+        <p:nvSpPr>
+          <p:cNvPr id="1079" name="Rectángulo 1078">
+            <a:extLst>
+              <a:ext uri="{FF2B5EF4-FFF2-40B4-BE49-F238E27FC236}">
+                <a16:creationId xmlns:a16="http://schemas.microsoft.com/office/drawing/2014/main" id="{4C9033A6-1A19-5CF3-B367-6B84CEAF5D2D}"/>
+              </a:ext>
+            </a:extLst>
+          </p:cNvPr>
+          <p:cNvSpPr/>
+          <p:nvPr/>
+        </p:nvSpPr>
+        <p:spPr>
+          <a:xfrm>
+            <a:off x="9579965" y="5396270"/>
+            <a:ext cx="1135759" cy="838272"/>
+          </a:xfrm>
+          <a:prstGeom prst="rect">
+            <a:avLst/>
+          </a:prstGeom>
+          <a:solidFill>
+            <a:schemeClr val="tx1">
+              <a:lumMod val="75000"/>
+              <a:lumOff val="25000"/>
+            </a:schemeClr>
+          </a:solidFill>
+          <a:ln>
+            <a:noFill/>
+          </a:ln>
+        </p:spPr>
+        <p:style>
+          <a:lnRef idx="2">
+            <a:schemeClr val="accent1">
+              <a:shade val="15000"/>
+            </a:schemeClr>
+          </a:lnRef>
+          <a:fillRef idx="1">
+            <a:schemeClr val="accent1"/>
+          </a:fillRef>
+          <a:effectRef idx="0">
+            <a:schemeClr val="accent1"/>
+          </a:effectRef>
+          <a:fontRef idx="minor">
+            <a:schemeClr val="lt1"/>
+          </a:fontRef>
+        </p:style>
+        <p:txBody>
+          <a:bodyPr rtlCol="0" anchor="ctr"/>
+          <a:lstStyle/>
+          <a:p>
+            <a:pPr algn="ctr"/>
+            <a:endParaRPr lang="es-ES"/>
+          </a:p>
+        </p:txBody>
+      </p:sp>
+      <p:sp>
+        <p:nvSpPr>
+          <p:cNvPr id="1080" name="CuadroTexto 1079">
+            <a:extLst>
+              <a:ext uri="{FF2B5EF4-FFF2-40B4-BE49-F238E27FC236}">
+                <a16:creationId xmlns:a16="http://schemas.microsoft.com/office/drawing/2014/main" id="{5B930093-1A0A-405C-29BC-7336061D90C8}"/>
+              </a:ext>
+            </a:extLst>
+          </p:cNvPr>
+          <p:cNvSpPr txBox="1"/>
+          <p:nvPr/>
+        </p:nvSpPr>
+        <p:spPr>
+          <a:xfrm>
+            <a:off x="9644944" y="5753100"/>
+            <a:ext cx="973102" cy="369332"/>
+          </a:xfrm>
+          <a:prstGeom prst="rect">
+            <a:avLst/>
+          </a:prstGeom>
+          <a:noFill/>
+        </p:spPr>
+        <p:txBody>
+          <a:bodyPr wrap="square" rtlCol="0">
+            <a:spAutoFit/>
+          </a:bodyPr>
+          <a:lstStyle/>
+          <a:p>
+            <a:r>
+              <a:rPr lang="es-ES" sz="1000" b="1" dirty="0">
+                <a:solidFill>
+                  <a:schemeClr val="bg1"/>
+                </a:solidFill>
+              </a:rPr>
+              <a:t>GitHub</a:t>
+            </a:r>
+          </a:p>
+          <a:p>
+            <a:r>
+              <a:rPr lang="es-ES" sz="800" dirty="0">
+                <a:solidFill>
+                  <a:srgbClr val="CC99FF"/>
+                </a:solidFill>
+                <a:hlinkClick r:id="rId32">
+                  <a:extLst>
+                    <a:ext uri="{A12FA001-AC4F-418D-AE19-62706E023703}">
+                      <ahyp:hlinkClr xmlns:ahyp="http://schemas.microsoft.com/office/drawing/2018/hyperlinkcolor" val="tx"/>
+                    </a:ext>
+                  </a:extLst>
+                </a:hlinkClick>
+              </a:rPr>
+              <a:t>Click see more</a:t>
+            </a:r>
+            <a:endParaRPr lang="es-ES" sz="800" dirty="0">
+              <a:solidFill>
+                <a:srgbClr val="CC99FF"/>
+              </a:solidFill>
+            </a:endParaRPr>
+          </a:p>
+        </p:txBody>
+      </p:sp>
+      <p:pic>
+        <p:nvPicPr>
+          <p:cNvPr id="1081" name="Picture 8" descr="Github Logo - Free social media icons">
+            <a:extLst>
+              <a:ext uri="{FF2B5EF4-FFF2-40B4-BE49-F238E27FC236}">
+                <a16:creationId xmlns:a16="http://schemas.microsoft.com/office/drawing/2014/main" id="{8AFB478F-780D-235F-B17B-E6C8BEB949BD}"/>
+              </a:ext>
+            </a:extLst>
+          </p:cNvPr>
+          <p:cNvPicPr>
+            <a:picLocks noChangeAspect="1" noChangeArrowheads="1"/>
+          </p:cNvPicPr>
+          <p:nvPr/>
+        </p:nvPicPr>
+        <p:blipFill>
+          <a:blip r:embed="rId33">
+            <a:extLst>
+              <a:ext uri="{28A0092B-C50C-407E-A947-70E740481C1C}">
+                <a14:useLocalDpi xmlns:a14="http://schemas.microsoft.com/office/drawing/2010/main" val="0"/>
+              </a:ext>
+            </a:extLst>
+          </a:blip>
+          <a:srcRect/>
+          <a:stretch>
+            <a:fillRect/>
+          </a:stretch>
+        </p:blipFill>
+        <p:spPr bwMode="auto">
+          <a:xfrm>
+            <a:off x="9706734" y="5506939"/>
+            <a:ext cx="192555" cy="192555"/>
+          </a:xfrm>
+          <a:prstGeom prst="rect">
+            <a:avLst/>
+          </a:prstGeom>
+          <a:noFill/>
+          <a:extLst>
+            <a:ext uri="{909E8E84-426E-40DD-AFC4-6F175D3DCCD1}">
+              <a14:hiddenFill xmlns:a14="http://schemas.microsoft.com/office/drawing/2010/main">
+                <a:solidFill>
+                  <a:srgbClr val="FFFFFF"/>
+                </a:solidFill>
+              </a14:hiddenFill>
+            </a:ext>
+          </a:extLst>
+        </p:spPr>
+      </p:pic>
+      <p:cxnSp>
+        <p:nvCxnSpPr>
+          <p:cNvPr id="1082" name="Conector recto de flecha 1081">
+            <a:extLst>
+              <a:ext uri="{FF2B5EF4-FFF2-40B4-BE49-F238E27FC236}">
+                <a16:creationId xmlns:a16="http://schemas.microsoft.com/office/drawing/2014/main" id="{7496F446-FAC2-798D-EF64-C6CC19D84BF7}"/>
+              </a:ext>
+            </a:extLst>
+          </p:cNvPr>
+          <p:cNvCxnSpPr>
+            <a:cxnSpLocks/>
+          </p:cNvCxnSpPr>
+          <p:nvPr/>
+        </p:nvCxnSpPr>
+        <p:spPr>
+          <a:xfrm rot="5400000">
+            <a:off x="9796839" y="4760247"/>
+            <a:ext cx="669313" cy="0"/>
+          </a:xfrm>
+          <a:prstGeom prst="straightConnector1">
+            <a:avLst/>
+          </a:prstGeom>
+          <a:ln w="19050">
+            <a:solidFill>
+              <a:schemeClr val="tx1">
+                <a:lumMod val="75000"/>
+                <a:lumOff val="25000"/>
+              </a:schemeClr>
+            </a:solidFill>
+            <a:tailEnd type="triangle"/>
+          </a:ln>
+        </p:spPr>
+        <p:style>
+          <a:lnRef idx="1">
+            <a:schemeClr val="accent1"/>
+          </a:lnRef>
+          <a:fillRef idx="0">
+            <a:schemeClr val="accent1"/>
+          </a:fillRef>
+          <a:effectRef idx="0">
+            <a:schemeClr val="accent1"/>
+          </a:effectRef>
+          <a:fontRef idx="minor">
+            <a:schemeClr val="tx1"/>
+          </a:fontRef>
+        </p:style>
+      </p:cxnSp>
+      <p:cxnSp>
+        <p:nvCxnSpPr>
+          <p:cNvPr id="1083" name="Conector recto de flecha 1082">
+            <a:extLst>
+              <a:ext uri="{FF2B5EF4-FFF2-40B4-BE49-F238E27FC236}">
+                <a16:creationId xmlns:a16="http://schemas.microsoft.com/office/drawing/2014/main" id="{F0DD4412-96DF-579F-319B-D2917DBA6AD7}"/>
+              </a:ext>
+            </a:extLst>
+          </p:cNvPr>
+          <p:cNvCxnSpPr>
+            <a:cxnSpLocks/>
+          </p:cNvCxnSpPr>
+          <p:nvPr/>
+        </p:nvCxnSpPr>
+        <p:spPr>
+          <a:xfrm rot="5400000" flipH="1">
+            <a:off x="9684526" y="4871484"/>
+            <a:ext cx="640633" cy="0"/>
+          </a:xfrm>
+          <a:prstGeom prst="straightConnector1">
+            <a:avLst/>
+          </a:prstGeom>
+          <a:ln w="19050">
+            <a:solidFill>
+              <a:schemeClr val="tx1">
+                <a:lumMod val="75000"/>
+                <a:lumOff val="25000"/>
+              </a:schemeClr>
+            </a:solidFill>
+            <a:tailEnd type="triangle"/>
+          </a:ln>
+        </p:spPr>
+        <p:style>
+          <a:lnRef idx="1">
+            <a:schemeClr val="accent1"/>
+          </a:lnRef>
+          <a:fillRef idx="0">
+            <a:schemeClr val="accent1"/>
+          </a:fillRef>
+          <a:effectRef idx="0">
+            <a:schemeClr val="accent1"/>
+          </a:effectRef>
+          <a:fontRef idx="minor">
+            <a:schemeClr val="tx1"/>
+          </a:fontRef>
+        </p:style>
+      </p:cxnSp>
+      <p:sp>
+        <p:nvSpPr>
+          <p:cNvPr id="1084" name="CuadroTexto 1083">
+            <a:extLst>
+              <a:ext uri="{FF2B5EF4-FFF2-40B4-BE49-F238E27FC236}">
+                <a16:creationId xmlns:a16="http://schemas.microsoft.com/office/drawing/2014/main" id="{975AF677-3719-E4A7-E3C2-2FD35C962C36}"/>
+              </a:ext>
+            </a:extLst>
+          </p:cNvPr>
+          <p:cNvSpPr txBox="1"/>
+          <p:nvPr/>
+        </p:nvSpPr>
+        <p:spPr>
+          <a:xfrm>
+            <a:off x="10221349" y="4542818"/>
+            <a:ext cx="979909" cy="369332"/>
+          </a:xfrm>
+          <a:prstGeom prst="rect">
+            <a:avLst/>
+          </a:prstGeom>
+          <a:noFill/>
+        </p:spPr>
+        <p:txBody>
+          <a:bodyPr wrap="square" rtlCol="0">
+            <a:spAutoFit/>
+          </a:bodyPr>
+          <a:lstStyle/>
+          <a:p>
+            <a:r>
+              <a:rPr lang="es-ES" sz="1000" b="1" dirty="0">
+                <a:solidFill>
+                  <a:schemeClr val="bg1"/>
+                </a:solidFill>
+              </a:rPr>
+              <a:t>API</a:t>
+            </a:r>
+          </a:p>
+          <a:p>
+            <a:r>
+              <a:rPr lang="es-ES" sz="800" dirty="0">
+                <a:solidFill>
+                  <a:srgbClr val="CC99FF"/>
+                </a:solidFill>
+              </a:rPr>
+              <a:t>Click see more</a:t>
+            </a:r>
+          </a:p>
+        </p:txBody>
+      </p:sp>
+      <p:sp>
+        <p:nvSpPr>
+          <p:cNvPr id="1087" name="CuadroTexto 1086">
+            <a:extLst>
+              <a:ext uri="{FF2B5EF4-FFF2-40B4-BE49-F238E27FC236}">
+                <a16:creationId xmlns:a16="http://schemas.microsoft.com/office/drawing/2014/main" id="{C06D1086-4650-90CD-920D-E78554FDDB90}"/>
+              </a:ext>
+            </a:extLst>
+          </p:cNvPr>
+          <p:cNvSpPr txBox="1"/>
+          <p:nvPr/>
+        </p:nvSpPr>
+        <p:spPr>
+          <a:xfrm>
+            <a:off x="10114388" y="5431522"/>
+            <a:ext cx="585191" cy="200055"/>
+          </a:xfrm>
+          <a:prstGeom prst="rect">
+            <a:avLst/>
+          </a:prstGeom>
+          <a:noFill/>
+        </p:spPr>
+        <p:txBody>
+          <a:bodyPr wrap="square" rtlCol="0">
+            <a:spAutoFit/>
+          </a:bodyPr>
+          <a:lstStyle/>
+          <a:p>
+            <a:r>
+              <a:rPr lang="es-ES" sz="700" b="1" dirty="0">
+                <a:solidFill>
+                  <a:schemeClr val="accent6">
+                    <a:lumMod val="60000"/>
+                    <a:lumOff val="40000"/>
+                  </a:schemeClr>
+                </a:solidFill>
+              </a:rPr>
+              <a:t>WORKING</a:t>
+            </a:r>
+          </a:p>
+        </p:txBody>
+      </p:sp>
+      <p:sp>
+        <p:nvSpPr>
+          <p:cNvPr id="1088" name="CuadroTexto 1087">
+            <a:extLst>
+              <a:ext uri="{FF2B5EF4-FFF2-40B4-BE49-F238E27FC236}">
+                <a16:creationId xmlns:a16="http://schemas.microsoft.com/office/drawing/2014/main" id="{16FB6A41-C5FF-751B-2151-40B2A176828E}"/>
+              </a:ext>
+            </a:extLst>
+          </p:cNvPr>
+          <p:cNvSpPr txBox="1"/>
+          <p:nvPr/>
+        </p:nvSpPr>
+        <p:spPr>
+          <a:xfrm>
+            <a:off x="2221111" y="905795"/>
+            <a:ext cx="585191" cy="200055"/>
+          </a:xfrm>
+          <a:prstGeom prst="rect">
+            <a:avLst/>
+          </a:prstGeom>
+          <a:noFill/>
+        </p:spPr>
+        <p:txBody>
+          <a:bodyPr wrap="square" rtlCol="0">
+            <a:spAutoFit/>
+          </a:bodyPr>
+          <a:lstStyle/>
+          <a:p>
+            <a:r>
+              <a:rPr lang="es-ES" sz="700" b="1" dirty="0">
+                <a:solidFill>
+                  <a:schemeClr val="accent6">
+                    <a:lumMod val="60000"/>
+                    <a:lumOff val="40000"/>
+                  </a:schemeClr>
+                </a:solidFill>
+              </a:rPr>
+              <a:t>WORKING</a:t>
+            </a:r>
+          </a:p>
+        </p:txBody>
+      </p:sp>
+      <p:sp>
+        <p:nvSpPr>
+          <p:cNvPr id="1089" name="CuadroTexto 1088">
+            <a:extLst>
+              <a:ext uri="{FF2B5EF4-FFF2-40B4-BE49-F238E27FC236}">
+                <a16:creationId xmlns:a16="http://schemas.microsoft.com/office/drawing/2014/main" id="{31F70FD0-CA36-5801-6E53-AE274762D5D6}"/>
+              </a:ext>
+            </a:extLst>
+          </p:cNvPr>
+          <p:cNvSpPr txBox="1"/>
+          <p:nvPr/>
+        </p:nvSpPr>
+        <p:spPr>
+          <a:xfrm>
+            <a:off x="2229874" y="1785300"/>
+            <a:ext cx="585191" cy="200055"/>
+          </a:xfrm>
+          <a:prstGeom prst="rect">
+            <a:avLst/>
+          </a:prstGeom>
+          <a:noFill/>
+        </p:spPr>
+        <p:txBody>
+          <a:bodyPr wrap="square" rtlCol="0">
+            <a:spAutoFit/>
+          </a:bodyPr>
+          <a:lstStyle/>
+          <a:p>
+            <a:r>
+              <a:rPr lang="es-ES" sz="700" b="1" dirty="0">
+                <a:solidFill>
+                  <a:schemeClr val="accent6">
+                    <a:lumMod val="60000"/>
+                    <a:lumOff val="40000"/>
+                  </a:schemeClr>
+                </a:solidFill>
+              </a:rPr>
+              <a:t>WORKING</a:t>
+            </a:r>
+          </a:p>
+        </p:txBody>
+      </p:sp>
+      <p:sp>
+        <p:nvSpPr>
+          <p:cNvPr id="1090" name="CuadroTexto 1089">
+            <a:extLst>
+              <a:ext uri="{FF2B5EF4-FFF2-40B4-BE49-F238E27FC236}">
+                <a16:creationId xmlns:a16="http://schemas.microsoft.com/office/drawing/2014/main" id="{4942D382-4199-DB58-303D-2B049BC18145}"/>
+              </a:ext>
+            </a:extLst>
+          </p:cNvPr>
+          <p:cNvSpPr txBox="1"/>
+          <p:nvPr/>
+        </p:nvSpPr>
+        <p:spPr>
+          <a:xfrm>
+            <a:off x="2194842" y="2673937"/>
+            <a:ext cx="585191" cy="200055"/>
+          </a:xfrm>
+          <a:prstGeom prst="rect">
+            <a:avLst/>
+          </a:prstGeom>
+          <a:noFill/>
+        </p:spPr>
+        <p:txBody>
+          <a:bodyPr wrap="square" rtlCol="0">
+            <a:spAutoFit/>
+          </a:bodyPr>
+          <a:lstStyle/>
+          <a:p>
+            <a:r>
+              <a:rPr lang="es-ES" sz="700" b="1" dirty="0">
+                <a:solidFill>
+                  <a:schemeClr val="accent6">
+                    <a:lumMod val="60000"/>
+                    <a:lumOff val="40000"/>
+                  </a:schemeClr>
+                </a:solidFill>
+              </a:rPr>
+              <a:t>WORKING</a:t>
+            </a:r>
+          </a:p>
+        </p:txBody>
+      </p:sp>
+      <p:sp>
+        <p:nvSpPr>
+          <p:cNvPr id="1091" name="CuadroTexto 1090">
+            <a:extLst>
+              <a:ext uri="{FF2B5EF4-FFF2-40B4-BE49-F238E27FC236}">
+                <a16:creationId xmlns:a16="http://schemas.microsoft.com/office/drawing/2014/main" id="{8FB0D032-9894-EA55-B5F7-AB7BA7778084}"/>
+              </a:ext>
+            </a:extLst>
+          </p:cNvPr>
+          <p:cNvSpPr txBox="1"/>
+          <p:nvPr/>
+        </p:nvSpPr>
+        <p:spPr>
+          <a:xfrm>
+            <a:off x="2245649" y="3621020"/>
+            <a:ext cx="585191" cy="200055"/>
+          </a:xfrm>
+          <a:prstGeom prst="rect">
+            <a:avLst/>
+          </a:prstGeom>
+          <a:noFill/>
+        </p:spPr>
+        <p:txBody>
+          <a:bodyPr wrap="square" rtlCol="0">
+            <a:spAutoFit/>
+          </a:bodyPr>
+          <a:lstStyle/>
+          <a:p>
+            <a:r>
+              <a:rPr lang="es-ES" sz="700" b="1" dirty="0">
+                <a:solidFill>
+                  <a:schemeClr val="accent6">
+                    <a:lumMod val="60000"/>
+                    <a:lumOff val="40000"/>
+                  </a:schemeClr>
+                </a:solidFill>
+              </a:rPr>
+              <a:t>WORKING</a:t>
+            </a:r>
+          </a:p>
+        </p:txBody>
+      </p:sp>
+      <p:sp>
+        <p:nvSpPr>
+          <p:cNvPr id="1092" name="CuadroTexto 1091">
+            <a:extLst>
+              <a:ext uri="{FF2B5EF4-FFF2-40B4-BE49-F238E27FC236}">
+                <a16:creationId xmlns:a16="http://schemas.microsoft.com/office/drawing/2014/main" id="{CCE0B396-C049-5DE0-A76D-3D06E3EDC5B9}"/>
+              </a:ext>
+            </a:extLst>
+          </p:cNvPr>
+          <p:cNvSpPr txBox="1"/>
+          <p:nvPr/>
+        </p:nvSpPr>
+        <p:spPr>
+          <a:xfrm>
+            <a:off x="2262984" y="5478301"/>
+            <a:ext cx="585191" cy="200055"/>
+          </a:xfrm>
+          <a:prstGeom prst="rect">
+            <a:avLst/>
+          </a:prstGeom>
+          <a:noFill/>
+        </p:spPr>
+        <p:txBody>
+          <a:bodyPr wrap="square" rtlCol="0">
+            <a:spAutoFit/>
+          </a:bodyPr>
+          <a:lstStyle/>
+          <a:p>
+            <a:r>
+              <a:rPr lang="es-ES" sz="700" b="1" dirty="0">
+                <a:solidFill>
+                  <a:schemeClr val="accent6">
+                    <a:lumMod val="60000"/>
+                    <a:lumOff val="40000"/>
+                  </a:schemeClr>
+                </a:solidFill>
+              </a:rPr>
+              <a:t>WORKING</a:t>
+            </a:r>
+          </a:p>
+        </p:txBody>
+      </p:sp>
+      <p:sp>
+        <p:nvSpPr>
+          <p:cNvPr id="1093" name="Rectángulo 1092">
+            <a:extLst>
+              <a:ext uri="{FF2B5EF4-FFF2-40B4-BE49-F238E27FC236}">
+                <a16:creationId xmlns:a16="http://schemas.microsoft.com/office/drawing/2014/main" id="{2999F539-B006-D15E-7799-570756912CA0}"/>
+              </a:ext>
+            </a:extLst>
+          </p:cNvPr>
+          <p:cNvSpPr/>
+          <p:nvPr/>
+        </p:nvSpPr>
+        <p:spPr>
+          <a:xfrm>
+            <a:off x="4973586" y="5425590"/>
+            <a:ext cx="1135759" cy="838272"/>
+          </a:xfrm>
+          <a:prstGeom prst="rect">
+            <a:avLst/>
+          </a:prstGeom>
+          <a:solidFill>
+            <a:schemeClr val="tx1">
+              <a:lumMod val="75000"/>
+              <a:lumOff val="25000"/>
+            </a:schemeClr>
+          </a:solidFill>
+          <a:ln>
+            <a:noFill/>
+          </a:ln>
+        </p:spPr>
+        <p:style>
+          <a:lnRef idx="2">
+            <a:schemeClr val="accent1">
+              <a:shade val="15000"/>
+            </a:schemeClr>
+          </a:lnRef>
+          <a:fillRef idx="1">
+            <a:schemeClr val="accent1"/>
+          </a:fillRef>
+          <a:effectRef idx="0">
+            <a:schemeClr val="accent1"/>
+          </a:effectRef>
+          <a:fontRef idx="minor">
+            <a:schemeClr val="lt1"/>
+          </a:fontRef>
+        </p:style>
+        <p:txBody>
+          <a:bodyPr rtlCol="0" anchor="ctr"/>
+          <a:lstStyle/>
+          <a:p>
+            <a:pPr algn="ctr"/>
+            <a:endParaRPr lang="es-ES"/>
+          </a:p>
+        </p:txBody>
+      </p:sp>
+      <p:sp>
+        <p:nvSpPr>
+          <p:cNvPr id="1094" name="CuadroTexto 1093">
+            <a:extLst>
+              <a:ext uri="{FF2B5EF4-FFF2-40B4-BE49-F238E27FC236}">
+                <a16:creationId xmlns:a16="http://schemas.microsoft.com/office/drawing/2014/main" id="{55DE687C-334A-0636-3BA1-8F173D277F1A}"/>
+              </a:ext>
+            </a:extLst>
+          </p:cNvPr>
+          <p:cNvSpPr txBox="1"/>
+          <p:nvPr/>
+        </p:nvSpPr>
+        <p:spPr>
+          <a:xfrm>
+            <a:off x="5038565" y="5782420"/>
+            <a:ext cx="973102" cy="369332"/>
+          </a:xfrm>
+          <a:prstGeom prst="rect">
+            <a:avLst/>
+          </a:prstGeom>
+          <a:noFill/>
+        </p:spPr>
+        <p:txBody>
+          <a:bodyPr wrap="square" rtlCol="0">
+            <a:spAutoFit/>
+          </a:bodyPr>
+          <a:lstStyle/>
+          <a:p>
+            <a:r>
+              <a:rPr lang="es-ES" sz="1000" b="1" dirty="0">
+                <a:solidFill>
+                  <a:schemeClr val="bg1"/>
+                </a:solidFill>
+              </a:rPr>
+              <a:t>Open AI</a:t>
+            </a:r>
+          </a:p>
+          <a:p>
+            <a:r>
+              <a:rPr lang="es-ES" sz="800" dirty="0">
+                <a:solidFill>
+                  <a:srgbClr val="CC99FF"/>
+                </a:solidFill>
+                <a:hlinkClick r:id="rId32">
+                  <a:extLst>
+                    <a:ext uri="{A12FA001-AC4F-418D-AE19-62706E023703}">
+                      <ahyp:hlinkClr xmlns:ahyp="http://schemas.microsoft.com/office/drawing/2018/hyperlinkcolor" val="tx"/>
+                    </a:ext>
+                  </a:extLst>
+                </a:hlinkClick>
+              </a:rPr>
+              <a:t>Click see more</a:t>
+            </a:r>
+            <a:endParaRPr lang="es-ES" sz="800" dirty="0">
+              <a:solidFill>
+                <a:srgbClr val="CC99FF"/>
+              </a:solidFill>
+            </a:endParaRPr>
+          </a:p>
+        </p:txBody>
+      </p:sp>
+      <p:sp>
+        <p:nvSpPr>
+          <p:cNvPr id="1096" name="CuadroTexto 1095">
+            <a:extLst>
+              <a:ext uri="{FF2B5EF4-FFF2-40B4-BE49-F238E27FC236}">
+                <a16:creationId xmlns:a16="http://schemas.microsoft.com/office/drawing/2014/main" id="{7A4F50A8-C7E0-C005-D0E7-23321CFB4B83}"/>
+              </a:ext>
+            </a:extLst>
+          </p:cNvPr>
+          <p:cNvSpPr txBox="1"/>
+          <p:nvPr/>
+        </p:nvSpPr>
+        <p:spPr>
+          <a:xfrm>
+            <a:off x="5508009" y="5460842"/>
+            <a:ext cx="585191" cy="200055"/>
+          </a:xfrm>
+          <a:prstGeom prst="rect">
+            <a:avLst/>
+          </a:prstGeom>
+          <a:noFill/>
+        </p:spPr>
+        <p:txBody>
+          <a:bodyPr wrap="square" rtlCol="0">
+            <a:spAutoFit/>
+          </a:bodyPr>
+          <a:lstStyle/>
+          <a:p>
+            <a:r>
+              <a:rPr lang="es-ES" sz="700" b="1" dirty="0">
+                <a:solidFill>
+                  <a:schemeClr val="accent6">
+                    <a:lumMod val="60000"/>
+                    <a:lumOff val="40000"/>
+                  </a:schemeClr>
+                </a:solidFill>
+              </a:rPr>
+              <a:t>WORKING</a:t>
+            </a:r>
+          </a:p>
+        </p:txBody>
+      </p:sp>
+      <p:sp>
+        <p:nvSpPr>
+          <p:cNvPr id="1101" name="CuadroTexto 1100">
+            <a:extLst>
+              <a:ext uri="{FF2B5EF4-FFF2-40B4-BE49-F238E27FC236}">
+                <a16:creationId xmlns:a16="http://schemas.microsoft.com/office/drawing/2014/main" id="{7CD36172-8E66-489D-BD91-27DCE18650F5}"/>
+              </a:ext>
+            </a:extLst>
+          </p:cNvPr>
+          <p:cNvSpPr txBox="1"/>
+          <p:nvPr/>
+        </p:nvSpPr>
+        <p:spPr>
+          <a:xfrm>
+            <a:off x="6520025" y="4482155"/>
+            <a:ext cx="585191" cy="200055"/>
+          </a:xfrm>
+          <a:prstGeom prst="rect">
+            <a:avLst/>
+          </a:prstGeom>
+          <a:noFill/>
+        </p:spPr>
+        <p:txBody>
+          <a:bodyPr wrap="square" rtlCol="0">
+            <a:spAutoFit/>
+          </a:bodyPr>
+          <a:lstStyle/>
+          <a:p>
+            <a:r>
+              <a:rPr lang="es-ES" sz="700" b="1" dirty="0">
+                <a:solidFill>
+                  <a:srgbClr val="FF9B9B"/>
+                </a:solidFill>
+              </a:rPr>
+              <a:t>NOT DONE</a:t>
+            </a:r>
+          </a:p>
+        </p:txBody>
+      </p:sp>
+      <p:sp>
+        <p:nvSpPr>
+          <p:cNvPr id="1102" name="CuadroTexto 1101">
+            <a:extLst>
+              <a:ext uri="{FF2B5EF4-FFF2-40B4-BE49-F238E27FC236}">
+                <a16:creationId xmlns:a16="http://schemas.microsoft.com/office/drawing/2014/main" id="{02391CC8-E3D6-4B79-B182-C18B51D5DFA3}"/>
+              </a:ext>
+            </a:extLst>
+          </p:cNvPr>
+          <p:cNvSpPr txBox="1"/>
+          <p:nvPr/>
+        </p:nvSpPr>
+        <p:spPr>
+          <a:xfrm>
+            <a:off x="6557597" y="2636120"/>
+            <a:ext cx="585191" cy="200055"/>
+          </a:xfrm>
+          <a:prstGeom prst="rect">
+            <a:avLst/>
+          </a:prstGeom>
+          <a:noFill/>
+        </p:spPr>
+        <p:txBody>
+          <a:bodyPr wrap="square" rtlCol="0">
+            <a:spAutoFit/>
+          </a:bodyPr>
+          <a:lstStyle/>
+          <a:p>
+            <a:r>
+              <a:rPr lang="es-ES" sz="700" b="1" dirty="0">
+                <a:solidFill>
+                  <a:schemeClr val="accent6">
+                    <a:lumMod val="60000"/>
+                    <a:lumOff val="40000"/>
+                  </a:schemeClr>
+                </a:solidFill>
+              </a:rPr>
+              <a:t>WORKING</a:t>
+            </a:r>
+          </a:p>
+        </p:txBody>
+      </p:sp>
+      <p:sp>
+        <p:nvSpPr>
+          <p:cNvPr id="1103" name="CuadroTexto 1102">
+            <a:extLst>
+              <a:ext uri="{FF2B5EF4-FFF2-40B4-BE49-F238E27FC236}">
+                <a16:creationId xmlns:a16="http://schemas.microsoft.com/office/drawing/2014/main" id="{5FE7C40B-6A6C-49AF-6444-34694C3A8268}"/>
+              </a:ext>
+            </a:extLst>
+          </p:cNvPr>
+          <p:cNvSpPr txBox="1"/>
+          <p:nvPr/>
+        </p:nvSpPr>
+        <p:spPr>
+          <a:xfrm>
+            <a:off x="6520025" y="1731809"/>
+            <a:ext cx="585191" cy="200055"/>
+          </a:xfrm>
+          <a:prstGeom prst="rect">
+            <a:avLst/>
+          </a:prstGeom>
+          <a:noFill/>
+        </p:spPr>
+        <p:txBody>
+          <a:bodyPr wrap="square" rtlCol="0">
+            <a:spAutoFit/>
+          </a:bodyPr>
+          <a:lstStyle/>
+          <a:p>
+            <a:r>
+              <a:rPr lang="es-ES" sz="700" b="1" dirty="0">
+                <a:solidFill>
+                  <a:schemeClr val="accent6">
+                    <a:lumMod val="60000"/>
+                    <a:lumOff val="40000"/>
+                  </a:schemeClr>
+                </a:solidFill>
+              </a:rPr>
+              <a:t>WORKING</a:t>
+            </a:r>
+          </a:p>
+        </p:txBody>
+      </p:sp>
+      <p:sp>
+        <p:nvSpPr>
+          <p:cNvPr id="1104" name="CuadroTexto 1103">
+            <a:extLst>
+              <a:ext uri="{FF2B5EF4-FFF2-40B4-BE49-F238E27FC236}">
+                <a16:creationId xmlns:a16="http://schemas.microsoft.com/office/drawing/2014/main" id="{81A3EF26-53DE-38AA-4B50-1227EEB63C98}"/>
+              </a:ext>
+            </a:extLst>
+          </p:cNvPr>
+          <p:cNvSpPr txBox="1"/>
+          <p:nvPr/>
+        </p:nvSpPr>
+        <p:spPr>
+          <a:xfrm>
+            <a:off x="6520646" y="843589"/>
+            <a:ext cx="585191" cy="200055"/>
+          </a:xfrm>
+          <a:prstGeom prst="rect">
+            <a:avLst/>
+          </a:prstGeom>
+          <a:noFill/>
+        </p:spPr>
+        <p:txBody>
+          <a:bodyPr wrap="square" rtlCol="0">
+            <a:spAutoFit/>
+          </a:bodyPr>
+          <a:lstStyle/>
+          <a:p>
+            <a:r>
+              <a:rPr lang="es-ES" sz="700" b="1" dirty="0">
+                <a:solidFill>
+                  <a:schemeClr val="accent6">
+                    <a:lumMod val="60000"/>
+                    <a:lumOff val="40000"/>
+                  </a:schemeClr>
+                </a:solidFill>
+              </a:rPr>
+              <a:t>WORKING</a:t>
+            </a:r>
+          </a:p>
+        </p:txBody>
+      </p:sp>
+      <p:sp>
+        <p:nvSpPr>
+          <p:cNvPr id="1105" name="CuadroTexto 1104">
+            <a:extLst>
+              <a:ext uri="{FF2B5EF4-FFF2-40B4-BE49-F238E27FC236}">
+                <a16:creationId xmlns:a16="http://schemas.microsoft.com/office/drawing/2014/main" id="{A5CE2B89-6F30-FBDB-697D-158281EBB736}"/>
+              </a:ext>
+            </a:extLst>
+          </p:cNvPr>
+          <p:cNvSpPr txBox="1"/>
+          <p:nvPr/>
+        </p:nvSpPr>
+        <p:spPr>
+          <a:xfrm>
+            <a:off x="8868005" y="887139"/>
+            <a:ext cx="585191" cy="200055"/>
+          </a:xfrm>
+          <a:prstGeom prst="rect">
+            <a:avLst/>
+          </a:prstGeom>
+          <a:noFill/>
+        </p:spPr>
+        <p:txBody>
+          <a:bodyPr wrap="square" rtlCol="0">
+            <a:spAutoFit/>
+          </a:bodyPr>
+          <a:lstStyle/>
+          <a:p>
+            <a:r>
+              <a:rPr lang="es-ES" sz="700" b="1" dirty="0">
+                <a:solidFill>
+                  <a:schemeClr val="accent6">
+                    <a:lumMod val="60000"/>
+                    <a:lumOff val="40000"/>
+                  </a:schemeClr>
+                </a:solidFill>
+              </a:rPr>
+              <a:t>WORKING</a:t>
+            </a:r>
+          </a:p>
+        </p:txBody>
+      </p:sp>
+      <p:sp>
+        <p:nvSpPr>
+          <p:cNvPr id="1106" name="CuadroTexto 1105">
+            <a:extLst>
+              <a:ext uri="{FF2B5EF4-FFF2-40B4-BE49-F238E27FC236}">
+                <a16:creationId xmlns:a16="http://schemas.microsoft.com/office/drawing/2014/main" id="{B0C00F1A-2BD5-B264-0986-1B7D09BBE7DB}"/>
+              </a:ext>
+            </a:extLst>
+          </p:cNvPr>
+          <p:cNvSpPr txBox="1"/>
+          <p:nvPr/>
+        </p:nvSpPr>
+        <p:spPr>
+          <a:xfrm>
+            <a:off x="8771109" y="2755180"/>
+            <a:ext cx="585191" cy="200055"/>
+          </a:xfrm>
+          <a:prstGeom prst="rect">
+            <a:avLst/>
+          </a:prstGeom>
+          <a:noFill/>
+        </p:spPr>
+        <p:txBody>
+          <a:bodyPr wrap="square" rtlCol="0">
+            <a:spAutoFit/>
+          </a:bodyPr>
+          <a:lstStyle/>
+          <a:p>
+            <a:r>
+              <a:rPr lang="es-ES" sz="700" b="1" dirty="0">
+                <a:solidFill>
+                  <a:schemeClr val="accent6">
+                    <a:lumMod val="60000"/>
+                    <a:lumOff val="40000"/>
+                  </a:schemeClr>
+                </a:solidFill>
+              </a:rPr>
+              <a:t>WORKING</a:t>
+            </a:r>
+          </a:p>
+        </p:txBody>
+      </p:sp>
+      <p:sp>
+        <p:nvSpPr>
+          <p:cNvPr id="1107" name="CuadroTexto 1106">
+            <a:extLst>
+              <a:ext uri="{FF2B5EF4-FFF2-40B4-BE49-F238E27FC236}">
+                <a16:creationId xmlns:a16="http://schemas.microsoft.com/office/drawing/2014/main" id="{4D1C3C16-A2E9-7B08-5853-07B63124B1F0}"/>
+              </a:ext>
+            </a:extLst>
+          </p:cNvPr>
+          <p:cNvSpPr txBox="1"/>
+          <p:nvPr/>
+        </p:nvSpPr>
+        <p:spPr>
+          <a:xfrm>
+            <a:off x="8771109" y="3528293"/>
+            <a:ext cx="585191" cy="200055"/>
+          </a:xfrm>
+          <a:prstGeom prst="rect">
+            <a:avLst/>
+          </a:prstGeom>
+          <a:noFill/>
+        </p:spPr>
+        <p:txBody>
+          <a:bodyPr wrap="square" rtlCol="0">
+            <a:spAutoFit/>
+          </a:bodyPr>
+          <a:lstStyle/>
+          <a:p>
+            <a:r>
+              <a:rPr lang="es-ES" sz="700" b="1" dirty="0">
+                <a:solidFill>
+                  <a:srgbClr val="FF9B9B"/>
+                </a:solidFill>
+              </a:rPr>
+              <a:t>NOT DONE</a:t>
+            </a:r>
+          </a:p>
+        </p:txBody>
+      </p:sp>
+      <p:sp>
+        <p:nvSpPr>
+          <p:cNvPr id="1108" name="CuadroTexto 1107">
+            <a:extLst>
+              <a:ext uri="{FF2B5EF4-FFF2-40B4-BE49-F238E27FC236}">
+                <a16:creationId xmlns:a16="http://schemas.microsoft.com/office/drawing/2014/main" id="{C69834EA-88D6-FDB3-B8DB-14D7DEB8DD32}"/>
+              </a:ext>
+            </a:extLst>
+          </p:cNvPr>
+          <p:cNvSpPr txBox="1"/>
+          <p:nvPr/>
+        </p:nvSpPr>
+        <p:spPr>
+          <a:xfrm>
+            <a:off x="10461403" y="4537194"/>
+            <a:ext cx="585191" cy="200055"/>
+          </a:xfrm>
+          <a:prstGeom prst="rect">
+            <a:avLst/>
+          </a:prstGeom>
+          <a:noFill/>
+        </p:spPr>
+        <p:txBody>
+          <a:bodyPr wrap="square" rtlCol="0">
+            <a:spAutoFit/>
+          </a:bodyPr>
+          <a:lstStyle/>
+          <a:p>
+            <a:r>
+              <a:rPr lang="es-ES" sz="700" b="1" dirty="0">
+                <a:solidFill>
+                  <a:schemeClr val="accent6">
+                    <a:lumMod val="60000"/>
+                    <a:lumOff val="40000"/>
+                  </a:schemeClr>
+                </a:solidFill>
+              </a:rPr>
+              <a:t>WORKING</a:t>
+            </a:r>
+          </a:p>
+        </p:txBody>
+      </p:sp>
+      <p:sp>
+        <p:nvSpPr>
+          <p:cNvPr id="1109" name="CuadroTexto 1108">
+            <a:extLst>
+              <a:ext uri="{FF2B5EF4-FFF2-40B4-BE49-F238E27FC236}">
+                <a16:creationId xmlns:a16="http://schemas.microsoft.com/office/drawing/2014/main" id="{0DFF0BCB-4A63-EBC9-0F9F-8EA2E01FFF26}"/>
+              </a:ext>
+            </a:extLst>
+          </p:cNvPr>
+          <p:cNvSpPr txBox="1"/>
+          <p:nvPr/>
+        </p:nvSpPr>
+        <p:spPr>
+          <a:xfrm>
+            <a:off x="4321745" y="859883"/>
+            <a:ext cx="585191" cy="200055"/>
+          </a:xfrm>
+          <a:prstGeom prst="rect">
+            <a:avLst/>
+          </a:prstGeom>
+          <a:noFill/>
+        </p:spPr>
+        <p:txBody>
+          <a:bodyPr wrap="square" rtlCol="0">
+            <a:spAutoFit/>
+          </a:bodyPr>
+          <a:lstStyle/>
+          <a:p>
+            <a:r>
+              <a:rPr lang="es-ES" sz="700" b="1" dirty="0">
+                <a:solidFill>
+                  <a:srgbClr val="FF9B9B"/>
+                </a:solidFill>
+              </a:rPr>
+              <a:t>NOT DONE</a:t>
+            </a:r>
+          </a:p>
+        </p:txBody>
+      </p:sp>
+      <p:pic>
+        <p:nvPicPr>
+          <p:cNvPr id="1110" name="Picture 10" descr="openai&quot; Icon - Download for free – Iconduck">
+            <a:extLst>
+              <a:ext uri="{FF2B5EF4-FFF2-40B4-BE49-F238E27FC236}">
+                <a16:creationId xmlns:a16="http://schemas.microsoft.com/office/drawing/2014/main" id="{BD3B585A-8B51-8F36-9D9D-6CC3E17B0626}"/>
+              </a:ext>
+            </a:extLst>
+          </p:cNvPr>
+          <p:cNvPicPr>
+            <a:picLocks noChangeAspect="1" noChangeArrowheads="1"/>
+          </p:cNvPicPr>
+          <p:nvPr/>
+        </p:nvPicPr>
+        <p:blipFill>
+          <a:blip r:embed="rId34">
+            <a:extLst>
+              <a:ext uri="{28A0092B-C50C-407E-A947-70E740481C1C}">
+                <a14:useLocalDpi xmlns:a14="http://schemas.microsoft.com/office/drawing/2010/main" val="0"/>
+              </a:ext>
+            </a:extLst>
+          </a:blip>
+          <a:srcRect/>
+          <a:stretch>
+            <a:fillRect/>
+          </a:stretch>
+        </p:blipFill>
+        <p:spPr bwMode="auto">
+          <a:xfrm>
+            <a:off x="5106341" y="5508255"/>
+            <a:ext cx="167775" cy="170101"/>
+          </a:xfrm>
+          <a:prstGeom prst="rect">
+            <a:avLst/>
+          </a:prstGeom>
+          <a:noFill/>
+          <a:extLst>
+            <a:ext uri="{909E8E84-426E-40DD-AFC4-6F175D3DCCD1}">
+              <a14:hiddenFill xmlns:a14="http://schemas.microsoft.com/office/drawing/2010/main">
+                <a:solidFill>
+                  <a:srgbClr val="FFFFFF"/>
+                </a:solidFill>
+              </a14:hiddenFill>
+            </a:ext>
+          </a:extLst>
+        </p:spPr>
+      </p:pic>
+      <p:cxnSp>
+        <p:nvCxnSpPr>
+          <p:cNvPr id="1111" name="Conector recto de flecha 1110">
+            <a:extLst>
+              <a:ext uri="{FF2B5EF4-FFF2-40B4-BE49-F238E27FC236}">
+                <a16:creationId xmlns:a16="http://schemas.microsoft.com/office/drawing/2014/main" id="{5E0E6C01-9FB9-0DF2-FDB0-A63D1C1941DB}"/>
+              </a:ext>
+            </a:extLst>
+          </p:cNvPr>
+          <p:cNvCxnSpPr>
+            <a:cxnSpLocks/>
+          </p:cNvCxnSpPr>
+          <p:nvPr/>
+        </p:nvCxnSpPr>
+        <p:spPr>
+          <a:xfrm>
+            <a:off x="4244951" y="5932316"/>
+            <a:ext cx="669313" cy="0"/>
+          </a:xfrm>
+          <a:prstGeom prst="straightConnector1">
+            <a:avLst/>
+          </a:prstGeom>
+          <a:ln w="19050">
+            <a:solidFill>
+              <a:schemeClr val="tx1">
+                <a:lumMod val="75000"/>
+                <a:lumOff val="25000"/>
+              </a:schemeClr>
+            </a:solidFill>
+            <a:tailEnd type="triangle"/>
+          </a:ln>
+        </p:spPr>
+        <p:style>
+          <a:lnRef idx="1">
+            <a:schemeClr val="accent1"/>
+          </a:lnRef>
+          <a:fillRef idx="0">
+            <a:schemeClr val="accent1"/>
+          </a:fillRef>
+          <a:effectRef idx="0">
+            <a:schemeClr val="accent1"/>
+          </a:effectRef>
+          <a:fontRef idx="minor">
+            <a:schemeClr val="tx1"/>
+          </a:fontRef>
+        </p:style>
+      </p:cxnSp>
+      <p:cxnSp>
+        <p:nvCxnSpPr>
+          <p:cNvPr id="1112" name="Conector recto de flecha 1111">
+            <a:extLst>
+              <a:ext uri="{FF2B5EF4-FFF2-40B4-BE49-F238E27FC236}">
+                <a16:creationId xmlns:a16="http://schemas.microsoft.com/office/drawing/2014/main" id="{E5EFDF47-E3AB-8BF1-C9F0-9D0C0E0BADB9}"/>
+              </a:ext>
+            </a:extLst>
+          </p:cNvPr>
+          <p:cNvCxnSpPr>
+            <a:cxnSpLocks/>
+          </p:cNvCxnSpPr>
+          <p:nvPr/>
+        </p:nvCxnSpPr>
+        <p:spPr>
+          <a:xfrm flipH="1">
+            <a:off x="4132638" y="6043553"/>
+            <a:ext cx="640633" cy="0"/>
+          </a:xfrm>
+          <a:prstGeom prst="straightConnector1">
+            <a:avLst/>
+          </a:prstGeom>
+          <a:ln w="19050">
+            <a:solidFill>
+              <a:schemeClr val="tx1">
+                <a:lumMod val="75000"/>
+                <a:lumOff val="25000"/>
+              </a:schemeClr>
+            </a:solidFill>
+            <a:tailEnd type="triangle"/>
+          </a:ln>
+        </p:spPr>
+        <p:style>
+          <a:lnRef idx="1">
+            <a:schemeClr val="accent1"/>
+          </a:lnRef>
+          <a:fillRef idx="0">
+            <a:schemeClr val="accent1"/>
+          </a:fillRef>
+          <a:effectRef idx="0">
+            <a:schemeClr val="accent1"/>
+          </a:effectRef>
+          <a:fontRef idx="minor">
+            <a:schemeClr val="tx1"/>
+          </a:fontRef>
+        </p:style>
+      </p:cxnSp>
+      <p:sp>
+        <p:nvSpPr>
+          <p:cNvPr id="1113" name="CuadroTexto 1112">
+            <a:extLst>
+              <a:ext uri="{FF2B5EF4-FFF2-40B4-BE49-F238E27FC236}">
+                <a16:creationId xmlns:a16="http://schemas.microsoft.com/office/drawing/2014/main" id="{B41363B2-DA45-FB7A-C2DC-A23F98CE68F4}"/>
+              </a:ext>
+            </a:extLst>
+          </p:cNvPr>
+          <p:cNvSpPr txBox="1"/>
+          <p:nvPr/>
+        </p:nvSpPr>
+        <p:spPr>
+          <a:xfrm>
+            <a:off x="4077640" y="5500778"/>
+            <a:ext cx="979909" cy="369332"/>
+          </a:xfrm>
+          <a:prstGeom prst="rect">
+            <a:avLst/>
+          </a:prstGeom>
+          <a:noFill/>
+        </p:spPr>
+        <p:txBody>
+          <a:bodyPr wrap="square" rtlCol="0">
+            <a:spAutoFit/>
+          </a:bodyPr>
+          <a:lstStyle/>
+          <a:p>
+            <a:r>
+              <a:rPr lang="es-ES" sz="1000" b="1" dirty="0">
+                <a:solidFill>
+                  <a:schemeClr val="bg1"/>
+                </a:solidFill>
+              </a:rPr>
+              <a:t>API</a:t>
+            </a:r>
+          </a:p>
+          <a:p>
+            <a:r>
+              <a:rPr lang="es-ES" sz="800" dirty="0">
+                <a:solidFill>
+                  <a:srgbClr val="CC99FF"/>
+                </a:solidFill>
+              </a:rPr>
+              <a:t>Click see more</a:t>
+            </a:r>
+          </a:p>
+        </p:txBody>
+      </p:sp>
+      <p:sp>
+        <p:nvSpPr>
+          <p:cNvPr id="1114" name="CuadroTexto 1113">
+            <a:extLst>
+              <a:ext uri="{FF2B5EF4-FFF2-40B4-BE49-F238E27FC236}">
+                <a16:creationId xmlns:a16="http://schemas.microsoft.com/office/drawing/2014/main" id="{D5D97BB5-1B06-F83E-1FF5-3BE1B4C5508A}"/>
+              </a:ext>
+            </a:extLst>
+          </p:cNvPr>
+          <p:cNvSpPr txBox="1"/>
+          <p:nvPr/>
+        </p:nvSpPr>
+        <p:spPr>
+          <a:xfrm>
+            <a:off x="4335143" y="5462957"/>
+            <a:ext cx="585191" cy="200055"/>
+          </a:xfrm>
+          <a:prstGeom prst="rect">
+            <a:avLst/>
+          </a:prstGeom>
+          <a:noFill/>
+        </p:spPr>
+        <p:txBody>
+          <a:bodyPr wrap="square" rtlCol="0">
+            <a:spAutoFit/>
+          </a:bodyPr>
+          <a:lstStyle/>
+          <a:p>
+            <a:r>
+              <a:rPr lang="es-ES" sz="700" b="1" dirty="0">
+                <a:solidFill>
+                  <a:srgbClr val="FF9B9B"/>
+                </a:solidFill>
+              </a:rPr>
+              <a:t>NOT DONE</a:t>
+            </a:r>
+          </a:p>
+        </p:txBody>
+      </p:sp>
     </p:spTree>
     <p:extLst>
       <p:ext uri="{BB962C8B-B14F-4D97-AF65-F5344CB8AC3E}">
-        <p14:creationId xmlns:p14="http://schemas.microsoft.com/office/powerpoint/2010/main" val="3089465241"/>
+        <p14:creationId xmlns:p14="http://schemas.microsoft.com/office/powerpoint/2010/main" val="3994089522"/>
       </p:ext>
     </p:extLst>
   </p:cSld>
@@ -6702,6 +9923,226 @@
       </p:grpSpPr>
       <p:sp>
         <p:nvSpPr>
+          <p:cNvPr id="24" name="Rectángulo 23">
+            <a:extLst>
+              <a:ext uri="{FF2B5EF4-FFF2-40B4-BE49-F238E27FC236}">
+                <a16:creationId xmlns:a16="http://schemas.microsoft.com/office/drawing/2014/main" id="{863D1ADE-C0E8-9AFB-5105-01AD0C2E09DF}"/>
+              </a:ext>
+            </a:extLst>
+          </p:cNvPr>
+          <p:cNvSpPr/>
+          <p:nvPr/>
+        </p:nvSpPr>
+        <p:spPr>
+          <a:xfrm>
+            <a:off x="5997325" y="910429"/>
+            <a:ext cx="5550589" cy="995510"/>
+          </a:xfrm>
+          <a:prstGeom prst="rect">
+            <a:avLst/>
+          </a:prstGeom>
+          <a:solidFill>
+            <a:schemeClr val="tx1">
+              <a:lumMod val="75000"/>
+              <a:lumOff val="25000"/>
+            </a:schemeClr>
+          </a:solidFill>
+          <a:ln>
+            <a:noFill/>
+          </a:ln>
+        </p:spPr>
+        <p:style>
+          <a:lnRef idx="2">
+            <a:schemeClr val="accent1">
+              <a:shade val="15000"/>
+            </a:schemeClr>
+          </a:lnRef>
+          <a:fillRef idx="1">
+            <a:schemeClr val="accent1"/>
+          </a:fillRef>
+          <a:effectRef idx="0">
+            <a:schemeClr val="accent1"/>
+          </a:effectRef>
+          <a:fontRef idx="minor">
+            <a:schemeClr val="lt1"/>
+          </a:fontRef>
+        </p:style>
+        <p:txBody>
+          <a:bodyPr rtlCol="0" anchor="ctr"/>
+          <a:lstStyle/>
+          <a:p>
+            <a:pPr algn="ctr"/>
+            <a:endParaRPr lang="es-ES"/>
+          </a:p>
+        </p:txBody>
+      </p:sp>
+      <p:sp>
+        <p:nvSpPr>
+          <p:cNvPr id="17" name="Rectángulo 16">
+            <a:extLst>
+              <a:ext uri="{FF2B5EF4-FFF2-40B4-BE49-F238E27FC236}">
+                <a16:creationId xmlns:a16="http://schemas.microsoft.com/office/drawing/2014/main" id="{77DF4131-87D2-7E3C-29AF-085B62794D20}"/>
+              </a:ext>
+            </a:extLst>
+          </p:cNvPr>
+          <p:cNvSpPr/>
+          <p:nvPr/>
+        </p:nvSpPr>
+        <p:spPr>
+          <a:xfrm>
+            <a:off x="303585" y="3170855"/>
+            <a:ext cx="5550589" cy="995510"/>
+          </a:xfrm>
+          <a:prstGeom prst="rect">
+            <a:avLst/>
+          </a:prstGeom>
+          <a:solidFill>
+            <a:schemeClr val="tx1">
+              <a:lumMod val="75000"/>
+              <a:lumOff val="25000"/>
+            </a:schemeClr>
+          </a:solidFill>
+          <a:ln>
+            <a:noFill/>
+          </a:ln>
+        </p:spPr>
+        <p:style>
+          <a:lnRef idx="2">
+            <a:schemeClr val="accent1">
+              <a:shade val="15000"/>
+            </a:schemeClr>
+          </a:lnRef>
+          <a:fillRef idx="1">
+            <a:schemeClr val="accent1"/>
+          </a:fillRef>
+          <a:effectRef idx="0">
+            <a:schemeClr val="accent1"/>
+          </a:effectRef>
+          <a:fontRef idx="minor">
+            <a:schemeClr val="lt1"/>
+          </a:fontRef>
+        </p:style>
+        <p:txBody>
+          <a:bodyPr rtlCol="0" anchor="ctr"/>
+          <a:lstStyle/>
+          <a:p>
+            <a:pPr algn="ctr"/>
+            <a:endParaRPr lang="es-ES"/>
+          </a:p>
+        </p:txBody>
+      </p:sp>
+      <p:sp>
+        <p:nvSpPr>
+          <p:cNvPr id="14" name="Rectángulo 13">
+            <a:extLst>
+              <a:ext uri="{FF2B5EF4-FFF2-40B4-BE49-F238E27FC236}">
+                <a16:creationId xmlns:a16="http://schemas.microsoft.com/office/drawing/2014/main" id="{35B007C4-EBEB-3B98-B617-6DDD938D51D7}"/>
+              </a:ext>
+            </a:extLst>
+          </p:cNvPr>
+          <p:cNvSpPr/>
+          <p:nvPr/>
+        </p:nvSpPr>
+        <p:spPr>
+          <a:xfrm>
+            <a:off x="303585" y="2029671"/>
+            <a:ext cx="5550589" cy="995510"/>
+          </a:xfrm>
+          <a:prstGeom prst="rect">
+            <a:avLst/>
+          </a:prstGeom>
+          <a:solidFill>
+            <a:schemeClr val="tx1">
+              <a:lumMod val="75000"/>
+              <a:lumOff val="25000"/>
+            </a:schemeClr>
+          </a:solidFill>
+          <a:ln>
+            <a:noFill/>
+          </a:ln>
+        </p:spPr>
+        <p:style>
+          <a:lnRef idx="2">
+            <a:schemeClr val="accent1">
+              <a:shade val="15000"/>
+            </a:schemeClr>
+          </a:lnRef>
+          <a:fillRef idx="1">
+            <a:schemeClr val="accent1"/>
+          </a:fillRef>
+          <a:effectRef idx="0">
+            <a:schemeClr val="accent1"/>
+          </a:effectRef>
+          <a:fontRef idx="minor">
+            <a:schemeClr val="lt1"/>
+          </a:fontRef>
+        </p:style>
+        <p:txBody>
+          <a:bodyPr rtlCol="0" anchor="ctr"/>
+          <a:lstStyle/>
+          <a:p>
+            <a:pPr algn="ctr"/>
+            <a:endParaRPr lang="es-ES"/>
+          </a:p>
+        </p:txBody>
+      </p:sp>
+      <p:sp>
+        <p:nvSpPr>
+          <p:cNvPr id="13" name="Rectángulo 12">
+            <a:extLst>
+              <a:ext uri="{FF2B5EF4-FFF2-40B4-BE49-F238E27FC236}">
+                <a16:creationId xmlns:a16="http://schemas.microsoft.com/office/drawing/2014/main" id="{F30E406C-A684-FFC2-7D2F-1B5B27B2F03E}"/>
+              </a:ext>
+            </a:extLst>
+          </p:cNvPr>
+          <p:cNvSpPr/>
+          <p:nvPr/>
+        </p:nvSpPr>
+        <p:spPr>
+          <a:xfrm>
+            <a:off x="303585" y="917266"/>
+            <a:ext cx="5550589" cy="995510"/>
+          </a:xfrm>
+          <a:prstGeom prst="rect">
+            <a:avLst/>
+          </a:prstGeom>
+          <a:solidFill>
+            <a:schemeClr val="tx1">
+              <a:lumMod val="75000"/>
+              <a:lumOff val="25000"/>
+            </a:schemeClr>
+          </a:solidFill>
+          <a:ln>
+            <a:noFill/>
+          </a:ln>
+        </p:spPr>
+        <p:style>
+          <a:lnRef idx="2">
+            <a:schemeClr val="accent1">
+              <a:shade val="15000"/>
+            </a:schemeClr>
+          </a:lnRef>
+          <a:fillRef idx="1">
+            <a:schemeClr val="accent1"/>
+          </a:fillRef>
+          <a:effectRef idx="0">
+            <a:schemeClr val="accent1"/>
+          </a:effectRef>
+          <a:fontRef idx="minor">
+            <a:schemeClr val="lt1"/>
+          </a:fontRef>
+        </p:style>
+        <p:txBody>
+          <a:bodyPr rtlCol="0" anchor="ctr"/>
+          <a:lstStyle/>
+          <a:p>
+            <a:pPr algn="ctr"/>
+            <a:endParaRPr lang="es-ES"/>
+          </a:p>
+        </p:txBody>
+      </p:sp>
+      <p:sp>
+        <p:nvSpPr>
           <p:cNvPr id="2" name="CuadroTexto 1">
             <a:extLst>
               <a:ext uri="{FF2B5EF4-FFF2-40B4-BE49-F238E27FC236}">
@@ -6734,7 +10175,7 @@
                   <a:schemeClr val="bg1"/>
                 </a:solidFill>
               </a:rPr>
-              <a:t>Tools</a:t>
+              <a:t>Other Tools</a:t>
             </a:r>
           </a:p>
         </p:txBody>
@@ -6821,10 +10262,10 @@
       </p:cxnSp>
       <p:pic>
         <p:nvPicPr>
-          <p:cNvPr id="6" name="Picture 4" descr="Atlassian Jira y plugins de Jira - Jira">
-            <a:extLst>
-              <a:ext uri="{FF2B5EF4-FFF2-40B4-BE49-F238E27FC236}">
-                <a16:creationId xmlns:a16="http://schemas.microsoft.com/office/drawing/2014/main" id="{651AD1D5-B8F8-6276-A102-3C4504DAFBE5}"/>
+          <p:cNvPr id="8" name="Picture 10" descr="Microsoft SharePoint - Viquipèdia, l'enciclopèdia lliure">
+            <a:extLst>
+              <a:ext uri="{FF2B5EF4-FFF2-40B4-BE49-F238E27FC236}">
+                <a16:creationId xmlns:a16="http://schemas.microsoft.com/office/drawing/2014/main" id="{2B25F5F6-9E8E-9549-16A6-45D626852B09}"/>
               </a:ext>
             </a:extLst>
           </p:cNvPr>
@@ -6848,8 +10289,8 @@
         </p:blipFill>
         <p:spPr bwMode="auto">
           <a:xfrm>
-            <a:off x="426851" y="4994736"/>
-            <a:ext cx="794083" cy="311405"/>
+            <a:off x="462093" y="3324007"/>
+            <a:ext cx="292101" cy="285298"/>
           </a:xfrm>
           <a:prstGeom prst="rect">
             <a:avLst/>
@@ -6868,10 +10309,10 @@
       </p:pic>
       <p:pic>
         <p:nvPicPr>
-          <p:cNvPr id="7" name="Picture 8" descr="Github Logo - Free social media icons">
-            <a:extLst>
-              <a:ext uri="{FF2B5EF4-FFF2-40B4-BE49-F238E27FC236}">
-                <a16:creationId xmlns:a16="http://schemas.microsoft.com/office/drawing/2014/main" id="{7F763EF3-0040-EE90-19E4-127BE1D6BB44}"/>
+          <p:cNvPr id="9" name="Picture 12" descr="piensasolutions.com (@piensasolutions) / X">
+            <a:extLst>
+              <a:ext uri="{FF2B5EF4-FFF2-40B4-BE49-F238E27FC236}">
+                <a16:creationId xmlns:a16="http://schemas.microsoft.com/office/drawing/2014/main" id="{4E5A405B-BC34-EB80-85B3-0F8B7DA13277}"/>
               </a:ext>
             </a:extLst>
           </p:cNvPr>
@@ -6895,8 +10336,8 @@
         </p:blipFill>
         <p:spPr bwMode="auto">
           <a:xfrm>
-            <a:off x="523081" y="4166365"/>
-            <a:ext cx="337511" cy="337511"/>
+            <a:off x="6179975" y="1048811"/>
+            <a:ext cx="286139" cy="286139"/>
           </a:xfrm>
           <a:prstGeom prst="rect">
             <a:avLst/>
@@ -6915,10 +10356,10 @@
       </p:pic>
       <p:pic>
         <p:nvPicPr>
-          <p:cNvPr id="8" name="Picture 10" descr="Microsoft SharePoint - Viquipèdia, l'enciclopèdia lliure">
-            <a:extLst>
-              <a:ext uri="{FF2B5EF4-FFF2-40B4-BE49-F238E27FC236}">
-                <a16:creationId xmlns:a16="http://schemas.microsoft.com/office/drawing/2014/main" id="{2B25F5F6-9E8E-9549-16A6-45D626852B09}"/>
+          <p:cNvPr id="11" name="Picture 4">
+            <a:extLst>
+              <a:ext uri="{FF2B5EF4-FFF2-40B4-BE49-F238E27FC236}">
+                <a16:creationId xmlns:a16="http://schemas.microsoft.com/office/drawing/2014/main" id="{4B836BC7-1C6B-5BEE-0EBA-9C5B0CCBD9E7}"/>
               </a:ext>
             </a:extLst>
           </p:cNvPr>
@@ -6942,8 +10383,8 @@
         </p:blipFill>
         <p:spPr bwMode="auto">
           <a:xfrm>
-            <a:off x="476714" y="2485316"/>
-            <a:ext cx="346999" cy="338918"/>
+            <a:off x="446736" y="2213114"/>
+            <a:ext cx="292101" cy="191687"/>
           </a:xfrm>
           <a:prstGeom prst="rect">
             <a:avLst/>
@@ -6962,10 +10403,10 @@
       </p:pic>
       <p:pic>
         <p:nvPicPr>
-          <p:cNvPr id="9" name="Picture 12" descr="piensasolutions.com (@piensasolutions) / X">
-            <a:extLst>
-              <a:ext uri="{FF2B5EF4-FFF2-40B4-BE49-F238E27FC236}">
-                <a16:creationId xmlns:a16="http://schemas.microsoft.com/office/drawing/2014/main" id="{4E5A405B-BC34-EB80-85B3-0F8B7DA13277}"/>
+          <p:cNvPr id="12" name="Picture 6" descr="mail Vector Icons free download in SVG, PNG Format">
+            <a:extLst>
+              <a:ext uri="{FF2B5EF4-FFF2-40B4-BE49-F238E27FC236}">
+                <a16:creationId xmlns:a16="http://schemas.microsoft.com/office/drawing/2014/main" id="{114E7F47-D234-9D86-8AAE-2146955A256B}"/>
               </a:ext>
             </a:extLst>
           </p:cNvPr>
@@ -6977,6 +10418,15 @@
         <p:blipFill>
           <a:blip r:embed="rId5">
             <a:extLst>
+              <a:ext uri="{BEBA8EAE-BF5A-486C-A8C5-ECC9F3942E4B}">
+                <a14:imgProps xmlns:a14="http://schemas.microsoft.com/office/drawing/2010/main">
+                  <a14:imgLayer r:embed="rId6">
+                    <a14:imgEffect>
+                      <a14:brightnessContrast bright="100000"/>
+                    </a14:imgEffect>
+                  </a14:imgLayer>
+                </a14:imgProps>
+              </a:ext>
               <a:ext uri="{28A0092B-C50C-407E-A947-70E740481C1C}">
                 <a14:useLocalDpi xmlns:a14="http://schemas.microsoft.com/office/drawing/2010/main" val="0"/>
               </a:ext>
@@ -6989,8 +10439,8 @@
         </p:blipFill>
         <p:spPr bwMode="auto">
           <a:xfrm>
-            <a:off x="444268" y="3274877"/>
-            <a:ext cx="758890" cy="758890"/>
+            <a:off x="446736" y="1080610"/>
+            <a:ext cx="307458" cy="307458"/>
           </a:xfrm>
           <a:prstGeom prst="rect">
             <a:avLst/>
@@ -7007,156 +10457,388 @@
           </a:extLst>
         </p:spPr>
       </p:pic>
-      <p:pic>
-        <p:nvPicPr>
-          <p:cNvPr id="10" name="Picture 2" descr="Service Desk Jira | Rootstack">
-            <a:extLst>
-              <a:ext uri="{FF2B5EF4-FFF2-40B4-BE49-F238E27FC236}">
-                <a16:creationId xmlns:a16="http://schemas.microsoft.com/office/drawing/2014/main" id="{B79734C5-65FC-56D4-1262-F73C1669053B}"/>
-              </a:ext>
-            </a:extLst>
-          </p:cNvPr>
-          <p:cNvPicPr>
-            <a:picLocks noChangeAspect="1" noChangeArrowheads="1"/>
-          </p:cNvPicPr>
-          <p:nvPr/>
-        </p:nvPicPr>
-        <p:blipFill>
-          <a:blip r:embed="rId6">
-            <a:extLst>
-              <a:ext uri="{28A0092B-C50C-407E-A947-70E740481C1C}">
-                <a14:useLocalDpi xmlns:a14="http://schemas.microsoft.com/office/drawing/2010/main" val="0"/>
-              </a:ext>
-            </a:extLst>
-          </a:blip>
-          <a:srcRect/>
-          <a:stretch>
-            <a:fillRect/>
-          </a:stretch>
-        </p:blipFill>
-        <p:spPr bwMode="auto">
-          <a:xfrm>
-            <a:off x="9900713" y="2029671"/>
-            <a:ext cx="1438130" cy="455645"/>
+      <p:sp>
+        <p:nvSpPr>
+          <p:cNvPr id="4" name="CuadroTexto 3">
+            <a:extLst>
+              <a:ext uri="{FF2B5EF4-FFF2-40B4-BE49-F238E27FC236}">
+                <a16:creationId xmlns:a16="http://schemas.microsoft.com/office/drawing/2014/main" id="{CCEF71FB-7C9A-B240-46C9-538D3B162D4A}"/>
+              </a:ext>
+            </a:extLst>
+          </p:cNvPr>
+          <p:cNvSpPr txBox="1"/>
+          <p:nvPr/>
+        </p:nvSpPr>
+        <p:spPr>
+          <a:xfrm>
+            <a:off x="383083" y="1428446"/>
+            <a:ext cx="5373906" cy="369332"/>
           </a:xfrm>
           <a:prstGeom prst="rect">
             <a:avLst/>
           </a:prstGeom>
           <a:noFill/>
-          <a:extLst>
-            <a:ext uri="{909E8E84-426E-40DD-AFC4-6F175D3DCCD1}">
-              <a14:hiddenFill xmlns:a14="http://schemas.microsoft.com/office/drawing/2010/main">
-                <a:solidFill>
-                  <a:srgbClr val="FFFFFF"/>
-                </a:solidFill>
-              </a14:hiddenFill>
-            </a:ext>
-          </a:extLst>
-        </p:spPr>
-      </p:pic>
-      <p:pic>
-        <p:nvPicPr>
-          <p:cNvPr id="11" name="Picture 4">
-            <a:extLst>
-              <a:ext uri="{FF2B5EF4-FFF2-40B4-BE49-F238E27FC236}">
-                <a16:creationId xmlns:a16="http://schemas.microsoft.com/office/drawing/2014/main" id="{4B836BC7-1C6B-5BEE-0EBA-9C5B0CCBD9E7}"/>
-              </a:ext>
-            </a:extLst>
-          </p:cNvPr>
-          <p:cNvPicPr>
-            <a:picLocks noChangeAspect="1" noChangeArrowheads="1"/>
-          </p:cNvPicPr>
-          <p:nvPr/>
-        </p:nvPicPr>
-        <p:blipFill>
-          <a:blip r:embed="rId7">
-            <a:extLst>
-              <a:ext uri="{28A0092B-C50C-407E-A947-70E740481C1C}">
-                <a14:useLocalDpi xmlns:a14="http://schemas.microsoft.com/office/drawing/2010/main" val="0"/>
-              </a:ext>
-            </a:extLst>
-          </a:blip>
-          <a:srcRect/>
-          <a:stretch>
-            <a:fillRect/>
-          </a:stretch>
-        </p:blipFill>
-        <p:spPr bwMode="auto">
-          <a:xfrm>
-            <a:off x="454349" y="1901137"/>
-            <a:ext cx="391731" cy="257068"/>
+        </p:spPr>
+        <p:txBody>
+          <a:bodyPr wrap="square" rtlCol="0">
+            <a:spAutoFit/>
+          </a:bodyPr>
+          <a:lstStyle/>
+          <a:p>
+            <a:r>
+              <a:rPr lang="es-ES" sz="1000" b="1" dirty="0">
+                <a:solidFill>
+                  <a:schemeClr val="bg1"/>
+                </a:solidFill>
+              </a:rPr>
+              <a:t>Email</a:t>
+            </a:r>
+          </a:p>
+          <a:p>
+            <a:r>
+              <a:rPr lang="es-ES" sz="800" dirty="0">
+                <a:solidFill>
+                  <a:srgbClr val="CC99FF"/>
+                </a:solidFill>
+              </a:rPr>
+              <a:t>Click see more</a:t>
+            </a:r>
+          </a:p>
+        </p:txBody>
+      </p:sp>
+      <p:sp>
+        <p:nvSpPr>
+          <p:cNvPr id="16" name="CuadroTexto 15">
+            <a:extLst>
+              <a:ext uri="{FF2B5EF4-FFF2-40B4-BE49-F238E27FC236}">
+                <a16:creationId xmlns:a16="http://schemas.microsoft.com/office/drawing/2014/main" id="{1EFB295E-1D17-5BEC-A604-BF678C565DFE}"/>
+              </a:ext>
+            </a:extLst>
+          </p:cNvPr>
+          <p:cNvSpPr txBox="1"/>
+          <p:nvPr/>
+        </p:nvSpPr>
+        <p:spPr>
+          <a:xfrm>
+            <a:off x="383083" y="2466203"/>
+            <a:ext cx="5373906" cy="523220"/>
           </a:xfrm>
           <a:prstGeom prst="rect">
             <a:avLst/>
           </a:prstGeom>
           <a:noFill/>
-          <a:extLst>
-            <a:ext uri="{909E8E84-426E-40DD-AFC4-6F175D3DCCD1}">
-              <a14:hiddenFill xmlns:a14="http://schemas.microsoft.com/office/drawing/2010/main">
-                <a:solidFill>
-                  <a:srgbClr val="FFFFFF"/>
-                </a:solidFill>
-              </a14:hiddenFill>
-            </a:ext>
-          </a:extLst>
-        </p:spPr>
-      </p:pic>
-      <p:pic>
-        <p:nvPicPr>
-          <p:cNvPr id="12" name="Picture 6" descr="mail Vector Icons free download in SVG, PNG Format">
-            <a:extLst>
-              <a:ext uri="{FF2B5EF4-FFF2-40B4-BE49-F238E27FC236}">
-                <a16:creationId xmlns:a16="http://schemas.microsoft.com/office/drawing/2014/main" id="{114E7F47-D234-9D86-8AAE-2146955A256B}"/>
-              </a:ext>
-            </a:extLst>
-          </p:cNvPr>
-          <p:cNvPicPr>
-            <a:picLocks noChangeAspect="1" noChangeArrowheads="1"/>
-          </p:cNvPicPr>
-          <p:nvPr/>
-        </p:nvPicPr>
-        <p:blipFill>
-          <a:blip r:embed="rId8">
-            <a:extLst>
-              <a:ext uri="{BEBA8EAE-BF5A-486C-A8C5-ECC9F3942E4B}">
-                <a14:imgProps xmlns:a14="http://schemas.microsoft.com/office/drawing/2010/main">
-                  <a14:imgLayer r:embed="rId9">
-                    <a14:imgEffect>
-                      <a14:brightnessContrast bright="100000"/>
-                    </a14:imgEffect>
-                  </a14:imgLayer>
-                </a14:imgProps>
-              </a:ext>
-              <a:ext uri="{28A0092B-C50C-407E-A947-70E740481C1C}">
-                <a14:useLocalDpi xmlns:a14="http://schemas.microsoft.com/office/drawing/2010/main" val="0"/>
-              </a:ext>
-            </a:extLst>
-          </a:blip>
-          <a:srcRect/>
-          <a:stretch>
-            <a:fillRect/>
-          </a:stretch>
-        </p:blipFill>
-        <p:spPr bwMode="auto">
-          <a:xfrm>
-            <a:off x="468861" y="1140781"/>
-            <a:ext cx="391731" cy="391731"/>
+        </p:spPr>
+        <p:txBody>
+          <a:bodyPr wrap="square" rtlCol="0">
+            <a:spAutoFit/>
+          </a:bodyPr>
+          <a:lstStyle/>
+          <a:p>
+            <a:r>
+              <a:rPr lang="es-ES" sz="1000" b="1" dirty="0">
+                <a:solidFill>
+                  <a:schemeClr val="bg1"/>
+                </a:solidFill>
+              </a:rPr>
+              <a:t>OneDrive</a:t>
+            </a:r>
+          </a:p>
+          <a:p>
+            <a:r>
+              <a:rPr lang="es-ES" sz="1000" dirty="0">
+                <a:solidFill>
+                  <a:schemeClr val="bg1"/>
+                </a:solidFill>
+              </a:rPr>
+              <a:t>File storage System. The OneDrive </a:t>
+            </a:r>
+            <a:r>
+              <a:rPr lang="es-ES" sz="1000" dirty="0" err="1">
+                <a:solidFill>
+                  <a:schemeClr val="bg1"/>
+                </a:solidFill>
+              </a:rPr>
+              <a:t>is</a:t>
+            </a:r>
+            <a:r>
+              <a:rPr lang="es-ES" sz="1000" dirty="0">
+                <a:solidFill>
+                  <a:schemeClr val="bg1"/>
+                </a:solidFill>
+              </a:rPr>
+              <a:t> </a:t>
+            </a:r>
+            <a:r>
+              <a:rPr lang="es-ES" sz="1000" dirty="0" err="1">
+                <a:solidFill>
+                  <a:schemeClr val="bg1"/>
+                </a:solidFill>
+              </a:rPr>
+              <a:t>configured</a:t>
+            </a:r>
+            <a:r>
+              <a:rPr lang="es-ES" sz="1000" dirty="0">
+                <a:solidFill>
+                  <a:schemeClr val="bg1"/>
+                </a:solidFill>
+              </a:rPr>
+              <a:t> </a:t>
+            </a:r>
+            <a:r>
+              <a:rPr lang="es-ES" sz="1000" dirty="0" err="1">
+                <a:solidFill>
+                  <a:schemeClr val="bg1"/>
+                </a:solidFill>
+              </a:rPr>
+              <a:t>for</a:t>
+            </a:r>
+            <a:r>
+              <a:rPr lang="es-ES" sz="1000" dirty="0">
+                <a:solidFill>
+                  <a:schemeClr val="bg1"/>
+                </a:solidFill>
+              </a:rPr>
+              <a:t> the </a:t>
+            </a:r>
+            <a:r>
+              <a:rPr lang="es-ES" sz="1000" dirty="0" err="1">
+                <a:solidFill>
+                  <a:schemeClr val="bg1"/>
+                </a:solidFill>
+              </a:rPr>
+              <a:t>domain</a:t>
+            </a:r>
+            <a:r>
+              <a:rPr lang="es-ES" sz="1000" dirty="0">
+                <a:solidFill>
+                  <a:schemeClr val="bg1"/>
+                </a:solidFill>
+              </a:rPr>
+              <a:t> </a:t>
+            </a:r>
+            <a:r>
+              <a:rPr lang="es-ES" sz="1000" dirty="0">
+                <a:solidFill>
+                  <a:srgbClr val="CC99FF"/>
+                </a:solidFill>
+              </a:rPr>
+              <a:t>@groupmim.eu.</a:t>
+            </a:r>
+          </a:p>
+          <a:p>
+            <a:r>
+              <a:rPr lang="es-ES" sz="800" dirty="0">
+                <a:solidFill>
+                  <a:srgbClr val="CC99FF"/>
+                </a:solidFill>
+              </a:rPr>
+              <a:t>Click see more</a:t>
+            </a:r>
+          </a:p>
+        </p:txBody>
+      </p:sp>
+      <p:sp>
+        <p:nvSpPr>
+          <p:cNvPr id="19" name="CuadroTexto 18">
+            <a:extLst>
+              <a:ext uri="{FF2B5EF4-FFF2-40B4-BE49-F238E27FC236}">
+                <a16:creationId xmlns:a16="http://schemas.microsoft.com/office/drawing/2014/main" id="{E40E9EFF-9C4D-A25F-664C-AA899387E03F}"/>
+              </a:ext>
+            </a:extLst>
+          </p:cNvPr>
+          <p:cNvSpPr txBox="1"/>
+          <p:nvPr/>
+        </p:nvSpPr>
+        <p:spPr>
+          <a:xfrm>
+            <a:off x="383083" y="3682035"/>
+            <a:ext cx="5373906" cy="369332"/>
           </a:xfrm>
           <a:prstGeom prst="rect">
             <a:avLst/>
           </a:prstGeom>
           <a:noFill/>
-          <a:extLst>
-            <a:ext uri="{909E8E84-426E-40DD-AFC4-6F175D3DCCD1}">
-              <a14:hiddenFill xmlns:a14="http://schemas.microsoft.com/office/drawing/2010/main">
-                <a:solidFill>
-                  <a:srgbClr val="FFFFFF"/>
-                </a:solidFill>
-              </a14:hiddenFill>
-            </a:ext>
-          </a:extLst>
-        </p:spPr>
-      </p:pic>
+        </p:spPr>
+        <p:txBody>
+          <a:bodyPr wrap="square" rtlCol="0">
+            <a:spAutoFit/>
+          </a:bodyPr>
+          <a:lstStyle/>
+          <a:p>
+            <a:r>
+              <a:rPr lang="es-ES" sz="1000" b="1" dirty="0">
+                <a:solidFill>
+                  <a:schemeClr val="bg1"/>
+                </a:solidFill>
+              </a:rPr>
+              <a:t>Sharepoint</a:t>
+            </a:r>
+          </a:p>
+          <a:p>
+            <a:r>
+              <a:rPr lang="es-ES" sz="800" dirty="0">
+                <a:solidFill>
+                  <a:srgbClr val="CC99FF"/>
+                </a:solidFill>
+              </a:rPr>
+              <a:t>Click see more</a:t>
+            </a:r>
+          </a:p>
+        </p:txBody>
+      </p:sp>
+      <p:sp>
+        <p:nvSpPr>
+          <p:cNvPr id="25" name="CuadroTexto 24">
+            <a:extLst>
+              <a:ext uri="{FF2B5EF4-FFF2-40B4-BE49-F238E27FC236}">
+                <a16:creationId xmlns:a16="http://schemas.microsoft.com/office/drawing/2014/main" id="{3DD2964F-F6F0-8EBD-6BE8-9F3C4C5F2F9F}"/>
+              </a:ext>
+            </a:extLst>
+          </p:cNvPr>
+          <p:cNvSpPr txBox="1"/>
+          <p:nvPr/>
+        </p:nvSpPr>
+        <p:spPr>
+          <a:xfrm>
+            <a:off x="6076823" y="1421609"/>
+            <a:ext cx="5373906" cy="369332"/>
+          </a:xfrm>
+          <a:prstGeom prst="rect">
+            <a:avLst/>
+          </a:prstGeom>
+          <a:noFill/>
+        </p:spPr>
+        <p:txBody>
+          <a:bodyPr wrap="square" rtlCol="0">
+            <a:spAutoFit/>
+          </a:bodyPr>
+          <a:lstStyle/>
+          <a:p>
+            <a:r>
+              <a:rPr lang="es-ES" sz="1000" b="1" dirty="0">
+                <a:solidFill>
+                  <a:schemeClr val="bg1"/>
+                </a:solidFill>
+              </a:rPr>
+              <a:t>Hosting</a:t>
+            </a:r>
+          </a:p>
+          <a:p>
+            <a:r>
+              <a:rPr lang="es-ES" sz="800" dirty="0">
+                <a:solidFill>
+                  <a:srgbClr val="CC99FF"/>
+                </a:solidFill>
+              </a:rPr>
+              <a:t>Click see more</a:t>
+            </a:r>
+          </a:p>
+        </p:txBody>
+      </p:sp>
+      <p:sp>
+        <p:nvSpPr>
+          <p:cNvPr id="28" name="Rectángulo 27">
+            <a:extLst>
+              <a:ext uri="{FF2B5EF4-FFF2-40B4-BE49-F238E27FC236}">
+                <a16:creationId xmlns:a16="http://schemas.microsoft.com/office/drawing/2014/main" id="{219B6972-6921-0B66-BD92-AEFA89D8950F}"/>
+              </a:ext>
+            </a:extLst>
+          </p:cNvPr>
+          <p:cNvSpPr/>
+          <p:nvPr/>
+        </p:nvSpPr>
+        <p:spPr>
+          <a:xfrm>
+            <a:off x="5997325" y="2029671"/>
+            <a:ext cx="5550589" cy="995510"/>
+          </a:xfrm>
+          <a:prstGeom prst="rect">
+            <a:avLst/>
+          </a:prstGeom>
+          <a:solidFill>
+            <a:schemeClr val="tx1">
+              <a:lumMod val="75000"/>
+              <a:lumOff val="25000"/>
+            </a:schemeClr>
+          </a:solidFill>
+          <a:ln>
+            <a:noFill/>
+          </a:ln>
+        </p:spPr>
+        <p:style>
+          <a:lnRef idx="2">
+            <a:schemeClr val="accent1">
+              <a:shade val="15000"/>
+            </a:schemeClr>
+          </a:lnRef>
+          <a:fillRef idx="1">
+            <a:schemeClr val="accent1"/>
+          </a:fillRef>
+          <a:effectRef idx="0">
+            <a:schemeClr val="accent1"/>
+          </a:effectRef>
+          <a:fontRef idx="minor">
+            <a:schemeClr val="lt1"/>
+          </a:fontRef>
+        </p:style>
+        <p:txBody>
+          <a:bodyPr rtlCol="0" anchor="ctr"/>
+          <a:lstStyle/>
+          <a:p>
+            <a:pPr algn="ctr"/>
+            <a:endParaRPr lang="es-ES"/>
+          </a:p>
+        </p:txBody>
+      </p:sp>
+      <p:sp>
+        <p:nvSpPr>
+          <p:cNvPr id="29" name="CuadroTexto 28">
+            <a:extLst>
+              <a:ext uri="{FF2B5EF4-FFF2-40B4-BE49-F238E27FC236}">
+                <a16:creationId xmlns:a16="http://schemas.microsoft.com/office/drawing/2014/main" id="{36C4E8A4-F9C5-D63D-FAA6-997A1358DFDC}"/>
+              </a:ext>
+            </a:extLst>
+          </p:cNvPr>
+          <p:cNvSpPr txBox="1"/>
+          <p:nvPr/>
+        </p:nvSpPr>
+        <p:spPr>
+          <a:xfrm>
+            <a:off x="6076823" y="2540851"/>
+            <a:ext cx="5373906" cy="369332"/>
+          </a:xfrm>
+          <a:prstGeom prst="rect">
+            <a:avLst/>
+          </a:prstGeom>
+          <a:noFill/>
+        </p:spPr>
+        <p:txBody>
+          <a:bodyPr wrap="square" rtlCol="0">
+            <a:spAutoFit/>
+          </a:bodyPr>
+          <a:lstStyle/>
+          <a:p>
+            <a:r>
+              <a:rPr lang="es-ES" sz="1000" b="1" dirty="0">
+                <a:solidFill>
+                  <a:schemeClr val="bg1"/>
+                </a:solidFill>
+              </a:rPr>
+              <a:t>Qnap Server</a:t>
+            </a:r>
+          </a:p>
+          <a:p>
+            <a:r>
+              <a:rPr lang="es-ES" sz="800" dirty="0">
+                <a:solidFill>
+                  <a:srgbClr val="CC99FF"/>
+                </a:solidFill>
+              </a:rPr>
+              <a:t>Click see more</a:t>
+            </a:r>
+          </a:p>
+        </p:txBody>
+      </p:sp>
     </p:spTree>
     <p:extLst>
       <p:ext uri="{BB962C8B-B14F-4D97-AF65-F5344CB8AC3E}">
@@ -7202,7 +10884,7 @@
         <p:spPr>
           <a:xfrm>
             <a:off x="230282" y="955984"/>
-            <a:ext cx="11595949" cy="1815882"/>
+            <a:ext cx="11595949" cy="3970318"/>
           </a:xfrm>
           <a:prstGeom prst="rect">
             <a:avLst/>
@@ -7216,102 +10898,430 @@
           <a:lstStyle/>
           <a:p>
             <a:r>
+              <a:rPr lang="en-GB" sz="1400" b="1" dirty="0">
+                <a:solidFill>
+                  <a:srgbClr val="CC99FF"/>
+                </a:solidFill>
+              </a:rPr>
+              <a:t>General</a:t>
+            </a:r>
+          </a:p>
+          <a:p>
+            <a:pPr marL="285750" indent="-285750">
+              <a:buFont typeface="Arial" panose="020B0604020202020204" pitchFamily="34" charset="0"/>
+              <a:buChar char="•"/>
+            </a:pPr>
+            <a:r>
               <a:rPr lang="en-GB" sz="1400" dirty="0">
                 <a:solidFill>
                   <a:schemeClr val="bg1"/>
                 </a:solidFill>
               </a:rPr>
-              <a:t>Tidio is a ticketing tool for customer service. When an incidence occurs, an user opens a ticket that Will be handled by an agent.</a:t>
-            </a:r>
-          </a:p>
-          <a:p>
-            <a:endParaRPr lang="en-GB" sz="1400" dirty="0">
+              <a:t>La </a:t>
+            </a:r>
+            <a:r>
+              <a:rPr lang="en-GB" sz="1400" b="1" dirty="0">
+                <a:solidFill>
+                  <a:srgbClr val="FFC000"/>
+                </a:solidFill>
+              </a:rPr>
+              <a:t>Botiga Market</a:t>
+            </a:r>
+          </a:p>
+          <a:p>
+            <a:pPr marL="742950" lvl="1" indent="-285750">
+              <a:buFont typeface="Arial" panose="020B0604020202020204" pitchFamily="34" charset="0"/>
+              <a:buChar char="•"/>
+            </a:pPr>
+            <a:r>
+              <a:rPr lang="en-GB" sz="1400" dirty="0">
+                <a:solidFill>
+                  <a:schemeClr val="bg1"/>
+                </a:solidFill>
+              </a:rPr>
+              <a:t>@labotigadullastrell.cat</a:t>
+            </a:r>
+          </a:p>
+          <a:p>
+            <a:pPr marL="742950" lvl="1" indent="-285750">
+              <a:buFont typeface="Arial" panose="020B0604020202020204" pitchFamily="34" charset="0"/>
+              <a:buChar char="•"/>
+            </a:pPr>
+            <a:r>
+              <a:rPr lang="en-GB" sz="1400" dirty="0">
+                <a:solidFill>
+                  <a:schemeClr val="bg1"/>
+                </a:solidFill>
+              </a:rPr>
+              <a:t>@labotigaullastrell.com</a:t>
+            </a:r>
+          </a:p>
+          <a:p>
+            <a:pPr marL="285750" indent="-285750">
+              <a:buFont typeface="Arial" panose="020B0604020202020204" pitchFamily="34" charset="0"/>
+              <a:buChar char="•"/>
+            </a:pPr>
+            <a:r>
+              <a:rPr lang="en-GB" sz="1400" dirty="0">
+                <a:solidFill>
+                  <a:schemeClr val="bg1"/>
+                </a:solidFill>
+              </a:rPr>
+              <a:t>Group </a:t>
+            </a:r>
+            <a:r>
+              <a:rPr lang="en-GB" sz="1400" b="1" dirty="0">
+                <a:solidFill>
+                  <a:srgbClr val="FC8C8C"/>
+                </a:solidFill>
+              </a:rPr>
+              <a:t>MIM</a:t>
+            </a:r>
+            <a:r>
+              <a:rPr lang="en-GB" sz="1400" dirty="0">
+                <a:solidFill>
+                  <a:schemeClr val="bg1"/>
+                </a:solidFill>
+              </a:rPr>
+              <a:t> </a:t>
+            </a:r>
+          </a:p>
+          <a:p>
+            <a:pPr marL="742950" lvl="1" indent="-285750">
+              <a:buFont typeface="Arial" panose="020B0604020202020204" pitchFamily="34" charset="0"/>
+              <a:buChar char="•"/>
+            </a:pPr>
+            <a:r>
+              <a:rPr lang="en-GB" sz="1400" dirty="0">
+                <a:solidFill>
+                  <a:schemeClr val="bg1"/>
+                </a:solidFill>
+              </a:rPr>
+              <a:t>@group-mim.com</a:t>
+            </a:r>
+          </a:p>
+          <a:p>
+            <a:pPr marL="285750" indent="-285750">
+              <a:buFont typeface="Arial" panose="020B0604020202020204" pitchFamily="34" charset="0"/>
+              <a:buChar char="•"/>
+            </a:pPr>
+            <a:r>
+              <a:rPr lang="en-GB" sz="1400" b="1" dirty="0">
+                <a:solidFill>
+                  <a:srgbClr val="FC8C8C"/>
+                </a:solidFill>
+              </a:rPr>
+              <a:t>MIM</a:t>
+            </a:r>
+            <a:r>
+              <a:rPr lang="en-GB" sz="1400" dirty="0">
+                <a:solidFill>
+                  <a:schemeClr val="bg1"/>
+                </a:solidFill>
+              </a:rPr>
+              <a:t> </a:t>
+            </a:r>
+            <a:r>
+              <a:rPr lang="en-GB" sz="1400" b="1" dirty="0">
+                <a:solidFill>
+                  <a:srgbClr val="FFC000"/>
+                </a:solidFill>
+              </a:rPr>
+              <a:t>Spare</a:t>
+            </a:r>
+          </a:p>
+          <a:p>
+            <a:pPr marL="742950" lvl="1" indent="-285750">
+              <a:buFont typeface="Arial" panose="020B0604020202020204" pitchFamily="34" charset="0"/>
+              <a:buChar char="•"/>
+            </a:pPr>
+            <a:r>
+              <a:rPr lang="en-GB" sz="1400" dirty="0">
+                <a:solidFill>
+                  <a:schemeClr val="bg1"/>
+                </a:solidFill>
+              </a:rPr>
+              <a:t>@mimspare.com</a:t>
+            </a:r>
+          </a:p>
+          <a:p>
+            <a:pPr marL="285750" indent="-285750">
+              <a:buFont typeface="Arial" panose="020B0604020202020204" pitchFamily="34" charset="0"/>
+              <a:buChar char="•"/>
+            </a:pPr>
+            <a:r>
+              <a:rPr lang="en-GB" sz="1400" b="1" dirty="0">
+                <a:solidFill>
+                  <a:srgbClr val="FC8C8C"/>
+                </a:solidFill>
+              </a:rPr>
+              <a:t>MIM</a:t>
+            </a:r>
+            <a:r>
+              <a:rPr lang="en-GB" sz="1400" dirty="0">
+                <a:solidFill>
+                  <a:schemeClr val="bg1"/>
+                </a:solidFill>
+              </a:rPr>
+              <a:t> </a:t>
+            </a:r>
+            <a:r>
+              <a:rPr lang="en-GB" sz="1400" b="1" dirty="0">
+                <a:solidFill>
+                  <a:srgbClr val="FC8C8C"/>
+                </a:solidFill>
+              </a:rPr>
+              <a:t>Patchworkservice</a:t>
+            </a:r>
+          </a:p>
+          <a:p>
+            <a:pPr marL="742950" lvl="1" indent="-285750">
+              <a:buFont typeface="Arial" panose="020B0604020202020204" pitchFamily="34" charset="0"/>
+              <a:buChar char="•"/>
+            </a:pPr>
+            <a:r>
+              <a:rPr lang="en-GB" sz="1400" dirty="0">
+                <a:solidFill>
+                  <a:schemeClr val="bg1"/>
+                </a:solidFill>
+              </a:rPr>
+              <a:t>@mimpatchworkservice.com</a:t>
+            </a:r>
+          </a:p>
+          <a:p>
+            <a:pPr marL="742950" lvl="1" indent="-285750">
+              <a:buFont typeface="Arial" panose="020B0604020202020204" pitchFamily="34" charset="0"/>
+              <a:buChar char="•"/>
+            </a:pPr>
+            <a:r>
+              <a:rPr lang="en-GB" sz="1400" dirty="0">
+                <a:solidFill>
+                  <a:schemeClr val="bg1"/>
+                </a:solidFill>
+              </a:rPr>
+              <a:t>@mimpatchowrkservice.cat</a:t>
+            </a:r>
+          </a:p>
+          <a:p>
+            <a:pPr marL="285750" indent="-285750">
+              <a:buFont typeface="Arial" panose="020B0604020202020204" pitchFamily="34" charset="0"/>
+              <a:buChar char="•"/>
+            </a:pPr>
+            <a:r>
+              <a:rPr lang="en-GB" sz="1400" b="1" dirty="0">
+                <a:solidFill>
+                  <a:srgbClr val="FC8C8C"/>
+                </a:solidFill>
+              </a:rPr>
+              <a:t>MIM</a:t>
+            </a:r>
+            <a:r>
+              <a:rPr lang="en-GB" sz="1400" dirty="0">
+                <a:solidFill>
+                  <a:schemeClr val="bg1"/>
+                </a:solidFill>
+              </a:rPr>
+              <a:t> </a:t>
+            </a:r>
+            <a:r>
+              <a:rPr lang="en-GB" sz="1400" b="1" dirty="0">
+                <a:solidFill>
+                  <a:schemeClr val="tx1">
+                    <a:lumMod val="50000"/>
+                    <a:lumOff val="50000"/>
+                  </a:schemeClr>
+                </a:solidFill>
+              </a:rPr>
+              <a:t>Maintenance</a:t>
+            </a:r>
+          </a:p>
+          <a:p>
+            <a:pPr marL="742950" lvl="1" indent="-285750">
+              <a:buFont typeface="Arial" panose="020B0604020202020204" pitchFamily="34" charset="0"/>
+              <a:buChar char="•"/>
+            </a:pPr>
+            <a:r>
+              <a:rPr lang="en-GB" sz="1400" dirty="0">
+                <a:solidFill>
+                  <a:schemeClr val="bg1"/>
+                </a:solidFill>
+              </a:rPr>
+              <a:t>@mimaintenance.com</a:t>
+            </a:r>
+          </a:p>
+          <a:p>
+            <a:pPr marL="285750" indent="-285750">
+              <a:buFont typeface="Arial" panose="020B0604020202020204" pitchFamily="34" charset="0"/>
+              <a:buChar char="•"/>
+            </a:pPr>
+            <a:r>
+              <a:rPr lang="en-GB" sz="1400" b="1" dirty="0">
+                <a:solidFill>
+                  <a:srgbClr val="FC8C8C"/>
+                </a:solidFill>
+              </a:rPr>
+              <a:t>MIM</a:t>
+            </a:r>
+            <a:r>
+              <a:rPr lang="en-GB" sz="1400" dirty="0">
+                <a:solidFill>
+                  <a:schemeClr val="bg1"/>
+                </a:solidFill>
+              </a:rPr>
+              <a:t> </a:t>
+            </a:r>
+            <a:r>
+              <a:rPr lang="en-GB" sz="1400" b="1" dirty="0">
+                <a:solidFill>
+                  <a:schemeClr val="accent1">
+                    <a:lumMod val="40000"/>
+                    <a:lumOff val="60000"/>
+                  </a:schemeClr>
+                </a:solidFill>
+              </a:rPr>
+              <a:t>Net</a:t>
+            </a:r>
+          </a:p>
+          <a:p>
+            <a:pPr marL="742950" lvl="1" indent="-285750">
+              <a:buFont typeface="Arial" panose="020B0604020202020204" pitchFamily="34" charset="0"/>
+              <a:buChar char="•"/>
+            </a:pPr>
+            <a:r>
+              <a:rPr lang="en-GB" sz="1400" dirty="0">
+                <a:solidFill>
+                  <a:schemeClr val="bg1"/>
+                </a:solidFill>
+              </a:rPr>
+              <a:t>@mim-net.com</a:t>
+            </a:r>
+          </a:p>
+          <a:p>
+            <a:pPr marL="285750" indent="-285750">
+              <a:buFont typeface="Arial" panose="020B0604020202020204" pitchFamily="34" charset="0"/>
+              <a:buChar char="•"/>
+            </a:pPr>
+            <a:r>
+              <a:rPr lang="en-GB" sz="1400" b="1" dirty="0">
+                <a:solidFill>
+                  <a:srgbClr val="FC8C8C"/>
+                </a:solidFill>
+              </a:rPr>
+              <a:t>MIM</a:t>
+            </a:r>
+            <a:r>
+              <a:rPr lang="en-GB" sz="1400" dirty="0">
+                <a:solidFill>
+                  <a:schemeClr val="bg1"/>
+                </a:solidFill>
+              </a:rPr>
+              <a:t> </a:t>
+            </a:r>
+            <a:r>
+              <a:rPr lang="en-GB" sz="1400" b="1" dirty="0">
+                <a:solidFill>
+                  <a:srgbClr val="FC8C8C"/>
+                </a:solidFill>
+              </a:rPr>
+              <a:t>Metal</a:t>
+            </a:r>
+          </a:p>
+          <a:p>
+            <a:pPr marL="742950" lvl="1" indent="-285750">
+              <a:buFont typeface="Arial" panose="020B0604020202020204" pitchFamily="34" charset="0"/>
+              <a:buChar char="•"/>
+            </a:pPr>
+            <a:r>
+              <a:rPr lang="en-GB" sz="1400" dirty="0">
+                <a:solidFill>
+                  <a:schemeClr val="bg1"/>
+                </a:solidFill>
+              </a:rPr>
+              <a:t>@mimetall.cat</a:t>
+            </a:r>
+          </a:p>
+          <a:p>
+            <a:pPr marL="742950" lvl="1" indent="-285750">
+              <a:buFont typeface="Arial" panose="020B0604020202020204" pitchFamily="34" charset="0"/>
+              <a:buChar char="•"/>
+            </a:pPr>
+            <a:r>
+              <a:rPr lang="en-GB" sz="1400" dirty="0">
+                <a:solidFill>
+                  <a:schemeClr val="bg1"/>
+                </a:solidFill>
+              </a:rPr>
+              <a:t>@mimetall.com</a:t>
+            </a:r>
+          </a:p>
+        </p:txBody>
+      </p:sp>
+      <p:sp>
+        <p:nvSpPr>
+          <p:cNvPr id="2" name="CuadroTexto 1">
+            <a:extLst>
+              <a:ext uri="{FF2B5EF4-FFF2-40B4-BE49-F238E27FC236}">
+                <a16:creationId xmlns:a16="http://schemas.microsoft.com/office/drawing/2014/main" id="{BAEA0D98-05E4-E10D-EB44-AD566BE7CA96}"/>
+              </a:ext>
+            </a:extLst>
+          </p:cNvPr>
+          <p:cNvSpPr txBox="1"/>
+          <p:nvPr/>
+        </p:nvSpPr>
+        <p:spPr>
+          <a:xfrm>
+            <a:off x="1272778" y="271692"/>
+            <a:ext cx="7227565" cy="369332"/>
+          </a:xfrm>
+          <a:prstGeom prst="rect">
+            <a:avLst/>
+          </a:prstGeom>
+          <a:noFill/>
+        </p:spPr>
+        <p:txBody>
+          <a:bodyPr wrap="square" rtlCol="0">
+            <a:spAutoFit/>
+          </a:bodyPr>
+          <a:lstStyle/>
+          <a:p>
+            <a:r>
+              <a:rPr lang="es-ES" b="1" dirty="0" err="1">
+                <a:solidFill>
+                  <a:schemeClr val="bg1"/>
+                </a:solidFill>
+              </a:rPr>
+              <a:t>Domains</a:t>
+            </a:r>
+            <a:r>
+              <a:rPr lang="es-ES" b="1" dirty="0">
+                <a:solidFill>
+                  <a:schemeClr val="bg1"/>
+                </a:solidFill>
+              </a:rPr>
+              <a:t> </a:t>
+            </a:r>
+            <a:r>
+              <a:rPr lang="es-ES" b="1" dirty="0" err="1">
+                <a:solidFill>
+                  <a:schemeClr val="bg1"/>
+                </a:solidFill>
+              </a:rPr>
+              <a:t>list</a:t>
+            </a:r>
+            <a:endParaRPr lang="es-ES" b="1" dirty="0">
               <a:solidFill>
                 <a:schemeClr val="bg1"/>
               </a:solidFill>
             </a:endParaRPr>
           </a:p>
-          <a:p>
-            <a:r>
-              <a:rPr lang="en-GB" sz="1400" b="1" dirty="0">
-                <a:solidFill>
-                  <a:schemeClr val="bg1"/>
-                </a:solidFill>
-              </a:rPr>
-              <a:t>Used by</a:t>
-            </a:r>
-          </a:p>
-          <a:p>
-            <a:pPr marL="285750" indent="-285750">
-              <a:buFont typeface="Arial" panose="020B0604020202020204" pitchFamily="34" charset="0"/>
-              <a:buChar char="•"/>
-            </a:pPr>
-            <a:r>
-              <a:rPr lang="en-GB" sz="1400" dirty="0">
-                <a:solidFill>
-                  <a:schemeClr val="bg1"/>
-                </a:solidFill>
-              </a:rPr>
-              <a:t>La Botiga Market</a:t>
-            </a:r>
-          </a:p>
-          <a:p>
-            <a:pPr marL="285750" indent="-285750">
-              <a:buFont typeface="Arial" panose="020B0604020202020204" pitchFamily="34" charset="0"/>
-              <a:buChar char="•"/>
-            </a:pPr>
-            <a:r>
-              <a:rPr lang="en-GB" sz="1400" dirty="0">
-                <a:solidFill>
-                  <a:schemeClr val="bg1"/>
-                </a:solidFill>
-              </a:rPr>
-              <a:t>MIM Spare</a:t>
-            </a:r>
-          </a:p>
-          <a:p>
-            <a:pPr marL="285750" indent="-285750">
-              <a:buFont typeface="Arial" panose="020B0604020202020204" pitchFamily="34" charset="0"/>
-              <a:buChar char="•"/>
-            </a:pPr>
-            <a:endParaRPr lang="en-GB" sz="1400" dirty="0">
-              <a:solidFill>
-                <a:schemeClr val="bg1"/>
-              </a:solidFill>
-            </a:endParaRPr>
-          </a:p>
-          <a:p>
-            <a:r>
-              <a:rPr lang="en-GB" sz="1400" b="1" dirty="0">
-                <a:solidFill>
-                  <a:schemeClr val="bg1"/>
-                </a:solidFill>
-              </a:rPr>
-              <a:t>Main accounts</a:t>
-            </a:r>
-          </a:p>
-          <a:p>
-            <a:pPr marL="285750" indent="-285750">
-              <a:buFont typeface="Arial" panose="020B0604020202020204" pitchFamily="34" charset="0"/>
-              <a:buChar char="•"/>
-            </a:pPr>
-            <a:r>
-              <a:rPr lang="en-GB" sz="1400" dirty="0">
-                <a:solidFill>
-                  <a:schemeClr val="bg1"/>
-                </a:solidFill>
-              </a:rPr>
-              <a:t>admin@businessnamedomain</a:t>
-            </a:r>
-          </a:p>
-        </p:txBody>
-      </p:sp>
-      <p:sp>
-        <p:nvSpPr>
-          <p:cNvPr id="2" name="CuadroTexto 1">
-            <a:extLst>
-              <a:ext uri="{FF2B5EF4-FFF2-40B4-BE49-F238E27FC236}">
-                <a16:creationId xmlns:a16="http://schemas.microsoft.com/office/drawing/2014/main" id="{BAEA0D98-05E4-E10D-EB44-AD566BE7CA96}"/>
+        </p:txBody>
+      </p:sp>
+      <p:sp>
+        <p:nvSpPr>
+          <p:cNvPr id="3" name="CuadroTexto 2">
+            <a:extLst>
+              <a:ext uri="{FF2B5EF4-FFF2-40B4-BE49-F238E27FC236}">
+                <a16:creationId xmlns:a16="http://schemas.microsoft.com/office/drawing/2014/main" id="{DC563E51-BCA8-57FB-C8E8-C22BB50E317E}"/>
               </a:ext>
             </a:extLst>
           </p:cNvPr>
@@ -7320,8 +11330,8 @@
         </p:nvSpPr>
         <p:spPr>
           <a:xfrm>
-            <a:off x="1272778" y="271692"/>
-            <a:ext cx="7227565" cy="369332"/>
+            <a:off x="230283" y="271692"/>
+            <a:ext cx="856837" cy="369332"/>
           </a:xfrm>
           <a:prstGeom prst="rect">
             <a:avLst/>
@@ -7340,46 +11350,7 @@
                   <a:schemeClr val="bg1"/>
                 </a:solidFill>
               </a:rPr>
-              <a:t>Tidio</a:t>
-            </a:r>
-          </a:p>
-        </p:txBody>
-      </p:sp>
-      <p:sp>
-        <p:nvSpPr>
-          <p:cNvPr id="3" name="CuadroTexto 2">
-            <a:extLst>
-              <a:ext uri="{FF2B5EF4-FFF2-40B4-BE49-F238E27FC236}">
-                <a16:creationId xmlns:a16="http://schemas.microsoft.com/office/drawing/2014/main" id="{DC563E51-BCA8-57FB-C8E8-C22BB50E317E}"/>
-              </a:ext>
-            </a:extLst>
-          </p:cNvPr>
-          <p:cNvSpPr txBox="1"/>
-          <p:nvPr/>
-        </p:nvSpPr>
-        <p:spPr>
-          <a:xfrm>
-            <a:off x="230283" y="271692"/>
-            <a:ext cx="856837" cy="369332"/>
-          </a:xfrm>
-          <a:prstGeom prst="rect">
-            <a:avLst/>
-          </a:prstGeom>
-          <a:noFill/>
-        </p:spPr>
-        <p:txBody>
-          <a:bodyPr wrap="square" rtlCol="0">
-            <a:spAutoFit/>
-          </a:bodyPr>
-          <a:lstStyle/>
-          <a:p>
-            <a:r>
-              <a:rPr lang="es-ES" b="1" dirty="0">
-                <a:solidFill>
-                  <a:schemeClr val="bg1"/>
-                </a:solidFill>
-              </a:rPr>
-              <a:t>Apps</a:t>
+              <a:t>Core</a:t>
             </a:r>
           </a:p>
         </p:txBody>
@@ -7457,10 +11428,10 @@
       </p:grpSpPr>
       <p:sp>
         <p:nvSpPr>
-          <p:cNvPr id="2" name="CuadroTexto 1">
-            <a:extLst>
-              <a:ext uri="{FF2B5EF4-FFF2-40B4-BE49-F238E27FC236}">
-                <a16:creationId xmlns:a16="http://schemas.microsoft.com/office/drawing/2014/main" id="{BAEA0D98-05E4-E10D-EB44-AD566BE7CA96}"/>
+          <p:cNvPr id="38" name="CuadroTexto 37">
+            <a:extLst>
+              <a:ext uri="{FF2B5EF4-FFF2-40B4-BE49-F238E27FC236}">
+                <a16:creationId xmlns:a16="http://schemas.microsoft.com/office/drawing/2014/main" id="{B5D521F6-23BD-8409-EA1B-3BC0445B0C55}"/>
               </a:ext>
             </a:extLst>
           </p:cNvPr>
@@ -7469,8 +11440,8 @@
         </p:nvSpPr>
         <p:spPr>
           <a:xfrm>
-            <a:off x="1272778" y="271692"/>
-            <a:ext cx="7227565" cy="369332"/>
+            <a:off x="230282" y="955984"/>
+            <a:ext cx="11595949" cy="5047536"/>
           </a:xfrm>
           <a:prstGeom prst="rect">
             <a:avLst/>
@@ -7484,12 +11455,354 @@
           <a:lstStyle/>
           <a:p>
             <a:r>
+              <a:rPr lang="en-GB" sz="1400" b="1" dirty="0">
+                <a:solidFill>
+                  <a:srgbClr val="CC99FF"/>
+                </a:solidFill>
+              </a:rPr>
+              <a:t>General</a:t>
+            </a:r>
+          </a:p>
+          <a:p>
+            <a:r>
+              <a:rPr lang="en-GB" sz="1400" dirty="0">
+                <a:solidFill>
+                  <a:schemeClr val="bg1"/>
+                </a:solidFill>
+              </a:rPr>
+              <a:t>Tidio is a ticketing tool for customer service. When an incidence occurs, an user opens a ticket that Will be handled by an agent. The Tidio application runs on the Tidio Cloud and is integrated with WooCommerce and email. The Tidio allows to interact the customers and the agents through a chat and in case needed also by email.</a:t>
+            </a:r>
+          </a:p>
+          <a:p>
+            <a:endParaRPr lang="en-GB" sz="1400" dirty="0">
+              <a:solidFill>
+                <a:schemeClr val="bg1"/>
+              </a:solidFill>
+            </a:endParaRPr>
+          </a:p>
+          <a:p>
+            <a:r>
+              <a:rPr lang="en-GB" sz="1400" b="1" dirty="0">
+                <a:solidFill>
+                  <a:srgbClr val="CC99FF"/>
+                </a:solidFill>
+              </a:rPr>
+              <a:t>Used by</a:t>
+            </a:r>
+          </a:p>
+          <a:p>
+            <a:pPr marL="285750" indent="-285750">
+              <a:buFont typeface="Arial" panose="020B0604020202020204" pitchFamily="34" charset="0"/>
+              <a:buChar char="•"/>
+            </a:pPr>
+            <a:r>
+              <a:rPr lang="en-GB" sz="1400" b="1" dirty="0">
+                <a:solidFill>
+                  <a:schemeClr val="bg1"/>
+                </a:solidFill>
+              </a:rPr>
+              <a:t>La </a:t>
+            </a:r>
+            <a:r>
+              <a:rPr lang="en-GB" sz="1400" b="1" dirty="0">
+                <a:solidFill>
+                  <a:schemeClr val="accent4">
+                    <a:lumMod val="60000"/>
+                    <a:lumOff val="40000"/>
+                  </a:schemeClr>
+                </a:solidFill>
+              </a:rPr>
+              <a:t>Botiga</a:t>
+            </a:r>
+            <a:r>
+              <a:rPr lang="en-GB" sz="1400" b="1" dirty="0">
+                <a:solidFill>
+                  <a:schemeClr val="bg1"/>
+                </a:solidFill>
+              </a:rPr>
+              <a:t> </a:t>
+            </a:r>
+            <a:r>
+              <a:rPr lang="en-GB" sz="1400" b="1" dirty="0">
+                <a:solidFill>
+                  <a:schemeClr val="accent4">
+                    <a:lumMod val="60000"/>
+                    <a:lumOff val="40000"/>
+                  </a:schemeClr>
+                </a:solidFill>
+              </a:rPr>
+              <a:t>Market.</a:t>
+            </a:r>
+          </a:p>
+          <a:p>
+            <a:r>
+              <a:rPr lang="en-GB" sz="1400" dirty="0">
+                <a:solidFill>
+                  <a:schemeClr val="bg1"/>
+                </a:solidFill>
+              </a:rPr>
+              <a:t>The customers buying on La Botiga Market can interact with Tidio for inquiries related with the eCommerce such as; Devolutions, tracking of an order, issues with the account, issues related with an order or any other inquiry.</a:t>
+            </a:r>
+          </a:p>
+          <a:p>
+            <a:pPr marL="285750" indent="-285750">
+              <a:buFont typeface="Arial" panose="020B0604020202020204" pitchFamily="34" charset="0"/>
+              <a:buChar char="•"/>
+            </a:pPr>
+            <a:r>
+              <a:rPr lang="en-GB" sz="1400" b="1" dirty="0">
+                <a:solidFill>
+                  <a:srgbClr val="FC8C8C"/>
+                </a:solidFill>
+              </a:rPr>
+              <a:t>MIM</a:t>
+            </a:r>
+            <a:r>
+              <a:rPr lang="en-GB" sz="1400" b="1" dirty="0">
+                <a:solidFill>
+                  <a:schemeClr val="bg1"/>
+                </a:solidFill>
+              </a:rPr>
+              <a:t> </a:t>
+            </a:r>
+            <a:r>
+              <a:rPr lang="en-GB" sz="1400" b="1" dirty="0">
+                <a:solidFill>
+                  <a:srgbClr val="FC8C8C"/>
+                </a:solidFill>
+              </a:rPr>
+              <a:t>Spare.</a:t>
+            </a:r>
+          </a:p>
+          <a:p>
+            <a:r>
+              <a:rPr lang="en-GB" sz="1400" dirty="0">
+                <a:solidFill>
+                  <a:schemeClr val="bg1"/>
+                </a:solidFill>
+              </a:rPr>
+              <a:t>The customers of MIM Spare eCommerce can interact with the agents for issues related with the </a:t>
+            </a:r>
+          </a:p>
+          <a:p>
+            <a:pPr marL="285750" indent="-285750">
+              <a:buFont typeface="Arial" panose="020B0604020202020204" pitchFamily="34" charset="0"/>
+              <a:buChar char="•"/>
+            </a:pPr>
+            <a:endParaRPr lang="en-GB" sz="1400" dirty="0">
+              <a:solidFill>
+                <a:schemeClr val="bg1"/>
+              </a:solidFill>
+            </a:endParaRPr>
+          </a:p>
+          <a:p>
+            <a:r>
+              <a:rPr lang="en-GB" sz="1400" b="1" dirty="0">
+                <a:solidFill>
+                  <a:srgbClr val="CC99FF"/>
+                </a:solidFill>
+              </a:rPr>
+              <a:t>Main</a:t>
+            </a:r>
+            <a:r>
+              <a:rPr lang="en-GB" sz="1400" b="1" dirty="0">
+                <a:solidFill>
+                  <a:schemeClr val="bg1"/>
+                </a:solidFill>
+              </a:rPr>
+              <a:t> </a:t>
+            </a:r>
+            <a:r>
+              <a:rPr lang="en-GB" sz="1400" b="1" dirty="0">
+                <a:solidFill>
+                  <a:srgbClr val="CC99FF"/>
+                </a:solidFill>
+              </a:rPr>
+              <a:t>accounts</a:t>
+            </a:r>
+          </a:p>
+          <a:p>
+            <a:pPr marL="285750" indent="-285750">
+              <a:buFont typeface="Arial" panose="020B0604020202020204" pitchFamily="34" charset="0"/>
+              <a:buChar char="•"/>
+            </a:pPr>
+            <a:r>
+              <a:rPr lang="en-GB" sz="1400" dirty="0" err="1">
+                <a:solidFill>
+                  <a:srgbClr val="CC99FF"/>
+                </a:solidFill>
+              </a:rPr>
+              <a:t>admin@domain</a:t>
+            </a:r>
+            <a:r>
+              <a:rPr lang="en-GB" sz="1400" dirty="0">
+                <a:solidFill>
+                  <a:srgbClr val="CC99FF"/>
+                </a:solidFill>
+              </a:rPr>
+              <a:t> </a:t>
+            </a:r>
+            <a:r>
+              <a:rPr lang="en-GB" sz="1400" dirty="0">
+                <a:solidFill>
+                  <a:schemeClr val="bg1"/>
+                </a:solidFill>
+              </a:rPr>
+              <a:t>used for the management of the application, the admin has full access to the applications.</a:t>
+            </a:r>
+          </a:p>
+          <a:p>
+            <a:pPr marL="285750" indent="-285750">
+              <a:buFont typeface="Arial" panose="020B0604020202020204" pitchFamily="34" charset="0"/>
+              <a:buChar char="•"/>
+            </a:pPr>
+            <a:r>
+              <a:rPr lang="en-GB" sz="1400" dirty="0" err="1">
+                <a:solidFill>
+                  <a:srgbClr val="CC99FF"/>
+                </a:solidFill>
+              </a:rPr>
+              <a:t>info@domain</a:t>
+            </a:r>
+            <a:r>
+              <a:rPr lang="en-GB" sz="1400" dirty="0">
+                <a:solidFill>
+                  <a:srgbClr val="CC99FF"/>
+                </a:solidFill>
+              </a:rPr>
+              <a:t> </a:t>
+            </a:r>
+            <a:r>
+              <a:rPr lang="en-GB" sz="1400" dirty="0">
+                <a:solidFill>
+                  <a:schemeClr val="bg1"/>
+                </a:solidFill>
+              </a:rPr>
+              <a:t>used by the customers to start a Tidio chat conversation.</a:t>
+            </a:r>
+          </a:p>
+          <a:p>
+            <a:pPr marL="285750" indent="-285750">
+              <a:buFont typeface="Arial" panose="020B0604020202020204" pitchFamily="34" charset="0"/>
+              <a:buChar char="•"/>
+            </a:pPr>
+            <a:endParaRPr lang="en-GB" sz="1400" dirty="0">
+              <a:solidFill>
+                <a:schemeClr val="bg1"/>
+              </a:solidFill>
+            </a:endParaRPr>
+          </a:p>
+          <a:p>
+            <a:r>
+              <a:rPr lang="en-GB" sz="1400" b="1" dirty="0">
+                <a:solidFill>
+                  <a:srgbClr val="CC99FF"/>
+                </a:solidFill>
+              </a:rPr>
+              <a:t>Inquiries</a:t>
+            </a:r>
+          </a:p>
+          <a:p>
+            <a:r>
+              <a:rPr lang="en-GB" sz="1400" dirty="0">
+                <a:solidFill>
+                  <a:schemeClr val="bg1"/>
+                </a:solidFill>
+              </a:rPr>
+              <a:t>The tickets are created for the customers and these can be created directly on the Tidio chat on the web application or by sending an email to the sales email of the company.</a:t>
+            </a:r>
+          </a:p>
+          <a:p>
+            <a:endParaRPr lang="en-GB" sz="1400" dirty="0">
+              <a:solidFill>
+                <a:schemeClr val="bg1"/>
+              </a:solidFill>
+            </a:endParaRPr>
+          </a:p>
+          <a:p>
+            <a:r>
+              <a:rPr lang="en-GB" sz="1400" b="1" dirty="0">
+                <a:solidFill>
+                  <a:srgbClr val="CC99FF"/>
+                </a:solidFill>
+              </a:rPr>
+              <a:t>More information</a:t>
+            </a:r>
+          </a:p>
+          <a:p>
+            <a:r>
+              <a:rPr lang="en-GB" sz="1400" dirty="0">
+                <a:solidFill>
+                  <a:schemeClr val="bg1"/>
+                </a:solidFill>
+              </a:rPr>
+              <a:t>More information about the tool and how to use it can be found in the official website </a:t>
+            </a:r>
+            <a:r>
+              <a:rPr lang="en-GB" sz="1400" dirty="0">
+                <a:solidFill>
+                  <a:srgbClr val="CC99FF"/>
+                </a:solidFill>
+                <a:hlinkClick r:id="rId2">
+                  <a:extLst>
+                    <a:ext uri="{A12FA001-AC4F-418D-AE19-62706E023703}">
+                      <ahyp:hlinkClr xmlns:ahyp="http://schemas.microsoft.com/office/drawing/2018/hyperlinkcolor" val="tx"/>
+                    </a:ext>
+                  </a:extLst>
+                </a:hlinkClick>
+              </a:rPr>
+              <a:t>https://www.tidio.com</a:t>
+            </a:r>
+            <a:endParaRPr lang="en-GB" sz="1400" dirty="0">
+              <a:solidFill>
+                <a:srgbClr val="CC99FF"/>
+              </a:solidFill>
+            </a:endParaRPr>
+          </a:p>
+          <a:p>
+            <a:endParaRPr lang="en-GB" sz="1400" dirty="0">
+              <a:solidFill>
+                <a:schemeClr val="bg1"/>
+              </a:solidFill>
+            </a:endParaRPr>
+          </a:p>
+        </p:txBody>
+      </p:sp>
+      <p:sp>
+        <p:nvSpPr>
+          <p:cNvPr id="2" name="CuadroTexto 1">
+            <a:extLst>
+              <a:ext uri="{FF2B5EF4-FFF2-40B4-BE49-F238E27FC236}">
+                <a16:creationId xmlns:a16="http://schemas.microsoft.com/office/drawing/2014/main" id="{BAEA0D98-05E4-E10D-EB44-AD566BE7CA96}"/>
+              </a:ext>
+            </a:extLst>
+          </p:cNvPr>
+          <p:cNvSpPr txBox="1"/>
+          <p:nvPr/>
+        </p:nvSpPr>
+        <p:spPr>
+          <a:xfrm>
+            <a:off x="1272778" y="271692"/>
+            <a:ext cx="7227565" cy="369332"/>
+          </a:xfrm>
+          <a:prstGeom prst="rect">
+            <a:avLst/>
+          </a:prstGeom>
+          <a:noFill/>
+        </p:spPr>
+        <p:txBody>
+          <a:bodyPr wrap="square" rtlCol="0">
+            <a:spAutoFit/>
+          </a:bodyPr>
+          <a:lstStyle/>
+          <a:p>
+            <a:r>
               <a:rPr lang="es-ES" b="1" dirty="0">
                 <a:solidFill>
                   <a:schemeClr val="bg1"/>
                 </a:solidFill>
               </a:rPr>
-              <a:t>Sendcloud</a:t>
+              <a:t>Tidio</a:t>
             </a:r>
           </a:p>
         </p:txBody>
@@ -7577,7 +11890,7 @@
     </p:spTree>
     <p:extLst>
       <p:ext uri="{BB962C8B-B14F-4D97-AF65-F5344CB8AC3E}">
-        <p14:creationId xmlns:p14="http://schemas.microsoft.com/office/powerpoint/2010/main" val="1164405474"/>
+        <p14:creationId xmlns:p14="http://schemas.microsoft.com/office/powerpoint/2010/main" val="951064291"/>
       </p:ext>
     </p:extLst>
   </p:cSld>
@@ -7638,7 +11951,7 @@
                   <a:schemeClr val="bg1"/>
                 </a:solidFill>
               </a:rPr>
-              <a:t>Definition</a:t>
+              <a:t>Sendcloud</a:t>
             </a:r>
           </a:p>
         </p:txBody>
@@ -7677,7 +11990,7 @@
                   <a:schemeClr val="bg1"/>
                 </a:solidFill>
               </a:rPr>
-              <a:t>APIs</a:t>
+              <a:t>Apps</a:t>
             </a:r>
           </a:p>
         </p:txBody>
@@ -7723,10 +12036,1197 @@
           </a:fontRef>
         </p:style>
       </p:cxnSp>
+      <p:sp>
+        <p:nvSpPr>
+          <p:cNvPr id="4" name="CuadroTexto 3">
+            <a:extLst>
+              <a:ext uri="{FF2B5EF4-FFF2-40B4-BE49-F238E27FC236}">
+                <a16:creationId xmlns:a16="http://schemas.microsoft.com/office/drawing/2014/main" id="{084AB886-50A9-F53A-F499-75FD40C5E447}"/>
+              </a:ext>
+            </a:extLst>
+          </p:cNvPr>
+          <p:cNvSpPr txBox="1"/>
+          <p:nvPr/>
+        </p:nvSpPr>
+        <p:spPr>
+          <a:xfrm>
+            <a:off x="230282" y="955984"/>
+            <a:ext cx="11595949" cy="4616648"/>
+          </a:xfrm>
+          <a:prstGeom prst="rect">
+            <a:avLst/>
+          </a:prstGeom>
+          <a:noFill/>
+        </p:spPr>
+        <p:txBody>
+          <a:bodyPr wrap="square" rtlCol="0">
+            <a:spAutoFit/>
+          </a:bodyPr>
+          <a:lstStyle/>
+          <a:p>
+            <a:r>
+              <a:rPr lang="en-GB" sz="1400" b="1" dirty="0">
+                <a:solidFill>
+                  <a:srgbClr val="CC99FF"/>
+                </a:solidFill>
+              </a:rPr>
+              <a:t>General</a:t>
+            </a:r>
+          </a:p>
+          <a:p>
+            <a:r>
+              <a:rPr lang="en-GB" sz="1400" dirty="0">
+                <a:solidFill>
+                  <a:schemeClr val="bg1"/>
+                </a:solidFill>
+              </a:rPr>
+              <a:t>Sendcloud is an application that connects to the delivery </a:t>
+            </a:r>
+            <a:r>
+              <a:rPr lang="en-GB" sz="1400" dirty="0" err="1">
+                <a:solidFill>
+                  <a:schemeClr val="bg1"/>
+                </a:solidFill>
+              </a:rPr>
+              <a:t>transportists</a:t>
+            </a:r>
+            <a:r>
+              <a:rPr lang="en-GB" sz="1400" dirty="0">
+                <a:solidFill>
+                  <a:schemeClr val="bg1"/>
+                </a:solidFill>
+              </a:rPr>
+              <a:t> to send the items.</a:t>
+            </a:r>
+          </a:p>
+          <a:p>
+            <a:endParaRPr lang="en-GB" sz="1400" dirty="0">
+              <a:solidFill>
+                <a:schemeClr val="bg1"/>
+              </a:solidFill>
+            </a:endParaRPr>
+          </a:p>
+          <a:p>
+            <a:r>
+              <a:rPr lang="en-GB" sz="1400" b="1" dirty="0">
+                <a:solidFill>
+                  <a:srgbClr val="CC99FF"/>
+                </a:solidFill>
+              </a:rPr>
+              <a:t>Used by</a:t>
+            </a:r>
+          </a:p>
+          <a:p>
+            <a:pPr marL="285750" indent="-285750">
+              <a:buFont typeface="Arial" panose="020B0604020202020204" pitchFamily="34" charset="0"/>
+              <a:buChar char="•"/>
+            </a:pPr>
+            <a:r>
+              <a:rPr lang="en-GB" sz="1400" b="1" dirty="0">
+                <a:solidFill>
+                  <a:schemeClr val="bg1"/>
+                </a:solidFill>
+              </a:rPr>
+              <a:t>La </a:t>
+            </a:r>
+            <a:r>
+              <a:rPr lang="en-GB" sz="1400" b="1" dirty="0">
+                <a:solidFill>
+                  <a:schemeClr val="accent4">
+                    <a:lumMod val="60000"/>
+                    <a:lumOff val="40000"/>
+                  </a:schemeClr>
+                </a:solidFill>
+              </a:rPr>
+              <a:t>Botiga</a:t>
+            </a:r>
+            <a:r>
+              <a:rPr lang="en-GB" sz="1400" b="1" dirty="0">
+                <a:solidFill>
+                  <a:schemeClr val="bg1"/>
+                </a:solidFill>
+              </a:rPr>
+              <a:t> </a:t>
+            </a:r>
+            <a:r>
+              <a:rPr lang="en-GB" sz="1400" b="1" dirty="0">
+                <a:solidFill>
+                  <a:schemeClr val="accent4">
+                    <a:lumMod val="60000"/>
+                    <a:lumOff val="40000"/>
+                  </a:schemeClr>
+                </a:solidFill>
+              </a:rPr>
+              <a:t>Market.</a:t>
+            </a:r>
+          </a:p>
+          <a:p>
+            <a:r>
+              <a:rPr lang="en-GB" sz="1400" dirty="0">
+                <a:solidFill>
+                  <a:schemeClr val="bg1"/>
+                </a:solidFill>
+              </a:rPr>
+              <a:t>The customers buying on La Botiga Market can interact with Tidio for inquiries related with the eCommerce such as; Devolutions, tracking of an order, issues with the account, issues related with an order or any other inquiry.</a:t>
+            </a:r>
+          </a:p>
+          <a:p>
+            <a:pPr marL="285750" indent="-285750">
+              <a:buFont typeface="Arial" panose="020B0604020202020204" pitchFamily="34" charset="0"/>
+              <a:buChar char="•"/>
+            </a:pPr>
+            <a:r>
+              <a:rPr lang="en-GB" sz="1400" b="1" dirty="0">
+                <a:solidFill>
+                  <a:srgbClr val="FC8C8C"/>
+                </a:solidFill>
+              </a:rPr>
+              <a:t>MIM</a:t>
+            </a:r>
+            <a:r>
+              <a:rPr lang="en-GB" sz="1400" b="1" dirty="0">
+                <a:solidFill>
+                  <a:schemeClr val="bg1"/>
+                </a:solidFill>
+              </a:rPr>
+              <a:t> </a:t>
+            </a:r>
+            <a:r>
+              <a:rPr lang="en-GB" sz="1400" b="1" dirty="0">
+                <a:solidFill>
+                  <a:srgbClr val="FC8C8C"/>
+                </a:solidFill>
+              </a:rPr>
+              <a:t>Spare.</a:t>
+            </a:r>
+          </a:p>
+          <a:p>
+            <a:r>
+              <a:rPr lang="en-GB" sz="1400" dirty="0">
+                <a:solidFill>
+                  <a:schemeClr val="bg1"/>
+                </a:solidFill>
+              </a:rPr>
+              <a:t>The customers of MIM Spare eCommerce can interact with the agents for issues related with the </a:t>
+            </a:r>
+          </a:p>
+          <a:p>
+            <a:pPr marL="285750" indent="-285750">
+              <a:buFont typeface="Arial" panose="020B0604020202020204" pitchFamily="34" charset="0"/>
+              <a:buChar char="•"/>
+            </a:pPr>
+            <a:endParaRPr lang="en-GB" sz="1400" dirty="0">
+              <a:solidFill>
+                <a:schemeClr val="bg1"/>
+              </a:solidFill>
+            </a:endParaRPr>
+          </a:p>
+          <a:p>
+            <a:r>
+              <a:rPr lang="en-GB" sz="1400" b="1" dirty="0">
+                <a:solidFill>
+                  <a:srgbClr val="CC99FF"/>
+                </a:solidFill>
+              </a:rPr>
+              <a:t>Main</a:t>
+            </a:r>
+            <a:r>
+              <a:rPr lang="en-GB" sz="1400" b="1" dirty="0">
+                <a:solidFill>
+                  <a:schemeClr val="bg1"/>
+                </a:solidFill>
+              </a:rPr>
+              <a:t> </a:t>
+            </a:r>
+            <a:r>
+              <a:rPr lang="en-GB" sz="1400" b="1" dirty="0">
+                <a:solidFill>
+                  <a:srgbClr val="CC99FF"/>
+                </a:solidFill>
+              </a:rPr>
+              <a:t>accounts</a:t>
+            </a:r>
+          </a:p>
+          <a:p>
+            <a:pPr marL="285750" indent="-285750">
+              <a:buFont typeface="Arial" panose="020B0604020202020204" pitchFamily="34" charset="0"/>
+              <a:buChar char="•"/>
+            </a:pPr>
+            <a:r>
+              <a:rPr lang="en-GB" sz="1400" dirty="0" err="1">
+                <a:solidFill>
+                  <a:srgbClr val="CC99FF"/>
+                </a:solidFill>
+              </a:rPr>
+              <a:t>admin@domain</a:t>
+            </a:r>
+            <a:r>
+              <a:rPr lang="en-GB" sz="1400" dirty="0">
+                <a:solidFill>
+                  <a:srgbClr val="CC99FF"/>
+                </a:solidFill>
+              </a:rPr>
+              <a:t> </a:t>
+            </a:r>
+            <a:r>
+              <a:rPr lang="en-GB" sz="1400" dirty="0">
+                <a:solidFill>
+                  <a:schemeClr val="bg1"/>
+                </a:solidFill>
+              </a:rPr>
+              <a:t>used for the management of the application, the admin has full access to the applications.</a:t>
+            </a:r>
+          </a:p>
+          <a:p>
+            <a:pPr marL="285750" indent="-285750">
+              <a:buFont typeface="Arial" panose="020B0604020202020204" pitchFamily="34" charset="0"/>
+              <a:buChar char="•"/>
+            </a:pPr>
+            <a:r>
+              <a:rPr lang="en-GB" sz="1400" dirty="0" err="1">
+                <a:solidFill>
+                  <a:srgbClr val="CC99FF"/>
+                </a:solidFill>
+              </a:rPr>
+              <a:t>info@domain</a:t>
+            </a:r>
+            <a:r>
+              <a:rPr lang="en-GB" sz="1400" dirty="0">
+                <a:solidFill>
+                  <a:srgbClr val="CC99FF"/>
+                </a:solidFill>
+              </a:rPr>
+              <a:t> </a:t>
+            </a:r>
+            <a:r>
+              <a:rPr lang="en-GB" sz="1400" dirty="0">
+                <a:solidFill>
+                  <a:schemeClr val="bg1"/>
+                </a:solidFill>
+              </a:rPr>
+              <a:t>used by the customers to start a Tidio chat conversation.</a:t>
+            </a:r>
+          </a:p>
+          <a:p>
+            <a:pPr marL="285750" indent="-285750">
+              <a:buFont typeface="Arial" panose="020B0604020202020204" pitchFamily="34" charset="0"/>
+              <a:buChar char="•"/>
+            </a:pPr>
+            <a:endParaRPr lang="en-GB" sz="1400" dirty="0">
+              <a:solidFill>
+                <a:schemeClr val="bg1"/>
+              </a:solidFill>
+            </a:endParaRPr>
+          </a:p>
+          <a:p>
+            <a:r>
+              <a:rPr lang="en-GB" sz="1400" b="1" dirty="0">
+                <a:solidFill>
+                  <a:srgbClr val="CC99FF"/>
+                </a:solidFill>
+              </a:rPr>
+              <a:t>Inquiries</a:t>
+            </a:r>
+          </a:p>
+          <a:p>
+            <a:r>
+              <a:rPr lang="en-GB" sz="1400" dirty="0">
+                <a:solidFill>
+                  <a:schemeClr val="bg1"/>
+                </a:solidFill>
+              </a:rPr>
+              <a:t>The tickets are created for the customers and these can be created directly on the Tidio chat on the web application or by sending an email to the sales email of the company.</a:t>
+            </a:r>
+          </a:p>
+          <a:p>
+            <a:endParaRPr lang="en-GB" sz="1400" dirty="0">
+              <a:solidFill>
+                <a:schemeClr val="bg1"/>
+              </a:solidFill>
+            </a:endParaRPr>
+          </a:p>
+          <a:p>
+            <a:r>
+              <a:rPr lang="en-GB" sz="1400" b="1" dirty="0">
+                <a:solidFill>
+                  <a:srgbClr val="CC99FF"/>
+                </a:solidFill>
+              </a:rPr>
+              <a:t>More information</a:t>
+            </a:r>
+          </a:p>
+          <a:p>
+            <a:r>
+              <a:rPr lang="en-GB" sz="1400" dirty="0">
+                <a:solidFill>
+                  <a:schemeClr val="bg1"/>
+                </a:solidFill>
+              </a:rPr>
+              <a:t>More information about the tool and how to use it can be found in the official website </a:t>
+            </a:r>
+            <a:r>
+              <a:rPr lang="en-GB" sz="1400" dirty="0">
+                <a:solidFill>
+                  <a:srgbClr val="CC99FF"/>
+                </a:solidFill>
+                <a:hlinkClick r:id="rId2">
+                  <a:extLst>
+                    <a:ext uri="{A12FA001-AC4F-418D-AE19-62706E023703}">
+                      <ahyp:hlinkClr xmlns:ahyp="http://schemas.microsoft.com/office/drawing/2018/hyperlinkcolor" val="tx"/>
+                    </a:ext>
+                  </a:extLst>
+                </a:hlinkClick>
+              </a:rPr>
+              <a:t>https://www.sendcloud.com</a:t>
+            </a:r>
+            <a:endParaRPr lang="en-GB" sz="1400" dirty="0">
+              <a:solidFill>
+                <a:srgbClr val="CC99FF"/>
+              </a:solidFill>
+            </a:endParaRPr>
+          </a:p>
+          <a:p>
+            <a:endParaRPr lang="en-GB" sz="1400" dirty="0">
+              <a:solidFill>
+                <a:schemeClr val="bg1"/>
+              </a:solidFill>
+            </a:endParaRPr>
+          </a:p>
+        </p:txBody>
+      </p:sp>
+    </p:spTree>
+    <p:extLst>
+      <p:ext uri="{BB962C8B-B14F-4D97-AF65-F5344CB8AC3E}">
+        <p14:creationId xmlns:p14="http://schemas.microsoft.com/office/powerpoint/2010/main" val="1164405474"/>
+      </p:ext>
+    </p:extLst>
+  </p:cSld>
+  <p:clrMapOvr>
+    <a:masterClrMapping/>
+  </p:clrMapOvr>
+</p:sld>
+</file>
+
+<file path=ppt/slides/slide6.xml><?xml version="1.0" encoding="utf-8"?>
+<p:sld xmlns:a="http://schemas.openxmlformats.org/drawingml/2006/main" xmlns:r="http://schemas.openxmlformats.org/officeDocument/2006/relationships" xmlns:p="http://schemas.openxmlformats.org/presentationml/2006/main">
+  <p:cSld>
+    <p:spTree>
+      <p:nvGrpSpPr>
+        <p:cNvPr id="1" name=""/>
+        <p:cNvGrpSpPr/>
+        <p:nvPr/>
+      </p:nvGrpSpPr>
+      <p:grpSpPr>
+        <a:xfrm>
+          <a:off x="0" y="0"/>
+          <a:ext cx="0" cy="0"/>
+          <a:chOff x="0" y="0"/>
+          <a:chExt cx="0" cy="0"/>
+        </a:xfrm>
+      </p:grpSpPr>
+      <p:sp>
+        <p:nvSpPr>
+          <p:cNvPr id="2" name="CuadroTexto 1">
+            <a:extLst>
+              <a:ext uri="{FF2B5EF4-FFF2-40B4-BE49-F238E27FC236}">
+                <a16:creationId xmlns:a16="http://schemas.microsoft.com/office/drawing/2014/main" id="{BAEA0D98-05E4-E10D-EB44-AD566BE7CA96}"/>
+              </a:ext>
+            </a:extLst>
+          </p:cNvPr>
+          <p:cNvSpPr txBox="1"/>
+          <p:nvPr/>
+        </p:nvSpPr>
+        <p:spPr>
+          <a:xfrm>
+            <a:off x="1272778" y="271692"/>
+            <a:ext cx="7227565" cy="369332"/>
+          </a:xfrm>
+          <a:prstGeom prst="rect">
+            <a:avLst/>
+          </a:prstGeom>
+          <a:noFill/>
+        </p:spPr>
+        <p:txBody>
+          <a:bodyPr wrap="square" rtlCol="0">
+            <a:spAutoFit/>
+          </a:bodyPr>
+          <a:lstStyle/>
+          <a:p>
+            <a:r>
+              <a:rPr lang="es-ES" b="1" dirty="0">
+                <a:solidFill>
+                  <a:schemeClr val="bg1"/>
+                </a:solidFill>
+              </a:rPr>
+              <a:t>API WooCommerce - Sage</a:t>
+            </a:r>
+          </a:p>
+        </p:txBody>
+      </p:sp>
+      <p:sp>
+        <p:nvSpPr>
+          <p:cNvPr id="3" name="CuadroTexto 2">
+            <a:extLst>
+              <a:ext uri="{FF2B5EF4-FFF2-40B4-BE49-F238E27FC236}">
+                <a16:creationId xmlns:a16="http://schemas.microsoft.com/office/drawing/2014/main" id="{DC563E51-BCA8-57FB-C8E8-C22BB50E317E}"/>
+              </a:ext>
+            </a:extLst>
+          </p:cNvPr>
+          <p:cNvSpPr txBox="1"/>
+          <p:nvPr/>
+        </p:nvSpPr>
+        <p:spPr>
+          <a:xfrm>
+            <a:off x="230283" y="271692"/>
+            <a:ext cx="856837" cy="369332"/>
+          </a:xfrm>
+          <a:prstGeom prst="rect">
+            <a:avLst/>
+          </a:prstGeom>
+          <a:noFill/>
+        </p:spPr>
+        <p:txBody>
+          <a:bodyPr wrap="square" rtlCol="0">
+            <a:spAutoFit/>
+          </a:bodyPr>
+          <a:lstStyle/>
+          <a:p>
+            <a:r>
+              <a:rPr lang="es-ES" b="1" dirty="0">
+                <a:solidFill>
+                  <a:schemeClr val="bg1"/>
+                </a:solidFill>
+              </a:rPr>
+              <a:t>APIs</a:t>
+            </a:r>
+          </a:p>
+        </p:txBody>
+      </p:sp>
+      <p:cxnSp>
+        <p:nvCxnSpPr>
+          <p:cNvPr id="5" name="Conector recto 4">
+            <a:extLst>
+              <a:ext uri="{FF2B5EF4-FFF2-40B4-BE49-F238E27FC236}">
+                <a16:creationId xmlns:a16="http://schemas.microsoft.com/office/drawing/2014/main" id="{FB6C8116-AB68-B8C0-A9B3-12B97A3CCB9F}"/>
+              </a:ext>
+            </a:extLst>
+          </p:cNvPr>
+          <p:cNvCxnSpPr/>
+          <p:nvPr/>
+        </p:nvCxnSpPr>
+        <p:spPr>
+          <a:xfrm>
+            <a:off x="924560" y="271692"/>
+            <a:ext cx="0" cy="369332"/>
+          </a:xfrm>
+          <a:prstGeom prst="line">
+            <a:avLst/>
+          </a:prstGeom>
+          <a:ln w="38100">
+            <a:solidFill>
+              <a:srgbClr val="CC99FF"/>
+            </a:solidFill>
+          </a:ln>
+        </p:spPr>
+        <p:style>
+          <a:lnRef idx="1">
+            <a:schemeClr val="accent1"/>
+          </a:lnRef>
+          <a:fillRef idx="0">
+            <a:schemeClr val="accent1"/>
+          </a:fillRef>
+          <a:effectRef idx="0">
+            <a:schemeClr val="accent1"/>
+          </a:effectRef>
+          <a:fontRef idx="minor">
+            <a:schemeClr val="tx1"/>
+          </a:fontRef>
+        </p:style>
+      </p:cxnSp>
+      <p:sp>
+        <p:nvSpPr>
+          <p:cNvPr id="4" name="CuadroTexto 3">
+            <a:extLst>
+              <a:ext uri="{FF2B5EF4-FFF2-40B4-BE49-F238E27FC236}">
+                <a16:creationId xmlns:a16="http://schemas.microsoft.com/office/drawing/2014/main" id="{B8C6F9F1-71AC-AF6B-9FD4-D6DAECE9FF1C}"/>
+              </a:ext>
+            </a:extLst>
+          </p:cNvPr>
+          <p:cNvSpPr txBox="1"/>
+          <p:nvPr/>
+        </p:nvSpPr>
+        <p:spPr>
+          <a:xfrm>
+            <a:off x="230282" y="955984"/>
+            <a:ext cx="11595949" cy="3970318"/>
+          </a:xfrm>
+          <a:prstGeom prst="rect">
+            <a:avLst/>
+          </a:prstGeom>
+          <a:noFill/>
+        </p:spPr>
+        <p:txBody>
+          <a:bodyPr wrap="square" rtlCol="0">
+            <a:spAutoFit/>
+          </a:bodyPr>
+          <a:lstStyle/>
+          <a:p>
+            <a:r>
+              <a:rPr lang="en-GB" sz="1400" b="1" dirty="0">
+                <a:solidFill>
+                  <a:srgbClr val="CC99FF"/>
+                </a:solidFill>
+              </a:rPr>
+              <a:t>General</a:t>
+            </a:r>
+          </a:p>
+          <a:p>
+            <a:r>
+              <a:rPr lang="en-GB" sz="1400" dirty="0">
+                <a:solidFill>
+                  <a:schemeClr val="bg1"/>
+                </a:solidFill>
+              </a:rPr>
+              <a:t>The API WooCommerce Sage is the interface that syncs the data between the eCommerce and the ERP. Basically </a:t>
+            </a:r>
+            <a:r>
+              <a:rPr lang="en-GB" sz="1400" dirty="0" err="1">
+                <a:solidFill>
+                  <a:schemeClr val="bg1"/>
+                </a:solidFill>
+              </a:rPr>
+              <a:t>interconects</a:t>
+            </a:r>
+            <a:r>
+              <a:rPr lang="en-GB" sz="1400" dirty="0">
+                <a:solidFill>
+                  <a:schemeClr val="bg1"/>
+                </a:solidFill>
+              </a:rPr>
+              <a:t> all the data such as customers, orders, products/articles and others. On the following document it will be defined the messages that has been implemented.</a:t>
+            </a:r>
+          </a:p>
+          <a:p>
+            <a:endParaRPr lang="en-GB" sz="1400" dirty="0">
+              <a:solidFill>
+                <a:schemeClr val="bg1"/>
+              </a:solidFill>
+            </a:endParaRPr>
+          </a:p>
+          <a:p>
+            <a:r>
+              <a:rPr lang="en-GB" sz="1400" b="1" dirty="0">
+                <a:solidFill>
+                  <a:srgbClr val="CC99FF"/>
+                </a:solidFill>
+              </a:rPr>
+              <a:t>Actions</a:t>
+            </a:r>
+          </a:p>
+          <a:p>
+            <a:r>
+              <a:rPr lang="en-GB" sz="1400" dirty="0">
+                <a:solidFill>
+                  <a:schemeClr val="bg1"/>
+                </a:solidFill>
+              </a:rPr>
+              <a:t>GET </a:t>
+            </a:r>
+          </a:p>
+          <a:p>
+            <a:r>
+              <a:rPr lang="en-GB" sz="1400" dirty="0">
+                <a:solidFill>
+                  <a:schemeClr val="bg1"/>
+                </a:solidFill>
+              </a:rPr>
+              <a:t>POST</a:t>
+            </a:r>
+          </a:p>
+          <a:p>
+            <a:r>
+              <a:rPr lang="en-GB" sz="1400" dirty="0">
+                <a:solidFill>
+                  <a:schemeClr val="bg1"/>
+                </a:solidFill>
+              </a:rPr>
+              <a:t>PUT</a:t>
+            </a:r>
+          </a:p>
+          <a:p>
+            <a:r>
+              <a:rPr lang="en-GB" sz="1400" dirty="0">
+                <a:solidFill>
+                  <a:schemeClr val="bg1"/>
+                </a:solidFill>
+              </a:rPr>
+              <a:t>DELETE</a:t>
+            </a:r>
+          </a:p>
+          <a:p>
+            <a:r>
+              <a:rPr lang="en-GB" sz="1400" dirty="0">
+                <a:solidFill>
+                  <a:schemeClr val="bg1"/>
+                </a:solidFill>
+              </a:rPr>
+              <a:t> </a:t>
+            </a:r>
+            <a:endParaRPr lang="en-GB" sz="1400" dirty="0">
+              <a:solidFill>
+                <a:srgbClr val="CC99FF"/>
+              </a:solidFill>
+            </a:endParaRPr>
+          </a:p>
+          <a:p>
+            <a:r>
+              <a:rPr lang="en-GB" sz="1400" b="1" dirty="0">
+                <a:solidFill>
+                  <a:srgbClr val="CC99FF"/>
+                </a:solidFill>
+              </a:rPr>
+              <a:t>Messages</a:t>
+            </a:r>
+          </a:p>
+          <a:p>
+            <a:pPr marL="285750" indent="-285750">
+              <a:buFont typeface="Arial" panose="020B0604020202020204" pitchFamily="34" charset="0"/>
+              <a:buChar char="•"/>
+            </a:pPr>
+            <a:r>
+              <a:rPr lang="en-GB" sz="1400" dirty="0">
+                <a:solidFill>
+                  <a:schemeClr val="bg1"/>
+                </a:solidFill>
+              </a:rPr>
+              <a:t>Products</a:t>
+            </a:r>
+          </a:p>
+          <a:p>
+            <a:pPr marL="742950" lvl="1" indent="-285750">
+              <a:buFont typeface="Arial" panose="020B0604020202020204" pitchFamily="34" charset="0"/>
+              <a:buChar char="•"/>
+            </a:pPr>
+            <a:r>
+              <a:rPr lang="en-GB" sz="1400" dirty="0" err="1">
+                <a:solidFill>
+                  <a:schemeClr val="bg1"/>
+                </a:solidFill>
+              </a:rPr>
+              <a:t>getAllProducts</a:t>
+            </a:r>
+            <a:r>
+              <a:rPr lang="en-GB" sz="1400" dirty="0">
+                <a:solidFill>
+                  <a:schemeClr val="bg1"/>
+                </a:solidFill>
+              </a:rPr>
+              <a:t>():array of products;</a:t>
+            </a:r>
+          </a:p>
+          <a:p>
+            <a:pPr marL="742950" lvl="1" indent="-285750">
+              <a:buFont typeface="Arial" panose="020B0604020202020204" pitchFamily="34" charset="0"/>
+              <a:buChar char="•"/>
+            </a:pPr>
+            <a:r>
+              <a:rPr lang="en-GB" sz="1400" dirty="0">
+                <a:solidFill>
+                  <a:schemeClr val="bg1"/>
+                </a:solidFill>
+              </a:rPr>
+              <a:t>get</a:t>
+            </a:r>
+          </a:p>
+          <a:p>
+            <a:pPr marL="742950" lvl="1" indent="-285750">
+              <a:buFont typeface="Arial" panose="020B0604020202020204" pitchFamily="34" charset="0"/>
+              <a:buChar char="•"/>
+            </a:pPr>
+            <a:r>
+              <a:rPr lang="en-GB" sz="1400" dirty="0">
+                <a:solidFill>
+                  <a:schemeClr val="bg1"/>
+                </a:solidFill>
+              </a:rPr>
+              <a:t>Post </a:t>
+            </a:r>
+            <a:r>
+              <a:rPr lang="en-GB" sz="1400" dirty="0" err="1">
+                <a:solidFill>
+                  <a:schemeClr val="bg1"/>
+                </a:solidFill>
+              </a:rPr>
+              <a:t>updateStock</a:t>
+            </a:r>
+            <a:r>
+              <a:rPr lang="en-GB" sz="1400" dirty="0">
+                <a:solidFill>
+                  <a:schemeClr val="bg1"/>
+                </a:solidFill>
+              </a:rPr>
+              <a:t>();</a:t>
+            </a:r>
+          </a:p>
+          <a:p>
+            <a:pPr marL="285750" indent="-285750">
+              <a:buFont typeface="Arial" panose="020B0604020202020204" pitchFamily="34" charset="0"/>
+              <a:buChar char="•"/>
+            </a:pPr>
+            <a:r>
+              <a:rPr lang="en-GB" sz="1400" dirty="0">
+                <a:solidFill>
+                  <a:schemeClr val="bg1"/>
+                </a:solidFill>
+              </a:rPr>
+              <a:t>Orders</a:t>
+            </a:r>
+          </a:p>
+          <a:p>
+            <a:pPr marL="285750" indent="-285750">
+              <a:buFont typeface="Arial" panose="020B0604020202020204" pitchFamily="34" charset="0"/>
+              <a:buChar char="•"/>
+            </a:pPr>
+            <a:r>
+              <a:rPr lang="en-GB" sz="1400" dirty="0">
+                <a:solidFill>
+                  <a:schemeClr val="bg1"/>
+                </a:solidFill>
+              </a:rPr>
+              <a:t>Customers</a:t>
+            </a:r>
+          </a:p>
+          <a:p>
+            <a:pPr marL="285750" indent="-285750">
+              <a:buFont typeface="Arial" panose="020B0604020202020204" pitchFamily="34" charset="0"/>
+              <a:buChar char="•"/>
+            </a:pPr>
+            <a:endParaRPr lang="en-GB" sz="1400" dirty="0">
+              <a:solidFill>
+                <a:schemeClr val="bg1"/>
+              </a:solidFill>
+            </a:endParaRPr>
+          </a:p>
+        </p:txBody>
+      </p:sp>
     </p:spTree>
     <p:extLst>
       <p:ext uri="{BB962C8B-B14F-4D97-AF65-F5344CB8AC3E}">
         <p14:creationId xmlns:p14="http://schemas.microsoft.com/office/powerpoint/2010/main" val="1532190925"/>
+      </p:ext>
+    </p:extLst>
+  </p:cSld>
+  <p:clrMapOvr>
+    <a:masterClrMapping/>
+  </p:clrMapOvr>
+</p:sld>
+</file>
+
+<file path=ppt/slides/slide7.xml><?xml version="1.0" encoding="utf-8"?>
+<p:sld xmlns:a="http://schemas.openxmlformats.org/drawingml/2006/main" xmlns:r="http://schemas.openxmlformats.org/officeDocument/2006/relationships" xmlns:p="http://schemas.openxmlformats.org/presentationml/2006/main">
+  <p:cSld>
+    <p:spTree>
+      <p:nvGrpSpPr>
+        <p:cNvPr id="1" name=""/>
+        <p:cNvGrpSpPr/>
+        <p:nvPr/>
+      </p:nvGrpSpPr>
+      <p:grpSpPr>
+        <a:xfrm>
+          <a:off x="0" y="0"/>
+          <a:ext cx="0" cy="0"/>
+          <a:chOff x="0" y="0"/>
+          <a:chExt cx="0" cy="0"/>
+        </a:xfrm>
+      </p:grpSpPr>
+      <p:sp>
+        <p:nvSpPr>
+          <p:cNvPr id="2" name="CuadroTexto 1">
+            <a:extLst>
+              <a:ext uri="{FF2B5EF4-FFF2-40B4-BE49-F238E27FC236}">
+                <a16:creationId xmlns:a16="http://schemas.microsoft.com/office/drawing/2014/main" id="{BAEA0D98-05E4-E10D-EB44-AD566BE7CA96}"/>
+              </a:ext>
+            </a:extLst>
+          </p:cNvPr>
+          <p:cNvSpPr txBox="1"/>
+          <p:nvPr/>
+        </p:nvSpPr>
+        <p:spPr>
+          <a:xfrm>
+            <a:off x="1272778" y="271692"/>
+            <a:ext cx="7227565" cy="369332"/>
+          </a:xfrm>
+          <a:prstGeom prst="rect">
+            <a:avLst/>
+          </a:prstGeom>
+          <a:noFill/>
+        </p:spPr>
+        <p:txBody>
+          <a:bodyPr wrap="square" rtlCol="0">
+            <a:spAutoFit/>
+          </a:bodyPr>
+          <a:lstStyle/>
+          <a:p>
+            <a:r>
+              <a:rPr lang="es-ES" b="1" dirty="0">
+                <a:solidFill>
+                  <a:schemeClr val="bg1"/>
+                </a:solidFill>
+              </a:rPr>
+              <a:t>API </a:t>
+            </a:r>
+            <a:r>
+              <a:rPr lang="es-ES" b="1" dirty="0" err="1">
+                <a:solidFill>
+                  <a:schemeClr val="bg1"/>
+                </a:solidFill>
+              </a:rPr>
+              <a:t>Soundcloud</a:t>
+            </a:r>
+            <a:r>
+              <a:rPr lang="es-ES" b="1" dirty="0">
+                <a:solidFill>
+                  <a:schemeClr val="bg1"/>
+                </a:solidFill>
+              </a:rPr>
+              <a:t> - WooCommerce</a:t>
+            </a:r>
+          </a:p>
+        </p:txBody>
+      </p:sp>
+      <p:sp>
+        <p:nvSpPr>
+          <p:cNvPr id="3" name="CuadroTexto 2">
+            <a:extLst>
+              <a:ext uri="{FF2B5EF4-FFF2-40B4-BE49-F238E27FC236}">
+                <a16:creationId xmlns:a16="http://schemas.microsoft.com/office/drawing/2014/main" id="{DC563E51-BCA8-57FB-C8E8-C22BB50E317E}"/>
+              </a:ext>
+            </a:extLst>
+          </p:cNvPr>
+          <p:cNvSpPr txBox="1"/>
+          <p:nvPr/>
+        </p:nvSpPr>
+        <p:spPr>
+          <a:xfrm>
+            <a:off x="230283" y="271692"/>
+            <a:ext cx="856837" cy="369332"/>
+          </a:xfrm>
+          <a:prstGeom prst="rect">
+            <a:avLst/>
+          </a:prstGeom>
+          <a:noFill/>
+        </p:spPr>
+        <p:txBody>
+          <a:bodyPr wrap="square" rtlCol="0">
+            <a:spAutoFit/>
+          </a:bodyPr>
+          <a:lstStyle/>
+          <a:p>
+            <a:r>
+              <a:rPr lang="es-ES" b="1" dirty="0">
+                <a:solidFill>
+                  <a:schemeClr val="bg1"/>
+                </a:solidFill>
+              </a:rPr>
+              <a:t>APIs</a:t>
+            </a:r>
+          </a:p>
+        </p:txBody>
+      </p:sp>
+      <p:cxnSp>
+        <p:nvCxnSpPr>
+          <p:cNvPr id="5" name="Conector recto 4">
+            <a:extLst>
+              <a:ext uri="{FF2B5EF4-FFF2-40B4-BE49-F238E27FC236}">
+                <a16:creationId xmlns:a16="http://schemas.microsoft.com/office/drawing/2014/main" id="{FB6C8116-AB68-B8C0-A9B3-12B97A3CCB9F}"/>
+              </a:ext>
+            </a:extLst>
+          </p:cNvPr>
+          <p:cNvCxnSpPr/>
+          <p:nvPr/>
+        </p:nvCxnSpPr>
+        <p:spPr>
+          <a:xfrm>
+            <a:off x="924560" y="271692"/>
+            <a:ext cx="0" cy="369332"/>
+          </a:xfrm>
+          <a:prstGeom prst="line">
+            <a:avLst/>
+          </a:prstGeom>
+          <a:ln w="38100">
+            <a:solidFill>
+              <a:srgbClr val="CC99FF"/>
+            </a:solidFill>
+          </a:ln>
+        </p:spPr>
+        <p:style>
+          <a:lnRef idx="1">
+            <a:schemeClr val="accent1"/>
+          </a:lnRef>
+          <a:fillRef idx="0">
+            <a:schemeClr val="accent1"/>
+          </a:fillRef>
+          <a:effectRef idx="0">
+            <a:schemeClr val="accent1"/>
+          </a:effectRef>
+          <a:fontRef idx="minor">
+            <a:schemeClr val="tx1"/>
+          </a:fontRef>
+        </p:style>
+      </p:cxnSp>
+      <p:sp>
+        <p:nvSpPr>
+          <p:cNvPr id="4" name="CuadroTexto 3">
+            <a:extLst>
+              <a:ext uri="{FF2B5EF4-FFF2-40B4-BE49-F238E27FC236}">
+                <a16:creationId xmlns:a16="http://schemas.microsoft.com/office/drawing/2014/main" id="{B8C6F9F1-71AC-AF6B-9FD4-D6DAECE9FF1C}"/>
+              </a:ext>
+            </a:extLst>
+          </p:cNvPr>
+          <p:cNvSpPr txBox="1"/>
+          <p:nvPr/>
+        </p:nvSpPr>
+        <p:spPr>
+          <a:xfrm>
+            <a:off x="230282" y="955984"/>
+            <a:ext cx="11595949" cy="523220"/>
+          </a:xfrm>
+          <a:prstGeom prst="rect">
+            <a:avLst/>
+          </a:prstGeom>
+          <a:noFill/>
+        </p:spPr>
+        <p:txBody>
+          <a:bodyPr wrap="square" rtlCol="0">
+            <a:spAutoFit/>
+          </a:bodyPr>
+          <a:lstStyle/>
+          <a:p>
+            <a:r>
+              <a:rPr lang="en-GB" sz="1400" b="1" dirty="0">
+                <a:solidFill>
+                  <a:srgbClr val="CC99FF"/>
+                </a:solidFill>
+              </a:rPr>
+              <a:t>General</a:t>
+            </a:r>
+          </a:p>
+          <a:p>
+            <a:pPr marL="285750" indent="-285750">
+              <a:buFont typeface="Arial" panose="020B0604020202020204" pitchFamily="34" charset="0"/>
+              <a:buChar char="•"/>
+            </a:pPr>
+            <a:endParaRPr lang="en-GB" sz="1400" dirty="0">
+              <a:solidFill>
+                <a:schemeClr val="bg1"/>
+              </a:solidFill>
+            </a:endParaRPr>
+          </a:p>
+        </p:txBody>
+      </p:sp>
+    </p:spTree>
+    <p:extLst>
+      <p:ext uri="{BB962C8B-B14F-4D97-AF65-F5344CB8AC3E}">
+        <p14:creationId xmlns:p14="http://schemas.microsoft.com/office/powerpoint/2010/main" val="2052876020"/>
+      </p:ext>
+    </p:extLst>
+  </p:cSld>
+  <p:clrMapOvr>
+    <a:masterClrMapping/>
+  </p:clrMapOvr>
+</p:sld>
+</file>
+
+<file path=ppt/slides/slide8.xml><?xml version="1.0" encoding="utf-8"?>
+<p:sld xmlns:a="http://schemas.openxmlformats.org/drawingml/2006/main" xmlns:r="http://schemas.openxmlformats.org/officeDocument/2006/relationships" xmlns:p="http://schemas.openxmlformats.org/presentationml/2006/main">
+  <p:cSld>
+    <p:spTree>
+      <p:nvGrpSpPr>
+        <p:cNvPr id="1" name=""/>
+        <p:cNvGrpSpPr/>
+        <p:nvPr/>
+      </p:nvGrpSpPr>
+      <p:grpSpPr>
+        <a:xfrm>
+          <a:off x="0" y="0"/>
+          <a:ext cx="0" cy="0"/>
+          <a:chOff x="0" y="0"/>
+          <a:chExt cx="0" cy="0"/>
+        </a:xfrm>
+      </p:grpSpPr>
+      <p:sp>
+        <p:nvSpPr>
+          <p:cNvPr id="2" name="CuadroTexto 1">
+            <a:extLst>
+              <a:ext uri="{FF2B5EF4-FFF2-40B4-BE49-F238E27FC236}">
+                <a16:creationId xmlns:a16="http://schemas.microsoft.com/office/drawing/2014/main" id="{BAEA0D98-05E4-E10D-EB44-AD566BE7CA96}"/>
+              </a:ext>
+            </a:extLst>
+          </p:cNvPr>
+          <p:cNvSpPr txBox="1"/>
+          <p:nvPr/>
+        </p:nvSpPr>
+        <p:spPr>
+          <a:xfrm>
+            <a:off x="1272778" y="271692"/>
+            <a:ext cx="7227565" cy="369332"/>
+          </a:xfrm>
+          <a:prstGeom prst="rect">
+            <a:avLst/>
+          </a:prstGeom>
+          <a:noFill/>
+        </p:spPr>
+        <p:txBody>
+          <a:bodyPr wrap="square" rtlCol="0">
+            <a:spAutoFit/>
+          </a:bodyPr>
+          <a:lstStyle/>
+          <a:p>
+            <a:r>
+              <a:rPr lang="es-ES" b="1" dirty="0">
+                <a:solidFill>
+                  <a:schemeClr val="bg1"/>
+                </a:solidFill>
+              </a:rPr>
+              <a:t>API HiOffice - Sage</a:t>
+            </a:r>
+          </a:p>
+        </p:txBody>
+      </p:sp>
+      <p:sp>
+        <p:nvSpPr>
+          <p:cNvPr id="3" name="CuadroTexto 2">
+            <a:extLst>
+              <a:ext uri="{FF2B5EF4-FFF2-40B4-BE49-F238E27FC236}">
+                <a16:creationId xmlns:a16="http://schemas.microsoft.com/office/drawing/2014/main" id="{DC563E51-BCA8-57FB-C8E8-C22BB50E317E}"/>
+              </a:ext>
+            </a:extLst>
+          </p:cNvPr>
+          <p:cNvSpPr txBox="1"/>
+          <p:nvPr/>
+        </p:nvSpPr>
+        <p:spPr>
+          <a:xfrm>
+            <a:off x="230283" y="271692"/>
+            <a:ext cx="856837" cy="369332"/>
+          </a:xfrm>
+          <a:prstGeom prst="rect">
+            <a:avLst/>
+          </a:prstGeom>
+          <a:noFill/>
+        </p:spPr>
+        <p:txBody>
+          <a:bodyPr wrap="square" rtlCol="0">
+            <a:spAutoFit/>
+          </a:bodyPr>
+          <a:lstStyle/>
+          <a:p>
+            <a:r>
+              <a:rPr lang="es-ES" b="1" dirty="0">
+                <a:solidFill>
+                  <a:schemeClr val="bg1"/>
+                </a:solidFill>
+              </a:rPr>
+              <a:t>APIs</a:t>
+            </a:r>
+          </a:p>
+        </p:txBody>
+      </p:sp>
+      <p:cxnSp>
+        <p:nvCxnSpPr>
+          <p:cNvPr id="5" name="Conector recto 4">
+            <a:extLst>
+              <a:ext uri="{FF2B5EF4-FFF2-40B4-BE49-F238E27FC236}">
+                <a16:creationId xmlns:a16="http://schemas.microsoft.com/office/drawing/2014/main" id="{FB6C8116-AB68-B8C0-A9B3-12B97A3CCB9F}"/>
+              </a:ext>
+            </a:extLst>
+          </p:cNvPr>
+          <p:cNvCxnSpPr/>
+          <p:nvPr/>
+        </p:nvCxnSpPr>
+        <p:spPr>
+          <a:xfrm>
+            <a:off x="924560" y="271692"/>
+            <a:ext cx="0" cy="369332"/>
+          </a:xfrm>
+          <a:prstGeom prst="line">
+            <a:avLst/>
+          </a:prstGeom>
+          <a:ln w="38100">
+            <a:solidFill>
+              <a:srgbClr val="CC99FF"/>
+            </a:solidFill>
+          </a:ln>
+        </p:spPr>
+        <p:style>
+          <a:lnRef idx="1">
+            <a:schemeClr val="accent1"/>
+          </a:lnRef>
+          <a:fillRef idx="0">
+            <a:schemeClr val="accent1"/>
+          </a:fillRef>
+          <a:effectRef idx="0">
+            <a:schemeClr val="accent1"/>
+          </a:effectRef>
+          <a:fontRef idx="minor">
+            <a:schemeClr val="tx1"/>
+          </a:fontRef>
+        </p:style>
+      </p:cxnSp>
+      <p:sp>
+        <p:nvSpPr>
+          <p:cNvPr id="4" name="CuadroTexto 3">
+            <a:extLst>
+              <a:ext uri="{FF2B5EF4-FFF2-40B4-BE49-F238E27FC236}">
+                <a16:creationId xmlns:a16="http://schemas.microsoft.com/office/drawing/2014/main" id="{B8C6F9F1-71AC-AF6B-9FD4-D6DAECE9FF1C}"/>
+              </a:ext>
+            </a:extLst>
+          </p:cNvPr>
+          <p:cNvSpPr txBox="1"/>
+          <p:nvPr/>
+        </p:nvSpPr>
+        <p:spPr>
+          <a:xfrm>
+            <a:off x="230282" y="955984"/>
+            <a:ext cx="11595949" cy="523220"/>
+          </a:xfrm>
+          <a:prstGeom prst="rect">
+            <a:avLst/>
+          </a:prstGeom>
+          <a:noFill/>
+        </p:spPr>
+        <p:txBody>
+          <a:bodyPr wrap="square" rtlCol="0">
+            <a:spAutoFit/>
+          </a:bodyPr>
+          <a:lstStyle/>
+          <a:p>
+            <a:r>
+              <a:rPr lang="en-GB" sz="1400" b="1" dirty="0">
+                <a:solidFill>
+                  <a:srgbClr val="CC99FF"/>
+                </a:solidFill>
+              </a:rPr>
+              <a:t>General</a:t>
+            </a:r>
+          </a:p>
+          <a:p>
+            <a:pPr marL="285750" indent="-285750">
+              <a:buFont typeface="Arial" panose="020B0604020202020204" pitchFamily="34" charset="0"/>
+              <a:buChar char="•"/>
+            </a:pPr>
+            <a:endParaRPr lang="en-GB" sz="1400" dirty="0">
+              <a:solidFill>
+                <a:schemeClr val="bg1"/>
+              </a:solidFill>
+            </a:endParaRPr>
+          </a:p>
+        </p:txBody>
+      </p:sp>
+    </p:spTree>
+    <p:extLst>
+      <p:ext uri="{BB962C8B-B14F-4D97-AF65-F5344CB8AC3E}">
+        <p14:creationId xmlns:p14="http://schemas.microsoft.com/office/powerpoint/2010/main" val="2530770193"/>
       </p:ext>
     </p:extLst>
   </p:cSld>
